--- a/Merge1.pptx
+++ b/Merge1.pptx
@@ -10,14 +10,14 @@
   <p:sldIdLst>
     <p:sldId id="257" r:id="rId2"/>
     <p:sldId id="271" r:id="rId3"/>
-    <p:sldId id="277" r:id="rId4"/>
-    <p:sldId id="276" r:id="rId5"/>
-    <p:sldId id="275" r:id="rId6"/>
-    <p:sldId id="274" r:id="rId7"/>
-    <p:sldId id="273" r:id="rId8"/>
-    <p:sldId id="272" r:id="rId9"/>
-    <p:sldId id="269" r:id="rId10"/>
-    <p:sldId id="270" r:id="rId11"/>
+    <p:sldId id="269" r:id="rId4"/>
+    <p:sldId id="270" r:id="rId5"/>
+    <p:sldId id="277" r:id="rId6"/>
+    <p:sldId id="276" r:id="rId7"/>
+    <p:sldId id="275" r:id="rId8"/>
+    <p:sldId id="274" r:id="rId9"/>
+    <p:sldId id="273" r:id="rId10"/>
+    <p:sldId id="272" r:id="rId11"/>
     <p:sldId id="263" r:id="rId12"/>
     <p:sldId id="268" r:id="rId13"/>
   </p:sldIdLst>
@@ -124,6 +124,34 @@
     </p:ext>
   </p:extLst>
 </p:presentation>
+</file>
+
+<file path=ppt/changesInfos/changesInfo1.xml><?xml version="1.0" encoding="utf-8"?>
+<pc:chgInfo xmlns:a="http://schemas.openxmlformats.org/drawingml/2006/main" xmlns:r="http://schemas.openxmlformats.org/officeDocument/2006/relationships" xmlns:ac="http://schemas.microsoft.com/office/drawing/2013/main/command" xmlns:pc="http://schemas.microsoft.com/office/powerpoint/2013/main/command">
+  <pc:docChgLst>
+    <pc:chgData name="Caleb Perry" userId="33d94da592cc2e3c" providerId="LiveId" clId="{9107C903-1FD6-45B9-8F7D-DBD6375CBBCB}"/>
+    <pc:docChg chg="modSld sldOrd">
+      <pc:chgData name="Caleb Perry" userId="33d94da592cc2e3c" providerId="LiveId" clId="{9107C903-1FD6-45B9-8F7D-DBD6375CBBCB}" dt="2018-05-08T01:00:13.648" v="0"/>
+      <pc:docMkLst>
+        <pc:docMk/>
+      </pc:docMkLst>
+      <pc:sldChg chg="ord">
+        <pc:chgData name="Caleb Perry" userId="33d94da592cc2e3c" providerId="LiveId" clId="{9107C903-1FD6-45B9-8F7D-DBD6375CBBCB}" dt="2018-05-08T01:00:13.648" v="0"/>
+        <pc:sldMkLst>
+          <pc:docMk/>
+          <pc:sldMk cId="2632042058" sldId="269"/>
+        </pc:sldMkLst>
+      </pc:sldChg>
+      <pc:sldChg chg="ord">
+        <pc:chgData name="Caleb Perry" userId="33d94da592cc2e3c" providerId="LiveId" clId="{9107C903-1FD6-45B9-8F7D-DBD6375CBBCB}" dt="2018-05-08T01:00:13.648" v="0"/>
+        <pc:sldMkLst>
+          <pc:docMk/>
+          <pc:sldMk cId="4239644657" sldId="270"/>
+        </pc:sldMkLst>
+      </pc:sldChg>
+    </pc:docChg>
+  </pc:docChgLst>
+</pc:chgInfo>
 </file>
 
 <file path=ppt/notesMasters/notesMaster1.xml><?xml version="1.0" encoding="utf-8"?>
@@ -1509,7 +1537,7 @@
     </p:spTree>
     <p:extLst>
       <p:ext uri="{BB962C8B-B14F-4D97-AF65-F5344CB8AC3E}">
-        <p14:creationId xmlns:p14="http://schemas.microsoft.com/office/powerpoint/2010/main" val="784204959"/>
+        <p14:creationId xmlns:p14="http://schemas.microsoft.com/office/powerpoint/2010/main" val="39613458"/>
       </p:ext>
     </p:extLst>
   </p:cSld>
@@ -1770,7 +1798,7 @@
     </p:spTree>
     <p:extLst>
       <p:ext uri="{BB962C8B-B14F-4D97-AF65-F5344CB8AC3E}">
-        <p14:creationId xmlns:p14="http://schemas.microsoft.com/office/powerpoint/2010/main" val="885780053"/>
+        <p14:creationId xmlns:p14="http://schemas.microsoft.com/office/powerpoint/2010/main" val="3695542733"/>
       </p:ext>
     </p:extLst>
   </p:cSld>
@@ -2031,7 +2059,7 @@
     </p:spTree>
     <p:extLst>
       <p:ext uri="{BB962C8B-B14F-4D97-AF65-F5344CB8AC3E}">
-        <p14:creationId xmlns:p14="http://schemas.microsoft.com/office/powerpoint/2010/main" val="3528296947"/>
+        <p14:creationId xmlns:p14="http://schemas.microsoft.com/office/powerpoint/2010/main" val="784204959"/>
       </p:ext>
     </p:extLst>
   </p:cSld>
@@ -2292,7 +2320,7 @@
     </p:spTree>
     <p:extLst>
       <p:ext uri="{BB962C8B-B14F-4D97-AF65-F5344CB8AC3E}">
-        <p14:creationId xmlns:p14="http://schemas.microsoft.com/office/powerpoint/2010/main" val="3491440562"/>
+        <p14:creationId xmlns:p14="http://schemas.microsoft.com/office/powerpoint/2010/main" val="885780053"/>
       </p:ext>
     </p:extLst>
   </p:cSld>
@@ -2553,7 +2581,7 @@
     </p:spTree>
     <p:extLst>
       <p:ext uri="{BB962C8B-B14F-4D97-AF65-F5344CB8AC3E}">
-        <p14:creationId xmlns:p14="http://schemas.microsoft.com/office/powerpoint/2010/main" val="876183037"/>
+        <p14:creationId xmlns:p14="http://schemas.microsoft.com/office/powerpoint/2010/main" val="3528296947"/>
       </p:ext>
     </p:extLst>
   </p:cSld>
@@ -2814,7 +2842,7 @@
     </p:spTree>
     <p:extLst>
       <p:ext uri="{BB962C8B-B14F-4D97-AF65-F5344CB8AC3E}">
-        <p14:creationId xmlns:p14="http://schemas.microsoft.com/office/powerpoint/2010/main" val="3542390481"/>
+        <p14:creationId xmlns:p14="http://schemas.microsoft.com/office/powerpoint/2010/main" val="3491440562"/>
       </p:ext>
     </p:extLst>
   </p:cSld>
@@ -3075,7 +3103,7 @@
     </p:spTree>
     <p:extLst>
       <p:ext uri="{BB962C8B-B14F-4D97-AF65-F5344CB8AC3E}">
-        <p14:creationId xmlns:p14="http://schemas.microsoft.com/office/powerpoint/2010/main" val="39613458"/>
+        <p14:creationId xmlns:p14="http://schemas.microsoft.com/office/powerpoint/2010/main" val="876183037"/>
       </p:ext>
     </p:extLst>
   </p:cSld>
@@ -3336,7 +3364,7 @@
     </p:spTree>
     <p:extLst>
       <p:ext uri="{BB962C8B-B14F-4D97-AF65-F5344CB8AC3E}">
-        <p14:creationId xmlns:p14="http://schemas.microsoft.com/office/powerpoint/2010/main" val="3695542733"/>
+        <p14:creationId xmlns:p14="http://schemas.microsoft.com/office/powerpoint/2010/main" val="3542390481"/>
       </p:ext>
     </p:extLst>
   </p:cSld>
@@ -7091,6 +7119,4237 @@
           <a:chExt cx="0" cy="0"/>
         </a:xfrm>
       </p:grpSpPr>
+      <p:sp>
+        <p:nvSpPr>
+          <p:cNvPr id="7" name="Rectangle 6"/>
+          <p:cNvSpPr/>
+          <p:nvPr/>
+        </p:nvSpPr>
+        <p:spPr>
+          <a:xfrm>
+            <a:off x="0" y="0"/>
+            <a:ext cx="12192000" cy="609600"/>
+          </a:xfrm>
+          <a:prstGeom prst="rect">
+            <a:avLst/>
+          </a:prstGeom>
+          <a:solidFill>
+            <a:srgbClr val="000000"/>
+          </a:solidFill>
+          <a:ln>
+            <a:noFill/>
+          </a:ln>
+          <a:effectLst/>
+        </p:spPr>
+        <p:style>
+          <a:lnRef idx="1">
+            <a:schemeClr val="accent1"/>
+          </a:lnRef>
+          <a:fillRef idx="3">
+            <a:schemeClr val="accent1"/>
+          </a:fillRef>
+          <a:effectRef idx="2">
+            <a:schemeClr val="accent1"/>
+          </a:effectRef>
+          <a:fontRef idx="minor">
+            <a:schemeClr val="lt1"/>
+          </a:fontRef>
+        </p:style>
+        <p:txBody>
+          <a:bodyPr anchor="ctr"/>
+          <a:lstStyle/>
+          <a:p>
+            <a:pPr algn="ctr">
+              <a:defRPr/>
+            </a:pPr>
+            <a:endParaRPr lang="en-US" sz="2400" dirty="0">
+              <a:solidFill>
+                <a:schemeClr val="accent2">
+                  <a:lumMod val="40000"/>
+                  <a:lumOff val="60000"/>
+                </a:schemeClr>
+              </a:solidFill>
+            </a:endParaRPr>
+          </a:p>
+        </p:txBody>
+      </p:sp>
+      <p:sp>
+        <p:nvSpPr>
+          <p:cNvPr id="17" name="Rectangle 16"/>
+          <p:cNvSpPr/>
+          <p:nvPr/>
+        </p:nvSpPr>
+        <p:spPr>
+          <a:xfrm>
+            <a:off x="8149390" y="3189129"/>
+            <a:ext cx="5076092" cy="492443"/>
+          </a:xfrm>
+          <a:prstGeom prst="rect">
+            <a:avLst/>
+          </a:prstGeom>
+        </p:spPr>
+        <p:txBody>
+          <a:bodyPr wrap="square">
+            <a:spAutoFit/>
+          </a:bodyPr>
+          <a:lstStyle/>
+          <a:p>
+            <a:pPr>
+              <a:defRPr/>
+            </a:pPr>
+            <a:endParaRPr lang="en-US" sz="1400" dirty="0">
+              <a:solidFill>
+                <a:schemeClr val="tx1">
+                  <a:lumMod val="75000"/>
+                  <a:lumOff val="25000"/>
+                </a:schemeClr>
+              </a:solidFill>
+              <a:cs typeface="Helvetica"/>
+            </a:endParaRPr>
+          </a:p>
+          <a:p>
+            <a:pPr>
+              <a:defRPr/>
+            </a:pPr>
+            <a:endParaRPr lang="en-US" sz="1200" dirty="0">
+              <a:solidFill>
+                <a:schemeClr val="tx1">
+                  <a:lumMod val="75000"/>
+                  <a:lumOff val="25000"/>
+                </a:schemeClr>
+              </a:solidFill>
+              <a:cs typeface="Helvetica"/>
+            </a:endParaRPr>
+          </a:p>
+        </p:txBody>
+      </p:sp>
+      <p:sp>
+        <p:nvSpPr>
+          <p:cNvPr id="49156" name="Rectangle 7"/>
+          <p:cNvSpPr>
+            <a:spLocks noChangeArrowheads="1"/>
+          </p:cNvSpPr>
+          <p:nvPr/>
+        </p:nvSpPr>
+        <p:spPr bwMode="auto">
+          <a:xfrm>
+            <a:off x="406400" y="-6349"/>
+            <a:ext cx="3556000" cy="584775"/>
+          </a:xfrm>
+          <a:prstGeom prst="rect">
+            <a:avLst/>
+          </a:prstGeom>
+          <a:noFill/>
+          <a:ln>
+            <a:noFill/>
+          </a:ln>
+          <a:extLst>
+            <a:ext uri="{909E8E84-426E-40DD-AFC4-6F175D3DCCD1}">
+              <a14:hiddenFill xmlns:a14="http://schemas.microsoft.com/office/drawing/2010/main">
+                <a:solidFill>
+                  <a:srgbClr val="FFFFFF"/>
+                </a:solidFill>
+              </a14:hiddenFill>
+            </a:ext>
+            <a:ext uri="{91240B29-F687-4F45-9708-019B960494DF}">
+              <a14:hiddenLine xmlns:a14="http://schemas.microsoft.com/office/drawing/2010/main" w="9525">
+                <a:solidFill>
+                  <a:srgbClr val="000000"/>
+                </a:solidFill>
+                <a:miter lim="800000"/>
+                <a:headEnd/>
+                <a:tailEnd/>
+              </a14:hiddenLine>
+            </a:ext>
+          </a:extLst>
+        </p:spPr>
+        <p:txBody>
+          <a:bodyPr>
+            <a:spAutoFit/>
+          </a:bodyPr>
+          <a:lstStyle>
+            <a:lvl1pPr>
+              <a:defRPr>
+                <a:solidFill>
+                  <a:schemeClr val="tx1"/>
+                </a:solidFill>
+                <a:latin typeface="Calibri" panose="020F0502020204030204" pitchFamily="34" charset="0"/>
+                <a:ea typeface="MS PGothic" panose="020B0600070205080204" pitchFamily="34" charset="-128"/>
+              </a:defRPr>
+            </a:lvl1pPr>
+            <a:lvl2pPr marL="742950" indent="-285750">
+              <a:defRPr>
+                <a:solidFill>
+                  <a:schemeClr val="tx1"/>
+                </a:solidFill>
+                <a:latin typeface="Calibri" panose="020F0502020204030204" pitchFamily="34" charset="0"/>
+                <a:ea typeface="MS PGothic" panose="020B0600070205080204" pitchFamily="34" charset="-128"/>
+              </a:defRPr>
+            </a:lvl2pPr>
+            <a:lvl3pPr marL="1143000" indent="-228600">
+              <a:defRPr>
+                <a:solidFill>
+                  <a:schemeClr val="tx1"/>
+                </a:solidFill>
+                <a:latin typeface="Calibri" panose="020F0502020204030204" pitchFamily="34" charset="0"/>
+                <a:ea typeface="MS PGothic" panose="020B0600070205080204" pitchFamily="34" charset="-128"/>
+              </a:defRPr>
+            </a:lvl3pPr>
+            <a:lvl4pPr marL="1600200" indent="-228600">
+              <a:defRPr>
+                <a:solidFill>
+                  <a:schemeClr val="tx1"/>
+                </a:solidFill>
+                <a:latin typeface="Calibri" panose="020F0502020204030204" pitchFamily="34" charset="0"/>
+                <a:ea typeface="MS PGothic" panose="020B0600070205080204" pitchFamily="34" charset="-128"/>
+              </a:defRPr>
+            </a:lvl4pPr>
+            <a:lvl5pPr marL="2057400" indent="-228600">
+              <a:defRPr>
+                <a:solidFill>
+                  <a:schemeClr val="tx1"/>
+                </a:solidFill>
+                <a:latin typeface="Calibri" panose="020F0502020204030204" pitchFamily="34" charset="0"/>
+                <a:ea typeface="MS PGothic" panose="020B0600070205080204" pitchFamily="34" charset="-128"/>
+              </a:defRPr>
+            </a:lvl5pPr>
+            <a:lvl6pPr marL="2514600" indent="-228600" defTabSz="457200" fontAlgn="base">
+              <a:spcBef>
+                <a:spcPct val="0"/>
+              </a:spcBef>
+              <a:spcAft>
+                <a:spcPct val="0"/>
+              </a:spcAft>
+              <a:defRPr>
+                <a:solidFill>
+                  <a:schemeClr val="tx1"/>
+                </a:solidFill>
+                <a:latin typeface="Calibri" panose="020F0502020204030204" pitchFamily="34" charset="0"/>
+                <a:ea typeface="MS PGothic" panose="020B0600070205080204" pitchFamily="34" charset="-128"/>
+              </a:defRPr>
+            </a:lvl6pPr>
+            <a:lvl7pPr marL="2971800" indent="-228600" defTabSz="457200" fontAlgn="base">
+              <a:spcBef>
+                <a:spcPct val="0"/>
+              </a:spcBef>
+              <a:spcAft>
+                <a:spcPct val="0"/>
+              </a:spcAft>
+              <a:defRPr>
+                <a:solidFill>
+                  <a:schemeClr val="tx1"/>
+                </a:solidFill>
+                <a:latin typeface="Calibri" panose="020F0502020204030204" pitchFamily="34" charset="0"/>
+                <a:ea typeface="MS PGothic" panose="020B0600070205080204" pitchFamily="34" charset="-128"/>
+              </a:defRPr>
+            </a:lvl7pPr>
+            <a:lvl8pPr marL="3429000" indent="-228600" defTabSz="457200" fontAlgn="base">
+              <a:spcBef>
+                <a:spcPct val="0"/>
+              </a:spcBef>
+              <a:spcAft>
+                <a:spcPct val="0"/>
+              </a:spcAft>
+              <a:defRPr>
+                <a:solidFill>
+                  <a:schemeClr val="tx1"/>
+                </a:solidFill>
+                <a:latin typeface="Calibri" panose="020F0502020204030204" pitchFamily="34" charset="0"/>
+                <a:ea typeface="MS PGothic" panose="020B0600070205080204" pitchFamily="34" charset="-128"/>
+              </a:defRPr>
+            </a:lvl8pPr>
+            <a:lvl9pPr marL="3886200" indent="-228600" defTabSz="457200" fontAlgn="base">
+              <a:spcBef>
+                <a:spcPct val="0"/>
+              </a:spcBef>
+              <a:spcAft>
+                <a:spcPct val="0"/>
+              </a:spcAft>
+              <a:defRPr>
+                <a:solidFill>
+                  <a:schemeClr val="tx1"/>
+                </a:solidFill>
+                <a:latin typeface="Calibri" panose="020F0502020204030204" pitchFamily="34" charset="0"/>
+                <a:ea typeface="MS PGothic" panose="020B0600070205080204" pitchFamily="34" charset="-128"/>
+              </a:defRPr>
+            </a:lvl9pPr>
+          </a:lstStyle>
+          <a:p>
+            <a:r>
+              <a:rPr lang="en-US" altLang="en-US" sz="3200" dirty="0">
+                <a:solidFill>
+                  <a:schemeClr val="bg1"/>
+                </a:solidFill>
+              </a:rPr>
+              <a:t>K Means Clustering</a:t>
+            </a:r>
+          </a:p>
+        </p:txBody>
+      </p:sp>
+      <p:sp>
+        <p:nvSpPr>
+          <p:cNvPr id="11" name="Rectangle 10"/>
+          <p:cNvSpPr>
+            <a:spLocks noChangeArrowheads="1"/>
+          </p:cNvSpPr>
+          <p:nvPr/>
+        </p:nvSpPr>
+        <p:spPr bwMode="auto">
+          <a:xfrm>
+            <a:off x="0" y="6248400"/>
+            <a:ext cx="12192000" cy="609600"/>
+          </a:xfrm>
+          <a:prstGeom prst="rect">
+            <a:avLst/>
+          </a:prstGeom>
+          <a:solidFill>
+            <a:srgbClr val="1A2C64"/>
+          </a:solidFill>
+          <a:ln>
+            <a:noFill/>
+          </a:ln>
+          <a:effectLst>
+            <a:outerShdw blurRad="40000" dist="23000" dir="5400000" rotWithShape="0">
+              <a:srgbClr val="808080">
+                <a:alpha val="34999"/>
+              </a:srgbClr>
+            </a:outerShdw>
+          </a:effectLst>
+          <a:extLst>
+            <a:ext uri="{91240B29-F687-4F45-9708-019B960494DF}">
+              <a14:hiddenLine xmlns:a14="http://schemas.microsoft.com/office/drawing/2010/main" w="9525">
+                <a:solidFill>
+                  <a:srgbClr val="000000"/>
+                </a:solidFill>
+                <a:miter lim="800000"/>
+                <a:headEnd/>
+                <a:tailEnd/>
+              </a14:hiddenLine>
+            </a:ext>
+          </a:extLst>
+        </p:spPr>
+        <p:txBody>
+          <a:bodyPr anchor="ctr"/>
+          <a:lstStyle/>
+          <a:p>
+            <a:pPr algn="ctr">
+              <a:defRPr/>
+            </a:pPr>
+            <a:endParaRPr lang="en-US" sz="2400">
+              <a:solidFill>
+                <a:schemeClr val="accent2">
+                  <a:lumMod val="40000"/>
+                  <a:lumOff val="60000"/>
+                </a:schemeClr>
+              </a:solidFill>
+            </a:endParaRPr>
+          </a:p>
+        </p:txBody>
+      </p:sp>
+      <p:pic>
+        <p:nvPicPr>
+          <p:cNvPr id="49159" name="Picture 11"/>
+          <p:cNvPicPr>
+            <a:picLocks noChangeAspect="1"/>
+          </p:cNvPicPr>
+          <p:nvPr/>
+        </p:nvPicPr>
+        <p:blipFill>
+          <a:blip r:embed="rId3" cstate="print">
+            <a:extLst>
+              <a:ext uri="{28A0092B-C50C-407E-A947-70E740481C1C}">
+                <a14:useLocalDpi xmlns:a14="http://schemas.microsoft.com/office/drawing/2010/main" val="0"/>
+              </a:ext>
+            </a:extLst>
+          </a:blip>
+          <a:srcRect/>
+          <a:stretch>
+            <a:fillRect/>
+          </a:stretch>
+        </p:blipFill>
+        <p:spPr bwMode="auto">
+          <a:xfrm>
+            <a:off x="9550401" y="6405034"/>
+            <a:ext cx="2436284" cy="296333"/>
+          </a:xfrm>
+          <a:prstGeom prst="rect">
+            <a:avLst/>
+          </a:prstGeom>
+          <a:noFill/>
+          <a:ln>
+            <a:noFill/>
+          </a:ln>
+          <a:extLst>
+            <a:ext uri="{909E8E84-426E-40DD-AFC4-6F175D3DCCD1}">
+              <a14:hiddenFill xmlns:a14="http://schemas.microsoft.com/office/drawing/2010/main">
+                <a:solidFill>
+                  <a:srgbClr val="FFFFFF"/>
+                </a:solidFill>
+              </a14:hiddenFill>
+            </a:ext>
+            <a:ext uri="{91240B29-F687-4F45-9708-019B960494DF}">
+              <a14:hiddenLine xmlns:a14="http://schemas.microsoft.com/office/drawing/2010/main" w="9525">
+                <a:solidFill>
+                  <a:srgbClr val="000000"/>
+                </a:solidFill>
+                <a:miter lim="800000"/>
+                <a:headEnd/>
+                <a:tailEnd/>
+              </a14:hiddenLine>
+            </a:ext>
+          </a:extLst>
+        </p:spPr>
+      </p:pic>
+      <p:sp>
+        <p:nvSpPr>
+          <p:cNvPr id="49160" name="TextBox 12"/>
+          <p:cNvSpPr txBox="1">
+            <a:spLocks noChangeArrowheads="1"/>
+          </p:cNvSpPr>
+          <p:nvPr/>
+        </p:nvSpPr>
+        <p:spPr bwMode="auto">
+          <a:xfrm>
+            <a:off x="340784" y="6261100"/>
+            <a:ext cx="9042400" cy="454227"/>
+          </a:xfrm>
+          <a:prstGeom prst="rect">
+            <a:avLst/>
+          </a:prstGeom>
+          <a:noFill/>
+          <a:ln>
+            <a:noFill/>
+          </a:ln>
+          <a:extLst>
+            <a:ext uri="{909E8E84-426E-40DD-AFC4-6F175D3DCCD1}">
+              <a14:hiddenFill xmlns:a14="http://schemas.microsoft.com/office/drawing/2010/main">
+                <a:solidFill>
+                  <a:srgbClr val="FFFFFF"/>
+                </a:solidFill>
+              </a14:hiddenFill>
+            </a:ext>
+            <a:ext uri="{91240B29-F687-4F45-9708-019B960494DF}">
+              <a14:hiddenLine xmlns:a14="http://schemas.microsoft.com/office/drawing/2010/main" w="9525">
+                <a:solidFill>
+                  <a:srgbClr val="000000"/>
+                </a:solidFill>
+                <a:miter lim="800000"/>
+                <a:headEnd/>
+                <a:tailEnd/>
+              </a14:hiddenLine>
+            </a:ext>
+          </a:extLst>
+        </p:spPr>
+        <p:txBody>
+          <a:bodyPr>
+            <a:spAutoFit/>
+          </a:bodyPr>
+          <a:lstStyle>
+            <a:lvl1pPr>
+              <a:defRPr>
+                <a:solidFill>
+                  <a:schemeClr val="tx1"/>
+                </a:solidFill>
+                <a:latin typeface="Calibri" panose="020F0502020204030204" pitchFamily="34" charset="0"/>
+                <a:ea typeface="MS PGothic" panose="020B0600070205080204" pitchFamily="34" charset="-128"/>
+              </a:defRPr>
+            </a:lvl1pPr>
+            <a:lvl2pPr marL="742950" indent="-285750">
+              <a:defRPr>
+                <a:solidFill>
+                  <a:schemeClr val="tx1"/>
+                </a:solidFill>
+                <a:latin typeface="Calibri" panose="020F0502020204030204" pitchFamily="34" charset="0"/>
+                <a:ea typeface="MS PGothic" panose="020B0600070205080204" pitchFamily="34" charset="-128"/>
+              </a:defRPr>
+            </a:lvl2pPr>
+            <a:lvl3pPr marL="1143000" indent="-228600">
+              <a:defRPr>
+                <a:solidFill>
+                  <a:schemeClr val="tx1"/>
+                </a:solidFill>
+                <a:latin typeface="Calibri" panose="020F0502020204030204" pitchFamily="34" charset="0"/>
+                <a:ea typeface="MS PGothic" panose="020B0600070205080204" pitchFamily="34" charset="-128"/>
+              </a:defRPr>
+            </a:lvl3pPr>
+            <a:lvl4pPr marL="1600200" indent="-228600">
+              <a:defRPr>
+                <a:solidFill>
+                  <a:schemeClr val="tx1"/>
+                </a:solidFill>
+                <a:latin typeface="Calibri" panose="020F0502020204030204" pitchFamily="34" charset="0"/>
+                <a:ea typeface="MS PGothic" panose="020B0600070205080204" pitchFamily="34" charset="-128"/>
+              </a:defRPr>
+            </a:lvl4pPr>
+            <a:lvl5pPr marL="2057400" indent="-228600">
+              <a:defRPr>
+                <a:solidFill>
+                  <a:schemeClr val="tx1"/>
+                </a:solidFill>
+                <a:latin typeface="Calibri" panose="020F0502020204030204" pitchFamily="34" charset="0"/>
+                <a:ea typeface="MS PGothic" panose="020B0600070205080204" pitchFamily="34" charset="-128"/>
+              </a:defRPr>
+            </a:lvl5pPr>
+            <a:lvl6pPr marL="2514600" indent="-228600" defTabSz="457200" fontAlgn="base">
+              <a:spcBef>
+                <a:spcPct val="0"/>
+              </a:spcBef>
+              <a:spcAft>
+                <a:spcPct val="0"/>
+              </a:spcAft>
+              <a:defRPr>
+                <a:solidFill>
+                  <a:schemeClr val="tx1"/>
+                </a:solidFill>
+                <a:latin typeface="Calibri" panose="020F0502020204030204" pitchFamily="34" charset="0"/>
+                <a:ea typeface="MS PGothic" panose="020B0600070205080204" pitchFamily="34" charset="-128"/>
+              </a:defRPr>
+            </a:lvl6pPr>
+            <a:lvl7pPr marL="2971800" indent="-228600" defTabSz="457200" fontAlgn="base">
+              <a:spcBef>
+                <a:spcPct val="0"/>
+              </a:spcBef>
+              <a:spcAft>
+                <a:spcPct val="0"/>
+              </a:spcAft>
+              <a:defRPr>
+                <a:solidFill>
+                  <a:schemeClr val="tx1"/>
+                </a:solidFill>
+                <a:latin typeface="Calibri" panose="020F0502020204030204" pitchFamily="34" charset="0"/>
+                <a:ea typeface="MS PGothic" panose="020B0600070205080204" pitchFamily="34" charset="-128"/>
+              </a:defRPr>
+            </a:lvl7pPr>
+            <a:lvl8pPr marL="3429000" indent="-228600" defTabSz="457200" fontAlgn="base">
+              <a:spcBef>
+                <a:spcPct val="0"/>
+              </a:spcBef>
+              <a:spcAft>
+                <a:spcPct val="0"/>
+              </a:spcAft>
+              <a:defRPr>
+                <a:solidFill>
+                  <a:schemeClr val="tx1"/>
+                </a:solidFill>
+                <a:latin typeface="Calibri" panose="020F0502020204030204" pitchFamily="34" charset="0"/>
+                <a:ea typeface="MS PGothic" panose="020B0600070205080204" pitchFamily="34" charset="-128"/>
+              </a:defRPr>
+            </a:lvl8pPr>
+            <a:lvl9pPr marL="3886200" indent="-228600" defTabSz="457200" fontAlgn="base">
+              <a:spcBef>
+                <a:spcPct val="0"/>
+              </a:spcBef>
+              <a:spcAft>
+                <a:spcPct val="0"/>
+              </a:spcAft>
+              <a:defRPr>
+                <a:solidFill>
+                  <a:schemeClr val="tx1"/>
+                </a:solidFill>
+                <a:latin typeface="Calibri" panose="020F0502020204030204" pitchFamily="34" charset="0"/>
+                <a:ea typeface="MS PGothic" panose="020B0600070205080204" pitchFamily="34" charset="-128"/>
+              </a:defRPr>
+            </a:lvl9pPr>
+          </a:lstStyle>
+          <a:p>
+            <a:pPr>
+              <a:lnSpc>
+                <a:spcPts val="3200"/>
+              </a:lnSpc>
+            </a:pPr>
+            <a:fld id="{76DDC349-5DFE-463D-B972-F98C51C102DF}" type="slidenum">
+              <a:rPr lang="en-US" altLang="en-US" sz="1600" b="1">
+                <a:solidFill>
+                  <a:schemeClr val="bg1"/>
+                </a:solidFill>
+              </a:rPr>
+              <a:pPr>
+                <a:lnSpc>
+                  <a:spcPts val="3200"/>
+                </a:lnSpc>
+              </a:pPr>
+              <a:t>10</a:t>
+            </a:fld>
+            <a:r>
+              <a:rPr lang="en-US" altLang="en-US" sz="1600" b="1" dirty="0">
+                <a:solidFill>
+                  <a:schemeClr val="bg1"/>
+                </a:solidFill>
+              </a:rPr>
+              <a:t> </a:t>
+            </a:r>
+            <a:r>
+              <a:rPr lang="en-US" altLang="en-US" sz="1600" dirty="0">
+                <a:solidFill>
+                  <a:schemeClr val="bg1"/>
+                </a:solidFill>
+              </a:rPr>
+              <a:t>| </a:t>
+            </a:r>
+            <a:r>
+              <a:rPr lang="en-US" altLang="en-US" sz="1600" i="1" dirty="0">
+                <a:solidFill>
+                  <a:schemeClr val="bg1"/>
+                </a:solidFill>
+              </a:rPr>
+              <a:t>EECS 6690</a:t>
+            </a:r>
+          </a:p>
+        </p:txBody>
+      </p:sp>
+      <p:sp>
+        <p:nvSpPr>
+          <p:cNvPr id="9" name="Rectangle 2">
+            <a:extLst>
+              <a:ext uri="{FF2B5EF4-FFF2-40B4-BE49-F238E27FC236}">
+                <a16:creationId xmlns:a16="http://schemas.microsoft.com/office/drawing/2014/main" id="{5A8BC50E-FED3-41FC-BE09-DF30409AC31A}"/>
+              </a:ext>
+            </a:extLst>
+          </p:cNvPr>
+          <p:cNvSpPr>
+            <a:spLocks noChangeArrowheads="1"/>
+          </p:cNvSpPr>
+          <p:nvPr/>
+        </p:nvSpPr>
+        <p:spPr bwMode="auto">
+          <a:xfrm>
+            <a:off x="1358299" y="600226"/>
+            <a:ext cx="9475402" cy="5970817"/>
+          </a:xfrm>
+          <a:prstGeom prst="rect">
+            <a:avLst/>
+          </a:prstGeom>
+          <a:noFill/>
+          <a:ln>
+            <a:noFill/>
+          </a:ln>
+          <a:effectLst/>
+          <a:extLst>
+            <a:ext uri="{909E8E84-426E-40DD-AFC4-6F175D3DCCD1}">
+              <a14:hiddenFill xmlns:a14="http://schemas.microsoft.com/office/drawing/2010/main">
+                <a:solidFill>
+                  <a:schemeClr val="accent1"/>
+                </a:solidFill>
+              </a14:hiddenFill>
+            </a:ext>
+            <a:ext uri="{91240B29-F687-4F45-9708-019B960494DF}">
+              <a14:hiddenLine xmlns:a14="http://schemas.microsoft.com/office/drawing/2010/main" w="9525">
+                <a:solidFill>
+                  <a:schemeClr val="tx1"/>
+                </a:solidFill>
+                <a:miter lim="800000"/>
+                <a:headEnd/>
+                <a:tailEnd/>
+              </a14:hiddenLine>
+            </a:ext>
+            <a:ext uri="{AF507438-7753-43E0-B8FC-AC1667EBCBE1}">
+              <a14:hiddenEffects xmlns:a14="http://schemas.microsoft.com/office/drawing/2010/main">
+                <a:effectLst>
+                  <a:outerShdw dist="35921" dir="2700000" algn="ctr" rotWithShape="0">
+                    <a:schemeClr val="bg2"/>
+                  </a:outerShdw>
+                </a:effectLst>
+              </a14:hiddenEffects>
+            </a:ext>
+          </a:extLst>
+        </p:spPr>
+        <p:txBody>
+          <a:bodyPr vert="horz" wrap="square" lIns="0" tIns="152352" rIns="0" bIns="0" numCol="1" anchor="ctr" anchorCtr="0" compatLnSpc="1">
+            <a:prstTxWarp prst="textNoShape">
+              <a:avLst/>
+            </a:prstTxWarp>
+            <a:spAutoFit/>
+          </a:bodyPr>
+          <a:lstStyle>
+            <a:lvl1pPr eaLnBrk="0" fontAlgn="base" hangingPunct="0">
+              <a:spcBef>
+                <a:spcPct val="0"/>
+              </a:spcBef>
+              <a:spcAft>
+                <a:spcPct val="0"/>
+              </a:spcAft>
+              <a:defRPr>
+                <a:solidFill>
+                  <a:schemeClr val="tx1"/>
+                </a:solidFill>
+                <a:latin typeface="Arial" panose="020B0604020202020204" pitchFamily="34" charset="0"/>
+              </a:defRPr>
+            </a:lvl1pPr>
+            <a:lvl2pPr eaLnBrk="0" fontAlgn="base" hangingPunct="0">
+              <a:spcBef>
+                <a:spcPct val="0"/>
+              </a:spcBef>
+              <a:spcAft>
+                <a:spcPct val="0"/>
+              </a:spcAft>
+              <a:defRPr>
+                <a:solidFill>
+                  <a:schemeClr val="tx1"/>
+                </a:solidFill>
+                <a:latin typeface="Arial" panose="020B0604020202020204" pitchFamily="34" charset="0"/>
+              </a:defRPr>
+            </a:lvl2pPr>
+            <a:lvl3pPr eaLnBrk="0" fontAlgn="base" hangingPunct="0">
+              <a:spcBef>
+                <a:spcPct val="0"/>
+              </a:spcBef>
+              <a:spcAft>
+                <a:spcPct val="0"/>
+              </a:spcAft>
+              <a:defRPr>
+                <a:solidFill>
+                  <a:schemeClr val="tx1"/>
+                </a:solidFill>
+                <a:latin typeface="Arial" panose="020B0604020202020204" pitchFamily="34" charset="0"/>
+              </a:defRPr>
+            </a:lvl3pPr>
+            <a:lvl4pPr eaLnBrk="0" fontAlgn="base" hangingPunct="0">
+              <a:spcBef>
+                <a:spcPct val="0"/>
+              </a:spcBef>
+              <a:spcAft>
+                <a:spcPct val="0"/>
+              </a:spcAft>
+              <a:defRPr>
+                <a:solidFill>
+                  <a:schemeClr val="tx1"/>
+                </a:solidFill>
+                <a:latin typeface="Arial" panose="020B0604020202020204" pitchFamily="34" charset="0"/>
+              </a:defRPr>
+            </a:lvl4pPr>
+            <a:lvl5pPr eaLnBrk="0" fontAlgn="base" hangingPunct="0">
+              <a:spcBef>
+                <a:spcPct val="0"/>
+              </a:spcBef>
+              <a:spcAft>
+                <a:spcPct val="0"/>
+              </a:spcAft>
+              <a:defRPr>
+                <a:solidFill>
+                  <a:schemeClr val="tx1"/>
+                </a:solidFill>
+                <a:latin typeface="Arial" panose="020B0604020202020204" pitchFamily="34" charset="0"/>
+              </a:defRPr>
+            </a:lvl5pPr>
+            <a:lvl6pPr eaLnBrk="0" fontAlgn="base" hangingPunct="0">
+              <a:spcBef>
+                <a:spcPct val="0"/>
+              </a:spcBef>
+              <a:spcAft>
+                <a:spcPct val="0"/>
+              </a:spcAft>
+              <a:defRPr>
+                <a:solidFill>
+                  <a:schemeClr val="tx1"/>
+                </a:solidFill>
+                <a:latin typeface="Arial" panose="020B0604020202020204" pitchFamily="34" charset="0"/>
+              </a:defRPr>
+            </a:lvl6pPr>
+            <a:lvl7pPr eaLnBrk="0" fontAlgn="base" hangingPunct="0">
+              <a:spcBef>
+                <a:spcPct val="0"/>
+              </a:spcBef>
+              <a:spcAft>
+                <a:spcPct val="0"/>
+              </a:spcAft>
+              <a:defRPr>
+                <a:solidFill>
+                  <a:schemeClr val="tx1"/>
+                </a:solidFill>
+                <a:latin typeface="Arial" panose="020B0604020202020204" pitchFamily="34" charset="0"/>
+              </a:defRPr>
+            </a:lvl7pPr>
+            <a:lvl8pPr eaLnBrk="0" fontAlgn="base" hangingPunct="0">
+              <a:spcBef>
+                <a:spcPct val="0"/>
+              </a:spcBef>
+              <a:spcAft>
+                <a:spcPct val="0"/>
+              </a:spcAft>
+              <a:defRPr>
+                <a:solidFill>
+                  <a:schemeClr val="tx1"/>
+                </a:solidFill>
+                <a:latin typeface="Arial" panose="020B0604020202020204" pitchFamily="34" charset="0"/>
+              </a:defRPr>
+            </a:lvl8pPr>
+            <a:lvl9pPr eaLnBrk="0" fontAlgn="base" hangingPunct="0">
+              <a:spcBef>
+                <a:spcPct val="0"/>
+              </a:spcBef>
+              <a:spcAft>
+                <a:spcPct val="0"/>
+              </a:spcAft>
+              <a:defRPr>
+                <a:solidFill>
+                  <a:schemeClr val="tx1"/>
+                </a:solidFill>
+                <a:latin typeface="Arial" panose="020B0604020202020204" pitchFamily="34" charset="0"/>
+              </a:defRPr>
+            </a:lvl9pPr>
+          </a:lstStyle>
+          <a:p>
+            <a:r>
+              <a:rPr lang="en-US" sz="2400" dirty="0" err="1">
+                <a:latin typeface="Calibri" panose="020F0502020204030204" pitchFamily="34" charset="0"/>
+                <a:cs typeface="Times New Roman" panose="02020603050405020304" pitchFamily="18" charset="0"/>
+              </a:rPr>
+              <a:t>Kmeans</a:t>
+            </a:r>
+            <a:r>
+              <a:rPr lang="en-US" sz="2400" dirty="0">
+                <a:latin typeface="Calibri" panose="020F0502020204030204" pitchFamily="34" charset="0"/>
+                <a:cs typeface="Times New Roman" panose="02020603050405020304" pitchFamily="18" charset="0"/>
+              </a:rPr>
+              <a:t> clustering is a very common example of Unsupervised learning</a:t>
+            </a:r>
+          </a:p>
+          <a:p>
+            <a:pPr marL="800100" lvl="1" indent="-342900">
+              <a:buFont typeface="Arial" panose="020B0604020202020204" pitchFamily="34" charset="0"/>
+              <a:buChar char="•"/>
+            </a:pPr>
+            <a:r>
+              <a:rPr lang="en-US" sz="2400" dirty="0">
+                <a:latin typeface="Calibri" panose="020F0502020204030204" pitchFamily="34" charset="0"/>
+                <a:cs typeface="Times New Roman" panose="02020603050405020304" pitchFamily="18" charset="0"/>
+              </a:rPr>
+              <a:t>In unsupervised learning data labels are not considered (often not available)</a:t>
+            </a:r>
+          </a:p>
+          <a:p>
+            <a:pPr marL="800100" lvl="1" indent="-342900">
+              <a:buFont typeface="Arial" panose="020B0604020202020204" pitchFamily="34" charset="0"/>
+              <a:buChar char="•"/>
+            </a:pPr>
+            <a:r>
+              <a:rPr lang="en-US" sz="2400" dirty="0" err="1">
+                <a:latin typeface="Calibri" panose="020F0502020204030204" pitchFamily="34" charset="0"/>
+                <a:cs typeface="Times New Roman" panose="02020603050405020304" pitchFamily="18" charset="0"/>
+              </a:rPr>
+              <a:t>Kmeans</a:t>
+            </a:r>
+            <a:r>
+              <a:rPr lang="en-US" sz="2400" dirty="0">
+                <a:latin typeface="Calibri" panose="020F0502020204030204" pitchFamily="34" charset="0"/>
+                <a:cs typeface="Times New Roman" panose="02020603050405020304" pitchFamily="18" charset="0"/>
+              </a:rPr>
+              <a:t> attempts to group data into K groups by finding best means and the points closest to them</a:t>
+            </a:r>
+          </a:p>
+          <a:p>
+            <a:pPr marL="800100" lvl="1" indent="-342900">
+              <a:buFont typeface="Arial" panose="020B0604020202020204" pitchFamily="34" charset="0"/>
+              <a:buChar char="•"/>
+            </a:pPr>
+            <a:r>
+              <a:rPr lang="en-US" sz="2400" dirty="0">
+                <a:latin typeface="Calibri" panose="020F0502020204030204" pitchFamily="34" charset="0"/>
+                <a:cs typeface="Times New Roman" panose="02020603050405020304" pitchFamily="18" charset="0"/>
+              </a:rPr>
+              <a:t>How distance is calculated is therefore very important.  Both Manhattan and Euclidean distance were examined, however Euclidean was used.</a:t>
+            </a:r>
+          </a:p>
+          <a:p>
+            <a:endParaRPr lang="en-US" sz="2400" dirty="0">
+              <a:latin typeface="Calibri" panose="020F0502020204030204" pitchFamily="34" charset="0"/>
+              <a:cs typeface="Times New Roman" panose="02020603050405020304" pitchFamily="18" charset="0"/>
+            </a:endParaRPr>
+          </a:p>
+          <a:p>
+            <a:r>
+              <a:rPr lang="en-US" sz="2400" dirty="0">
+                <a:latin typeface="Calibri" panose="020F0502020204030204" pitchFamily="34" charset="0"/>
+                <a:cs typeface="Times New Roman" panose="02020603050405020304" pitchFamily="18" charset="0"/>
+              </a:rPr>
+              <a:t>Here data the clusters did not revolve around the presence of the disease.</a:t>
+            </a:r>
+          </a:p>
+          <a:p>
+            <a:pPr marL="800100" lvl="1" indent="-342900">
+              <a:buFont typeface="Arial" panose="020B0604020202020204" pitchFamily="34" charset="0"/>
+              <a:buChar char="•"/>
+            </a:pPr>
+            <a:r>
+              <a:rPr lang="en-US" sz="2400" dirty="0">
+                <a:latin typeface="Calibri" panose="020F0502020204030204" pitchFamily="34" charset="0"/>
+                <a:cs typeface="Times New Roman" panose="02020603050405020304" pitchFamily="18" charset="0"/>
+              </a:rPr>
+              <a:t>At first </a:t>
+            </a:r>
+            <a:r>
+              <a:rPr lang="en-US" sz="2400" dirty="0" err="1">
+                <a:latin typeface="Calibri" panose="020F0502020204030204" pitchFamily="34" charset="0"/>
+                <a:cs typeface="Times New Roman" panose="02020603050405020304" pitchFamily="18" charset="0"/>
+              </a:rPr>
+              <a:t>Kmeans</a:t>
+            </a:r>
+            <a:r>
+              <a:rPr lang="en-US" sz="2400" dirty="0">
+                <a:latin typeface="Calibri" panose="020F0502020204030204" pitchFamily="34" charset="0"/>
+                <a:cs typeface="Times New Roman" panose="02020603050405020304" pitchFamily="18" charset="0"/>
+              </a:rPr>
+              <a:t> was attempted with 2 clusters, but then more clusters were tried.  Whether a given patient had psoriasis did not contribute to the algorithm clustering the data one way or another</a:t>
+            </a:r>
+          </a:p>
+          <a:p>
+            <a:pPr marL="800100" lvl="1" indent="-342900">
+              <a:buFont typeface="Arial" panose="020B0604020202020204" pitchFamily="34" charset="0"/>
+              <a:buChar char="•"/>
+            </a:pPr>
+            <a:r>
+              <a:rPr lang="en-US" sz="2400" dirty="0">
+                <a:latin typeface="Calibri" panose="020F0502020204030204" pitchFamily="34" charset="0"/>
+                <a:cs typeface="Times New Roman" panose="02020603050405020304" pitchFamily="18" charset="0"/>
+              </a:rPr>
+              <a:t>At larger number of clusters, there was a slight correlation, but not drastic</a:t>
+            </a:r>
+          </a:p>
+          <a:p>
+            <a:pPr marL="342900" indent="-342900">
+              <a:buFont typeface="Arial" panose="020B0604020202020204" pitchFamily="34" charset="0"/>
+              <a:buChar char="•"/>
+            </a:pPr>
+            <a:endParaRPr kumimoji="0" lang="en-US" altLang="en-US" sz="1800" b="0" i="0" u="none" strike="noStrike" cap="none" normalizeH="0" baseline="0" dirty="0">
+              <a:ln>
+                <a:noFill/>
+              </a:ln>
+              <a:solidFill>
+                <a:schemeClr val="tx1"/>
+              </a:solidFill>
+              <a:effectLst/>
+              <a:latin typeface="Arial" panose="020B0604020202020204" pitchFamily="34" charset="0"/>
+            </a:endParaRPr>
+          </a:p>
+        </p:txBody>
+      </p:sp>
+    </p:spTree>
+    <p:extLst>
+      <p:ext uri="{BB962C8B-B14F-4D97-AF65-F5344CB8AC3E}">
+        <p14:creationId xmlns:p14="http://schemas.microsoft.com/office/powerpoint/2010/main" val="3327376099"/>
+      </p:ext>
+    </p:extLst>
+  </p:cSld>
+  <p:clrMapOvr>
+    <a:masterClrMapping/>
+  </p:clrMapOvr>
+</p:sld>
+</file>
+
+<file path=ppt/slides/slide11.xml><?xml version="1.0" encoding="utf-8"?>
+<p:sld xmlns:a="http://schemas.openxmlformats.org/drawingml/2006/main" xmlns:r="http://schemas.openxmlformats.org/officeDocument/2006/relationships" xmlns:p="http://schemas.openxmlformats.org/presentationml/2006/main">
+  <p:cSld>
+    <p:spTree>
+      <p:nvGrpSpPr>
+        <p:cNvPr id="1" name=""/>
+        <p:cNvGrpSpPr/>
+        <p:nvPr/>
+      </p:nvGrpSpPr>
+      <p:grpSpPr>
+        <a:xfrm>
+          <a:off x="0" y="0"/>
+          <a:ext cx="0" cy="0"/>
+          <a:chOff x="0" y="0"/>
+          <a:chExt cx="0" cy="0"/>
+        </a:xfrm>
+      </p:grpSpPr>
+      <p:sp>
+        <p:nvSpPr>
+          <p:cNvPr id="7" name="Rectangle 6"/>
+          <p:cNvSpPr/>
+          <p:nvPr/>
+        </p:nvSpPr>
+        <p:spPr>
+          <a:xfrm>
+            <a:off x="0" y="0"/>
+            <a:ext cx="12192000" cy="609600"/>
+          </a:xfrm>
+          <a:prstGeom prst="rect">
+            <a:avLst/>
+          </a:prstGeom>
+          <a:solidFill>
+            <a:srgbClr val="000000"/>
+          </a:solidFill>
+          <a:ln>
+            <a:noFill/>
+          </a:ln>
+          <a:effectLst/>
+        </p:spPr>
+        <p:style>
+          <a:lnRef idx="1">
+            <a:schemeClr val="accent1"/>
+          </a:lnRef>
+          <a:fillRef idx="3">
+            <a:schemeClr val="accent1"/>
+          </a:fillRef>
+          <a:effectRef idx="2">
+            <a:schemeClr val="accent1"/>
+          </a:effectRef>
+          <a:fontRef idx="minor">
+            <a:schemeClr val="lt1"/>
+          </a:fontRef>
+        </p:style>
+        <p:txBody>
+          <a:bodyPr anchor="ctr"/>
+          <a:lstStyle/>
+          <a:p>
+            <a:pPr algn="ctr">
+              <a:defRPr/>
+            </a:pPr>
+            <a:endParaRPr lang="en-US" sz="2400" dirty="0">
+              <a:solidFill>
+                <a:schemeClr val="accent2">
+                  <a:lumMod val="40000"/>
+                  <a:lumOff val="60000"/>
+                </a:schemeClr>
+              </a:solidFill>
+            </a:endParaRPr>
+          </a:p>
+        </p:txBody>
+      </p:sp>
+      <p:sp>
+        <p:nvSpPr>
+          <p:cNvPr id="17" name="Rectangle 16"/>
+          <p:cNvSpPr/>
+          <p:nvPr/>
+        </p:nvSpPr>
+        <p:spPr>
+          <a:xfrm>
+            <a:off x="8149390" y="3189129"/>
+            <a:ext cx="5076092" cy="492443"/>
+          </a:xfrm>
+          <a:prstGeom prst="rect">
+            <a:avLst/>
+          </a:prstGeom>
+        </p:spPr>
+        <p:txBody>
+          <a:bodyPr wrap="square">
+            <a:spAutoFit/>
+          </a:bodyPr>
+          <a:lstStyle/>
+          <a:p>
+            <a:pPr>
+              <a:defRPr/>
+            </a:pPr>
+            <a:endParaRPr lang="en-US" sz="1400" dirty="0">
+              <a:solidFill>
+                <a:schemeClr val="tx1">
+                  <a:lumMod val="75000"/>
+                  <a:lumOff val="25000"/>
+                </a:schemeClr>
+              </a:solidFill>
+              <a:cs typeface="Helvetica"/>
+            </a:endParaRPr>
+          </a:p>
+          <a:p>
+            <a:pPr>
+              <a:defRPr/>
+            </a:pPr>
+            <a:endParaRPr lang="en-US" sz="1200" dirty="0">
+              <a:solidFill>
+                <a:schemeClr val="tx1">
+                  <a:lumMod val="75000"/>
+                  <a:lumOff val="25000"/>
+                </a:schemeClr>
+              </a:solidFill>
+              <a:cs typeface="Helvetica"/>
+            </a:endParaRPr>
+          </a:p>
+        </p:txBody>
+      </p:sp>
+      <p:sp>
+        <p:nvSpPr>
+          <p:cNvPr id="49156" name="Rectangle 7"/>
+          <p:cNvSpPr>
+            <a:spLocks noChangeArrowheads="1"/>
+          </p:cNvSpPr>
+          <p:nvPr/>
+        </p:nvSpPr>
+        <p:spPr bwMode="auto">
+          <a:xfrm>
+            <a:off x="406400" y="-6349"/>
+            <a:ext cx="3556000" cy="584775"/>
+          </a:xfrm>
+          <a:prstGeom prst="rect">
+            <a:avLst/>
+          </a:prstGeom>
+          <a:noFill/>
+          <a:ln>
+            <a:noFill/>
+          </a:ln>
+          <a:extLst>
+            <a:ext uri="{909E8E84-426E-40DD-AFC4-6F175D3DCCD1}">
+              <a14:hiddenFill xmlns:a14="http://schemas.microsoft.com/office/drawing/2010/main">
+                <a:solidFill>
+                  <a:srgbClr val="FFFFFF"/>
+                </a:solidFill>
+              </a14:hiddenFill>
+            </a:ext>
+            <a:ext uri="{91240B29-F687-4F45-9708-019B960494DF}">
+              <a14:hiddenLine xmlns:a14="http://schemas.microsoft.com/office/drawing/2010/main" w="9525">
+                <a:solidFill>
+                  <a:srgbClr val="000000"/>
+                </a:solidFill>
+                <a:miter lim="800000"/>
+                <a:headEnd/>
+                <a:tailEnd/>
+              </a14:hiddenLine>
+            </a:ext>
+          </a:extLst>
+        </p:spPr>
+        <p:txBody>
+          <a:bodyPr>
+            <a:spAutoFit/>
+          </a:bodyPr>
+          <a:lstStyle>
+            <a:lvl1pPr>
+              <a:defRPr>
+                <a:solidFill>
+                  <a:schemeClr val="tx1"/>
+                </a:solidFill>
+                <a:latin typeface="Calibri" panose="020F0502020204030204" pitchFamily="34" charset="0"/>
+                <a:ea typeface="MS PGothic" panose="020B0600070205080204" pitchFamily="34" charset="-128"/>
+              </a:defRPr>
+            </a:lvl1pPr>
+            <a:lvl2pPr marL="742950" indent="-285750">
+              <a:defRPr>
+                <a:solidFill>
+                  <a:schemeClr val="tx1"/>
+                </a:solidFill>
+                <a:latin typeface="Calibri" panose="020F0502020204030204" pitchFamily="34" charset="0"/>
+                <a:ea typeface="MS PGothic" panose="020B0600070205080204" pitchFamily="34" charset="-128"/>
+              </a:defRPr>
+            </a:lvl2pPr>
+            <a:lvl3pPr marL="1143000" indent="-228600">
+              <a:defRPr>
+                <a:solidFill>
+                  <a:schemeClr val="tx1"/>
+                </a:solidFill>
+                <a:latin typeface="Calibri" panose="020F0502020204030204" pitchFamily="34" charset="0"/>
+                <a:ea typeface="MS PGothic" panose="020B0600070205080204" pitchFamily="34" charset="-128"/>
+              </a:defRPr>
+            </a:lvl3pPr>
+            <a:lvl4pPr marL="1600200" indent="-228600">
+              <a:defRPr>
+                <a:solidFill>
+                  <a:schemeClr val="tx1"/>
+                </a:solidFill>
+                <a:latin typeface="Calibri" panose="020F0502020204030204" pitchFamily="34" charset="0"/>
+                <a:ea typeface="MS PGothic" panose="020B0600070205080204" pitchFamily="34" charset="-128"/>
+              </a:defRPr>
+            </a:lvl4pPr>
+            <a:lvl5pPr marL="2057400" indent="-228600">
+              <a:defRPr>
+                <a:solidFill>
+                  <a:schemeClr val="tx1"/>
+                </a:solidFill>
+                <a:latin typeface="Calibri" panose="020F0502020204030204" pitchFamily="34" charset="0"/>
+                <a:ea typeface="MS PGothic" panose="020B0600070205080204" pitchFamily="34" charset="-128"/>
+              </a:defRPr>
+            </a:lvl5pPr>
+            <a:lvl6pPr marL="2514600" indent="-228600" defTabSz="457200" fontAlgn="base">
+              <a:spcBef>
+                <a:spcPct val="0"/>
+              </a:spcBef>
+              <a:spcAft>
+                <a:spcPct val="0"/>
+              </a:spcAft>
+              <a:defRPr>
+                <a:solidFill>
+                  <a:schemeClr val="tx1"/>
+                </a:solidFill>
+                <a:latin typeface="Calibri" panose="020F0502020204030204" pitchFamily="34" charset="0"/>
+                <a:ea typeface="MS PGothic" panose="020B0600070205080204" pitchFamily="34" charset="-128"/>
+              </a:defRPr>
+            </a:lvl6pPr>
+            <a:lvl7pPr marL="2971800" indent="-228600" defTabSz="457200" fontAlgn="base">
+              <a:spcBef>
+                <a:spcPct val="0"/>
+              </a:spcBef>
+              <a:spcAft>
+                <a:spcPct val="0"/>
+              </a:spcAft>
+              <a:defRPr>
+                <a:solidFill>
+                  <a:schemeClr val="tx1"/>
+                </a:solidFill>
+                <a:latin typeface="Calibri" panose="020F0502020204030204" pitchFamily="34" charset="0"/>
+                <a:ea typeface="MS PGothic" panose="020B0600070205080204" pitchFamily="34" charset="-128"/>
+              </a:defRPr>
+            </a:lvl7pPr>
+            <a:lvl8pPr marL="3429000" indent="-228600" defTabSz="457200" fontAlgn="base">
+              <a:spcBef>
+                <a:spcPct val="0"/>
+              </a:spcBef>
+              <a:spcAft>
+                <a:spcPct val="0"/>
+              </a:spcAft>
+              <a:defRPr>
+                <a:solidFill>
+                  <a:schemeClr val="tx1"/>
+                </a:solidFill>
+                <a:latin typeface="Calibri" panose="020F0502020204030204" pitchFamily="34" charset="0"/>
+                <a:ea typeface="MS PGothic" panose="020B0600070205080204" pitchFamily="34" charset="-128"/>
+              </a:defRPr>
+            </a:lvl8pPr>
+            <a:lvl9pPr marL="3886200" indent="-228600" defTabSz="457200" fontAlgn="base">
+              <a:spcBef>
+                <a:spcPct val="0"/>
+              </a:spcBef>
+              <a:spcAft>
+                <a:spcPct val="0"/>
+              </a:spcAft>
+              <a:defRPr>
+                <a:solidFill>
+                  <a:schemeClr val="tx1"/>
+                </a:solidFill>
+                <a:latin typeface="Calibri" panose="020F0502020204030204" pitchFamily="34" charset="0"/>
+                <a:ea typeface="MS PGothic" panose="020B0600070205080204" pitchFamily="34" charset="-128"/>
+              </a:defRPr>
+            </a:lvl9pPr>
+          </a:lstStyle>
+          <a:p>
+            <a:r>
+              <a:rPr lang="en-US" altLang="en-US" sz="3200" dirty="0">
+                <a:solidFill>
+                  <a:schemeClr val="bg1"/>
+                </a:solidFill>
+              </a:rPr>
+              <a:t>References</a:t>
+            </a:r>
+          </a:p>
+        </p:txBody>
+      </p:sp>
+      <p:sp>
+        <p:nvSpPr>
+          <p:cNvPr id="11" name="Rectangle 10"/>
+          <p:cNvSpPr>
+            <a:spLocks noChangeArrowheads="1"/>
+          </p:cNvSpPr>
+          <p:nvPr/>
+        </p:nvSpPr>
+        <p:spPr bwMode="auto">
+          <a:xfrm>
+            <a:off x="0" y="6248400"/>
+            <a:ext cx="12192000" cy="609600"/>
+          </a:xfrm>
+          <a:prstGeom prst="rect">
+            <a:avLst/>
+          </a:prstGeom>
+          <a:solidFill>
+            <a:srgbClr val="1A2C64"/>
+          </a:solidFill>
+          <a:ln>
+            <a:noFill/>
+          </a:ln>
+          <a:effectLst>
+            <a:outerShdw blurRad="40000" dist="23000" dir="5400000" rotWithShape="0">
+              <a:srgbClr val="808080">
+                <a:alpha val="34999"/>
+              </a:srgbClr>
+            </a:outerShdw>
+          </a:effectLst>
+          <a:extLst>
+            <a:ext uri="{91240B29-F687-4F45-9708-019B960494DF}">
+              <a14:hiddenLine xmlns:a14="http://schemas.microsoft.com/office/drawing/2010/main" w="9525">
+                <a:solidFill>
+                  <a:srgbClr val="000000"/>
+                </a:solidFill>
+                <a:miter lim="800000"/>
+                <a:headEnd/>
+                <a:tailEnd/>
+              </a14:hiddenLine>
+            </a:ext>
+          </a:extLst>
+        </p:spPr>
+        <p:txBody>
+          <a:bodyPr anchor="ctr"/>
+          <a:lstStyle/>
+          <a:p>
+            <a:pPr algn="ctr">
+              <a:defRPr/>
+            </a:pPr>
+            <a:endParaRPr lang="en-US" sz="2400">
+              <a:solidFill>
+                <a:schemeClr val="accent2">
+                  <a:lumMod val="40000"/>
+                  <a:lumOff val="60000"/>
+                </a:schemeClr>
+              </a:solidFill>
+            </a:endParaRPr>
+          </a:p>
+        </p:txBody>
+      </p:sp>
+      <p:pic>
+        <p:nvPicPr>
+          <p:cNvPr id="49159" name="Picture 11"/>
+          <p:cNvPicPr>
+            <a:picLocks noChangeAspect="1"/>
+          </p:cNvPicPr>
+          <p:nvPr/>
+        </p:nvPicPr>
+        <p:blipFill>
+          <a:blip r:embed="rId3" cstate="print">
+            <a:extLst>
+              <a:ext uri="{28A0092B-C50C-407E-A947-70E740481C1C}">
+                <a14:useLocalDpi xmlns:a14="http://schemas.microsoft.com/office/drawing/2010/main" val="0"/>
+              </a:ext>
+            </a:extLst>
+          </a:blip>
+          <a:srcRect/>
+          <a:stretch>
+            <a:fillRect/>
+          </a:stretch>
+        </p:blipFill>
+        <p:spPr bwMode="auto">
+          <a:xfrm>
+            <a:off x="9550401" y="6405034"/>
+            <a:ext cx="2436284" cy="296333"/>
+          </a:xfrm>
+          <a:prstGeom prst="rect">
+            <a:avLst/>
+          </a:prstGeom>
+          <a:noFill/>
+          <a:ln>
+            <a:noFill/>
+          </a:ln>
+          <a:extLst>
+            <a:ext uri="{909E8E84-426E-40DD-AFC4-6F175D3DCCD1}">
+              <a14:hiddenFill xmlns:a14="http://schemas.microsoft.com/office/drawing/2010/main">
+                <a:solidFill>
+                  <a:srgbClr val="FFFFFF"/>
+                </a:solidFill>
+              </a14:hiddenFill>
+            </a:ext>
+            <a:ext uri="{91240B29-F687-4F45-9708-019B960494DF}">
+              <a14:hiddenLine xmlns:a14="http://schemas.microsoft.com/office/drawing/2010/main" w="9525">
+                <a:solidFill>
+                  <a:srgbClr val="000000"/>
+                </a:solidFill>
+                <a:miter lim="800000"/>
+                <a:headEnd/>
+                <a:tailEnd/>
+              </a14:hiddenLine>
+            </a:ext>
+          </a:extLst>
+        </p:spPr>
+      </p:pic>
+      <p:sp>
+        <p:nvSpPr>
+          <p:cNvPr id="49160" name="TextBox 12"/>
+          <p:cNvSpPr txBox="1">
+            <a:spLocks noChangeArrowheads="1"/>
+          </p:cNvSpPr>
+          <p:nvPr/>
+        </p:nvSpPr>
+        <p:spPr bwMode="auto">
+          <a:xfrm>
+            <a:off x="340784" y="6261100"/>
+            <a:ext cx="9042400" cy="454227"/>
+          </a:xfrm>
+          <a:prstGeom prst="rect">
+            <a:avLst/>
+          </a:prstGeom>
+          <a:noFill/>
+          <a:ln>
+            <a:noFill/>
+          </a:ln>
+          <a:extLst>
+            <a:ext uri="{909E8E84-426E-40DD-AFC4-6F175D3DCCD1}">
+              <a14:hiddenFill xmlns:a14="http://schemas.microsoft.com/office/drawing/2010/main">
+                <a:solidFill>
+                  <a:srgbClr val="FFFFFF"/>
+                </a:solidFill>
+              </a14:hiddenFill>
+            </a:ext>
+            <a:ext uri="{91240B29-F687-4F45-9708-019B960494DF}">
+              <a14:hiddenLine xmlns:a14="http://schemas.microsoft.com/office/drawing/2010/main" w="9525">
+                <a:solidFill>
+                  <a:srgbClr val="000000"/>
+                </a:solidFill>
+                <a:miter lim="800000"/>
+                <a:headEnd/>
+                <a:tailEnd/>
+              </a14:hiddenLine>
+            </a:ext>
+          </a:extLst>
+        </p:spPr>
+        <p:txBody>
+          <a:bodyPr>
+            <a:spAutoFit/>
+          </a:bodyPr>
+          <a:lstStyle>
+            <a:lvl1pPr>
+              <a:defRPr>
+                <a:solidFill>
+                  <a:schemeClr val="tx1"/>
+                </a:solidFill>
+                <a:latin typeface="Calibri" panose="020F0502020204030204" pitchFamily="34" charset="0"/>
+                <a:ea typeface="MS PGothic" panose="020B0600070205080204" pitchFamily="34" charset="-128"/>
+              </a:defRPr>
+            </a:lvl1pPr>
+            <a:lvl2pPr marL="742950" indent="-285750">
+              <a:defRPr>
+                <a:solidFill>
+                  <a:schemeClr val="tx1"/>
+                </a:solidFill>
+                <a:latin typeface="Calibri" panose="020F0502020204030204" pitchFamily="34" charset="0"/>
+                <a:ea typeface="MS PGothic" panose="020B0600070205080204" pitchFamily="34" charset="-128"/>
+              </a:defRPr>
+            </a:lvl2pPr>
+            <a:lvl3pPr marL="1143000" indent="-228600">
+              <a:defRPr>
+                <a:solidFill>
+                  <a:schemeClr val="tx1"/>
+                </a:solidFill>
+                <a:latin typeface="Calibri" panose="020F0502020204030204" pitchFamily="34" charset="0"/>
+                <a:ea typeface="MS PGothic" panose="020B0600070205080204" pitchFamily="34" charset="-128"/>
+              </a:defRPr>
+            </a:lvl3pPr>
+            <a:lvl4pPr marL="1600200" indent="-228600">
+              <a:defRPr>
+                <a:solidFill>
+                  <a:schemeClr val="tx1"/>
+                </a:solidFill>
+                <a:latin typeface="Calibri" panose="020F0502020204030204" pitchFamily="34" charset="0"/>
+                <a:ea typeface="MS PGothic" panose="020B0600070205080204" pitchFamily="34" charset="-128"/>
+              </a:defRPr>
+            </a:lvl4pPr>
+            <a:lvl5pPr marL="2057400" indent="-228600">
+              <a:defRPr>
+                <a:solidFill>
+                  <a:schemeClr val="tx1"/>
+                </a:solidFill>
+                <a:latin typeface="Calibri" panose="020F0502020204030204" pitchFamily="34" charset="0"/>
+                <a:ea typeface="MS PGothic" panose="020B0600070205080204" pitchFamily="34" charset="-128"/>
+              </a:defRPr>
+            </a:lvl5pPr>
+            <a:lvl6pPr marL="2514600" indent="-228600" defTabSz="457200" fontAlgn="base">
+              <a:spcBef>
+                <a:spcPct val="0"/>
+              </a:spcBef>
+              <a:spcAft>
+                <a:spcPct val="0"/>
+              </a:spcAft>
+              <a:defRPr>
+                <a:solidFill>
+                  <a:schemeClr val="tx1"/>
+                </a:solidFill>
+                <a:latin typeface="Calibri" panose="020F0502020204030204" pitchFamily="34" charset="0"/>
+                <a:ea typeface="MS PGothic" panose="020B0600070205080204" pitchFamily="34" charset="-128"/>
+              </a:defRPr>
+            </a:lvl6pPr>
+            <a:lvl7pPr marL="2971800" indent="-228600" defTabSz="457200" fontAlgn="base">
+              <a:spcBef>
+                <a:spcPct val="0"/>
+              </a:spcBef>
+              <a:spcAft>
+                <a:spcPct val="0"/>
+              </a:spcAft>
+              <a:defRPr>
+                <a:solidFill>
+                  <a:schemeClr val="tx1"/>
+                </a:solidFill>
+                <a:latin typeface="Calibri" panose="020F0502020204030204" pitchFamily="34" charset="0"/>
+                <a:ea typeface="MS PGothic" panose="020B0600070205080204" pitchFamily="34" charset="-128"/>
+              </a:defRPr>
+            </a:lvl7pPr>
+            <a:lvl8pPr marL="3429000" indent="-228600" defTabSz="457200" fontAlgn="base">
+              <a:spcBef>
+                <a:spcPct val="0"/>
+              </a:spcBef>
+              <a:spcAft>
+                <a:spcPct val="0"/>
+              </a:spcAft>
+              <a:defRPr>
+                <a:solidFill>
+                  <a:schemeClr val="tx1"/>
+                </a:solidFill>
+                <a:latin typeface="Calibri" panose="020F0502020204030204" pitchFamily="34" charset="0"/>
+                <a:ea typeface="MS PGothic" panose="020B0600070205080204" pitchFamily="34" charset="-128"/>
+              </a:defRPr>
+            </a:lvl8pPr>
+            <a:lvl9pPr marL="3886200" indent="-228600" defTabSz="457200" fontAlgn="base">
+              <a:spcBef>
+                <a:spcPct val="0"/>
+              </a:spcBef>
+              <a:spcAft>
+                <a:spcPct val="0"/>
+              </a:spcAft>
+              <a:defRPr>
+                <a:solidFill>
+                  <a:schemeClr val="tx1"/>
+                </a:solidFill>
+                <a:latin typeface="Calibri" panose="020F0502020204030204" pitchFamily="34" charset="0"/>
+                <a:ea typeface="MS PGothic" panose="020B0600070205080204" pitchFamily="34" charset="-128"/>
+              </a:defRPr>
+            </a:lvl9pPr>
+          </a:lstStyle>
+          <a:p>
+            <a:pPr>
+              <a:lnSpc>
+                <a:spcPts val="3200"/>
+              </a:lnSpc>
+            </a:pPr>
+            <a:fld id="{76DDC349-5DFE-463D-B972-F98C51C102DF}" type="slidenum">
+              <a:rPr lang="en-US" altLang="en-US" sz="1600" b="1">
+                <a:solidFill>
+                  <a:schemeClr val="bg1"/>
+                </a:solidFill>
+              </a:rPr>
+              <a:pPr>
+                <a:lnSpc>
+                  <a:spcPts val="3200"/>
+                </a:lnSpc>
+              </a:pPr>
+              <a:t>11</a:t>
+            </a:fld>
+            <a:r>
+              <a:rPr lang="en-US" altLang="en-US" sz="1600" b="1" dirty="0">
+                <a:solidFill>
+                  <a:schemeClr val="bg1"/>
+                </a:solidFill>
+              </a:rPr>
+              <a:t> </a:t>
+            </a:r>
+            <a:r>
+              <a:rPr lang="en-US" altLang="en-US" sz="1600" dirty="0">
+                <a:solidFill>
+                  <a:schemeClr val="bg1"/>
+                </a:solidFill>
+              </a:rPr>
+              <a:t>| </a:t>
+            </a:r>
+            <a:r>
+              <a:rPr lang="en-US" altLang="en-US" sz="1600" i="1" dirty="0">
+                <a:solidFill>
+                  <a:schemeClr val="bg1"/>
+                </a:solidFill>
+              </a:rPr>
+              <a:t>EECS 6690</a:t>
+            </a:r>
+          </a:p>
+        </p:txBody>
+      </p:sp>
+      <p:sp>
+        <p:nvSpPr>
+          <p:cNvPr id="4" name="Rectangle 2"/>
+          <p:cNvSpPr>
+            <a:spLocks noChangeArrowheads="1"/>
+          </p:cNvSpPr>
+          <p:nvPr/>
+        </p:nvSpPr>
+        <p:spPr bwMode="auto">
+          <a:xfrm>
+            <a:off x="340784" y="1542733"/>
+            <a:ext cx="11448309" cy="3016162"/>
+          </a:xfrm>
+          <a:prstGeom prst="rect">
+            <a:avLst/>
+          </a:prstGeom>
+          <a:noFill/>
+          <a:ln>
+            <a:noFill/>
+          </a:ln>
+          <a:effectLst/>
+          <a:extLst>
+            <a:ext uri="{909E8E84-426E-40DD-AFC4-6F175D3DCCD1}">
+              <a14:hiddenFill xmlns:a14="http://schemas.microsoft.com/office/drawing/2010/main">
+                <a:solidFill>
+                  <a:schemeClr val="accent1"/>
+                </a:solidFill>
+              </a14:hiddenFill>
+            </a:ext>
+            <a:ext uri="{91240B29-F687-4F45-9708-019B960494DF}">
+              <a14:hiddenLine xmlns:a14="http://schemas.microsoft.com/office/drawing/2010/main" w="9525">
+                <a:solidFill>
+                  <a:schemeClr val="tx1"/>
+                </a:solidFill>
+                <a:miter lim="800000"/>
+                <a:headEnd/>
+                <a:tailEnd/>
+              </a14:hiddenLine>
+            </a:ext>
+            <a:ext uri="{AF507438-7753-43E0-B8FC-AC1667EBCBE1}">
+              <a14:hiddenEffects xmlns:a14="http://schemas.microsoft.com/office/drawing/2010/main">
+                <a:effectLst>
+                  <a:outerShdw dist="35921" dir="2700000" algn="ctr" rotWithShape="0">
+                    <a:schemeClr val="bg2"/>
+                  </a:outerShdw>
+                </a:effectLst>
+              </a14:hiddenEffects>
+            </a:ext>
+          </a:extLst>
+        </p:spPr>
+        <p:txBody>
+          <a:bodyPr vert="horz" wrap="square" lIns="0" tIns="152352" rIns="0" bIns="0" numCol="1" anchor="ctr" anchorCtr="0" compatLnSpc="1">
+            <a:prstTxWarp prst="textNoShape">
+              <a:avLst/>
+            </a:prstTxWarp>
+            <a:spAutoFit/>
+          </a:bodyPr>
+          <a:lstStyle>
+            <a:lvl1pPr eaLnBrk="0" fontAlgn="base" hangingPunct="0">
+              <a:spcBef>
+                <a:spcPct val="0"/>
+              </a:spcBef>
+              <a:spcAft>
+                <a:spcPct val="0"/>
+              </a:spcAft>
+              <a:defRPr>
+                <a:solidFill>
+                  <a:schemeClr val="tx1"/>
+                </a:solidFill>
+                <a:latin typeface="Arial" panose="020B0604020202020204" pitchFamily="34" charset="0"/>
+              </a:defRPr>
+            </a:lvl1pPr>
+            <a:lvl2pPr eaLnBrk="0" fontAlgn="base" hangingPunct="0">
+              <a:spcBef>
+                <a:spcPct val="0"/>
+              </a:spcBef>
+              <a:spcAft>
+                <a:spcPct val="0"/>
+              </a:spcAft>
+              <a:defRPr>
+                <a:solidFill>
+                  <a:schemeClr val="tx1"/>
+                </a:solidFill>
+                <a:latin typeface="Arial" panose="020B0604020202020204" pitchFamily="34" charset="0"/>
+              </a:defRPr>
+            </a:lvl2pPr>
+            <a:lvl3pPr eaLnBrk="0" fontAlgn="base" hangingPunct="0">
+              <a:spcBef>
+                <a:spcPct val="0"/>
+              </a:spcBef>
+              <a:spcAft>
+                <a:spcPct val="0"/>
+              </a:spcAft>
+              <a:defRPr>
+                <a:solidFill>
+                  <a:schemeClr val="tx1"/>
+                </a:solidFill>
+                <a:latin typeface="Arial" panose="020B0604020202020204" pitchFamily="34" charset="0"/>
+              </a:defRPr>
+            </a:lvl3pPr>
+            <a:lvl4pPr eaLnBrk="0" fontAlgn="base" hangingPunct="0">
+              <a:spcBef>
+                <a:spcPct val="0"/>
+              </a:spcBef>
+              <a:spcAft>
+                <a:spcPct val="0"/>
+              </a:spcAft>
+              <a:defRPr>
+                <a:solidFill>
+                  <a:schemeClr val="tx1"/>
+                </a:solidFill>
+                <a:latin typeface="Arial" panose="020B0604020202020204" pitchFamily="34" charset="0"/>
+              </a:defRPr>
+            </a:lvl4pPr>
+            <a:lvl5pPr eaLnBrk="0" fontAlgn="base" hangingPunct="0">
+              <a:spcBef>
+                <a:spcPct val="0"/>
+              </a:spcBef>
+              <a:spcAft>
+                <a:spcPct val="0"/>
+              </a:spcAft>
+              <a:defRPr>
+                <a:solidFill>
+                  <a:schemeClr val="tx1"/>
+                </a:solidFill>
+                <a:latin typeface="Arial" panose="020B0604020202020204" pitchFamily="34" charset="0"/>
+              </a:defRPr>
+            </a:lvl5pPr>
+            <a:lvl6pPr eaLnBrk="0" fontAlgn="base" hangingPunct="0">
+              <a:spcBef>
+                <a:spcPct val="0"/>
+              </a:spcBef>
+              <a:spcAft>
+                <a:spcPct val="0"/>
+              </a:spcAft>
+              <a:defRPr>
+                <a:solidFill>
+                  <a:schemeClr val="tx1"/>
+                </a:solidFill>
+                <a:latin typeface="Arial" panose="020B0604020202020204" pitchFamily="34" charset="0"/>
+              </a:defRPr>
+            </a:lvl6pPr>
+            <a:lvl7pPr eaLnBrk="0" fontAlgn="base" hangingPunct="0">
+              <a:spcBef>
+                <a:spcPct val="0"/>
+              </a:spcBef>
+              <a:spcAft>
+                <a:spcPct val="0"/>
+              </a:spcAft>
+              <a:defRPr>
+                <a:solidFill>
+                  <a:schemeClr val="tx1"/>
+                </a:solidFill>
+                <a:latin typeface="Arial" panose="020B0604020202020204" pitchFamily="34" charset="0"/>
+              </a:defRPr>
+            </a:lvl7pPr>
+            <a:lvl8pPr eaLnBrk="0" fontAlgn="base" hangingPunct="0">
+              <a:spcBef>
+                <a:spcPct val="0"/>
+              </a:spcBef>
+              <a:spcAft>
+                <a:spcPct val="0"/>
+              </a:spcAft>
+              <a:defRPr>
+                <a:solidFill>
+                  <a:schemeClr val="tx1"/>
+                </a:solidFill>
+                <a:latin typeface="Arial" panose="020B0604020202020204" pitchFamily="34" charset="0"/>
+              </a:defRPr>
+            </a:lvl8pPr>
+            <a:lvl9pPr eaLnBrk="0" fontAlgn="base" hangingPunct="0">
+              <a:spcBef>
+                <a:spcPct val="0"/>
+              </a:spcBef>
+              <a:spcAft>
+                <a:spcPct val="0"/>
+              </a:spcAft>
+              <a:defRPr>
+                <a:solidFill>
+                  <a:schemeClr val="tx1"/>
+                </a:solidFill>
+                <a:latin typeface="Arial" panose="020B0604020202020204" pitchFamily="34" charset="0"/>
+              </a:defRPr>
+            </a:lvl9pPr>
+          </a:lstStyle>
+          <a:p>
+            <a:r>
+              <a:rPr lang="en-US" altLang="en-US" sz="2400" dirty="0">
+                <a:latin typeface="Calibri" panose="020F0502020204030204" pitchFamily="34" charset="0"/>
+                <a:cs typeface="Times New Roman" panose="02020603050405020304" pitchFamily="18" charset="0"/>
+              </a:rPr>
+              <a:t>1. </a:t>
+            </a:r>
+            <a:r>
+              <a:rPr lang="en-US" sz="2400" dirty="0">
+                <a:latin typeface="Calibri" panose="020F0502020204030204" pitchFamily="34" charset="0"/>
+                <a:cs typeface="Times New Roman" panose="02020603050405020304" pitchFamily="18" charset="0"/>
+              </a:rPr>
+              <a:t>Palau, Julia, </a:t>
+            </a:r>
+            <a:r>
+              <a:rPr lang="en-US" sz="2400" dirty="0" err="1">
+                <a:latin typeface="Calibri" panose="020F0502020204030204" pitchFamily="34" charset="0"/>
+                <a:cs typeface="Times New Roman" panose="02020603050405020304" pitchFamily="18" charset="0"/>
+              </a:rPr>
+              <a:t>Ferrandiz</a:t>
+            </a:r>
+            <a:r>
+              <a:rPr lang="en-US" sz="2400" dirty="0">
+                <a:latin typeface="Calibri" panose="020F0502020204030204" pitchFamily="34" charset="0"/>
+                <a:cs typeface="Times New Roman" panose="02020603050405020304" pitchFamily="18" charset="0"/>
+              </a:rPr>
+              <a:t>, Puig, Fonseca, </a:t>
+            </a:r>
+            <a:r>
+              <a:rPr lang="en-US" sz="2400" dirty="0" err="1">
+                <a:latin typeface="Calibri" panose="020F0502020204030204" pitchFamily="34" charset="0"/>
+                <a:cs typeface="Times New Roman" panose="02020603050405020304" pitchFamily="18" charset="0"/>
+              </a:rPr>
+              <a:t>Fernadez</a:t>
+            </a:r>
+            <a:r>
+              <a:rPr lang="en-US" sz="2400" dirty="0">
+                <a:latin typeface="Calibri" panose="020F0502020204030204" pitchFamily="34" charset="0"/>
+                <a:cs typeface="Times New Roman" panose="02020603050405020304" pitchFamily="18" charset="0"/>
+              </a:rPr>
+              <a:t>, Lopez-</a:t>
+            </a:r>
+            <a:r>
+              <a:rPr lang="en-US" sz="2400" dirty="0" err="1">
+                <a:latin typeface="Calibri" panose="020F0502020204030204" pitchFamily="34" charset="0"/>
+                <a:cs typeface="Times New Roman" panose="02020603050405020304" pitchFamily="18" charset="0"/>
+              </a:rPr>
+              <a:t>Lasanta</a:t>
+            </a:r>
+            <a:r>
+              <a:rPr lang="en-US" sz="2400" dirty="0">
+                <a:latin typeface="Calibri" panose="020F0502020204030204" pitchFamily="34" charset="0"/>
+                <a:cs typeface="Times New Roman" panose="02020603050405020304" pitchFamily="18" charset="0"/>
+              </a:rPr>
+              <a:t>, </a:t>
+            </a:r>
+            <a:r>
+              <a:rPr lang="en-US" sz="2400" dirty="0" err="1">
+                <a:latin typeface="Calibri" panose="020F0502020204030204" pitchFamily="34" charset="0"/>
+                <a:cs typeface="Times New Roman" panose="02020603050405020304" pitchFamily="18" charset="0"/>
+              </a:rPr>
+              <a:t>Tortose</a:t>
+            </a:r>
+            <a:r>
+              <a:rPr lang="en-US" sz="2400" dirty="0">
+                <a:latin typeface="Calibri" panose="020F0502020204030204" pitchFamily="34" charset="0"/>
+                <a:cs typeface="Times New Roman" panose="02020603050405020304" pitchFamily="18" charset="0"/>
+              </a:rPr>
+              <a:t>, Marsal. "Genome-wide transcriptional analysis of T cell activation reveals differential gene expression associated with psoriasis." BMC Genomics  (2013): 14:825</a:t>
+            </a:r>
+          </a:p>
+          <a:p>
+            <a:pPr lvl="0"/>
+            <a:r>
+              <a:rPr lang="en-US" altLang="en-US" sz="2400" dirty="0">
+                <a:latin typeface="Calibri" panose="020F0502020204030204" pitchFamily="34" charset="0"/>
+                <a:cs typeface="Times New Roman" panose="02020603050405020304" pitchFamily="18" charset="0"/>
+              </a:rPr>
+              <a:t>2. </a:t>
+            </a:r>
+            <a:r>
+              <a:rPr lang="en-US" sz="2400" dirty="0">
+                <a:latin typeface="Calibri" panose="020F0502020204030204" pitchFamily="34" charset="0"/>
+                <a:cs typeface="Times New Roman" panose="02020603050405020304" pitchFamily="18" charset="0"/>
+              </a:rPr>
+              <a:t>James, Witten, Hastie, </a:t>
+            </a:r>
+            <a:r>
+              <a:rPr lang="en-US" sz="2400" dirty="0" err="1">
+                <a:latin typeface="Calibri" panose="020F0502020204030204" pitchFamily="34" charset="0"/>
+                <a:cs typeface="Times New Roman" panose="02020603050405020304" pitchFamily="18" charset="0"/>
+              </a:rPr>
+              <a:t>Tibshirani</a:t>
+            </a:r>
+            <a:r>
+              <a:rPr lang="en-US" sz="2400" dirty="0">
+                <a:latin typeface="Calibri" panose="020F0502020204030204" pitchFamily="34" charset="0"/>
+                <a:cs typeface="Times New Roman" panose="02020603050405020304" pitchFamily="18" charset="0"/>
+              </a:rPr>
+              <a:t>. An Introduction to Statistical Learning with Applications in R. New York, NY: Springer, 2013. </a:t>
+            </a:r>
+            <a:r>
+              <a:rPr lang="en-US" sz="2400" dirty="0" err="1">
+                <a:latin typeface="Calibri" panose="020F0502020204030204" pitchFamily="34" charset="0"/>
+                <a:cs typeface="Times New Roman" panose="02020603050405020304" pitchFamily="18" charset="0"/>
+              </a:rPr>
+              <a:t>Ebook</a:t>
+            </a:r>
+            <a:r>
+              <a:rPr lang="en-US" sz="2400" dirty="0">
+                <a:latin typeface="Calibri" panose="020F0502020204030204" pitchFamily="34" charset="0"/>
+                <a:cs typeface="Times New Roman" panose="02020603050405020304" pitchFamily="18" charset="0"/>
+              </a:rPr>
+              <a:t>.</a:t>
+            </a:r>
+          </a:p>
+          <a:p>
+            <a:r>
+              <a:rPr lang="en-US" altLang="en-US" sz="2400" dirty="0">
+                <a:latin typeface="Calibri" panose="020F0502020204030204" pitchFamily="34" charset="0"/>
+                <a:cs typeface="Times New Roman" panose="02020603050405020304" pitchFamily="18" charset="0"/>
+              </a:rPr>
+              <a:t>3. </a:t>
+            </a:r>
+            <a:r>
+              <a:rPr lang="en-US" sz="2400" dirty="0">
+                <a:latin typeface="Calibri" panose="020F0502020204030204" pitchFamily="34" charset="0"/>
+                <a:cs typeface="Times New Roman" panose="02020603050405020304" pitchFamily="18" charset="0"/>
+              </a:rPr>
+              <a:t>Hastie, </a:t>
+            </a:r>
+            <a:r>
+              <a:rPr lang="en-US" sz="2400" dirty="0" err="1">
+                <a:latin typeface="Calibri" panose="020F0502020204030204" pitchFamily="34" charset="0"/>
+                <a:cs typeface="Times New Roman" panose="02020603050405020304" pitchFamily="18" charset="0"/>
+              </a:rPr>
+              <a:t>Tibshirani</a:t>
+            </a:r>
+            <a:r>
+              <a:rPr lang="en-US" sz="2400" dirty="0">
+                <a:latin typeface="Calibri" panose="020F0502020204030204" pitchFamily="34" charset="0"/>
+                <a:cs typeface="Times New Roman" panose="02020603050405020304" pitchFamily="18" charset="0"/>
+              </a:rPr>
+              <a:t>, Friedman.  The Elements of Statistical Learning. New York, NY: Springer, 2009. </a:t>
+            </a:r>
+            <a:r>
+              <a:rPr lang="en-US" sz="2400" dirty="0" err="1">
+                <a:latin typeface="Calibri" panose="020F0502020204030204" pitchFamily="34" charset="0"/>
+                <a:cs typeface="Times New Roman" panose="02020603050405020304" pitchFamily="18" charset="0"/>
+              </a:rPr>
+              <a:t>Ebook</a:t>
+            </a:r>
+            <a:r>
+              <a:rPr lang="en-US" sz="2400" dirty="0">
+                <a:latin typeface="Calibri" panose="020F0502020204030204" pitchFamily="34" charset="0"/>
+                <a:cs typeface="Times New Roman" panose="02020603050405020304" pitchFamily="18" charset="0"/>
+              </a:rPr>
+              <a:t>.</a:t>
+            </a:r>
+          </a:p>
+          <a:p>
+            <a:pPr lvl="0"/>
+            <a:endParaRPr kumimoji="0" lang="en-US" altLang="en-US" sz="1800" b="0" i="0" u="none" strike="noStrike" cap="none" normalizeH="0" baseline="0" dirty="0">
+              <a:ln>
+                <a:noFill/>
+              </a:ln>
+              <a:solidFill>
+                <a:schemeClr val="tx1"/>
+              </a:solidFill>
+              <a:effectLst/>
+              <a:latin typeface="Arial" panose="020B0604020202020204" pitchFamily="34" charset="0"/>
+            </a:endParaRPr>
+          </a:p>
+        </p:txBody>
+      </p:sp>
+    </p:spTree>
+    <p:extLst>
+      <p:ext uri="{BB962C8B-B14F-4D97-AF65-F5344CB8AC3E}">
+        <p14:creationId xmlns:p14="http://schemas.microsoft.com/office/powerpoint/2010/main" val="839235163"/>
+      </p:ext>
+    </p:extLst>
+  </p:cSld>
+  <p:clrMapOvr>
+    <a:masterClrMapping/>
+  </p:clrMapOvr>
+</p:sld>
+</file>
+
+<file path=ppt/slides/slide12.xml><?xml version="1.0" encoding="utf-8"?>
+<p:sld xmlns:a="http://schemas.openxmlformats.org/drawingml/2006/main" xmlns:r="http://schemas.openxmlformats.org/officeDocument/2006/relationships" xmlns:p="http://schemas.openxmlformats.org/presentationml/2006/main">
+  <p:cSld>
+    <p:spTree>
+      <p:nvGrpSpPr>
+        <p:cNvPr id="1" name=""/>
+        <p:cNvGrpSpPr/>
+        <p:nvPr/>
+      </p:nvGrpSpPr>
+      <p:grpSpPr>
+        <a:xfrm>
+          <a:off x="0" y="0"/>
+          <a:ext cx="0" cy="0"/>
+          <a:chOff x="0" y="0"/>
+          <a:chExt cx="0" cy="0"/>
+        </a:xfrm>
+      </p:grpSpPr>
+      <p:pic>
+        <p:nvPicPr>
+          <p:cNvPr id="35841" name="Picture 11" descr="16x9_BG-08.jpg"/>
+          <p:cNvPicPr>
+            <a:picLocks noChangeAspect="1"/>
+          </p:cNvPicPr>
+          <p:nvPr/>
+        </p:nvPicPr>
+        <p:blipFill>
+          <a:blip r:embed="rId3">
+            <a:extLst>
+              <a:ext uri="{28A0092B-C50C-407E-A947-70E740481C1C}">
+                <a14:useLocalDpi xmlns:a14="http://schemas.microsoft.com/office/drawing/2010/main" val="0"/>
+              </a:ext>
+            </a:extLst>
+          </a:blip>
+          <a:srcRect/>
+          <a:stretch>
+            <a:fillRect/>
+          </a:stretch>
+        </p:blipFill>
+        <p:spPr bwMode="auto">
+          <a:xfrm>
+            <a:off x="0" y="0"/>
+            <a:ext cx="12192000" cy="6858000"/>
+          </a:xfrm>
+          <a:prstGeom prst="rect">
+            <a:avLst/>
+          </a:prstGeom>
+          <a:noFill/>
+          <a:ln>
+            <a:noFill/>
+          </a:ln>
+          <a:extLst>
+            <a:ext uri="{909E8E84-426E-40DD-AFC4-6F175D3DCCD1}">
+              <a14:hiddenFill xmlns:a14="http://schemas.microsoft.com/office/drawing/2010/main">
+                <a:solidFill>
+                  <a:srgbClr val="FFFFFF"/>
+                </a:solidFill>
+              </a14:hiddenFill>
+            </a:ext>
+            <a:ext uri="{91240B29-F687-4F45-9708-019B960494DF}">
+              <a14:hiddenLine xmlns:a14="http://schemas.microsoft.com/office/drawing/2010/main" w="9525">
+                <a:solidFill>
+                  <a:srgbClr val="000000"/>
+                </a:solidFill>
+                <a:miter lim="800000"/>
+                <a:headEnd/>
+                <a:tailEnd/>
+              </a14:hiddenLine>
+            </a:ext>
+          </a:extLst>
+        </p:spPr>
+      </p:pic>
+      <p:sp>
+        <p:nvSpPr>
+          <p:cNvPr id="7" name="Rectangle 6"/>
+          <p:cNvSpPr>
+            <a:spLocks noChangeArrowheads="1"/>
+          </p:cNvSpPr>
+          <p:nvPr/>
+        </p:nvSpPr>
+        <p:spPr bwMode="auto">
+          <a:xfrm>
+            <a:off x="0" y="6248400"/>
+            <a:ext cx="12192000" cy="609600"/>
+          </a:xfrm>
+          <a:prstGeom prst="rect">
+            <a:avLst/>
+          </a:prstGeom>
+          <a:solidFill>
+            <a:srgbClr val="1A2C64"/>
+          </a:solidFill>
+          <a:ln>
+            <a:noFill/>
+          </a:ln>
+          <a:effectLst>
+            <a:outerShdw blurRad="40000" dist="23000" dir="5400000" rotWithShape="0">
+              <a:srgbClr val="808080">
+                <a:alpha val="34999"/>
+              </a:srgbClr>
+            </a:outerShdw>
+          </a:effectLst>
+          <a:extLst>
+            <a:ext uri="{91240B29-F687-4F45-9708-019B960494DF}">
+              <a14:hiddenLine xmlns:a14="http://schemas.microsoft.com/office/drawing/2010/main" w="9525">
+                <a:solidFill>
+                  <a:srgbClr val="000000"/>
+                </a:solidFill>
+                <a:miter lim="800000"/>
+                <a:headEnd/>
+                <a:tailEnd/>
+              </a14:hiddenLine>
+            </a:ext>
+          </a:extLst>
+        </p:spPr>
+        <p:txBody>
+          <a:bodyPr anchor="ctr"/>
+          <a:lstStyle/>
+          <a:p>
+            <a:pPr algn="ctr">
+              <a:defRPr/>
+            </a:pPr>
+            <a:endParaRPr lang="en-US" sz="2400">
+              <a:solidFill>
+                <a:schemeClr val="accent2">
+                  <a:lumMod val="40000"/>
+                  <a:lumOff val="60000"/>
+                </a:schemeClr>
+              </a:solidFill>
+            </a:endParaRPr>
+          </a:p>
+        </p:txBody>
+      </p:sp>
+      <p:pic>
+        <p:nvPicPr>
+          <p:cNvPr id="35843" name="Picture 7"/>
+          <p:cNvPicPr>
+            <a:picLocks noChangeAspect="1"/>
+          </p:cNvPicPr>
+          <p:nvPr/>
+        </p:nvPicPr>
+        <p:blipFill>
+          <a:blip r:embed="rId4">
+            <a:extLst>
+              <a:ext uri="{28A0092B-C50C-407E-A947-70E740481C1C}">
+                <a14:useLocalDpi xmlns:a14="http://schemas.microsoft.com/office/drawing/2010/main" val="0"/>
+              </a:ext>
+            </a:extLst>
+          </a:blip>
+          <a:srcRect/>
+          <a:stretch>
+            <a:fillRect/>
+          </a:stretch>
+        </p:blipFill>
+        <p:spPr bwMode="auto">
+          <a:xfrm>
+            <a:off x="9550401" y="6405034"/>
+            <a:ext cx="2436284" cy="296333"/>
+          </a:xfrm>
+          <a:prstGeom prst="rect">
+            <a:avLst/>
+          </a:prstGeom>
+          <a:noFill/>
+          <a:ln>
+            <a:noFill/>
+          </a:ln>
+          <a:extLst>
+            <a:ext uri="{909E8E84-426E-40DD-AFC4-6F175D3DCCD1}">
+              <a14:hiddenFill xmlns:a14="http://schemas.microsoft.com/office/drawing/2010/main">
+                <a:solidFill>
+                  <a:srgbClr val="FFFFFF"/>
+                </a:solidFill>
+              </a14:hiddenFill>
+            </a:ext>
+            <a:ext uri="{91240B29-F687-4F45-9708-019B960494DF}">
+              <a14:hiddenLine xmlns:a14="http://schemas.microsoft.com/office/drawing/2010/main" w="9525">
+                <a:solidFill>
+                  <a:srgbClr val="000000"/>
+                </a:solidFill>
+                <a:miter lim="800000"/>
+                <a:headEnd/>
+                <a:tailEnd/>
+              </a14:hiddenLine>
+            </a:ext>
+          </a:extLst>
+        </p:spPr>
+      </p:pic>
+      <p:sp>
+        <p:nvSpPr>
+          <p:cNvPr id="35844" name="TextBox 8"/>
+          <p:cNvSpPr txBox="1">
+            <a:spLocks noChangeArrowheads="1"/>
+          </p:cNvSpPr>
+          <p:nvPr/>
+        </p:nvSpPr>
+        <p:spPr bwMode="auto">
+          <a:xfrm>
+            <a:off x="0" y="2311401"/>
+            <a:ext cx="12192000" cy="748988"/>
+          </a:xfrm>
+          <a:prstGeom prst="rect">
+            <a:avLst/>
+          </a:prstGeom>
+          <a:noFill/>
+          <a:ln>
+            <a:noFill/>
+          </a:ln>
+          <a:extLst>
+            <a:ext uri="{909E8E84-426E-40DD-AFC4-6F175D3DCCD1}">
+              <a14:hiddenFill xmlns:a14="http://schemas.microsoft.com/office/drawing/2010/main">
+                <a:solidFill>
+                  <a:srgbClr val="FFFFFF"/>
+                </a:solidFill>
+              </a14:hiddenFill>
+            </a:ext>
+            <a:ext uri="{91240B29-F687-4F45-9708-019B960494DF}">
+              <a14:hiddenLine xmlns:a14="http://schemas.microsoft.com/office/drawing/2010/main" w="9525">
+                <a:solidFill>
+                  <a:srgbClr val="000000"/>
+                </a:solidFill>
+                <a:miter lim="800000"/>
+                <a:headEnd/>
+                <a:tailEnd/>
+              </a14:hiddenLine>
+            </a:ext>
+          </a:extLst>
+        </p:spPr>
+        <p:txBody>
+          <a:bodyPr>
+            <a:spAutoFit/>
+          </a:bodyPr>
+          <a:lstStyle>
+            <a:lvl1pPr>
+              <a:defRPr>
+                <a:solidFill>
+                  <a:schemeClr val="tx1"/>
+                </a:solidFill>
+                <a:latin typeface="Calibri" panose="020F0502020204030204" pitchFamily="34" charset="0"/>
+                <a:ea typeface="MS PGothic" panose="020B0600070205080204" pitchFamily="34" charset="-128"/>
+              </a:defRPr>
+            </a:lvl1pPr>
+            <a:lvl2pPr marL="742950" indent="-285750">
+              <a:defRPr>
+                <a:solidFill>
+                  <a:schemeClr val="tx1"/>
+                </a:solidFill>
+                <a:latin typeface="Calibri" panose="020F0502020204030204" pitchFamily="34" charset="0"/>
+                <a:ea typeface="MS PGothic" panose="020B0600070205080204" pitchFamily="34" charset="-128"/>
+              </a:defRPr>
+            </a:lvl2pPr>
+            <a:lvl3pPr marL="1143000" indent="-228600">
+              <a:defRPr>
+                <a:solidFill>
+                  <a:schemeClr val="tx1"/>
+                </a:solidFill>
+                <a:latin typeface="Calibri" panose="020F0502020204030204" pitchFamily="34" charset="0"/>
+                <a:ea typeface="MS PGothic" panose="020B0600070205080204" pitchFamily="34" charset="-128"/>
+              </a:defRPr>
+            </a:lvl3pPr>
+            <a:lvl4pPr marL="1600200" indent="-228600">
+              <a:defRPr>
+                <a:solidFill>
+                  <a:schemeClr val="tx1"/>
+                </a:solidFill>
+                <a:latin typeface="Calibri" panose="020F0502020204030204" pitchFamily="34" charset="0"/>
+                <a:ea typeface="MS PGothic" panose="020B0600070205080204" pitchFamily="34" charset="-128"/>
+              </a:defRPr>
+            </a:lvl4pPr>
+            <a:lvl5pPr marL="2057400" indent="-228600">
+              <a:defRPr>
+                <a:solidFill>
+                  <a:schemeClr val="tx1"/>
+                </a:solidFill>
+                <a:latin typeface="Calibri" panose="020F0502020204030204" pitchFamily="34" charset="0"/>
+                <a:ea typeface="MS PGothic" panose="020B0600070205080204" pitchFamily="34" charset="-128"/>
+              </a:defRPr>
+            </a:lvl5pPr>
+            <a:lvl6pPr marL="2514600" indent="-228600" defTabSz="457200" fontAlgn="base">
+              <a:spcBef>
+                <a:spcPct val="0"/>
+              </a:spcBef>
+              <a:spcAft>
+                <a:spcPct val="0"/>
+              </a:spcAft>
+              <a:defRPr>
+                <a:solidFill>
+                  <a:schemeClr val="tx1"/>
+                </a:solidFill>
+                <a:latin typeface="Calibri" panose="020F0502020204030204" pitchFamily="34" charset="0"/>
+                <a:ea typeface="MS PGothic" panose="020B0600070205080204" pitchFamily="34" charset="-128"/>
+              </a:defRPr>
+            </a:lvl6pPr>
+            <a:lvl7pPr marL="2971800" indent="-228600" defTabSz="457200" fontAlgn="base">
+              <a:spcBef>
+                <a:spcPct val="0"/>
+              </a:spcBef>
+              <a:spcAft>
+                <a:spcPct val="0"/>
+              </a:spcAft>
+              <a:defRPr>
+                <a:solidFill>
+                  <a:schemeClr val="tx1"/>
+                </a:solidFill>
+                <a:latin typeface="Calibri" panose="020F0502020204030204" pitchFamily="34" charset="0"/>
+                <a:ea typeface="MS PGothic" panose="020B0600070205080204" pitchFamily="34" charset="-128"/>
+              </a:defRPr>
+            </a:lvl7pPr>
+            <a:lvl8pPr marL="3429000" indent="-228600" defTabSz="457200" fontAlgn="base">
+              <a:spcBef>
+                <a:spcPct val="0"/>
+              </a:spcBef>
+              <a:spcAft>
+                <a:spcPct val="0"/>
+              </a:spcAft>
+              <a:defRPr>
+                <a:solidFill>
+                  <a:schemeClr val="tx1"/>
+                </a:solidFill>
+                <a:latin typeface="Calibri" panose="020F0502020204030204" pitchFamily="34" charset="0"/>
+                <a:ea typeface="MS PGothic" panose="020B0600070205080204" pitchFamily="34" charset="-128"/>
+              </a:defRPr>
+            </a:lvl8pPr>
+            <a:lvl9pPr marL="3886200" indent="-228600" defTabSz="457200" fontAlgn="base">
+              <a:spcBef>
+                <a:spcPct val="0"/>
+              </a:spcBef>
+              <a:spcAft>
+                <a:spcPct val="0"/>
+              </a:spcAft>
+              <a:defRPr>
+                <a:solidFill>
+                  <a:schemeClr val="tx1"/>
+                </a:solidFill>
+                <a:latin typeface="Calibri" panose="020F0502020204030204" pitchFamily="34" charset="0"/>
+                <a:ea typeface="MS PGothic" panose="020B0600070205080204" pitchFamily="34" charset="-128"/>
+              </a:defRPr>
+            </a:lvl9pPr>
+          </a:lstStyle>
+          <a:p>
+            <a:pPr algn="ctr"/>
+            <a:r>
+              <a:rPr lang="en-US" altLang="en-US" sz="4267" i="1" dirty="0">
+                <a:solidFill>
+                  <a:schemeClr val="bg1"/>
+                </a:solidFill>
+              </a:rPr>
+              <a:t>Questions/Comments?</a:t>
+            </a:r>
+            <a:endParaRPr lang="en-US" altLang="en-US" sz="2400" i="1" dirty="0">
+              <a:solidFill>
+                <a:schemeClr val="bg1"/>
+              </a:solidFill>
+            </a:endParaRPr>
+          </a:p>
+        </p:txBody>
+      </p:sp>
+      <p:sp>
+        <p:nvSpPr>
+          <p:cNvPr id="35845" name="TextBox 9"/>
+          <p:cNvSpPr txBox="1">
+            <a:spLocks noChangeArrowheads="1"/>
+          </p:cNvSpPr>
+          <p:nvPr/>
+        </p:nvSpPr>
+        <p:spPr bwMode="auto">
+          <a:xfrm>
+            <a:off x="340784" y="6261100"/>
+            <a:ext cx="9042400" cy="454227"/>
+          </a:xfrm>
+          <a:prstGeom prst="rect">
+            <a:avLst/>
+          </a:prstGeom>
+          <a:noFill/>
+          <a:ln>
+            <a:noFill/>
+          </a:ln>
+          <a:extLst>
+            <a:ext uri="{909E8E84-426E-40DD-AFC4-6F175D3DCCD1}">
+              <a14:hiddenFill xmlns:a14="http://schemas.microsoft.com/office/drawing/2010/main">
+                <a:solidFill>
+                  <a:srgbClr val="FFFFFF"/>
+                </a:solidFill>
+              </a14:hiddenFill>
+            </a:ext>
+            <a:ext uri="{91240B29-F687-4F45-9708-019B960494DF}">
+              <a14:hiddenLine xmlns:a14="http://schemas.microsoft.com/office/drawing/2010/main" w="9525">
+                <a:solidFill>
+                  <a:srgbClr val="000000"/>
+                </a:solidFill>
+                <a:miter lim="800000"/>
+                <a:headEnd/>
+                <a:tailEnd/>
+              </a14:hiddenLine>
+            </a:ext>
+          </a:extLst>
+        </p:spPr>
+        <p:txBody>
+          <a:bodyPr>
+            <a:spAutoFit/>
+          </a:bodyPr>
+          <a:lstStyle>
+            <a:lvl1pPr>
+              <a:defRPr>
+                <a:solidFill>
+                  <a:schemeClr val="tx1"/>
+                </a:solidFill>
+                <a:latin typeface="Calibri" panose="020F0502020204030204" pitchFamily="34" charset="0"/>
+                <a:ea typeface="MS PGothic" panose="020B0600070205080204" pitchFamily="34" charset="-128"/>
+              </a:defRPr>
+            </a:lvl1pPr>
+            <a:lvl2pPr marL="742950" indent="-285750">
+              <a:defRPr>
+                <a:solidFill>
+                  <a:schemeClr val="tx1"/>
+                </a:solidFill>
+                <a:latin typeface="Calibri" panose="020F0502020204030204" pitchFamily="34" charset="0"/>
+                <a:ea typeface="MS PGothic" panose="020B0600070205080204" pitchFamily="34" charset="-128"/>
+              </a:defRPr>
+            </a:lvl2pPr>
+            <a:lvl3pPr marL="1143000" indent="-228600">
+              <a:defRPr>
+                <a:solidFill>
+                  <a:schemeClr val="tx1"/>
+                </a:solidFill>
+                <a:latin typeface="Calibri" panose="020F0502020204030204" pitchFamily="34" charset="0"/>
+                <a:ea typeface="MS PGothic" panose="020B0600070205080204" pitchFamily="34" charset="-128"/>
+              </a:defRPr>
+            </a:lvl3pPr>
+            <a:lvl4pPr marL="1600200" indent="-228600">
+              <a:defRPr>
+                <a:solidFill>
+                  <a:schemeClr val="tx1"/>
+                </a:solidFill>
+                <a:latin typeface="Calibri" panose="020F0502020204030204" pitchFamily="34" charset="0"/>
+                <a:ea typeface="MS PGothic" panose="020B0600070205080204" pitchFamily="34" charset="-128"/>
+              </a:defRPr>
+            </a:lvl4pPr>
+            <a:lvl5pPr marL="2057400" indent="-228600">
+              <a:defRPr>
+                <a:solidFill>
+                  <a:schemeClr val="tx1"/>
+                </a:solidFill>
+                <a:latin typeface="Calibri" panose="020F0502020204030204" pitchFamily="34" charset="0"/>
+                <a:ea typeface="MS PGothic" panose="020B0600070205080204" pitchFamily="34" charset="-128"/>
+              </a:defRPr>
+            </a:lvl5pPr>
+            <a:lvl6pPr marL="2514600" indent="-228600" defTabSz="457200" fontAlgn="base">
+              <a:spcBef>
+                <a:spcPct val="0"/>
+              </a:spcBef>
+              <a:spcAft>
+                <a:spcPct val="0"/>
+              </a:spcAft>
+              <a:defRPr>
+                <a:solidFill>
+                  <a:schemeClr val="tx1"/>
+                </a:solidFill>
+                <a:latin typeface="Calibri" panose="020F0502020204030204" pitchFamily="34" charset="0"/>
+                <a:ea typeface="MS PGothic" panose="020B0600070205080204" pitchFamily="34" charset="-128"/>
+              </a:defRPr>
+            </a:lvl6pPr>
+            <a:lvl7pPr marL="2971800" indent="-228600" defTabSz="457200" fontAlgn="base">
+              <a:spcBef>
+                <a:spcPct val="0"/>
+              </a:spcBef>
+              <a:spcAft>
+                <a:spcPct val="0"/>
+              </a:spcAft>
+              <a:defRPr>
+                <a:solidFill>
+                  <a:schemeClr val="tx1"/>
+                </a:solidFill>
+                <a:latin typeface="Calibri" panose="020F0502020204030204" pitchFamily="34" charset="0"/>
+                <a:ea typeface="MS PGothic" panose="020B0600070205080204" pitchFamily="34" charset="-128"/>
+              </a:defRPr>
+            </a:lvl7pPr>
+            <a:lvl8pPr marL="3429000" indent="-228600" defTabSz="457200" fontAlgn="base">
+              <a:spcBef>
+                <a:spcPct val="0"/>
+              </a:spcBef>
+              <a:spcAft>
+                <a:spcPct val="0"/>
+              </a:spcAft>
+              <a:defRPr>
+                <a:solidFill>
+                  <a:schemeClr val="tx1"/>
+                </a:solidFill>
+                <a:latin typeface="Calibri" panose="020F0502020204030204" pitchFamily="34" charset="0"/>
+                <a:ea typeface="MS PGothic" panose="020B0600070205080204" pitchFamily="34" charset="-128"/>
+              </a:defRPr>
+            </a:lvl8pPr>
+            <a:lvl9pPr marL="3886200" indent="-228600" defTabSz="457200" fontAlgn="base">
+              <a:spcBef>
+                <a:spcPct val="0"/>
+              </a:spcBef>
+              <a:spcAft>
+                <a:spcPct val="0"/>
+              </a:spcAft>
+              <a:defRPr>
+                <a:solidFill>
+                  <a:schemeClr val="tx1"/>
+                </a:solidFill>
+                <a:latin typeface="Calibri" panose="020F0502020204030204" pitchFamily="34" charset="0"/>
+                <a:ea typeface="MS PGothic" panose="020B0600070205080204" pitchFamily="34" charset="-128"/>
+              </a:defRPr>
+            </a:lvl9pPr>
+          </a:lstStyle>
+          <a:p>
+            <a:pPr>
+              <a:lnSpc>
+                <a:spcPts val="3200"/>
+              </a:lnSpc>
+            </a:pPr>
+            <a:fld id="{5BB23988-5F95-4F5E-B268-2E87EE1A952B}" type="slidenum">
+              <a:rPr lang="en-US" altLang="en-US" sz="1600" b="1">
+                <a:solidFill>
+                  <a:schemeClr val="bg1"/>
+                </a:solidFill>
+              </a:rPr>
+              <a:pPr>
+                <a:lnSpc>
+                  <a:spcPts val="3200"/>
+                </a:lnSpc>
+              </a:pPr>
+              <a:t>12</a:t>
+            </a:fld>
+            <a:r>
+              <a:rPr lang="en-US" altLang="en-US" sz="1600" b="1" dirty="0">
+                <a:solidFill>
+                  <a:schemeClr val="bg1"/>
+                </a:solidFill>
+              </a:rPr>
+              <a:t> </a:t>
+            </a:r>
+            <a:r>
+              <a:rPr lang="en-US" altLang="en-US" sz="1600" dirty="0">
+                <a:solidFill>
+                  <a:schemeClr val="bg1"/>
+                </a:solidFill>
+              </a:rPr>
+              <a:t>|</a:t>
+            </a:r>
+            <a:r>
+              <a:rPr lang="en-US" altLang="en-US" sz="1600" b="1" dirty="0">
+                <a:solidFill>
+                  <a:schemeClr val="bg1"/>
+                </a:solidFill>
+              </a:rPr>
+              <a:t> </a:t>
+            </a:r>
+            <a:r>
+              <a:rPr lang="en-US" altLang="en-US" sz="1600" i="1" dirty="0">
+                <a:solidFill>
+                  <a:schemeClr val="bg1"/>
+                </a:solidFill>
+              </a:rPr>
+              <a:t>EECS 6690</a:t>
+            </a:r>
+            <a:endParaRPr lang="en-US" sz="1600" i="1" dirty="0">
+              <a:solidFill>
+                <a:schemeClr val="bg1"/>
+              </a:solidFill>
+            </a:endParaRPr>
+          </a:p>
+        </p:txBody>
+      </p:sp>
+    </p:spTree>
+    <p:extLst>
+      <p:ext uri="{BB962C8B-B14F-4D97-AF65-F5344CB8AC3E}">
+        <p14:creationId xmlns:p14="http://schemas.microsoft.com/office/powerpoint/2010/main" val="2054765866"/>
+      </p:ext>
+    </p:extLst>
+  </p:cSld>
+  <p:clrMapOvr>
+    <a:masterClrMapping/>
+  </p:clrMapOvr>
+</p:sld>
+</file>
+
+<file path=ppt/slides/slide2.xml><?xml version="1.0" encoding="utf-8"?>
+<p:sld xmlns:a="http://schemas.openxmlformats.org/drawingml/2006/main" xmlns:r="http://schemas.openxmlformats.org/officeDocument/2006/relationships" xmlns:p="http://schemas.openxmlformats.org/presentationml/2006/main">
+  <p:cSld>
+    <p:spTree>
+      <p:nvGrpSpPr>
+        <p:cNvPr id="1" name=""/>
+        <p:cNvGrpSpPr/>
+        <p:nvPr/>
+      </p:nvGrpSpPr>
+      <p:grpSpPr>
+        <a:xfrm>
+          <a:off x="0" y="0"/>
+          <a:ext cx="0" cy="0"/>
+          <a:chOff x="0" y="0"/>
+          <a:chExt cx="0" cy="0"/>
+        </a:xfrm>
+      </p:grpSpPr>
+      <p:sp>
+        <p:nvSpPr>
+          <p:cNvPr id="7" name="Rectangle 6"/>
+          <p:cNvSpPr/>
+          <p:nvPr/>
+        </p:nvSpPr>
+        <p:spPr>
+          <a:xfrm>
+            <a:off x="0" y="0"/>
+            <a:ext cx="12192000" cy="609600"/>
+          </a:xfrm>
+          <a:prstGeom prst="rect">
+            <a:avLst/>
+          </a:prstGeom>
+          <a:solidFill>
+            <a:srgbClr val="000000"/>
+          </a:solidFill>
+          <a:ln>
+            <a:noFill/>
+          </a:ln>
+          <a:effectLst/>
+        </p:spPr>
+        <p:style>
+          <a:lnRef idx="1">
+            <a:schemeClr val="accent1"/>
+          </a:lnRef>
+          <a:fillRef idx="3">
+            <a:schemeClr val="accent1"/>
+          </a:fillRef>
+          <a:effectRef idx="2">
+            <a:schemeClr val="accent1"/>
+          </a:effectRef>
+          <a:fontRef idx="minor">
+            <a:schemeClr val="lt1"/>
+          </a:fontRef>
+        </p:style>
+        <p:txBody>
+          <a:bodyPr anchor="ctr"/>
+          <a:lstStyle/>
+          <a:p>
+            <a:pPr algn="ctr">
+              <a:defRPr/>
+            </a:pPr>
+            <a:endParaRPr lang="en-US" sz="2400" dirty="0">
+              <a:solidFill>
+                <a:schemeClr val="accent2">
+                  <a:lumMod val="40000"/>
+                  <a:lumOff val="60000"/>
+                </a:schemeClr>
+              </a:solidFill>
+            </a:endParaRPr>
+          </a:p>
+        </p:txBody>
+      </p:sp>
+      <p:sp>
+        <p:nvSpPr>
+          <p:cNvPr id="17" name="Rectangle 16"/>
+          <p:cNvSpPr/>
+          <p:nvPr/>
+        </p:nvSpPr>
+        <p:spPr>
+          <a:xfrm>
+            <a:off x="8149390" y="3189129"/>
+            <a:ext cx="5076092" cy="492443"/>
+          </a:xfrm>
+          <a:prstGeom prst="rect">
+            <a:avLst/>
+          </a:prstGeom>
+        </p:spPr>
+        <p:txBody>
+          <a:bodyPr wrap="square">
+            <a:spAutoFit/>
+          </a:bodyPr>
+          <a:lstStyle/>
+          <a:p>
+            <a:pPr>
+              <a:defRPr/>
+            </a:pPr>
+            <a:endParaRPr lang="en-US" sz="1400" dirty="0">
+              <a:solidFill>
+                <a:schemeClr val="tx1">
+                  <a:lumMod val="75000"/>
+                  <a:lumOff val="25000"/>
+                </a:schemeClr>
+              </a:solidFill>
+              <a:cs typeface="Helvetica"/>
+            </a:endParaRPr>
+          </a:p>
+          <a:p>
+            <a:pPr>
+              <a:defRPr/>
+            </a:pPr>
+            <a:endParaRPr lang="en-US" sz="1200" dirty="0">
+              <a:solidFill>
+                <a:schemeClr val="tx1">
+                  <a:lumMod val="75000"/>
+                  <a:lumOff val="25000"/>
+                </a:schemeClr>
+              </a:solidFill>
+              <a:cs typeface="Helvetica"/>
+            </a:endParaRPr>
+          </a:p>
+        </p:txBody>
+      </p:sp>
+      <p:sp>
+        <p:nvSpPr>
+          <p:cNvPr id="49156" name="Rectangle 7"/>
+          <p:cNvSpPr>
+            <a:spLocks noChangeArrowheads="1"/>
+          </p:cNvSpPr>
+          <p:nvPr/>
+        </p:nvSpPr>
+        <p:spPr bwMode="auto">
+          <a:xfrm>
+            <a:off x="406399" y="-6349"/>
+            <a:ext cx="6812085" cy="584775"/>
+          </a:xfrm>
+          <a:prstGeom prst="rect">
+            <a:avLst/>
+          </a:prstGeom>
+          <a:noFill/>
+          <a:ln>
+            <a:noFill/>
+          </a:ln>
+          <a:extLst>
+            <a:ext uri="{909E8E84-426E-40DD-AFC4-6F175D3DCCD1}">
+              <a14:hiddenFill xmlns:a14="http://schemas.microsoft.com/office/drawing/2010/main">
+                <a:solidFill>
+                  <a:srgbClr val="FFFFFF"/>
+                </a:solidFill>
+              </a14:hiddenFill>
+            </a:ext>
+            <a:ext uri="{91240B29-F687-4F45-9708-019B960494DF}">
+              <a14:hiddenLine xmlns:a14="http://schemas.microsoft.com/office/drawing/2010/main" w="9525">
+                <a:solidFill>
+                  <a:srgbClr val="000000"/>
+                </a:solidFill>
+                <a:miter lim="800000"/>
+                <a:headEnd/>
+                <a:tailEnd/>
+              </a14:hiddenLine>
+            </a:ext>
+          </a:extLst>
+        </p:spPr>
+        <p:txBody>
+          <a:bodyPr wrap="square">
+            <a:spAutoFit/>
+          </a:bodyPr>
+          <a:lstStyle>
+            <a:lvl1pPr>
+              <a:defRPr>
+                <a:solidFill>
+                  <a:schemeClr val="tx1"/>
+                </a:solidFill>
+                <a:latin typeface="Calibri" panose="020F0502020204030204" pitchFamily="34" charset="0"/>
+                <a:ea typeface="MS PGothic" panose="020B0600070205080204" pitchFamily="34" charset="-128"/>
+              </a:defRPr>
+            </a:lvl1pPr>
+            <a:lvl2pPr marL="742950" indent="-285750">
+              <a:defRPr>
+                <a:solidFill>
+                  <a:schemeClr val="tx1"/>
+                </a:solidFill>
+                <a:latin typeface="Calibri" panose="020F0502020204030204" pitchFamily="34" charset="0"/>
+                <a:ea typeface="MS PGothic" panose="020B0600070205080204" pitchFamily="34" charset="-128"/>
+              </a:defRPr>
+            </a:lvl2pPr>
+            <a:lvl3pPr marL="1143000" indent="-228600">
+              <a:defRPr>
+                <a:solidFill>
+                  <a:schemeClr val="tx1"/>
+                </a:solidFill>
+                <a:latin typeface="Calibri" panose="020F0502020204030204" pitchFamily="34" charset="0"/>
+                <a:ea typeface="MS PGothic" panose="020B0600070205080204" pitchFamily="34" charset="-128"/>
+              </a:defRPr>
+            </a:lvl3pPr>
+            <a:lvl4pPr marL="1600200" indent="-228600">
+              <a:defRPr>
+                <a:solidFill>
+                  <a:schemeClr val="tx1"/>
+                </a:solidFill>
+                <a:latin typeface="Calibri" panose="020F0502020204030204" pitchFamily="34" charset="0"/>
+                <a:ea typeface="MS PGothic" panose="020B0600070205080204" pitchFamily="34" charset="-128"/>
+              </a:defRPr>
+            </a:lvl4pPr>
+            <a:lvl5pPr marL="2057400" indent="-228600">
+              <a:defRPr>
+                <a:solidFill>
+                  <a:schemeClr val="tx1"/>
+                </a:solidFill>
+                <a:latin typeface="Calibri" panose="020F0502020204030204" pitchFamily="34" charset="0"/>
+                <a:ea typeface="MS PGothic" panose="020B0600070205080204" pitchFamily="34" charset="-128"/>
+              </a:defRPr>
+            </a:lvl5pPr>
+            <a:lvl6pPr marL="2514600" indent="-228600" defTabSz="457200" fontAlgn="base">
+              <a:spcBef>
+                <a:spcPct val="0"/>
+              </a:spcBef>
+              <a:spcAft>
+                <a:spcPct val="0"/>
+              </a:spcAft>
+              <a:defRPr>
+                <a:solidFill>
+                  <a:schemeClr val="tx1"/>
+                </a:solidFill>
+                <a:latin typeface="Calibri" panose="020F0502020204030204" pitchFamily="34" charset="0"/>
+                <a:ea typeface="MS PGothic" panose="020B0600070205080204" pitchFamily="34" charset="-128"/>
+              </a:defRPr>
+            </a:lvl6pPr>
+            <a:lvl7pPr marL="2971800" indent="-228600" defTabSz="457200" fontAlgn="base">
+              <a:spcBef>
+                <a:spcPct val="0"/>
+              </a:spcBef>
+              <a:spcAft>
+                <a:spcPct val="0"/>
+              </a:spcAft>
+              <a:defRPr>
+                <a:solidFill>
+                  <a:schemeClr val="tx1"/>
+                </a:solidFill>
+                <a:latin typeface="Calibri" panose="020F0502020204030204" pitchFamily="34" charset="0"/>
+                <a:ea typeface="MS PGothic" panose="020B0600070205080204" pitchFamily="34" charset="-128"/>
+              </a:defRPr>
+            </a:lvl7pPr>
+            <a:lvl8pPr marL="3429000" indent="-228600" defTabSz="457200" fontAlgn="base">
+              <a:spcBef>
+                <a:spcPct val="0"/>
+              </a:spcBef>
+              <a:spcAft>
+                <a:spcPct val="0"/>
+              </a:spcAft>
+              <a:defRPr>
+                <a:solidFill>
+                  <a:schemeClr val="tx1"/>
+                </a:solidFill>
+                <a:latin typeface="Calibri" panose="020F0502020204030204" pitchFamily="34" charset="0"/>
+                <a:ea typeface="MS PGothic" panose="020B0600070205080204" pitchFamily="34" charset="-128"/>
+              </a:defRPr>
+            </a:lvl8pPr>
+            <a:lvl9pPr marL="3886200" indent="-228600" defTabSz="457200" fontAlgn="base">
+              <a:spcBef>
+                <a:spcPct val="0"/>
+              </a:spcBef>
+              <a:spcAft>
+                <a:spcPct val="0"/>
+              </a:spcAft>
+              <a:defRPr>
+                <a:solidFill>
+                  <a:schemeClr val="tx1"/>
+                </a:solidFill>
+                <a:latin typeface="Calibri" panose="020F0502020204030204" pitchFamily="34" charset="0"/>
+                <a:ea typeface="MS PGothic" panose="020B0600070205080204" pitchFamily="34" charset="-128"/>
+              </a:defRPr>
+            </a:lvl9pPr>
+          </a:lstStyle>
+          <a:p>
+            <a:r>
+              <a:rPr lang="en-US" altLang="en-US" sz="3200" dirty="0">
+                <a:solidFill>
+                  <a:schemeClr val="bg1"/>
+                </a:solidFill>
+              </a:rPr>
+              <a:t>Recreation of Results</a:t>
+            </a:r>
+          </a:p>
+        </p:txBody>
+      </p:sp>
+      <p:sp>
+        <p:nvSpPr>
+          <p:cNvPr id="11" name="Rectangle 10"/>
+          <p:cNvSpPr>
+            <a:spLocks noChangeArrowheads="1"/>
+          </p:cNvSpPr>
+          <p:nvPr/>
+        </p:nvSpPr>
+        <p:spPr bwMode="auto">
+          <a:xfrm>
+            <a:off x="0" y="6248400"/>
+            <a:ext cx="12192000" cy="609600"/>
+          </a:xfrm>
+          <a:prstGeom prst="rect">
+            <a:avLst/>
+          </a:prstGeom>
+          <a:solidFill>
+            <a:srgbClr val="1A2C64"/>
+          </a:solidFill>
+          <a:ln>
+            <a:noFill/>
+          </a:ln>
+          <a:effectLst>
+            <a:outerShdw blurRad="40000" dist="23000" dir="5400000" rotWithShape="0">
+              <a:srgbClr val="808080">
+                <a:alpha val="34999"/>
+              </a:srgbClr>
+            </a:outerShdw>
+          </a:effectLst>
+          <a:extLst>
+            <a:ext uri="{91240B29-F687-4F45-9708-019B960494DF}">
+              <a14:hiddenLine xmlns:a14="http://schemas.microsoft.com/office/drawing/2010/main" w="9525">
+                <a:solidFill>
+                  <a:srgbClr val="000000"/>
+                </a:solidFill>
+                <a:miter lim="800000"/>
+                <a:headEnd/>
+                <a:tailEnd/>
+              </a14:hiddenLine>
+            </a:ext>
+          </a:extLst>
+        </p:spPr>
+        <p:txBody>
+          <a:bodyPr anchor="ctr"/>
+          <a:lstStyle/>
+          <a:p>
+            <a:pPr algn="ctr">
+              <a:defRPr/>
+            </a:pPr>
+            <a:endParaRPr lang="en-US" sz="2400">
+              <a:solidFill>
+                <a:schemeClr val="accent2">
+                  <a:lumMod val="40000"/>
+                  <a:lumOff val="60000"/>
+                </a:schemeClr>
+              </a:solidFill>
+            </a:endParaRPr>
+          </a:p>
+        </p:txBody>
+      </p:sp>
+      <p:pic>
+        <p:nvPicPr>
+          <p:cNvPr id="49159" name="Picture 11"/>
+          <p:cNvPicPr>
+            <a:picLocks noChangeAspect="1"/>
+          </p:cNvPicPr>
+          <p:nvPr/>
+        </p:nvPicPr>
+        <p:blipFill>
+          <a:blip r:embed="rId3" cstate="print">
+            <a:extLst>
+              <a:ext uri="{28A0092B-C50C-407E-A947-70E740481C1C}">
+                <a14:useLocalDpi xmlns:a14="http://schemas.microsoft.com/office/drawing/2010/main" val="0"/>
+              </a:ext>
+            </a:extLst>
+          </a:blip>
+          <a:srcRect/>
+          <a:stretch>
+            <a:fillRect/>
+          </a:stretch>
+        </p:blipFill>
+        <p:spPr bwMode="auto">
+          <a:xfrm>
+            <a:off x="9550401" y="6405034"/>
+            <a:ext cx="2436284" cy="296333"/>
+          </a:xfrm>
+          <a:prstGeom prst="rect">
+            <a:avLst/>
+          </a:prstGeom>
+          <a:noFill/>
+          <a:ln>
+            <a:noFill/>
+          </a:ln>
+          <a:extLst>
+            <a:ext uri="{909E8E84-426E-40DD-AFC4-6F175D3DCCD1}">
+              <a14:hiddenFill xmlns:a14="http://schemas.microsoft.com/office/drawing/2010/main">
+                <a:solidFill>
+                  <a:srgbClr val="FFFFFF"/>
+                </a:solidFill>
+              </a14:hiddenFill>
+            </a:ext>
+            <a:ext uri="{91240B29-F687-4F45-9708-019B960494DF}">
+              <a14:hiddenLine xmlns:a14="http://schemas.microsoft.com/office/drawing/2010/main" w="9525">
+                <a:solidFill>
+                  <a:srgbClr val="000000"/>
+                </a:solidFill>
+                <a:miter lim="800000"/>
+                <a:headEnd/>
+                <a:tailEnd/>
+              </a14:hiddenLine>
+            </a:ext>
+          </a:extLst>
+        </p:spPr>
+      </p:pic>
+      <p:sp>
+        <p:nvSpPr>
+          <p:cNvPr id="49160" name="TextBox 12"/>
+          <p:cNvSpPr txBox="1">
+            <a:spLocks noChangeArrowheads="1"/>
+          </p:cNvSpPr>
+          <p:nvPr/>
+        </p:nvSpPr>
+        <p:spPr bwMode="auto">
+          <a:xfrm>
+            <a:off x="340784" y="6261100"/>
+            <a:ext cx="9042400" cy="454227"/>
+          </a:xfrm>
+          <a:prstGeom prst="rect">
+            <a:avLst/>
+          </a:prstGeom>
+          <a:noFill/>
+          <a:ln>
+            <a:noFill/>
+          </a:ln>
+          <a:extLst>
+            <a:ext uri="{909E8E84-426E-40DD-AFC4-6F175D3DCCD1}">
+              <a14:hiddenFill xmlns:a14="http://schemas.microsoft.com/office/drawing/2010/main">
+                <a:solidFill>
+                  <a:srgbClr val="FFFFFF"/>
+                </a:solidFill>
+              </a14:hiddenFill>
+            </a:ext>
+            <a:ext uri="{91240B29-F687-4F45-9708-019B960494DF}">
+              <a14:hiddenLine xmlns:a14="http://schemas.microsoft.com/office/drawing/2010/main" w="9525">
+                <a:solidFill>
+                  <a:srgbClr val="000000"/>
+                </a:solidFill>
+                <a:miter lim="800000"/>
+                <a:headEnd/>
+                <a:tailEnd/>
+              </a14:hiddenLine>
+            </a:ext>
+          </a:extLst>
+        </p:spPr>
+        <p:txBody>
+          <a:bodyPr>
+            <a:spAutoFit/>
+          </a:bodyPr>
+          <a:lstStyle>
+            <a:lvl1pPr>
+              <a:defRPr>
+                <a:solidFill>
+                  <a:schemeClr val="tx1"/>
+                </a:solidFill>
+                <a:latin typeface="Calibri" panose="020F0502020204030204" pitchFamily="34" charset="0"/>
+                <a:ea typeface="MS PGothic" panose="020B0600070205080204" pitchFamily="34" charset="-128"/>
+              </a:defRPr>
+            </a:lvl1pPr>
+            <a:lvl2pPr marL="742950" indent="-285750">
+              <a:defRPr>
+                <a:solidFill>
+                  <a:schemeClr val="tx1"/>
+                </a:solidFill>
+                <a:latin typeface="Calibri" panose="020F0502020204030204" pitchFamily="34" charset="0"/>
+                <a:ea typeface="MS PGothic" panose="020B0600070205080204" pitchFamily="34" charset="-128"/>
+              </a:defRPr>
+            </a:lvl2pPr>
+            <a:lvl3pPr marL="1143000" indent="-228600">
+              <a:defRPr>
+                <a:solidFill>
+                  <a:schemeClr val="tx1"/>
+                </a:solidFill>
+                <a:latin typeface="Calibri" panose="020F0502020204030204" pitchFamily="34" charset="0"/>
+                <a:ea typeface="MS PGothic" panose="020B0600070205080204" pitchFamily="34" charset="-128"/>
+              </a:defRPr>
+            </a:lvl3pPr>
+            <a:lvl4pPr marL="1600200" indent="-228600">
+              <a:defRPr>
+                <a:solidFill>
+                  <a:schemeClr val="tx1"/>
+                </a:solidFill>
+                <a:latin typeface="Calibri" panose="020F0502020204030204" pitchFamily="34" charset="0"/>
+                <a:ea typeface="MS PGothic" panose="020B0600070205080204" pitchFamily="34" charset="-128"/>
+              </a:defRPr>
+            </a:lvl4pPr>
+            <a:lvl5pPr marL="2057400" indent="-228600">
+              <a:defRPr>
+                <a:solidFill>
+                  <a:schemeClr val="tx1"/>
+                </a:solidFill>
+                <a:latin typeface="Calibri" panose="020F0502020204030204" pitchFamily="34" charset="0"/>
+                <a:ea typeface="MS PGothic" panose="020B0600070205080204" pitchFamily="34" charset="-128"/>
+              </a:defRPr>
+            </a:lvl5pPr>
+            <a:lvl6pPr marL="2514600" indent="-228600" defTabSz="457200" fontAlgn="base">
+              <a:spcBef>
+                <a:spcPct val="0"/>
+              </a:spcBef>
+              <a:spcAft>
+                <a:spcPct val="0"/>
+              </a:spcAft>
+              <a:defRPr>
+                <a:solidFill>
+                  <a:schemeClr val="tx1"/>
+                </a:solidFill>
+                <a:latin typeface="Calibri" panose="020F0502020204030204" pitchFamily="34" charset="0"/>
+                <a:ea typeface="MS PGothic" panose="020B0600070205080204" pitchFamily="34" charset="-128"/>
+              </a:defRPr>
+            </a:lvl6pPr>
+            <a:lvl7pPr marL="2971800" indent="-228600" defTabSz="457200" fontAlgn="base">
+              <a:spcBef>
+                <a:spcPct val="0"/>
+              </a:spcBef>
+              <a:spcAft>
+                <a:spcPct val="0"/>
+              </a:spcAft>
+              <a:defRPr>
+                <a:solidFill>
+                  <a:schemeClr val="tx1"/>
+                </a:solidFill>
+                <a:latin typeface="Calibri" panose="020F0502020204030204" pitchFamily="34" charset="0"/>
+                <a:ea typeface="MS PGothic" panose="020B0600070205080204" pitchFamily="34" charset="-128"/>
+              </a:defRPr>
+            </a:lvl7pPr>
+            <a:lvl8pPr marL="3429000" indent="-228600" defTabSz="457200" fontAlgn="base">
+              <a:spcBef>
+                <a:spcPct val="0"/>
+              </a:spcBef>
+              <a:spcAft>
+                <a:spcPct val="0"/>
+              </a:spcAft>
+              <a:defRPr>
+                <a:solidFill>
+                  <a:schemeClr val="tx1"/>
+                </a:solidFill>
+                <a:latin typeface="Calibri" panose="020F0502020204030204" pitchFamily="34" charset="0"/>
+                <a:ea typeface="MS PGothic" panose="020B0600070205080204" pitchFamily="34" charset="-128"/>
+              </a:defRPr>
+            </a:lvl8pPr>
+            <a:lvl9pPr marL="3886200" indent="-228600" defTabSz="457200" fontAlgn="base">
+              <a:spcBef>
+                <a:spcPct val="0"/>
+              </a:spcBef>
+              <a:spcAft>
+                <a:spcPct val="0"/>
+              </a:spcAft>
+              <a:defRPr>
+                <a:solidFill>
+                  <a:schemeClr val="tx1"/>
+                </a:solidFill>
+                <a:latin typeface="Calibri" panose="020F0502020204030204" pitchFamily="34" charset="0"/>
+                <a:ea typeface="MS PGothic" panose="020B0600070205080204" pitchFamily="34" charset="-128"/>
+              </a:defRPr>
+            </a:lvl9pPr>
+          </a:lstStyle>
+          <a:p>
+            <a:pPr>
+              <a:lnSpc>
+                <a:spcPts val="3200"/>
+              </a:lnSpc>
+            </a:pPr>
+            <a:fld id="{76DDC349-5DFE-463D-B972-F98C51C102DF}" type="slidenum">
+              <a:rPr lang="en-US" altLang="en-US" sz="1600" b="1">
+                <a:solidFill>
+                  <a:schemeClr val="bg1"/>
+                </a:solidFill>
+              </a:rPr>
+              <a:pPr>
+                <a:lnSpc>
+                  <a:spcPts val="3200"/>
+                </a:lnSpc>
+              </a:pPr>
+              <a:t>2</a:t>
+            </a:fld>
+            <a:r>
+              <a:rPr lang="en-US" altLang="en-US" sz="1600" b="1" dirty="0">
+                <a:solidFill>
+                  <a:schemeClr val="bg1"/>
+                </a:solidFill>
+              </a:rPr>
+              <a:t> </a:t>
+            </a:r>
+            <a:r>
+              <a:rPr lang="en-US" altLang="en-US" sz="1600" dirty="0">
+                <a:solidFill>
+                  <a:schemeClr val="bg1"/>
+                </a:solidFill>
+              </a:rPr>
+              <a:t>| </a:t>
+            </a:r>
+            <a:r>
+              <a:rPr lang="en-US" altLang="en-US" sz="1600" i="1" dirty="0">
+                <a:solidFill>
+                  <a:schemeClr val="bg1"/>
+                </a:solidFill>
+              </a:rPr>
+              <a:t>EECS 6690</a:t>
+            </a:r>
+          </a:p>
+        </p:txBody>
+      </p:sp>
+      <p:sp>
+        <p:nvSpPr>
+          <p:cNvPr id="9" name="Rectangle 2">
+            <a:extLst>
+              <a:ext uri="{FF2B5EF4-FFF2-40B4-BE49-F238E27FC236}">
+                <a16:creationId xmlns:a16="http://schemas.microsoft.com/office/drawing/2014/main" id="{5A8BC50E-FED3-41FC-BE09-DF30409AC31A}"/>
+              </a:ext>
+            </a:extLst>
+          </p:cNvPr>
+          <p:cNvSpPr>
+            <a:spLocks noChangeArrowheads="1"/>
+          </p:cNvSpPr>
+          <p:nvPr/>
+        </p:nvSpPr>
+        <p:spPr bwMode="auto">
+          <a:xfrm>
+            <a:off x="1358299" y="951423"/>
+            <a:ext cx="9475402" cy="4955154"/>
+          </a:xfrm>
+          <a:prstGeom prst="rect">
+            <a:avLst/>
+          </a:prstGeom>
+          <a:noFill/>
+          <a:ln>
+            <a:noFill/>
+          </a:ln>
+          <a:effectLst/>
+          <a:extLst>
+            <a:ext uri="{909E8E84-426E-40DD-AFC4-6F175D3DCCD1}">
+              <a14:hiddenFill xmlns:a14="http://schemas.microsoft.com/office/drawing/2010/main">
+                <a:solidFill>
+                  <a:schemeClr val="accent1"/>
+                </a:solidFill>
+              </a14:hiddenFill>
+            </a:ext>
+            <a:ext uri="{91240B29-F687-4F45-9708-019B960494DF}">
+              <a14:hiddenLine xmlns:a14="http://schemas.microsoft.com/office/drawing/2010/main" w="9525">
+                <a:solidFill>
+                  <a:schemeClr val="tx1"/>
+                </a:solidFill>
+                <a:miter lim="800000"/>
+                <a:headEnd/>
+                <a:tailEnd/>
+              </a14:hiddenLine>
+            </a:ext>
+            <a:ext uri="{AF507438-7753-43E0-B8FC-AC1667EBCBE1}">
+              <a14:hiddenEffects xmlns:a14="http://schemas.microsoft.com/office/drawing/2010/main">
+                <a:effectLst>
+                  <a:outerShdw dist="35921" dir="2700000" algn="ctr" rotWithShape="0">
+                    <a:schemeClr val="bg2"/>
+                  </a:outerShdw>
+                </a:effectLst>
+              </a14:hiddenEffects>
+            </a:ext>
+          </a:extLst>
+        </p:spPr>
+        <p:txBody>
+          <a:bodyPr vert="horz" wrap="square" lIns="0" tIns="152352" rIns="0" bIns="0" numCol="1" anchor="ctr" anchorCtr="0" compatLnSpc="1">
+            <a:prstTxWarp prst="textNoShape">
+              <a:avLst/>
+            </a:prstTxWarp>
+            <a:spAutoFit/>
+          </a:bodyPr>
+          <a:lstStyle>
+            <a:lvl1pPr eaLnBrk="0" fontAlgn="base" hangingPunct="0">
+              <a:spcBef>
+                <a:spcPct val="0"/>
+              </a:spcBef>
+              <a:spcAft>
+                <a:spcPct val="0"/>
+              </a:spcAft>
+              <a:defRPr>
+                <a:solidFill>
+                  <a:schemeClr val="tx1"/>
+                </a:solidFill>
+                <a:latin typeface="Arial" panose="020B0604020202020204" pitchFamily="34" charset="0"/>
+              </a:defRPr>
+            </a:lvl1pPr>
+            <a:lvl2pPr eaLnBrk="0" fontAlgn="base" hangingPunct="0">
+              <a:spcBef>
+                <a:spcPct val="0"/>
+              </a:spcBef>
+              <a:spcAft>
+                <a:spcPct val="0"/>
+              </a:spcAft>
+              <a:defRPr>
+                <a:solidFill>
+                  <a:schemeClr val="tx1"/>
+                </a:solidFill>
+                <a:latin typeface="Arial" panose="020B0604020202020204" pitchFamily="34" charset="0"/>
+              </a:defRPr>
+            </a:lvl2pPr>
+            <a:lvl3pPr eaLnBrk="0" fontAlgn="base" hangingPunct="0">
+              <a:spcBef>
+                <a:spcPct val="0"/>
+              </a:spcBef>
+              <a:spcAft>
+                <a:spcPct val="0"/>
+              </a:spcAft>
+              <a:defRPr>
+                <a:solidFill>
+                  <a:schemeClr val="tx1"/>
+                </a:solidFill>
+                <a:latin typeface="Arial" panose="020B0604020202020204" pitchFamily="34" charset="0"/>
+              </a:defRPr>
+            </a:lvl3pPr>
+            <a:lvl4pPr eaLnBrk="0" fontAlgn="base" hangingPunct="0">
+              <a:spcBef>
+                <a:spcPct val="0"/>
+              </a:spcBef>
+              <a:spcAft>
+                <a:spcPct val="0"/>
+              </a:spcAft>
+              <a:defRPr>
+                <a:solidFill>
+                  <a:schemeClr val="tx1"/>
+                </a:solidFill>
+                <a:latin typeface="Arial" panose="020B0604020202020204" pitchFamily="34" charset="0"/>
+              </a:defRPr>
+            </a:lvl4pPr>
+            <a:lvl5pPr eaLnBrk="0" fontAlgn="base" hangingPunct="0">
+              <a:spcBef>
+                <a:spcPct val="0"/>
+              </a:spcBef>
+              <a:spcAft>
+                <a:spcPct val="0"/>
+              </a:spcAft>
+              <a:defRPr>
+                <a:solidFill>
+                  <a:schemeClr val="tx1"/>
+                </a:solidFill>
+                <a:latin typeface="Arial" panose="020B0604020202020204" pitchFamily="34" charset="0"/>
+              </a:defRPr>
+            </a:lvl5pPr>
+            <a:lvl6pPr eaLnBrk="0" fontAlgn="base" hangingPunct="0">
+              <a:spcBef>
+                <a:spcPct val="0"/>
+              </a:spcBef>
+              <a:spcAft>
+                <a:spcPct val="0"/>
+              </a:spcAft>
+              <a:defRPr>
+                <a:solidFill>
+                  <a:schemeClr val="tx1"/>
+                </a:solidFill>
+                <a:latin typeface="Arial" panose="020B0604020202020204" pitchFamily="34" charset="0"/>
+              </a:defRPr>
+            </a:lvl6pPr>
+            <a:lvl7pPr eaLnBrk="0" fontAlgn="base" hangingPunct="0">
+              <a:spcBef>
+                <a:spcPct val="0"/>
+              </a:spcBef>
+              <a:spcAft>
+                <a:spcPct val="0"/>
+              </a:spcAft>
+              <a:defRPr>
+                <a:solidFill>
+                  <a:schemeClr val="tx1"/>
+                </a:solidFill>
+                <a:latin typeface="Arial" panose="020B0604020202020204" pitchFamily="34" charset="0"/>
+              </a:defRPr>
+            </a:lvl7pPr>
+            <a:lvl8pPr eaLnBrk="0" fontAlgn="base" hangingPunct="0">
+              <a:spcBef>
+                <a:spcPct val="0"/>
+              </a:spcBef>
+              <a:spcAft>
+                <a:spcPct val="0"/>
+              </a:spcAft>
+              <a:defRPr>
+                <a:solidFill>
+                  <a:schemeClr val="tx1"/>
+                </a:solidFill>
+                <a:latin typeface="Arial" panose="020B0604020202020204" pitchFamily="34" charset="0"/>
+              </a:defRPr>
+            </a:lvl8pPr>
+            <a:lvl9pPr eaLnBrk="0" fontAlgn="base" hangingPunct="0">
+              <a:spcBef>
+                <a:spcPct val="0"/>
+              </a:spcBef>
+              <a:spcAft>
+                <a:spcPct val="0"/>
+              </a:spcAft>
+              <a:defRPr>
+                <a:solidFill>
+                  <a:schemeClr val="tx1"/>
+                </a:solidFill>
+                <a:latin typeface="Arial" panose="020B0604020202020204" pitchFamily="34" charset="0"/>
+              </a:defRPr>
+            </a:lvl9pPr>
+          </a:lstStyle>
+          <a:p>
+            <a:r>
+              <a:rPr lang="en-US" sz="2400" dirty="0">
+                <a:latin typeface="+mn-lt"/>
+              </a:rPr>
+              <a:t>The paper, “Genome-wide transcriptional analysis of T cell activation reveals differential gene expression associated with psoriasis” looks at T cell gene expression rates from 24 patients.  </a:t>
+            </a:r>
+          </a:p>
+          <a:p>
+            <a:pPr marL="800100" lvl="1" indent="-342900">
+              <a:buFont typeface="Arial" panose="020B0604020202020204" pitchFamily="34" charset="0"/>
+              <a:buChar char="•"/>
+            </a:pPr>
+            <a:r>
+              <a:rPr lang="en-US" sz="2400" dirty="0">
+                <a:latin typeface="+mn-lt"/>
+              </a:rPr>
+              <a:t>The data is openly available</a:t>
+            </a:r>
+          </a:p>
+          <a:p>
+            <a:pPr marL="800100" lvl="1" indent="-342900">
+              <a:buFont typeface="Arial" panose="020B0604020202020204" pitchFamily="34" charset="0"/>
+              <a:buChar char="•"/>
+            </a:pPr>
+            <a:r>
+              <a:rPr lang="en-US" sz="2400" dirty="0">
+                <a:latin typeface="+mn-lt"/>
+              </a:rPr>
+              <a:t>Psoriasis is a common autoimmune disease, where T cells target healthy skin cells</a:t>
+            </a:r>
+          </a:p>
+          <a:p>
+            <a:r>
+              <a:rPr lang="en-US" sz="2400" dirty="0">
+                <a:latin typeface="+mn-lt"/>
+              </a:rPr>
+              <a:t>The paper found the fold increase (or decrease) of patients with psoriasis compared to those who did not have it</a:t>
+            </a:r>
+          </a:p>
+          <a:p>
+            <a:pPr marL="800100" lvl="1" indent="-342900">
+              <a:buFont typeface="Arial" panose="020B0604020202020204" pitchFamily="34" charset="0"/>
+              <a:buChar char="•"/>
+            </a:pPr>
+            <a:r>
+              <a:rPr lang="en-US" sz="2400" dirty="0">
+                <a:latin typeface="+mn-lt"/>
+              </a:rPr>
+              <a:t>The paper preprocessed the data by eliminating genes which were expressed in fewer than 3 patients.  Then the algorithm of the data was found.</a:t>
+            </a:r>
+          </a:p>
+          <a:p>
+            <a:r>
+              <a:rPr lang="en-US" sz="2400" dirty="0">
+                <a:latin typeface="+mn-lt"/>
+              </a:rPr>
+              <a:t>The results were not able to be reproduced.  Nor were the fold changes that were described in the data seen.  </a:t>
+            </a:r>
+          </a:p>
+        </p:txBody>
+      </p:sp>
+    </p:spTree>
+    <p:extLst>
+      <p:ext uri="{BB962C8B-B14F-4D97-AF65-F5344CB8AC3E}">
+        <p14:creationId xmlns:p14="http://schemas.microsoft.com/office/powerpoint/2010/main" val="2604410016"/>
+      </p:ext>
+    </p:extLst>
+  </p:cSld>
+  <p:clrMapOvr>
+    <a:masterClrMapping/>
+  </p:clrMapOvr>
+</p:sld>
+</file>
+
+<file path=ppt/slides/slide3.xml><?xml version="1.0" encoding="utf-8"?>
+<p:sld xmlns:a="http://schemas.openxmlformats.org/drawingml/2006/main" xmlns:r="http://schemas.openxmlformats.org/officeDocument/2006/relationships" xmlns:p="http://schemas.openxmlformats.org/presentationml/2006/main">
+  <p:cSld>
+    <p:spTree>
+      <p:nvGrpSpPr>
+        <p:cNvPr id="1" name=""/>
+        <p:cNvGrpSpPr/>
+        <p:nvPr/>
+      </p:nvGrpSpPr>
+      <p:grpSpPr>
+        <a:xfrm>
+          <a:off x="0" y="0"/>
+          <a:ext cx="0" cy="0"/>
+          <a:chOff x="0" y="0"/>
+          <a:chExt cx="0" cy="0"/>
+        </a:xfrm>
+      </p:grpSpPr>
+      <p:sp>
+        <p:nvSpPr>
+          <p:cNvPr id="7" name="Rectangle 6"/>
+          <p:cNvSpPr/>
+          <p:nvPr/>
+        </p:nvSpPr>
+        <p:spPr>
+          <a:xfrm>
+            <a:off x="0" y="0"/>
+            <a:ext cx="12192000" cy="609600"/>
+          </a:xfrm>
+          <a:prstGeom prst="rect">
+            <a:avLst/>
+          </a:prstGeom>
+          <a:solidFill>
+            <a:srgbClr val="000000"/>
+          </a:solidFill>
+          <a:ln>
+            <a:noFill/>
+          </a:ln>
+          <a:effectLst/>
+        </p:spPr>
+        <p:style>
+          <a:lnRef idx="1">
+            <a:schemeClr val="accent1"/>
+          </a:lnRef>
+          <a:fillRef idx="3">
+            <a:schemeClr val="accent1"/>
+          </a:fillRef>
+          <a:effectRef idx="2">
+            <a:schemeClr val="accent1"/>
+          </a:effectRef>
+          <a:fontRef idx="minor">
+            <a:schemeClr val="lt1"/>
+          </a:fontRef>
+        </p:style>
+        <p:txBody>
+          <a:bodyPr anchor="ctr"/>
+          <a:lstStyle/>
+          <a:p>
+            <a:pPr algn="ctr">
+              <a:defRPr/>
+            </a:pPr>
+            <a:endParaRPr lang="en-US" sz="2400" dirty="0">
+              <a:solidFill>
+                <a:schemeClr val="accent2">
+                  <a:lumMod val="40000"/>
+                  <a:lumOff val="60000"/>
+                </a:schemeClr>
+              </a:solidFill>
+            </a:endParaRPr>
+          </a:p>
+        </p:txBody>
+      </p:sp>
+      <p:sp>
+        <p:nvSpPr>
+          <p:cNvPr id="17" name="Rectangle 16"/>
+          <p:cNvSpPr/>
+          <p:nvPr/>
+        </p:nvSpPr>
+        <p:spPr>
+          <a:xfrm>
+            <a:off x="8149390" y="3189129"/>
+            <a:ext cx="5076092" cy="492443"/>
+          </a:xfrm>
+          <a:prstGeom prst="rect">
+            <a:avLst/>
+          </a:prstGeom>
+        </p:spPr>
+        <p:txBody>
+          <a:bodyPr wrap="square">
+            <a:spAutoFit/>
+          </a:bodyPr>
+          <a:lstStyle/>
+          <a:p>
+            <a:pPr>
+              <a:defRPr/>
+            </a:pPr>
+            <a:endParaRPr lang="en-US" sz="1400" dirty="0">
+              <a:solidFill>
+                <a:schemeClr val="tx1">
+                  <a:lumMod val="75000"/>
+                  <a:lumOff val="25000"/>
+                </a:schemeClr>
+              </a:solidFill>
+              <a:cs typeface="Helvetica"/>
+            </a:endParaRPr>
+          </a:p>
+          <a:p>
+            <a:pPr>
+              <a:defRPr/>
+            </a:pPr>
+            <a:endParaRPr lang="en-US" sz="1200" dirty="0">
+              <a:solidFill>
+                <a:schemeClr val="tx1">
+                  <a:lumMod val="75000"/>
+                  <a:lumOff val="25000"/>
+                </a:schemeClr>
+              </a:solidFill>
+              <a:cs typeface="Helvetica"/>
+            </a:endParaRPr>
+          </a:p>
+        </p:txBody>
+      </p:sp>
+      <p:sp>
+        <p:nvSpPr>
+          <p:cNvPr id="49156" name="Rectangle 7"/>
+          <p:cNvSpPr>
+            <a:spLocks noChangeArrowheads="1"/>
+          </p:cNvSpPr>
+          <p:nvPr/>
+        </p:nvSpPr>
+        <p:spPr bwMode="auto">
+          <a:xfrm>
+            <a:off x="406400" y="-6349"/>
+            <a:ext cx="3556000" cy="584775"/>
+          </a:xfrm>
+          <a:prstGeom prst="rect">
+            <a:avLst/>
+          </a:prstGeom>
+          <a:noFill/>
+          <a:ln>
+            <a:noFill/>
+          </a:ln>
+          <a:extLst>
+            <a:ext uri="{909E8E84-426E-40DD-AFC4-6F175D3DCCD1}">
+              <a14:hiddenFill xmlns:a14="http://schemas.microsoft.com/office/drawing/2010/main">
+                <a:solidFill>
+                  <a:srgbClr val="FFFFFF"/>
+                </a:solidFill>
+              </a14:hiddenFill>
+            </a:ext>
+            <a:ext uri="{91240B29-F687-4F45-9708-019B960494DF}">
+              <a14:hiddenLine xmlns:a14="http://schemas.microsoft.com/office/drawing/2010/main" w="9525">
+                <a:solidFill>
+                  <a:srgbClr val="000000"/>
+                </a:solidFill>
+                <a:miter lim="800000"/>
+                <a:headEnd/>
+                <a:tailEnd/>
+              </a14:hiddenLine>
+            </a:ext>
+          </a:extLst>
+        </p:spPr>
+        <p:txBody>
+          <a:bodyPr>
+            <a:spAutoFit/>
+          </a:bodyPr>
+          <a:lstStyle>
+            <a:lvl1pPr>
+              <a:defRPr>
+                <a:solidFill>
+                  <a:schemeClr val="tx1"/>
+                </a:solidFill>
+                <a:latin typeface="Calibri" panose="020F0502020204030204" pitchFamily="34" charset="0"/>
+                <a:ea typeface="MS PGothic" panose="020B0600070205080204" pitchFamily="34" charset="-128"/>
+              </a:defRPr>
+            </a:lvl1pPr>
+            <a:lvl2pPr marL="742950" indent="-285750">
+              <a:defRPr>
+                <a:solidFill>
+                  <a:schemeClr val="tx1"/>
+                </a:solidFill>
+                <a:latin typeface="Calibri" panose="020F0502020204030204" pitchFamily="34" charset="0"/>
+                <a:ea typeface="MS PGothic" panose="020B0600070205080204" pitchFamily="34" charset="-128"/>
+              </a:defRPr>
+            </a:lvl2pPr>
+            <a:lvl3pPr marL="1143000" indent="-228600">
+              <a:defRPr>
+                <a:solidFill>
+                  <a:schemeClr val="tx1"/>
+                </a:solidFill>
+                <a:latin typeface="Calibri" panose="020F0502020204030204" pitchFamily="34" charset="0"/>
+                <a:ea typeface="MS PGothic" panose="020B0600070205080204" pitchFamily="34" charset="-128"/>
+              </a:defRPr>
+            </a:lvl3pPr>
+            <a:lvl4pPr marL="1600200" indent="-228600">
+              <a:defRPr>
+                <a:solidFill>
+                  <a:schemeClr val="tx1"/>
+                </a:solidFill>
+                <a:latin typeface="Calibri" panose="020F0502020204030204" pitchFamily="34" charset="0"/>
+                <a:ea typeface="MS PGothic" panose="020B0600070205080204" pitchFamily="34" charset="-128"/>
+              </a:defRPr>
+            </a:lvl4pPr>
+            <a:lvl5pPr marL="2057400" indent="-228600">
+              <a:defRPr>
+                <a:solidFill>
+                  <a:schemeClr val="tx1"/>
+                </a:solidFill>
+                <a:latin typeface="Calibri" panose="020F0502020204030204" pitchFamily="34" charset="0"/>
+                <a:ea typeface="MS PGothic" panose="020B0600070205080204" pitchFamily="34" charset="-128"/>
+              </a:defRPr>
+            </a:lvl5pPr>
+            <a:lvl6pPr marL="2514600" indent="-228600" defTabSz="457200" fontAlgn="base">
+              <a:spcBef>
+                <a:spcPct val="0"/>
+              </a:spcBef>
+              <a:spcAft>
+                <a:spcPct val="0"/>
+              </a:spcAft>
+              <a:defRPr>
+                <a:solidFill>
+                  <a:schemeClr val="tx1"/>
+                </a:solidFill>
+                <a:latin typeface="Calibri" panose="020F0502020204030204" pitchFamily="34" charset="0"/>
+                <a:ea typeface="MS PGothic" panose="020B0600070205080204" pitchFamily="34" charset="-128"/>
+              </a:defRPr>
+            </a:lvl6pPr>
+            <a:lvl7pPr marL="2971800" indent="-228600" defTabSz="457200" fontAlgn="base">
+              <a:spcBef>
+                <a:spcPct val="0"/>
+              </a:spcBef>
+              <a:spcAft>
+                <a:spcPct val="0"/>
+              </a:spcAft>
+              <a:defRPr>
+                <a:solidFill>
+                  <a:schemeClr val="tx1"/>
+                </a:solidFill>
+                <a:latin typeface="Calibri" panose="020F0502020204030204" pitchFamily="34" charset="0"/>
+                <a:ea typeface="MS PGothic" panose="020B0600070205080204" pitchFamily="34" charset="-128"/>
+              </a:defRPr>
+            </a:lvl7pPr>
+            <a:lvl8pPr marL="3429000" indent="-228600" defTabSz="457200" fontAlgn="base">
+              <a:spcBef>
+                <a:spcPct val="0"/>
+              </a:spcBef>
+              <a:spcAft>
+                <a:spcPct val="0"/>
+              </a:spcAft>
+              <a:defRPr>
+                <a:solidFill>
+                  <a:schemeClr val="tx1"/>
+                </a:solidFill>
+                <a:latin typeface="Calibri" panose="020F0502020204030204" pitchFamily="34" charset="0"/>
+                <a:ea typeface="MS PGothic" panose="020B0600070205080204" pitchFamily="34" charset="-128"/>
+              </a:defRPr>
+            </a:lvl8pPr>
+            <a:lvl9pPr marL="3886200" indent="-228600" defTabSz="457200" fontAlgn="base">
+              <a:spcBef>
+                <a:spcPct val="0"/>
+              </a:spcBef>
+              <a:spcAft>
+                <a:spcPct val="0"/>
+              </a:spcAft>
+              <a:defRPr>
+                <a:solidFill>
+                  <a:schemeClr val="tx1"/>
+                </a:solidFill>
+                <a:latin typeface="Calibri" panose="020F0502020204030204" pitchFamily="34" charset="0"/>
+                <a:ea typeface="MS PGothic" panose="020B0600070205080204" pitchFamily="34" charset="-128"/>
+              </a:defRPr>
+            </a:lvl9pPr>
+          </a:lstStyle>
+          <a:p>
+            <a:r>
+              <a:rPr lang="en-US" altLang="en-US" sz="3200" dirty="0">
+                <a:solidFill>
+                  <a:schemeClr val="bg1"/>
+                </a:solidFill>
+              </a:rPr>
+              <a:t>Random Forests</a:t>
+            </a:r>
+          </a:p>
+        </p:txBody>
+      </p:sp>
+      <p:sp>
+        <p:nvSpPr>
+          <p:cNvPr id="11" name="Rectangle 10"/>
+          <p:cNvSpPr>
+            <a:spLocks noChangeArrowheads="1"/>
+          </p:cNvSpPr>
+          <p:nvPr/>
+        </p:nvSpPr>
+        <p:spPr bwMode="auto">
+          <a:xfrm>
+            <a:off x="0" y="6248400"/>
+            <a:ext cx="12192000" cy="609600"/>
+          </a:xfrm>
+          <a:prstGeom prst="rect">
+            <a:avLst/>
+          </a:prstGeom>
+          <a:solidFill>
+            <a:srgbClr val="1A2C64"/>
+          </a:solidFill>
+          <a:ln>
+            <a:noFill/>
+          </a:ln>
+          <a:effectLst>
+            <a:outerShdw blurRad="40000" dist="23000" dir="5400000" rotWithShape="0">
+              <a:srgbClr val="808080">
+                <a:alpha val="34999"/>
+              </a:srgbClr>
+            </a:outerShdw>
+          </a:effectLst>
+          <a:extLst>
+            <a:ext uri="{91240B29-F687-4F45-9708-019B960494DF}">
+              <a14:hiddenLine xmlns:a14="http://schemas.microsoft.com/office/drawing/2010/main" w="9525">
+                <a:solidFill>
+                  <a:srgbClr val="000000"/>
+                </a:solidFill>
+                <a:miter lim="800000"/>
+                <a:headEnd/>
+                <a:tailEnd/>
+              </a14:hiddenLine>
+            </a:ext>
+          </a:extLst>
+        </p:spPr>
+        <p:txBody>
+          <a:bodyPr anchor="ctr"/>
+          <a:lstStyle/>
+          <a:p>
+            <a:pPr algn="ctr">
+              <a:defRPr/>
+            </a:pPr>
+            <a:endParaRPr lang="en-US" sz="2400">
+              <a:solidFill>
+                <a:schemeClr val="accent2">
+                  <a:lumMod val="40000"/>
+                  <a:lumOff val="60000"/>
+                </a:schemeClr>
+              </a:solidFill>
+            </a:endParaRPr>
+          </a:p>
+        </p:txBody>
+      </p:sp>
+      <p:pic>
+        <p:nvPicPr>
+          <p:cNvPr id="49159" name="Picture 11"/>
+          <p:cNvPicPr>
+            <a:picLocks noChangeAspect="1"/>
+          </p:cNvPicPr>
+          <p:nvPr/>
+        </p:nvPicPr>
+        <p:blipFill>
+          <a:blip r:embed="rId3" cstate="print">
+            <a:extLst>
+              <a:ext uri="{28A0092B-C50C-407E-A947-70E740481C1C}">
+                <a14:useLocalDpi xmlns:a14="http://schemas.microsoft.com/office/drawing/2010/main" val="0"/>
+              </a:ext>
+            </a:extLst>
+          </a:blip>
+          <a:srcRect/>
+          <a:stretch>
+            <a:fillRect/>
+          </a:stretch>
+        </p:blipFill>
+        <p:spPr bwMode="auto">
+          <a:xfrm>
+            <a:off x="9550401" y="6405034"/>
+            <a:ext cx="2436284" cy="296333"/>
+          </a:xfrm>
+          <a:prstGeom prst="rect">
+            <a:avLst/>
+          </a:prstGeom>
+          <a:noFill/>
+          <a:ln>
+            <a:noFill/>
+          </a:ln>
+          <a:extLst>
+            <a:ext uri="{909E8E84-426E-40DD-AFC4-6F175D3DCCD1}">
+              <a14:hiddenFill xmlns:a14="http://schemas.microsoft.com/office/drawing/2010/main">
+                <a:solidFill>
+                  <a:srgbClr val="FFFFFF"/>
+                </a:solidFill>
+              </a14:hiddenFill>
+            </a:ext>
+            <a:ext uri="{91240B29-F687-4F45-9708-019B960494DF}">
+              <a14:hiddenLine xmlns:a14="http://schemas.microsoft.com/office/drawing/2010/main" w="9525">
+                <a:solidFill>
+                  <a:srgbClr val="000000"/>
+                </a:solidFill>
+                <a:miter lim="800000"/>
+                <a:headEnd/>
+                <a:tailEnd/>
+              </a14:hiddenLine>
+            </a:ext>
+          </a:extLst>
+        </p:spPr>
+      </p:pic>
+      <p:sp>
+        <p:nvSpPr>
+          <p:cNvPr id="49160" name="TextBox 12"/>
+          <p:cNvSpPr txBox="1">
+            <a:spLocks noChangeArrowheads="1"/>
+          </p:cNvSpPr>
+          <p:nvPr/>
+        </p:nvSpPr>
+        <p:spPr bwMode="auto">
+          <a:xfrm>
+            <a:off x="340784" y="6261100"/>
+            <a:ext cx="9042400" cy="454227"/>
+          </a:xfrm>
+          <a:prstGeom prst="rect">
+            <a:avLst/>
+          </a:prstGeom>
+          <a:noFill/>
+          <a:ln>
+            <a:noFill/>
+          </a:ln>
+          <a:extLst>
+            <a:ext uri="{909E8E84-426E-40DD-AFC4-6F175D3DCCD1}">
+              <a14:hiddenFill xmlns:a14="http://schemas.microsoft.com/office/drawing/2010/main">
+                <a:solidFill>
+                  <a:srgbClr val="FFFFFF"/>
+                </a:solidFill>
+              </a14:hiddenFill>
+            </a:ext>
+            <a:ext uri="{91240B29-F687-4F45-9708-019B960494DF}">
+              <a14:hiddenLine xmlns:a14="http://schemas.microsoft.com/office/drawing/2010/main" w="9525">
+                <a:solidFill>
+                  <a:srgbClr val="000000"/>
+                </a:solidFill>
+                <a:miter lim="800000"/>
+                <a:headEnd/>
+                <a:tailEnd/>
+              </a14:hiddenLine>
+            </a:ext>
+          </a:extLst>
+        </p:spPr>
+        <p:txBody>
+          <a:bodyPr>
+            <a:spAutoFit/>
+          </a:bodyPr>
+          <a:lstStyle>
+            <a:lvl1pPr>
+              <a:defRPr>
+                <a:solidFill>
+                  <a:schemeClr val="tx1"/>
+                </a:solidFill>
+                <a:latin typeface="Calibri" panose="020F0502020204030204" pitchFamily="34" charset="0"/>
+                <a:ea typeface="MS PGothic" panose="020B0600070205080204" pitchFamily="34" charset="-128"/>
+              </a:defRPr>
+            </a:lvl1pPr>
+            <a:lvl2pPr marL="742950" indent="-285750">
+              <a:defRPr>
+                <a:solidFill>
+                  <a:schemeClr val="tx1"/>
+                </a:solidFill>
+                <a:latin typeface="Calibri" panose="020F0502020204030204" pitchFamily="34" charset="0"/>
+                <a:ea typeface="MS PGothic" panose="020B0600070205080204" pitchFamily="34" charset="-128"/>
+              </a:defRPr>
+            </a:lvl2pPr>
+            <a:lvl3pPr marL="1143000" indent="-228600">
+              <a:defRPr>
+                <a:solidFill>
+                  <a:schemeClr val="tx1"/>
+                </a:solidFill>
+                <a:latin typeface="Calibri" panose="020F0502020204030204" pitchFamily="34" charset="0"/>
+                <a:ea typeface="MS PGothic" panose="020B0600070205080204" pitchFamily="34" charset="-128"/>
+              </a:defRPr>
+            </a:lvl3pPr>
+            <a:lvl4pPr marL="1600200" indent="-228600">
+              <a:defRPr>
+                <a:solidFill>
+                  <a:schemeClr val="tx1"/>
+                </a:solidFill>
+                <a:latin typeface="Calibri" panose="020F0502020204030204" pitchFamily="34" charset="0"/>
+                <a:ea typeface="MS PGothic" panose="020B0600070205080204" pitchFamily="34" charset="-128"/>
+              </a:defRPr>
+            </a:lvl4pPr>
+            <a:lvl5pPr marL="2057400" indent="-228600">
+              <a:defRPr>
+                <a:solidFill>
+                  <a:schemeClr val="tx1"/>
+                </a:solidFill>
+                <a:latin typeface="Calibri" panose="020F0502020204030204" pitchFamily="34" charset="0"/>
+                <a:ea typeface="MS PGothic" panose="020B0600070205080204" pitchFamily="34" charset="-128"/>
+              </a:defRPr>
+            </a:lvl5pPr>
+            <a:lvl6pPr marL="2514600" indent="-228600" defTabSz="457200" fontAlgn="base">
+              <a:spcBef>
+                <a:spcPct val="0"/>
+              </a:spcBef>
+              <a:spcAft>
+                <a:spcPct val="0"/>
+              </a:spcAft>
+              <a:defRPr>
+                <a:solidFill>
+                  <a:schemeClr val="tx1"/>
+                </a:solidFill>
+                <a:latin typeface="Calibri" panose="020F0502020204030204" pitchFamily="34" charset="0"/>
+                <a:ea typeface="MS PGothic" panose="020B0600070205080204" pitchFamily="34" charset="-128"/>
+              </a:defRPr>
+            </a:lvl6pPr>
+            <a:lvl7pPr marL="2971800" indent="-228600" defTabSz="457200" fontAlgn="base">
+              <a:spcBef>
+                <a:spcPct val="0"/>
+              </a:spcBef>
+              <a:spcAft>
+                <a:spcPct val="0"/>
+              </a:spcAft>
+              <a:defRPr>
+                <a:solidFill>
+                  <a:schemeClr val="tx1"/>
+                </a:solidFill>
+                <a:latin typeface="Calibri" panose="020F0502020204030204" pitchFamily="34" charset="0"/>
+                <a:ea typeface="MS PGothic" panose="020B0600070205080204" pitchFamily="34" charset="-128"/>
+              </a:defRPr>
+            </a:lvl7pPr>
+            <a:lvl8pPr marL="3429000" indent="-228600" defTabSz="457200" fontAlgn="base">
+              <a:spcBef>
+                <a:spcPct val="0"/>
+              </a:spcBef>
+              <a:spcAft>
+                <a:spcPct val="0"/>
+              </a:spcAft>
+              <a:defRPr>
+                <a:solidFill>
+                  <a:schemeClr val="tx1"/>
+                </a:solidFill>
+                <a:latin typeface="Calibri" panose="020F0502020204030204" pitchFamily="34" charset="0"/>
+                <a:ea typeface="MS PGothic" panose="020B0600070205080204" pitchFamily="34" charset="-128"/>
+              </a:defRPr>
+            </a:lvl8pPr>
+            <a:lvl9pPr marL="3886200" indent="-228600" defTabSz="457200" fontAlgn="base">
+              <a:spcBef>
+                <a:spcPct val="0"/>
+              </a:spcBef>
+              <a:spcAft>
+                <a:spcPct val="0"/>
+              </a:spcAft>
+              <a:defRPr>
+                <a:solidFill>
+                  <a:schemeClr val="tx1"/>
+                </a:solidFill>
+                <a:latin typeface="Calibri" panose="020F0502020204030204" pitchFamily="34" charset="0"/>
+                <a:ea typeface="MS PGothic" panose="020B0600070205080204" pitchFamily="34" charset="-128"/>
+              </a:defRPr>
+            </a:lvl9pPr>
+          </a:lstStyle>
+          <a:p>
+            <a:pPr>
+              <a:lnSpc>
+                <a:spcPts val="3200"/>
+              </a:lnSpc>
+            </a:pPr>
+            <a:fld id="{76DDC349-5DFE-463D-B972-F98C51C102DF}" type="slidenum">
+              <a:rPr lang="en-US" altLang="en-US" sz="1600" b="1">
+                <a:solidFill>
+                  <a:schemeClr val="bg1"/>
+                </a:solidFill>
+              </a:rPr>
+              <a:pPr>
+                <a:lnSpc>
+                  <a:spcPts val="3200"/>
+                </a:lnSpc>
+              </a:pPr>
+              <a:t>3</a:t>
+            </a:fld>
+            <a:r>
+              <a:rPr lang="en-US" altLang="en-US" sz="1600" b="1" dirty="0">
+                <a:solidFill>
+                  <a:schemeClr val="bg1"/>
+                </a:solidFill>
+              </a:rPr>
+              <a:t> </a:t>
+            </a:r>
+            <a:r>
+              <a:rPr lang="en-US" altLang="en-US" sz="1600" dirty="0">
+                <a:solidFill>
+                  <a:schemeClr val="bg1"/>
+                </a:solidFill>
+              </a:rPr>
+              <a:t>| </a:t>
+            </a:r>
+            <a:r>
+              <a:rPr lang="en-US" altLang="en-US" sz="1600" i="1" dirty="0">
+                <a:solidFill>
+                  <a:schemeClr val="bg1"/>
+                </a:solidFill>
+              </a:rPr>
+              <a:t>EECS 6690</a:t>
+            </a:r>
+          </a:p>
+        </p:txBody>
+      </p:sp>
+      <p:sp>
+        <p:nvSpPr>
+          <p:cNvPr id="9" name="Rectangle 2">
+            <a:extLst>
+              <a:ext uri="{FF2B5EF4-FFF2-40B4-BE49-F238E27FC236}">
+                <a16:creationId xmlns:a16="http://schemas.microsoft.com/office/drawing/2014/main" id="{5A8BC50E-FED3-41FC-BE09-DF30409AC31A}"/>
+              </a:ext>
+            </a:extLst>
+          </p:cNvPr>
+          <p:cNvSpPr>
+            <a:spLocks noChangeArrowheads="1"/>
+          </p:cNvSpPr>
+          <p:nvPr/>
+        </p:nvSpPr>
+        <p:spPr bwMode="auto">
+          <a:xfrm>
+            <a:off x="340784" y="1188605"/>
+            <a:ext cx="5444719" cy="4493489"/>
+          </a:xfrm>
+          <a:prstGeom prst="rect">
+            <a:avLst/>
+          </a:prstGeom>
+          <a:noFill/>
+          <a:ln>
+            <a:noFill/>
+          </a:ln>
+          <a:effectLst/>
+          <a:extLst>
+            <a:ext uri="{909E8E84-426E-40DD-AFC4-6F175D3DCCD1}">
+              <a14:hiddenFill xmlns:a14="http://schemas.microsoft.com/office/drawing/2010/main">
+                <a:solidFill>
+                  <a:schemeClr val="accent1"/>
+                </a:solidFill>
+              </a14:hiddenFill>
+            </a:ext>
+            <a:ext uri="{91240B29-F687-4F45-9708-019B960494DF}">
+              <a14:hiddenLine xmlns:a14="http://schemas.microsoft.com/office/drawing/2010/main" w="9525">
+                <a:solidFill>
+                  <a:schemeClr val="tx1"/>
+                </a:solidFill>
+                <a:miter lim="800000"/>
+                <a:headEnd/>
+                <a:tailEnd/>
+              </a14:hiddenLine>
+            </a:ext>
+            <a:ext uri="{AF507438-7753-43E0-B8FC-AC1667EBCBE1}">
+              <a14:hiddenEffects xmlns:a14="http://schemas.microsoft.com/office/drawing/2010/main">
+                <a:effectLst>
+                  <a:outerShdw dist="35921" dir="2700000" algn="ctr" rotWithShape="0">
+                    <a:schemeClr val="bg2"/>
+                  </a:outerShdw>
+                </a:effectLst>
+              </a14:hiddenEffects>
+            </a:ext>
+          </a:extLst>
+        </p:spPr>
+        <p:txBody>
+          <a:bodyPr vert="horz" wrap="square" lIns="0" tIns="152352" rIns="0" bIns="0" numCol="1" anchor="ctr" anchorCtr="0" compatLnSpc="1">
+            <a:prstTxWarp prst="textNoShape">
+              <a:avLst/>
+            </a:prstTxWarp>
+            <a:spAutoFit/>
+          </a:bodyPr>
+          <a:lstStyle>
+            <a:lvl1pPr eaLnBrk="0" fontAlgn="base" hangingPunct="0">
+              <a:spcBef>
+                <a:spcPct val="0"/>
+              </a:spcBef>
+              <a:spcAft>
+                <a:spcPct val="0"/>
+              </a:spcAft>
+              <a:defRPr>
+                <a:solidFill>
+                  <a:schemeClr val="tx1"/>
+                </a:solidFill>
+                <a:latin typeface="Arial" panose="020B0604020202020204" pitchFamily="34" charset="0"/>
+              </a:defRPr>
+            </a:lvl1pPr>
+            <a:lvl2pPr eaLnBrk="0" fontAlgn="base" hangingPunct="0">
+              <a:spcBef>
+                <a:spcPct val="0"/>
+              </a:spcBef>
+              <a:spcAft>
+                <a:spcPct val="0"/>
+              </a:spcAft>
+              <a:defRPr>
+                <a:solidFill>
+                  <a:schemeClr val="tx1"/>
+                </a:solidFill>
+                <a:latin typeface="Arial" panose="020B0604020202020204" pitchFamily="34" charset="0"/>
+              </a:defRPr>
+            </a:lvl2pPr>
+            <a:lvl3pPr eaLnBrk="0" fontAlgn="base" hangingPunct="0">
+              <a:spcBef>
+                <a:spcPct val="0"/>
+              </a:spcBef>
+              <a:spcAft>
+                <a:spcPct val="0"/>
+              </a:spcAft>
+              <a:defRPr>
+                <a:solidFill>
+                  <a:schemeClr val="tx1"/>
+                </a:solidFill>
+                <a:latin typeface="Arial" panose="020B0604020202020204" pitchFamily="34" charset="0"/>
+              </a:defRPr>
+            </a:lvl3pPr>
+            <a:lvl4pPr eaLnBrk="0" fontAlgn="base" hangingPunct="0">
+              <a:spcBef>
+                <a:spcPct val="0"/>
+              </a:spcBef>
+              <a:spcAft>
+                <a:spcPct val="0"/>
+              </a:spcAft>
+              <a:defRPr>
+                <a:solidFill>
+                  <a:schemeClr val="tx1"/>
+                </a:solidFill>
+                <a:latin typeface="Arial" panose="020B0604020202020204" pitchFamily="34" charset="0"/>
+              </a:defRPr>
+            </a:lvl4pPr>
+            <a:lvl5pPr eaLnBrk="0" fontAlgn="base" hangingPunct="0">
+              <a:spcBef>
+                <a:spcPct val="0"/>
+              </a:spcBef>
+              <a:spcAft>
+                <a:spcPct val="0"/>
+              </a:spcAft>
+              <a:defRPr>
+                <a:solidFill>
+                  <a:schemeClr val="tx1"/>
+                </a:solidFill>
+                <a:latin typeface="Arial" panose="020B0604020202020204" pitchFamily="34" charset="0"/>
+              </a:defRPr>
+            </a:lvl5pPr>
+            <a:lvl6pPr eaLnBrk="0" fontAlgn="base" hangingPunct="0">
+              <a:spcBef>
+                <a:spcPct val="0"/>
+              </a:spcBef>
+              <a:spcAft>
+                <a:spcPct val="0"/>
+              </a:spcAft>
+              <a:defRPr>
+                <a:solidFill>
+                  <a:schemeClr val="tx1"/>
+                </a:solidFill>
+                <a:latin typeface="Arial" panose="020B0604020202020204" pitchFamily="34" charset="0"/>
+              </a:defRPr>
+            </a:lvl6pPr>
+            <a:lvl7pPr eaLnBrk="0" fontAlgn="base" hangingPunct="0">
+              <a:spcBef>
+                <a:spcPct val="0"/>
+              </a:spcBef>
+              <a:spcAft>
+                <a:spcPct val="0"/>
+              </a:spcAft>
+              <a:defRPr>
+                <a:solidFill>
+                  <a:schemeClr val="tx1"/>
+                </a:solidFill>
+                <a:latin typeface="Arial" panose="020B0604020202020204" pitchFamily="34" charset="0"/>
+              </a:defRPr>
+            </a:lvl7pPr>
+            <a:lvl8pPr eaLnBrk="0" fontAlgn="base" hangingPunct="0">
+              <a:spcBef>
+                <a:spcPct val="0"/>
+              </a:spcBef>
+              <a:spcAft>
+                <a:spcPct val="0"/>
+              </a:spcAft>
+              <a:defRPr>
+                <a:solidFill>
+                  <a:schemeClr val="tx1"/>
+                </a:solidFill>
+                <a:latin typeface="Arial" panose="020B0604020202020204" pitchFamily="34" charset="0"/>
+              </a:defRPr>
+            </a:lvl8pPr>
+            <a:lvl9pPr eaLnBrk="0" fontAlgn="base" hangingPunct="0">
+              <a:spcBef>
+                <a:spcPct val="0"/>
+              </a:spcBef>
+              <a:spcAft>
+                <a:spcPct val="0"/>
+              </a:spcAft>
+              <a:defRPr>
+                <a:solidFill>
+                  <a:schemeClr val="tx1"/>
+                </a:solidFill>
+                <a:latin typeface="Arial" panose="020B0604020202020204" pitchFamily="34" charset="0"/>
+              </a:defRPr>
+            </a:lvl9pPr>
+          </a:lstStyle>
+          <a:p>
+            <a:r>
+              <a:rPr lang="en-US" sz="2400" b="1" dirty="0">
+                <a:latin typeface="Calibri" panose="020F0502020204030204" pitchFamily="34" charset="0"/>
+                <a:cs typeface="Times New Roman" panose="02020603050405020304" pitchFamily="18" charset="0"/>
+              </a:rPr>
+              <a:t>Implementation:</a:t>
+            </a:r>
+          </a:p>
+          <a:p>
+            <a:pPr marL="342900" indent="-342900">
+              <a:buFont typeface="Arial" panose="020B0604020202020204" pitchFamily="34" charset="0"/>
+              <a:buChar char="•"/>
+            </a:pPr>
+            <a:r>
+              <a:rPr lang="en-US" sz="2400" dirty="0">
+                <a:latin typeface="Calibri" panose="020F0502020204030204" pitchFamily="34" charset="0"/>
+                <a:cs typeface="Times New Roman" panose="02020603050405020304" pitchFamily="18" charset="0"/>
+              </a:rPr>
+              <a:t>Computationally intensive – initial development required several hours to run</a:t>
+            </a:r>
+          </a:p>
+          <a:p>
+            <a:pPr marL="342900" indent="-342900">
+              <a:buFont typeface="Arial" panose="020B0604020202020204" pitchFamily="34" charset="0"/>
+              <a:buChar char="•"/>
+            </a:pPr>
+            <a:r>
+              <a:rPr lang="en-US" sz="2400" dirty="0">
+                <a:latin typeface="Calibri" panose="020F0502020204030204" pitchFamily="34" charset="0"/>
+                <a:cs typeface="Times New Roman" panose="02020603050405020304" pitchFamily="18" charset="0"/>
+              </a:rPr>
+              <a:t>Large number of factors (more than 48000) requires factor reduction (not reducing factors crashes RStudio)</a:t>
+            </a:r>
+          </a:p>
+          <a:p>
+            <a:pPr marL="342900" indent="-342900">
+              <a:buFont typeface="Arial" panose="020B0604020202020204" pitchFamily="34" charset="0"/>
+              <a:buChar char="•"/>
+            </a:pPr>
+            <a:r>
+              <a:rPr lang="en-US" sz="2400" dirty="0">
+                <a:latin typeface="Calibri" panose="020F0502020204030204" pitchFamily="34" charset="0"/>
+                <a:cs typeface="Times New Roman" panose="02020603050405020304" pitchFamily="18" charset="0"/>
+              </a:rPr>
+              <a:t>We subdivided the factors into “factor subsets” to identify “more important” factors that then competed to “most important factors”</a:t>
+            </a:r>
+          </a:p>
+          <a:p>
+            <a:pPr lvl="0"/>
+            <a:endParaRPr kumimoji="0" lang="en-US" altLang="en-US" sz="1800" b="0" i="0" u="none" strike="noStrike" cap="none" normalizeH="0" baseline="0" dirty="0">
+              <a:ln>
+                <a:noFill/>
+              </a:ln>
+              <a:solidFill>
+                <a:schemeClr val="tx1"/>
+              </a:solidFill>
+              <a:effectLst/>
+              <a:latin typeface="Arial" panose="020B0604020202020204" pitchFamily="34" charset="0"/>
+            </a:endParaRPr>
+          </a:p>
+        </p:txBody>
+      </p:sp>
+      <p:pic>
+        <p:nvPicPr>
+          <p:cNvPr id="10" name="Picture 9">
+            <a:extLst>
+              <a:ext uri="{FF2B5EF4-FFF2-40B4-BE49-F238E27FC236}">
+                <a16:creationId xmlns:a16="http://schemas.microsoft.com/office/drawing/2014/main" id="{85121255-2911-4FDB-8583-C8462AC4CD42}"/>
+              </a:ext>
+            </a:extLst>
+          </p:cNvPr>
+          <p:cNvPicPr/>
+          <p:nvPr/>
+        </p:nvPicPr>
+        <p:blipFill>
+          <a:blip r:embed="rId4"/>
+          <a:stretch>
+            <a:fillRect/>
+          </a:stretch>
+        </p:blipFill>
+        <p:spPr>
+          <a:xfrm>
+            <a:off x="5654465" y="1205706"/>
+            <a:ext cx="6332220" cy="3966845"/>
+          </a:xfrm>
+          <a:prstGeom prst="rect">
+            <a:avLst/>
+          </a:prstGeom>
+        </p:spPr>
+      </p:pic>
+    </p:spTree>
+    <p:extLst>
+      <p:ext uri="{BB962C8B-B14F-4D97-AF65-F5344CB8AC3E}">
+        <p14:creationId xmlns:p14="http://schemas.microsoft.com/office/powerpoint/2010/main" val="2632042058"/>
+      </p:ext>
+    </p:extLst>
+  </p:cSld>
+  <p:clrMapOvr>
+    <a:masterClrMapping/>
+  </p:clrMapOvr>
+</p:sld>
+</file>
+
+<file path=ppt/slides/slide4.xml><?xml version="1.0" encoding="utf-8"?>
+<p:sld xmlns:a="http://schemas.openxmlformats.org/drawingml/2006/main" xmlns:r="http://schemas.openxmlformats.org/officeDocument/2006/relationships" xmlns:p="http://schemas.openxmlformats.org/presentationml/2006/main">
+  <p:cSld>
+    <p:spTree>
+      <p:nvGrpSpPr>
+        <p:cNvPr id="1" name=""/>
+        <p:cNvGrpSpPr/>
+        <p:nvPr/>
+      </p:nvGrpSpPr>
+      <p:grpSpPr>
+        <a:xfrm>
+          <a:off x="0" y="0"/>
+          <a:ext cx="0" cy="0"/>
+          <a:chOff x="0" y="0"/>
+          <a:chExt cx="0" cy="0"/>
+        </a:xfrm>
+      </p:grpSpPr>
       <p:pic>
         <p:nvPicPr>
           <p:cNvPr id="13" name="Picture 12">
@@ -7763,7 +12022,7 @@
                   <a:spcPts val="3200"/>
                 </a:lnSpc>
               </a:pPr>
-              <a:t>10</a:t>
+              <a:t>4</a:t>
             </a:fld>
             <a:r>
               <a:rPr lang="en-US" altLang="en-US" sz="1600" b="1" dirty="0">
@@ -8047,4279 +12306,6 @@
     <p:extLst>
       <p:ext uri="{BB962C8B-B14F-4D97-AF65-F5344CB8AC3E}">
         <p14:creationId xmlns:p14="http://schemas.microsoft.com/office/powerpoint/2010/main" val="4239644657"/>
-      </p:ext>
-    </p:extLst>
-  </p:cSld>
-  <p:clrMapOvr>
-    <a:masterClrMapping/>
-  </p:clrMapOvr>
-</p:sld>
-</file>
-
-<file path=ppt/slides/slide11.xml><?xml version="1.0" encoding="utf-8"?>
-<p:sld xmlns:a="http://schemas.openxmlformats.org/drawingml/2006/main" xmlns:r="http://schemas.openxmlformats.org/officeDocument/2006/relationships" xmlns:p="http://schemas.openxmlformats.org/presentationml/2006/main">
-  <p:cSld>
-    <p:spTree>
-      <p:nvGrpSpPr>
-        <p:cNvPr id="1" name=""/>
-        <p:cNvGrpSpPr/>
-        <p:nvPr/>
-      </p:nvGrpSpPr>
-      <p:grpSpPr>
-        <a:xfrm>
-          <a:off x="0" y="0"/>
-          <a:ext cx="0" cy="0"/>
-          <a:chOff x="0" y="0"/>
-          <a:chExt cx="0" cy="0"/>
-        </a:xfrm>
-      </p:grpSpPr>
-      <p:sp>
-        <p:nvSpPr>
-          <p:cNvPr id="7" name="Rectangle 6"/>
-          <p:cNvSpPr/>
-          <p:nvPr/>
-        </p:nvSpPr>
-        <p:spPr>
-          <a:xfrm>
-            <a:off x="0" y="0"/>
-            <a:ext cx="12192000" cy="609600"/>
-          </a:xfrm>
-          <a:prstGeom prst="rect">
-            <a:avLst/>
-          </a:prstGeom>
-          <a:solidFill>
-            <a:srgbClr val="000000"/>
-          </a:solidFill>
-          <a:ln>
-            <a:noFill/>
-          </a:ln>
-          <a:effectLst/>
-        </p:spPr>
-        <p:style>
-          <a:lnRef idx="1">
-            <a:schemeClr val="accent1"/>
-          </a:lnRef>
-          <a:fillRef idx="3">
-            <a:schemeClr val="accent1"/>
-          </a:fillRef>
-          <a:effectRef idx="2">
-            <a:schemeClr val="accent1"/>
-          </a:effectRef>
-          <a:fontRef idx="minor">
-            <a:schemeClr val="lt1"/>
-          </a:fontRef>
-        </p:style>
-        <p:txBody>
-          <a:bodyPr anchor="ctr"/>
-          <a:lstStyle/>
-          <a:p>
-            <a:pPr algn="ctr">
-              <a:defRPr/>
-            </a:pPr>
-            <a:endParaRPr lang="en-US" sz="2400" dirty="0">
-              <a:solidFill>
-                <a:schemeClr val="accent2">
-                  <a:lumMod val="40000"/>
-                  <a:lumOff val="60000"/>
-                </a:schemeClr>
-              </a:solidFill>
-            </a:endParaRPr>
-          </a:p>
-        </p:txBody>
-      </p:sp>
-      <p:sp>
-        <p:nvSpPr>
-          <p:cNvPr id="17" name="Rectangle 16"/>
-          <p:cNvSpPr/>
-          <p:nvPr/>
-        </p:nvSpPr>
-        <p:spPr>
-          <a:xfrm>
-            <a:off x="8149390" y="3189129"/>
-            <a:ext cx="5076092" cy="492443"/>
-          </a:xfrm>
-          <a:prstGeom prst="rect">
-            <a:avLst/>
-          </a:prstGeom>
-        </p:spPr>
-        <p:txBody>
-          <a:bodyPr wrap="square">
-            <a:spAutoFit/>
-          </a:bodyPr>
-          <a:lstStyle/>
-          <a:p>
-            <a:pPr>
-              <a:defRPr/>
-            </a:pPr>
-            <a:endParaRPr lang="en-US" sz="1400" dirty="0">
-              <a:solidFill>
-                <a:schemeClr val="tx1">
-                  <a:lumMod val="75000"/>
-                  <a:lumOff val="25000"/>
-                </a:schemeClr>
-              </a:solidFill>
-              <a:cs typeface="Helvetica"/>
-            </a:endParaRPr>
-          </a:p>
-          <a:p>
-            <a:pPr>
-              <a:defRPr/>
-            </a:pPr>
-            <a:endParaRPr lang="en-US" sz="1200" dirty="0">
-              <a:solidFill>
-                <a:schemeClr val="tx1">
-                  <a:lumMod val="75000"/>
-                  <a:lumOff val="25000"/>
-                </a:schemeClr>
-              </a:solidFill>
-              <a:cs typeface="Helvetica"/>
-            </a:endParaRPr>
-          </a:p>
-        </p:txBody>
-      </p:sp>
-      <p:sp>
-        <p:nvSpPr>
-          <p:cNvPr id="49156" name="Rectangle 7"/>
-          <p:cNvSpPr>
-            <a:spLocks noChangeArrowheads="1"/>
-          </p:cNvSpPr>
-          <p:nvPr/>
-        </p:nvSpPr>
-        <p:spPr bwMode="auto">
-          <a:xfrm>
-            <a:off x="406400" y="-6349"/>
-            <a:ext cx="3556000" cy="584775"/>
-          </a:xfrm>
-          <a:prstGeom prst="rect">
-            <a:avLst/>
-          </a:prstGeom>
-          <a:noFill/>
-          <a:ln>
-            <a:noFill/>
-          </a:ln>
-          <a:extLst>
-            <a:ext uri="{909E8E84-426E-40DD-AFC4-6F175D3DCCD1}">
-              <a14:hiddenFill xmlns:a14="http://schemas.microsoft.com/office/drawing/2010/main">
-                <a:solidFill>
-                  <a:srgbClr val="FFFFFF"/>
-                </a:solidFill>
-              </a14:hiddenFill>
-            </a:ext>
-            <a:ext uri="{91240B29-F687-4F45-9708-019B960494DF}">
-              <a14:hiddenLine xmlns:a14="http://schemas.microsoft.com/office/drawing/2010/main" w="9525">
-                <a:solidFill>
-                  <a:srgbClr val="000000"/>
-                </a:solidFill>
-                <a:miter lim="800000"/>
-                <a:headEnd/>
-                <a:tailEnd/>
-              </a14:hiddenLine>
-            </a:ext>
-          </a:extLst>
-        </p:spPr>
-        <p:txBody>
-          <a:bodyPr>
-            <a:spAutoFit/>
-          </a:bodyPr>
-          <a:lstStyle>
-            <a:lvl1pPr>
-              <a:defRPr>
-                <a:solidFill>
-                  <a:schemeClr val="tx1"/>
-                </a:solidFill>
-                <a:latin typeface="Calibri" panose="020F0502020204030204" pitchFamily="34" charset="0"/>
-                <a:ea typeface="MS PGothic" panose="020B0600070205080204" pitchFamily="34" charset="-128"/>
-              </a:defRPr>
-            </a:lvl1pPr>
-            <a:lvl2pPr marL="742950" indent="-285750">
-              <a:defRPr>
-                <a:solidFill>
-                  <a:schemeClr val="tx1"/>
-                </a:solidFill>
-                <a:latin typeface="Calibri" panose="020F0502020204030204" pitchFamily="34" charset="0"/>
-                <a:ea typeface="MS PGothic" panose="020B0600070205080204" pitchFamily="34" charset="-128"/>
-              </a:defRPr>
-            </a:lvl2pPr>
-            <a:lvl3pPr marL="1143000" indent="-228600">
-              <a:defRPr>
-                <a:solidFill>
-                  <a:schemeClr val="tx1"/>
-                </a:solidFill>
-                <a:latin typeface="Calibri" panose="020F0502020204030204" pitchFamily="34" charset="0"/>
-                <a:ea typeface="MS PGothic" panose="020B0600070205080204" pitchFamily="34" charset="-128"/>
-              </a:defRPr>
-            </a:lvl3pPr>
-            <a:lvl4pPr marL="1600200" indent="-228600">
-              <a:defRPr>
-                <a:solidFill>
-                  <a:schemeClr val="tx1"/>
-                </a:solidFill>
-                <a:latin typeface="Calibri" panose="020F0502020204030204" pitchFamily="34" charset="0"/>
-                <a:ea typeface="MS PGothic" panose="020B0600070205080204" pitchFamily="34" charset="-128"/>
-              </a:defRPr>
-            </a:lvl4pPr>
-            <a:lvl5pPr marL="2057400" indent="-228600">
-              <a:defRPr>
-                <a:solidFill>
-                  <a:schemeClr val="tx1"/>
-                </a:solidFill>
-                <a:latin typeface="Calibri" panose="020F0502020204030204" pitchFamily="34" charset="0"/>
-                <a:ea typeface="MS PGothic" panose="020B0600070205080204" pitchFamily="34" charset="-128"/>
-              </a:defRPr>
-            </a:lvl5pPr>
-            <a:lvl6pPr marL="2514600" indent="-228600" defTabSz="457200" fontAlgn="base">
-              <a:spcBef>
-                <a:spcPct val="0"/>
-              </a:spcBef>
-              <a:spcAft>
-                <a:spcPct val="0"/>
-              </a:spcAft>
-              <a:defRPr>
-                <a:solidFill>
-                  <a:schemeClr val="tx1"/>
-                </a:solidFill>
-                <a:latin typeface="Calibri" panose="020F0502020204030204" pitchFamily="34" charset="0"/>
-                <a:ea typeface="MS PGothic" panose="020B0600070205080204" pitchFamily="34" charset="-128"/>
-              </a:defRPr>
-            </a:lvl6pPr>
-            <a:lvl7pPr marL="2971800" indent="-228600" defTabSz="457200" fontAlgn="base">
-              <a:spcBef>
-                <a:spcPct val="0"/>
-              </a:spcBef>
-              <a:spcAft>
-                <a:spcPct val="0"/>
-              </a:spcAft>
-              <a:defRPr>
-                <a:solidFill>
-                  <a:schemeClr val="tx1"/>
-                </a:solidFill>
-                <a:latin typeface="Calibri" panose="020F0502020204030204" pitchFamily="34" charset="0"/>
-                <a:ea typeface="MS PGothic" panose="020B0600070205080204" pitchFamily="34" charset="-128"/>
-              </a:defRPr>
-            </a:lvl7pPr>
-            <a:lvl8pPr marL="3429000" indent="-228600" defTabSz="457200" fontAlgn="base">
-              <a:spcBef>
-                <a:spcPct val="0"/>
-              </a:spcBef>
-              <a:spcAft>
-                <a:spcPct val="0"/>
-              </a:spcAft>
-              <a:defRPr>
-                <a:solidFill>
-                  <a:schemeClr val="tx1"/>
-                </a:solidFill>
-                <a:latin typeface="Calibri" panose="020F0502020204030204" pitchFamily="34" charset="0"/>
-                <a:ea typeface="MS PGothic" panose="020B0600070205080204" pitchFamily="34" charset="-128"/>
-              </a:defRPr>
-            </a:lvl8pPr>
-            <a:lvl9pPr marL="3886200" indent="-228600" defTabSz="457200" fontAlgn="base">
-              <a:spcBef>
-                <a:spcPct val="0"/>
-              </a:spcBef>
-              <a:spcAft>
-                <a:spcPct val="0"/>
-              </a:spcAft>
-              <a:defRPr>
-                <a:solidFill>
-                  <a:schemeClr val="tx1"/>
-                </a:solidFill>
-                <a:latin typeface="Calibri" panose="020F0502020204030204" pitchFamily="34" charset="0"/>
-                <a:ea typeface="MS PGothic" panose="020B0600070205080204" pitchFamily="34" charset="-128"/>
-              </a:defRPr>
-            </a:lvl9pPr>
-          </a:lstStyle>
-          <a:p>
-            <a:r>
-              <a:rPr lang="en-US" altLang="en-US" sz="3200" dirty="0">
-                <a:solidFill>
-                  <a:schemeClr val="bg1"/>
-                </a:solidFill>
-              </a:rPr>
-              <a:t>References</a:t>
-            </a:r>
-          </a:p>
-        </p:txBody>
-      </p:sp>
-      <p:sp>
-        <p:nvSpPr>
-          <p:cNvPr id="11" name="Rectangle 10"/>
-          <p:cNvSpPr>
-            <a:spLocks noChangeArrowheads="1"/>
-          </p:cNvSpPr>
-          <p:nvPr/>
-        </p:nvSpPr>
-        <p:spPr bwMode="auto">
-          <a:xfrm>
-            <a:off x="0" y="6248400"/>
-            <a:ext cx="12192000" cy="609600"/>
-          </a:xfrm>
-          <a:prstGeom prst="rect">
-            <a:avLst/>
-          </a:prstGeom>
-          <a:solidFill>
-            <a:srgbClr val="1A2C64"/>
-          </a:solidFill>
-          <a:ln>
-            <a:noFill/>
-          </a:ln>
-          <a:effectLst>
-            <a:outerShdw blurRad="40000" dist="23000" dir="5400000" rotWithShape="0">
-              <a:srgbClr val="808080">
-                <a:alpha val="34999"/>
-              </a:srgbClr>
-            </a:outerShdw>
-          </a:effectLst>
-          <a:extLst>
-            <a:ext uri="{91240B29-F687-4F45-9708-019B960494DF}">
-              <a14:hiddenLine xmlns:a14="http://schemas.microsoft.com/office/drawing/2010/main" w="9525">
-                <a:solidFill>
-                  <a:srgbClr val="000000"/>
-                </a:solidFill>
-                <a:miter lim="800000"/>
-                <a:headEnd/>
-                <a:tailEnd/>
-              </a14:hiddenLine>
-            </a:ext>
-          </a:extLst>
-        </p:spPr>
-        <p:txBody>
-          <a:bodyPr anchor="ctr"/>
-          <a:lstStyle/>
-          <a:p>
-            <a:pPr algn="ctr">
-              <a:defRPr/>
-            </a:pPr>
-            <a:endParaRPr lang="en-US" sz="2400">
-              <a:solidFill>
-                <a:schemeClr val="accent2">
-                  <a:lumMod val="40000"/>
-                  <a:lumOff val="60000"/>
-                </a:schemeClr>
-              </a:solidFill>
-            </a:endParaRPr>
-          </a:p>
-        </p:txBody>
-      </p:sp>
-      <p:pic>
-        <p:nvPicPr>
-          <p:cNvPr id="49159" name="Picture 11"/>
-          <p:cNvPicPr>
-            <a:picLocks noChangeAspect="1"/>
-          </p:cNvPicPr>
-          <p:nvPr/>
-        </p:nvPicPr>
-        <p:blipFill>
-          <a:blip r:embed="rId3" cstate="print">
-            <a:extLst>
-              <a:ext uri="{28A0092B-C50C-407E-A947-70E740481C1C}">
-                <a14:useLocalDpi xmlns:a14="http://schemas.microsoft.com/office/drawing/2010/main" val="0"/>
-              </a:ext>
-            </a:extLst>
-          </a:blip>
-          <a:srcRect/>
-          <a:stretch>
-            <a:fillRect/>
-          </a:stretch>
-        </p:blipFill>
-        <p:spPr bwMode="auto">
-          <a:xfrm>
-            <a:off x="9550401" y="6405034"/>
-            <a:ext cx="2436284" cy="296333"/>
-          </a:xfrm>
-          <a:prstGeom prst="rect">
-            <a:avLst/>
-          </a:prstGeom>
-          <a:noFill/>
-          <a:ln>
-            <a:noFill/>
-          </a:ln>
-          <a:extLst>
-            <a:ext uri="{909E8E84-426E-40DD-AFC4-6F175D3DCCD1}">
-              <a14:hiddenFill xmlns:a14="http://schemas.microsoft.com/office/drawing/2010/main">
-                <a:solidFill>
-                  <a:srgbClr val="FFFFFF"/>
-                </a:solidFill>
-              </a14:hiddenFill>
-            </a:ext>
-            <a:ext uri="{91240B29-F687-4F45-9708-019B960494DF}">
-              <a14:hiddenLine xmlns:a14="http://schemas.microsoft.com/office/drawing/2010/main" w="9525">
-                <a:solidFill>
-                  <a:srgbClr val="000000"/>
-                </a:solidFill>
-                <a:miter lim="800000"/>
-                <a:headEnd/>
-                <a:tailEnd/>
-              </a14:hiddenLine>
-            </a:ext>
-          </a:extLst>
-        </p:spPr>
-      </p:pic>
-      <p:sp>
-        <p:nvSpPr>
-          <p:cNvPr id="49160" name="TextBox 12"/>
-          <p:cNvSpPr txBox="1">
-            <a:spLocks noChangeArrowheads="1"/>
-          </p:cNvSpPr>
-          <p:nvPr/>
-        </p:nvSpPr>
-        <p:spPr bwMode="auto">
-          <a:xfrm>
-            <a:off x="340784" y="6261100"/>
-            <a:ext cx="9042400" cy="454227"/>
-          </a:xfrm>
-          <a:prstGeom prst="rect">
-            <a:avLst/>
-          </a:prstGeom>
-          <a:noFill/>
-          <a:ln>
-            <a:noFill/>
-          </a:ln>
-          <a:extLst>
-            <a:ext uri="{909E8E84-426E-40DD-AFC4-6F175D3DCCD1}">
-              <a14:hiddenFill xmlns:a14="http://schemas.microsoft.com/office/drawing/2010/main">
-                <a:solidFill>
-                  <a:srgbClr val="FFFFFF"/>
-                </a:solidFill>
-              </a14:hiddenFill>
-            </a:ext>
-            <a:ext uri="{91240B29-F687-4F45-9708-019B960494DF}">
-              <a14:hiddenLine xmlns:a14="http://schemas.microsoft.com/office/drawing/2010/main" w="9525">
-                <a:solidFill>
-                  <a:srgbClr val="000000"/>
-                </a:solidFill>
-                <a:miter lim="800000"/>
-                <a:headEnd/>
-                <a:tailEnd/>
-              </a14:hiddenLine>
-            </a:ext>
-          </a:extLst>
-        </p:spPr>
-        <p:txBody>
-          <a:bodyPr>
-            <a:spAutoFit/>
-          </a:bodyPr>
-          <a:lstStyle>
-            <a:lvl1pPr>
-              <a:defRPr>
-                <a:solidFill>
-                  <a:schemeClr val="tx1"/>
-                </a:solidFill>
-                <a:latin typeface="Calibri" panose="020F0502020204030204" pitchFamily="34" charset="0"/>
-                <a:ea typeface="MS PGothic" panose="020B0600070205080204" pitchFamily="34" charset="-128"/>
-              </a:defRPr>
-            </a:lvl1pPr>
-            <a:lvl2pPr marL="742950" indent="-285750">
-              <a:defRPr>
-                <a:solidFill>
-                  <a:schemeClr val="tx1"/>
-                </a:solidFill>
-                <a:latin typeface="Calibri" panose="020F0502020204030204" pitchFamily="34" charset="0"/>
-                <a:ea typeface="MS PGothic" panose="020B0600070205080204" pitchFamily="34" charset="-128"/>
-              </a:defRPr>
-            </a:lvl2pPr>
-            <a:lvl3pPr marL="1143000" indent="-228600">
-              <a:defRPr>
-                <a:solidFill>
-                  <a:schemeClr val="tx1"/>
-                </a:solidFill>
-                <a:latin typeface="Calibri" panose="020F0502020204030204" pitchFamily="34" charset="0"/>
-                <a:ea typeface="MS PGothic" panose="020B0600070205080204" pitchFamily="34" charset="-128"/>
-              </a:defRPr>
-            </a:lvl3pPr>
-            <a:lvl4pPr marL="1600200" indent="-228600">
-              <a:defRPr>
-                <a:solidFill>
-                  <a:schemeClr val="tx1"/>
-                </a:solidFill>
-                <a:latin typeface="Calibri" panose="020F0502020204030204" pitchFamily="34" charset="0"/>
-                <a:ea typeface="MS PGothic" panose="020B0600070205080204" pitchFamily="34" charset="-128"/>
-              </a:defRPr>
-            </a:lvl4pPr>
-            <a:lvl5pPr marL="2057400" indent="-228600">
-              <a:defRPr>
-                <a:solidFill>
-                  <a:schemeClr val="tx1"/>
-                </a:solidFill>
-                <a:latin typeface="Calibri" panose="020F0502020204030204" pitchFamily="34" charset="0"/>
-                <a:ea typeface="MS PGothic" panose="020B0600070205080204" pitchFamily="34" charset="-128"/>
-              </a:defRPr>
-            </a:lvl5pPr>
-            <a:lvl6pPr marL="2514600" indent="-228600" defTabSz="457200" fontAlgn="base">
-              <a:spcBef>
-                <a:spcPct val="0"/>
-              </a:spcBef>
-              <a:spcAft>
-                <a:spcPct val="0"/>
-              </a:spcAft>
-              <a:defRPr>
-                <a:solidFill>
-                  <a:schemeClr val="tx1"/>
-                </a:solidFill>
-                <a:latin typeface="Calibri" panose="020F0502020204030204" pitchFamily="34" charset="0"/>
-                <a:ea typeface="MS PGothic" panose="020B0600070205080204" pitchFamily="34" charset="-128"/>
-              </a:defRPr>
-            </a:lvl6pPr>
-            <a:lvl7pPr marL="2971800" indent="-228600" defTabSz="457200" fontAlgn="base">
-              <a:spcBef>
-                <a:spcPct val="0"/>
-              </a:spcBef>
-              <a:spcAft>
-                <a:spcPct val="0"/>
-              </a:spcAft>
-              <a:defRPr>
-                <a:solidFill>
-                  <a:schemeClr val="tx1"/>
-                </a:solidFill>
-                <a:latin typeface="Calibri" panose="020F0502020204030204" pitchFamily="34" charset="0"/>
-                <a:ea typeface="MS PGothic" panose="020B0600070205080204" pitchFamily="34" charset="-128"/>
-              </a:defRPr>
-            </a:lvl7pPr>
-            <a:lvl8pPr marL="3429000" indent="-228600" defTabSz="457200" fontAlgn="base">
-              <a:spcBef>
-                <a:spcPct val="0"/>
-              </a:spcBef>
-              <a:spcAft>
-                <a:spcPct val="0"/>
-              </a:spcAft>
-              <a:defRPr>
-                <a:solidFill>
-                  <a:schemeClr val="tx1"/>
-                </a:solidFill>
-                <a:latin typeface="Calibri" panose="020F0502020204030204" pitchFamily="34" charset="0"/>
-                <a:ea typeface="MS PGothic" panose="020B0600070205080204" pitchFamily="34" charset="-128"/>
-              </a:defRPr>
-            </a:lvl8pPr>
-            <a:lvl9pPr marL="3886200" indent="-228600" defTabSz="457200" fontAlgn="base">
-              <a:spcBef>
-                <a:spcPct val="0"/>
-              </a:spcBef>
-              <a:spcAft>
-                <a:spcPct val="0"/>
-              </a:spcAft>
-              <a:defRPr>
-                <a:solidFill>
-                  <a:schemeClr val="tx1"/>
-                </a:solidFill>
-                <a:latin typeface="Calibri" panose="020F0502020204030204" pitchFamily="34" charset="0"/>
-                <a:ea typeface="MS PGothic" panose="020B0600070205080204" pitchFamily="34" charset="-128"/>
-              </a:defRPr>
-            </a:lvl9pPr>
-          </a:lstStyle>
-          <a:p>
-            <a:pPr>
-              <a:lnSpc>
-                <a:spcPts val="3200"/>
-              </a:lnSpc>
-            </a:pPr>
-            <a:fld id="{76DDC349-5DFE-463D-B972-F98C51C102DF}" type="slidenum">
-              <a:rPr lang="en-US" altLang="en-US" sz="1600" b="1">
-                <a:solidFill>
-                  <a:schemeClr val="bg1"/>
-                </a:solidFill>
-              </a:rPr>
-              <a:pPr>
-                <a:lnSpc>
-                  <a:spcPts val="3200"/>
-                </a:lnSpc>
-              </a:pPr>
-              <a:t>11</a:t>
-            </a:fld>
-            <a:r>
-              <a:rPr lang="en-US" altLang="en-US" sz="1600" b="1" dirty="0">
-                <a:solidFill>
-                  <a:schemeClr val="bg1"/>
-                </a:solidFill>
-              </a:rPr>
-              <a:t> </a:t>
-            </a:r>
-            <a:r>
-              <a:rPr lang="en-US" altLang="en-US" sz="1600" dirty="0">
-                <a:solidFill>
-                  <a:schemeClr val="bg1"/>
-                </a:solidFill>
-              </a:rPr>
-              <a:t>| </a:t>
-            </a:r>
-            <a:r>
-              <a:rPr lang="en-US" altLang="en-US" sz="1600" i="1" dirty="0">
-                <a:solidFill>
-                  <a:schemeClr val="bg1"/>
-                </a:solidFill>
-              </a:rPr>
-              <a:t>EECS 6690</a:t>
-            </a:r>
-          </a:p>
-        </p:txBody>
-      </p:sp>
-      <p:sp>
-        <p:nvSpPr>
-          <p:cNvPr id="4" name="Rectangle 2"/>
-          <p:cNvSpPr>
-            <a:spLocks noChangeArrowheads="1"/>
-          </p:cNvSpPr>
-          <p:nvPr/>
-        </p:nvSpPr>
-        <p:spPr bwMode="auto">
-          <a:xfrm>
-            <a:off x="340784" y="1542733"/>
-            <a:ext cx="11448309" cy="3016162"/>
-          </a:xfrm>
-          <a:prstGeom prst="rect">
-            <a:avLst/>
-          </a:prstGeom>
-          <a:noFill/>
-          <a:ln>
-            <a:noFill/>
-          </a:ln>
-          <a:effectLst/>
-          <a:extLst>
-            <a:ext uri="{909E8E84-426E-40DD-AFC4-6F175D3DCCD1}">
-              <a14:hiddenFill xmlns:a14="http://schemas.microsoft.com/office/drawing/2010/main">
-                <a:solidFill>
-                  <a:schemeClr val="accent1"/>
-                </a:solidFill>
-              </a14:hiddenFill>
-            </a:ext>
-            <a:ext uri="{91240B29-F687-4F45-9708-019B960494DF}">
-              <a14:hiddenLine xmlns:a14="http://schemas.microsoft.com/office/drawing/2010/main" w="9525">
-                <a:solidFill>
-                  <a:schemeClr val="tx1"/>
-                </a:solidFill>
-                <a:miter lim="800000"/>
-                <a:headEnd/>
-                <a:tailEnd/>
-              </a14:hiddenLine>
-            </a:ext>
-            <a:ext uri="{AF507438-7753-43E0-B8FC-AC1667EBCBE1}">
-              <a14:hiddenEffects xmlns:a14="http://schemas.microsoft.com/office/drawing/2010/main">
-                <a:effectLst>
-                  <a:outerShdw dist="35921" dir="2700000" algn="ctr" rotWithShape="0">
-                    <a:schemeClr val="bg2"/>
-                  </a:outerShdw>
-                </a:effectLst>
-              </a14:hiddenEffects>
-            </a:ext>
-          </a:extLst>
-        </p:spPr>
-        <p:txBody>
-          <a:bodyPr vert="horz" wrap="square" lIns="0" tIns="152352" rIns="0" bIns="0" numCol="1" anchor="ctr" anchorCtr="0" compatLnSpc="1">
-            <a:prstTxWarp prst="textNoShape">
-              <a:avLst/>
-            </a:prstTxWarp>
-            <a:spAutoFit/>
-          </a:bodyPr>
-          <a:lstStyle>
-            <a:lvl1pPr eaLnBrk="0" fontAlgn="base" hangingPunct="0">
-              <a:spcBef>
-                <a:spcPct val="0"/>
-              </a:spcBef>
-              <a:spcAft>
-                <a:spcPct val="0"/>
-              </a:spcAft>
-              <a:defRPr>
-                <a:solidFill>
-                  <a:schemeClr val="tx1"/>
-                </a:solidFill>
-                <a:latin typeface="Arial" panose="020B0604020202020204" pitchFamily="34" charset="0"/>
-              </a:defRPr>
-            </a:lvl1pPr>
-            <a:lvl2pPr eaLnBrk="0" fontAlgn="base" hangingPunct="0">
-              <a:spcBef>
-                <a:spcPct val="0"/>
-              </a:spcBef>
-              <a:spcAft>
-                <a:spcPct val="0"/>
-              </a:spcAft>
-              <a:defRPr>
-                <a:solidFill>
-                  <a:schemeClr val="tx1"/>
-                </a:solidFill>
-                <a:latin typeface="Arial" panose="020B0604020202020204" pitchFamily="34" charset="0"/>
-              </a:defRPr>
-            </a:lvl2pPr>
-            <a:lvl3pPr eaLnBrk="0" fontAlgn="base" hangingPunct="0">
-              <a:spcBef>
-                <a:spcPct val="0"/>
-              </a:spcBef>
-              <a:spcAft>
-                <a:spcPct val="0"/>
-              </a:spcAft>
-              <a:defRPr>
-                <a:solidFill>
-                  <a:schemeClr val="tx1"/>
-                </a:solidFill>
-                <a:latin typeface="Arial" panose="020B0604020202020204" pitchFamily="34" charset="0"/>
-              </a:defRPr>
-            </a:lvl3pPr>
-            <a:lvl4pPr eaLnBrk="0" fontAlgn="base" hangingPunct="0">
-              <a:spcBef>
-                <a:spcPct val="0"/>
-              </a:spcBef>
-              <a:spcAft>
-                <a:spcPct val="0"/>
-              </a:spcAft>
-              <a:defRPr>
-                <a:solidFill>
-                  <a:schemeClr val="tx1"/>
-                </a:solidFill>
-                <a:latin typeface="Arial" panose="020B0604020202020204" pitchFamily="34" charset="0"/>
-              </a:defRPr>
-            </a:lvl4pPr>
-            <a:lvl5pPr eaLnBrk="0" fontAlgn="base" hangingPunct="0">
-              <a:spcBef>
-                <a:spcPct val="0"/>
-              </a:spcBef>
-              <a:spcAft>
-                <a:spcPct val="0"/>
-              </a:spcAft>
-              <a:defRPr>
-                <a:solidFill>
-                  <a:schemeClr val="tx1"/>
-                </a:solidFill>
-                <a:latin typeface="Arial" panose="020B0604020202020204" pitchFamily="34" charset="0"/>
-              </a:defRPr>
-            </a:lvl5pPr>
-            <a:lvl6pPr eaLnBrk="0" fontAlgn="base" hangingPunct="0">
-              <a:spcBef>
-                <a:spcPct val="0"/>
-              </a:spcBef>
-              <a:spcAft>
-                <a:spcPct val="0"/>
-              </a:spcAft>
-              <a:defRPr>
-                <a:solidFill>
-                  <a:schemeClr val="tx1"/>
-                </a:solidFill>
-                <a:latin typeface="Arial" panose="020B0604020202020204" pitchFamily="34" charset="0"/>
-              </a:defRPr>
-            </a:lvl6pPr>
-            <a:lvl7pPr eaLnBrk="0" fontAlgn="base" hangingPunct="0">
-              <a:spcBef>
-                <a:spcPct val="0"/>
-              </a:spcBef>
-              <a:spcAft>
-                <a:spcPct val="0"/>
-              </a:spcAft>
-              <a:defRPr>
-                <a:solidFill>
-                  <a:schemeClr val="tx1"/>
-                </a:solidFill>
-                <a:latin typeface="Arial" panose="020B0604020202020204" pitchFamily="34" charset="0"/>
-              </a:defRPr>
-            </a:lvl7pPr>
-            <a:lvl8pPr eaLnBrk="0" fontAlgn="base" hangingPunct="0">
-              <a:spcBef>
-                <a:spcPct val="0"/>
-              </a:spcBef>
-              <a:spcAft>
-                <a:spcPct val="0"/>
-              </a:spcAft>
-              <a:defRPr>
-                <a:solidFill>
-                  <a:schemeClr val="tx1"/>
-                </a:solidFill>
-                <a:latin typeface="Arial" panose="020B0604020202020204" pitchFamily="34" charset="0"/>
-              </a:defRPr>
-            </a:lvl8pPr>
-            <a:lvl9pPr eaLnBrk="0" fontAlgn="base" hangingPunct="0">
-              <a:spcBef>
-                <a:spcPct val="0"/>
-              </a:spcBef>
-              <a:spcAft>
-                <a:spcPct val="0"/>
-              </a:spcAft>
-              <a:defRPr>
-                <a:solidFill>
-                  <a:schemeClr val="tx1"/>
-                </a:solidFill>
-                <a:latin typeface="Arial" panose="020B0604020202020204" pitchFamily="34" charset="0"/>
-              </a:defRPr>
-            </a:lvl9pPr>
-          </a:lstStyle>
-          <a:p>
-            <a:r>
-              <a:rPr lang="en-US" altLang="en-US" sz="2400" dirty="0">
-                <a:latin typeface="Calibri" panose="020F0502020204030204" pitchFamily="34" charset="0"/>
-                <a:cs typeface="Times New Roman" panose="02020603050405020304" pitchFamily="18" charset="0"/>
-              </a:rPr>
-              <a:t>1. </a:t>
-            </a:r>
-            <a:r>
-              <a:rPr lang="en-US" sz="2400" dirty="0">
-                <a:latin typeface="Calibri" panose="020F0502020204030204" pitchFamily="34" charset="0"/>
-                <a:cs typeface="Times New Roman" panose="02020603050405020304" pitchFamily="18" charset="0"/>
-              </a:rPr>
-              <a:t>Palau, Julia, </a:t>
-            </a:r>
-            <a:r>
-              <a:rPr lang="en-US" sz="2400" dirty="0" err="1">
-                <a:latin typeface="Calibri" panose="020F0502020204030204" pitchFamily="34" charset="0"/>
-                <a:cs typeface="Times New Roman" panose="02020603050405020304" pitchFamily="18" charset="0"/>
-              </a:rPr>
-              <a:t>Ferrandiz</a:t>
-            </a:r>
-            <a:r>
-              <a:rPr lang="en-US" sz="2400" dirty="0">
-                <a:latin typeface="Calibri" panose="020F0502020204030204" pitchFamily="34" charset="0"/>
-                <a:cs typeface="Times New Roman" panose="02020603050405020304" pitchFamily="18" charset="0"/>
-              </a:rPr>
-              <a:t>, Puig, Fonseca, </a:t>
-            </a:r>
-            <a:r>
-              <a:rPr lang="en-US" sz="2400" dirty="0" err="1">
-                <a:latin typeface="Calibri" panose="020F0502020204030204" pitchFamily="34" charset="0"/>
-                <a:cs typeface="Times New Roman" panose="02020603050405020304" pitchFamily="18" charset="0"/>
-              </a:rPr>
-              <a:t>Fernadez</a:t>
-            </a:r>
-            <a:r>
-              <a:rPr lang="en-US" sz="2400" dirty="0">
-                <a:latin typeface="Calibri" panose="020F0502020204030204" pitchFamily="34" charset="0"/>
-                <a:cs typeface="Times New Roman" panose="02020603050405020304" pitchFamily="18" charset="0"/>
-              </a:rPr>
-              <a:t>, Lopez-</a:t>
-            </a:r>
-            <a:r>
-              <a:rPr lang="en-US" sz="2400" dirty="0" err="1">
-                <a:latin typeface="Calibri" panose="020F0502020204030204" pitchFamily="34" charset="0"/>
-                <a:cs typeface="Times New Roman" panose="02020603050405020304" pitchFamily="18" charset="0"/>
-              </a:rPr>
-              <a:t>Lasanta</a:t>
-            </a:r>
-            <a:r>
-              <a:rPr lang="en-US" sz="2400" dirty="0">
-                <a:latin typeface="Calibri" panose="020F0502020204030204" pitchFamily="34" charset="0"/>
-                <a:cs typeface="Times New Roman" panose="02020603050405020304" pitchFamily="18" charset="0"/>
-              </a:rPr>
-              <a:t>, </a:t>
-            </a:r>
-            <a:r>
-              <a:rPr lang="en-US" sz="2400" dirty="0" err="1">
-                <a:latin typeface="Calibri" panose="020F0502020204030204" pitchFamily="34" charset="0"/>
-                <a:cs typeface="Times New Roman" panose="02020603050405020304" pitchFamily="18" charset="0"/>
-              </a:rPr>
-              <a:t>Tortose</a:t>
-            </a:r>
-            <a:r>
-              <a:rPr lang="en-US" sz="2400" dirty="0">
-                <a:latin typeface="Calibri" panose="020F0502020204030204" pitchFamily="34" charset="0"/>
-                <a:cs typeface="Times New Roman" panose="02020603050405020304" pitchFamily="18" charset="0"/>
-              </a:rPr>
-              <a:t>, Marsal. "Genome-wide transcriptional analysis of T cell activation reveals differential gene expression associated with psoriasis." BMC Genomics  (2013): 14:825</a:t>
-            </a:r>
-          </a:p>
-          <a:p>
-            <a:pPr lvl="0"/>
-            <a:r>
-              <a:rPr lang="en-US" altLang="en-US" sz="2400" dirty="0">
-                <a:latin typeface="Calibri" panose="020F0502020204030204" pitchFamily="34" charset="0"/>
-                <a:cs typeface="Times New Roman" panose="02020603050405020304" pitchFamily="18" charset="0"/>
-              </a:rPr>
-              <a:t>2. </a:t>
-            </a:r>
-            <a:r>
-              <a:rPr lang="en-US" sz="2400" dirty="0">
-                <a:latin typeface="Calibri" panose="020F0502020204030204" pitchFamily="34" charset="0"/>
-                <a:cs typeface="Times New Roman" panose="02020603050405020304" pitchFamily="18" charset="0"/>
-              </a:rPr>
-              <a:t>James, Witten, Hastie, </a:t>
-            </a:r>
-            <a:r>
-              <a:rPr lang="en-US" sz="2400" dirty="0" err="1">
-                <a:latin typeface="Calibri" panose="020F0502020204030204" pitchFamily="34" charset="0"/>
-                <a:cs typeface="Times New Roman" panose="02020603050405020304" pitchFamily="18" charset="0"/>
-              </a:rPr>
-              <a:t>Tibshirani</a:t>
-            </a:r>
-            <a:r>
-              <a:rPr lang="en-US" sz="2400" dirty="0">
-                <a:latin typeface="Calibri" panose="020F0502020204030204" pitchFamily="34" charset="0"/>
-                <a:cs typeface="Times New Roman" panose="02020603050405020304" pitchFamily="18" charset="0"/>
-              </a:rPr>
-              <a:t>. An Introduction to Statistical Learning with Applications in R. New York, NY: Springer, 2013. </a:t>
-            </a:r>
-            <a:r>
-              <a:rPr lang="en-US" sz="2400" dirty="0" err="1">
-                <a:latin typeface="Calibri" panose="020F0502020204030204" pitchFamily="34" charset="0"/>
-                <a:cs typeface="Times New Roman" panose="02020603050405020304" pitchFamily="18" charset="0"/>
-              </a:rPr>
-              <a:t>Ebook</a:t>
-            </a:r>
-            <a:r>
-              <a:rPr lang="en-US" sz="2400" dirty="0">
-                <a:latin typeface="Calibri" panose="020F0502020204030204" pitchFamily="34" charset="0"/>
-                <a:cs typeface="Times New Roman" panose="02020603050405020304" pitchFamily="18" charset="0"/>
-              </a:rPr>
-              <a:t>.</a:t>
-            </a:r>
-          </a:p>
-          <a:p>
-            <a:r>
-              <a:rPr lang="en-US" altLang="en-US" sz="2400" dirty="0">
-                <a:latin typeface="Calibri" panose="020F0502020204030204" pitchFamily="34" charset="0"/>
-                <a:cs typeface="Times New Roman" panose="02020603050405020304" pitchFamily="18" charset="0"/>
-              </a:rPr>
-              <a:t>3. </a:t>
-            </a:r>
-            <a:r>
-              <a:rPr lang="en-US" sz="2400" dirty="0">
-                <a:latin typeface="Calibri" panose="020F0502020204030204" pitchFamily="34" charset="0"/>
-                <a:cs typeface="Times New Roman" panose="02020603050405020304" pitchFamily="18" charset="0"/>
-              </a:rPr>
-              <a:t>Hastie, </a:t>
-            </a:r>
-            <a:r>
-              <a:rPr lang="en-US" sz="2400" dirty="0" err="1">
-                <a:latin typeface="Calibri" panose="020F0502020204030204" pitchFamily="34" charset="0"/>
-                <a:cs typeface="Times New Roman" panose="02020603050405020304" pitchFamily="18" charset="0"/>
-              </a:rPr>
-              <a:t>Tibshirani</a:t>
-            </a:r>
-            <a:r>
-              <a:rPr lang="en-US" sz="2400" dirty="0">
-                <a:latin typeface="Calibri" panose="020F0502020204030204" pitchFamily="34" charset="0"/>
-                <a:cs typeface="Times New Roman" panose="02020603050405020304" pitchFamily="18" charset="0"/>
-              </a:rPr>
-              <a:t>, Friedman.  The Elements of Statistical Learning. New York, NY: Springer, 2009. </a:t>
-            </a:r>
-            <a:r>
-              <a:rPr lang="en-US" sz="2400" dirty="0" err="1">
-                <a:latin typeface="Calibri" panose="020F0502020204030204" pitchFamily="34" charset="0"/>
-                <a:cs typeface="Times New Roman" panose="02020603050405020304" pitchFamily="18" charset="0"/>
-              </a:rPr>
-              <a:t>Ebook</a:t>
-            </a:r>
-            <a:r>
-              <a:rPr lang="en-US" sz="2400" dirty="0">
-                <a:latin typeface="Calibri" panose="020F0502020204030204" pitchFamily="34" charset="0"/>
-                <a:cs typeface="Times New Roman" panose="02020603050405020304" pitchFamily="18" charset="0"/>
-              </a:rPr>
-              <a:t>.</a:t>
-            </a:r>
-          </a:p>
-          <a:p>
-            <a:pPr lvl="0"/>
-            <a:endParaRPr kumimoji="0" lang="en-US" altLang="en-US" sz="1800" b="0" i="0" u="none" strike="noStrike" cap="none" normalizeH="0" baseline="0" dirty="0">
-              <a:ln>
-                <a:noFill/>
-              </a:ln>
-              <a:solidFill>
-                <a:schemeClr val="tx1"/>
-              </a:solidFill>
-              <a:effectLst/>
-              <a:latin typeface="Arial" panose="020B0604020202020204" pitchFamily="34" charset="0"/>
-            </a:endParaRPr>
-          </a:p>
-        </p:txBody>
-      </p:sp>
-    </p:spTree>
-    <p:extLst>
-      <p:ext uri="{BB962C8B-B14F-4D97-AF65-F5344CB8AC3E}">
-        <p14:creationId xmlns:p14="http://schemas.microsoft.com/office/powerpoint/2010/main" val="839235163"/>
-      </p:ext>
-    </p:extLst>
-  </p:cSld>
-  <p:clrMapOvr>
-    <a:masterClrMapping/>
-  </p:clrMapOvr>
-</p:sld>
-</file>
-
-<file path=ppt/slides/slide12.xml><?xml version="1.0" encoding="utf-8"?>
-<p:sld xmlns:a="http://schemas.openxmlformats.org/drawingml/2006/main" xmlns:r="http://schemas.openxmlformats.org/officeDocument/2006/relationships" xmlns:p="http://schemas.openxmlformats.org/presentationml/2006/main">
-  <p:cSld>
-    <p:spTree>
-      <p:nvGrpSpPr>
-        <p:cNvPr id="1" name=""/>
-        <p:cNvGrpSpPr/>
-        <p:nvPr/>
-      </p:nvGrpSpPr>
-      <p:grpSpPr>
-        <a:xfrm>
-          <a:off x="0" y="0"/>
-          <a:ext cx="0" cy="0"/>
-          <a:chOff x="0" y="0"/>
-          <a:chExt cx="0" cy="0"/>
-        </a:xfrm>
-      </p:grpSpPr>
-      <p:pic>
-        <p:nvPicPr>
-          <p:cNvPr id="35841" name="Picture 11" descr="16x9_BG-08.jpg"/>
-          <p:cNvPicPr>
-            <a:picLocks noChangeAspect="1"/>
-          </p:cNvPicPr>
-          <p:nvPr/>
-        </p:nvPicPr>
-        <p:blipFill>
-          <a:blip r:embed="rId3">
-            <a:extLst>
-              <a:ext uri="{28A0092B-C50C-407E-A947-70E740481C1C}">
-                <a14:useLocalDpi xmlns:a14="http://schemas.microsoft.com/office/drawing/2010/main" val="0"/>
-              </a:ext>
-            </a:extLst>
-          </a:blip>
-          <a:srcRect/>
-          <a:stretch>
-            <a:fillRect/>
-          </a:stretch>
-        </p:blipFill>
-        <p:spPr bwMode="auto">
-          <a:xfrm>
-            <a:off x="0" y="0"/>
-            <a:ext cx="12192000" cy="6858000"/>
-          </a:xfrm>
-          <a:prstGeom prst="rect">
-            <a:avLst/>
-          </a:prstGeom>
-          <a:noFill/>
-          <a:ln>
-            <a:noFill/>
-          </a:ln>
-          <a:extLst>
-            <a:ext uri="{909E8E84-426E-40DD-AFC4-6F175D3DCCD1}">
-              <a14:hiddenFill xmlns:a14="http://schemas.microsoft.com/office/drawing/2010/main">
-                <a:solidFill>
-                  <a:srgbClr val="FFFFFF"/>
-                </a:solidFill>
-              </a14:hiddenFill>
-            </a:ext>
-            <a:ext uri="{91240B29-F687-4F45-9708-019B960494DF}">
-              <a14:hiddenLine xmlns:a14="http://schemas.microsoft.com/office/drawing/2010/main" w="9525">
-                <a:solidFill>
-                  <a:srgbClr val="000000"/>
-                </a:solidFill>
-                <a:miter lim="800000"/>
-                <a:headEnd/>
-                <a:tailEnd/>
-              </a14:hiddenLine>
-            </a:ext>
-          </a:extLst>
-        </p:spPr>
-      </p:pic>
-      <p:sp>
-        <p:nvSpPr>
-          <p:cNvPr id="7" name="Rectangle 6"/>
-          <p:cNvSpPr>
-            <a:spLocks noChangeArrowheads="1"/>
-          </p:cNvSpPr>
-          <p:nvPr/>
-        </p:nvSpPr>
-        <p:spPr bwMode="auto">
-          <a:xfrm>
-            <a:off x="0" y="6248400"/>
-            <a:ext cx="12192000" cy="609600"/>
-          </a:xfrm>
-          <a:prstGeom prst="rect">
-            <a:avLst/>
-          </a:prstGeom>
-          <a:solidFill>
-            <a:srgbClr val="1A2C64"/>
-          </a:solidFill>
-          <a:ln>
-            <a:noFill/>
-          </a:ln>
-          <a:effectLst>
-            <a:outerShdw blurRad="40000" dist="23000" dir="5400000" rotWithShape="0">
-              <a:srgbClr val="808080">
-                <a:alpha val="34999"/>
-              </a:srgbClr>
-            </a:outerShdw>
-          </a:effectLst>
-          <a:extLst>
-            <a:ext uri="{91240B29-F687-4F45-9708-019B960494DF}">
-              <a14:hiddenLine xmlns:a14="http://schemas.microsoft.com/office/drawing/2010/main" w="9525">
-                <a:solidFill>
-                  <a:srgbClr val="000000"/>
-                </a:solidFill>
-                <a:miter lim="800000"/>
-                <a:headEnd/>
-                <a:tailEnd/>
-              </a14:hiddenLine>
-            </a:ext>
-          </a:extLst>
-        </p:spPr>
-        <p:txBody>
-          <a:bodyPr anchor="ctr"/>
-          <a:lstStyle/>
-          <a:p>
-            <a:pPr algn="ctr">
-              <a:defRPr/>
-            </a:pPr>
-            <a:endParaRPr lang="en-US" sz="2400">
-              <a:solidFill>
-                <a:schemeClr val="accent2">
-                  <a:lumMod val="40000"/>
-                  <a:lumOff val="60000"/>
-                </a:schemeClr>
-              </a:solidFill>
-            </a:endParaRPr>
-          </a:p>
-        </p:txBody>
-      </p:sp>
-      <p:pic>
-        <p:nvPicPr>
-          <p:cNvPr id="35843" name="Picture 7"/>
-          <p:cNvPicPr>
-            <a:picLocks noChangeAspect="1"/>
-          </p:cNvPicPr>
-          <p:nvPr/>
-        </p:nvPicPr>
-        <p:blipFill>
-          <a:blip r:embed="rId4">
-            <a:extLst>
-              <a:ext uri="{28A0092B-C50C-407E-A947-70E740481C1C}">
-                <a14:useLocalDpi xmlns:a14="http://schemas.microsoft.com/office/drawing/2010/main" val="0"/>
-              </a:ext>
-            </a:extLst>
-          </a:blip>
-          <a:srcRect/>
-          <a:stretch>
-            <a:fillRect/>
-          </a:stretch>
-        </p:blipFill>
-        <p:spPr bwMode="auto">
-          <a:xfrm>
-            <a:off x="9550401" y="6405034"/>
-            <a:ext cx="2436284" cy="296333"/>
-          </a:xfrm>
-          <a:prstGeom prst="rect">
-            <a:avLst/>
-          </a:prstGeom>
-          <a:noFill/>
-          <a:ln>
-            <a:noFill/>
-          </a:ln>
-          <a:extLst>
-            <a:ext uri="{909E8E84-426E-40DD-AFC4-6F175D3DCCD1}">
-              <a14:hiddenFill xmlns:a14="http://schemas.microsoft.com/office/drawing/2010/main">
-                <a:solidFill>
-                  <a:srgbClr val="FFFFFF"/>
-                </a:solidFill>
-              </a14:hiddenFill>
-            </a:ext>
-            <a:ext uri="{91240B29-F687-4F45-9708-019B960494DF}">
-              <a14:hiddenLine xmlns:a14="http://schemas.microsoft.com/office/drawing/2010/main" w="9525">
-                <a:solidFill>
-                  <a:srgbClr val="000000"/>
-                </a:solidFill>
-                <a:miter lim="800000"/>
-                <a:headEnd/>
-                <a:tailEnd/>
-              </a14:hiddenLine>
-            </a:ext>
-          </a:extLst>
-        </p:spPr>
-      </p:pic>
-      <p:sp>
-        <p:nvSpPr>
-          <p:cNvPr id="35844" name="TextBox 8"/>
-          <p:cNvSpPr txBox="1">
-            <a:spLocks noChangeArrowheads="1"/>
-          </p:cNvSpPr>
-          <p:nvPr/>
-        </p:nvSpPr>
-        <p:spPr bwMode="auto">
-          <a:xfrm>
-            <a:off x="0" y="2311401"/>
-            <a:ext cx="12192000" cy="748988"/>
-          </a:xfrm>
-          <a:prstGeom prst="rect">
-            <a:avLst/>
-          </a:prstGeom>
-          <a:noFill/>
-          <a:ln>
-            <a:noFill/>
-          </a:ln>
-          <a:extLst>
-            <a:ext uri="{909E8E84-426E-40DD-AFC4-6F175D3DCCD1}">
-              <a14:hiddenFill xmlns:a14="http://schemas.microsoft.com/office/drawing/2010/main">
-                <a:solidFill>
-                  <a:srgbClr val="FFFFFF"/>
-                </a:solidFill>
-              </a14:hiddenFill>
-            </a:ext>
-            <a:ext uri="{91240B29-F687-4F45-9708-019B960494DF}">
-              <a14:hiddenLine xmlns:a14="http://schemas.microsoft.com/office/drawing/2010/main" w="9525">
-                <a:solidFill>
-                  <a:srgbClr val="000000"/>
-                </a:solidFill>
-                <a:miter lim="800000"/>
-                <a:headEnd/>
-                <a:tailEnd/>
-              </a14:hiddenLine>
-            </a:ext>
-          </a:extLst>
-        </p:spPr>
-        <p:txBody>
-          <a:bodyPr>
-            <a:spAutoFit/>
-          </a:bodyPr>
-          <a:lstStyle>
-            <a:lvl1pPr>
-              <a:defRPr>
-                <a:solidFill>
-                  <a:schemeClr val="tx1"/>
-                </a:solidFill>
-                <a:latin typeface="Calibri" panose="020F0502020204030204" pitchFamily="34" charset="0"/>
-                <a:ea typeface="MS PGothic" panose="020B0600070205080204" pitchFamily="34" charset="-128"/>
-              </a:defRPr>
-            </a:lvl1pPr>
-            <a:lvl2pPr marL="742950" indent="-285750">
-              <a:defRPr>
-                <a:solidFill>
-                  <a:schemeClr val="tx1"/>
-                </a:solidFill>
-                <a:latin typeface="Calibri" panose="020F0502020204030204" pitchFamily="34" charset="0"/>
-                <a:ea typeface="MS PGothic" panose="020B0600070205080204" pitchFamily="34" charset="-128"/>
-              </a:defRPr>
-            </a:lvl2pPr>
-            <a:lvl3pPr marL="1143000" indent="-228600">
-              <a:defRPr>
-                <a:solidFill>
-                  <a:schemeClr val="tx1"/>
-                </a:solidFill>
-                <a:latin typeface="Calibri" panose="020F0502020204030204" pitchFamily="34" charset="0"/>
-                <a:ea typeface="MS PGothic" panose="020B0600070205080204" pitchFamily="34" charset="-128"/>
-              </a:defRPr>
-            </a:lvl3pPr>
-            <a:lvl4pPr marL="1600200" indent="-228600">
-              <a:defRPr>
-                <a:solidFill>
-                  <a:schemeClr val="tx1"/>
-                </a:solidFill>
-                <a:latin typeface="Calibri" panose="020F0502020204030204" pitchFamily="34" charset="0"/>
-                <a:ea typeface="MS PGothic" panose="020B0600070205080204" pitchFamily="34" charset="-128"/>
-              </a:defRPr>
-            </a:lvl4pPr>
-            <a:lvl5pPr marL="2057400" indent="-228600">
-              <a:defRPr>
-                <a:solidFill>
-                  <a:schemeClr val="tx1"/>
-                </a:solidFill>
-                <a:latin typeface="Calibri" panose="020F0502020204030204" pitchFamily="34" charset="0"/>
-                <a:ea typeface="MS PGothic" panose="020B0600070205080204" pitchFamily="34" charset="-128"/>
-              </a:defRPr>
-            </a:lvl5pPr>
-            <a:lvl6pPr marL="2514600" indent="-228600" defTabSz="457200" fontAlgn="base">
-              <a:spcBef>
-                <a:spcPct val="0"/>
-              </a:spcBef>
-              <a:spcAft>
-                <a:spcPct val="0"/>
-              </a:spcAft>
-              <a:defRPr>
-                <a:solidFill>
-                  <a:schemeClr val="tx1"/>
-                </a:solidFill>
-                <a:latin typeface="Calibri" panose="020F0502020204030204" pitchFamily="34" charset="0"/>
-                <a:ea typeface="MS PGothic" panose="020B0600070205080204" pitchFamily="34" charset="-128"/>
-              </a:defRPr>
-            </a:lvl6pPr>
-            <a:lvl7pPr marL="2971800" indent="-228600" defTabSz="457200" fontAlgn="base">
-              <a:spcBef>
-                <a:spcPct val="0"/>
-              </a:spcBef>
-              <a:spcAft>
-                <a:spcPct val="0"/>
-              </a:spcAft>
-              <a:defRPr>
-                <a:solidFill>
-                  <a:schemeClr val="tx1"/>
-                </a:solidFill>
-                <a:latin typeface="Calibri" panose="020F0502020204030204" pitchFamily="34" charset="0"/>
-                <a:ea typeface="MS PGothic" panose="020B0600070205080204" pitchFamily="34" charset="-128"/>
-              </a:defRPr>
-            </a:lvl7pPr>
-            <a:lvl8pPr marL="3429000" indent="-228600" defTabSz="457200" fontAlgn="base">
-              <a:spcBef>
-                <a:spcPct val="0"/>
-              </a:spcBef>
-              <a:spcAft>
-                <a:spcPct val="0"/>
-              </a:spcAft>
-              <a:defRPr>
-                <a:solidFill>
-                  <a:schemeClr val="tx1"/>
-                </a:solidFill>
-                <a:latin typeface="Calibri" panose="020F0502020204030204" pitchFamily="34" charset="0"/>
-                <a:ea typeface="MS PGothic" panose="020B0600070205080204" pitchFamily="34" charset="-128"/>
-              </a:defRPr>
-            </a:lvl8pPr>
-            <a:lvl9pPr marL="3886200" indent="-228600" defTabSz="457200" fontAlgn="base">
-              <a:spcBef>
-                <a:spcPct val="0"/>
-              </a:spcBef>
-              <a:spcAft>
-                <a:spcPct val="0"/>
-              </a:spcAft>
-              <a:defRPr>
-                <a:solidFill>
-                  <a:schemeClr val="tx1"/>
-                </a:solidFill>
-                <a:latin typeface="Calibri" panose="020F0502020204030204" pitchFamily="34" charset="0"/>
-                <a:ea typeface="MS PGothic" panose="020B0600070205080204" pitchFamily="34" charset="-128"/>
-              </a:defRPr>
-            </a:lvl9pPr>
-          </a:lstStyle>
-          <a:p>
-            <a:pPr algn="ctr"/>
-            <a:r>
-              <a:rPr lang="en-US" altLang="en-US" sz="4267" i="1" dirty="0">
-                <a:solidFill>
-                  <a:schemeClr val="bg1"/>
-                </a:solidFill>
-              </a:rPr>
-              <a:t>Questions/Comments?</a:t>
-            </a:r>
-            <a:endParaRPr lang="en-US" altLang="en-US" sz="2400" i="1" dirty="0">
-              <a:solidFill>
-                <a:schemeClr val="bg1"/>
-              </a:solidFill>
-            </a:endParaRPr>
-          </a:p>
-        </p:txBody>
-      </p:sp>
-      <p:sp>
-        <p:nvSpPr>
-          <p:cNvPr id="35845" name="TextBox 9"/>
-          <p:cNvSpPr txBox="1">
-            <a:spLocks noChangeArrowheads="1"/>
-          </p:cNvSpPr>
-          <p:nvPr/>
-        </p:nvSpPr>
-        <p:spPr bwMode="auto">
-          <a:xfrm>
-            <a:off x="340784" y="6261100"/>
-            <a:ext cx="9042400" cy="454227"/>
-          </a:xfrm>
-          <a:prstGeom prst="rect">
-            <a:avLst/>
-          </a:prstGeom>
-          <a:noFill/>
-          <a:ln>
-            <a:noFill/>
-          </a:ln>
-          <a:extLst>
-            <a:ext uri="{909E8E84-426E-40DD-AFC4-6F175D3DCCD1}">
-              <a14:hiddenFill xmlns:a14="http://schemas.microsoft.com/office/drawing/2010/main">
-                <a:solidFill>
-                  <a:srgbClr val="FFFFFF"/>
-                </a:solidFill>
-              </a14:hiddenFill>
-            </a:ext>
-            <a:ext uri="{91240B29-F687-4F45-9708-019B960494DF}">
-              <a14:hiddenLine xmlns:a14="http://schemas.microsoft.com/office/drawing/2010/main" w="9525">
-                <a:solidFill>
-                  <a:srgbClr val="000000"/>
-                </a:solidFill>
-                <a:miter lim="800000"/>
-                <a:headEnd/>
-                <a:tailEnd/>
-              </a14:hiddenLine>
-            </a:ext>
-          </a:extLst>
-        </p:spPr>
-        <p:txBody>
-          <a:bodyPr>
-            <a:spAutoFit/>
-          </a:bodyPr>
-          <a:lstStyle>
-            <a:lvl1pPr>
-              <a:defRPr>
-                <a:solidFill>
-                  <a:schemeClr val="tx1"/>
-                </a:solidFill>
-                <a:latin typeface="Calibri" panose="020F0502020204030204" pitchFamily="34" charset="0"/>
-                <a:ea typeface="MS PGothic" panose="020B0600070205080204" pitchFamily="34" charset="-128"/>
-              </a:defRPr>
-            </a:lvl1pPr>
-            <a:lvl2pPr marL="742950" indent="-285750">
-              <a:defRPr>
-                <a:solidFill>
-                  <a:schemeClr val="tx1"/>
-                </a:solidFill>
-                <a:latin typeface="Calibri" panose="020F0502020204030204" pitchFamily="34" charset="0"/>
-                <a:ea typeface="MS PGothic" panose="020B0600070205080204" pitchFamily="34" charset="-128"/>
-              </a:defRPr>
-            </a:lvl2pPr>
-            <a:lvl3pPr marL="1143000" indent="-228600">
-              <a:defRPr>
-                <a:solidFill>
-                  <a:schemeClr val="tx1"/>
-                </a:solidFill>
-                <a:latin typeface="Calibri" panose="020F0502020204030204" pitchFamily="34" charset="0"/>
-                <a:ea typeface="MS PGothic" panose="020B0600070205080204" pitchFamily="34" charset="-128"/>
-              </a:defRPr>
-            </a:lvl3pPr>
-            <a:lvl4pPr marL="1600200" indent="-228600">
-              <a:defRPr>
-                <a:solidFill>
-                  <a:schemeClr val="tx1"/>
-                </a:solidFill>
-                <a:latin typeface="Calibri" panose="020F0502020204030204" pitchFamily="34" charset="0"/>
-                <a:ea typeface="MS PGothic" panose="020B0600070205080204" pitchFamily="34" charset="-128"/>
-              </a:defRPr>
-            </a:lvl4pPr>
-            <a:lvl5pPr marL="2057400" indent="-228600">
-              <a:defRPr>
-                <a:solidFill>
-                  <a:schemeClr val="tx1"/>
-                </a:solidFill>
-                <a:latin typeface="Calibri" panose="020F0502020204030204" pitchFamily="34" charset="0"/>
-                <a:ea typeface="MS PGothic" panose="020B0600070205080204" pitchFamily="34" charset="-128"/>
-              </a:defRPr>
-            </a:lvl5pPr>
-            <a:lvl6pPr marL="2514600" indent="-228600" defTabSz="457200" fontAlgn="base">
-              <a:spcBef>
-                <a:spcPct val="0"/>
-              </a:spcBef>
-              <a:spcAft>
-                <a:spcPct val="0"/>
-              </a:spcAft>
-              <a:defRPr>
-                <a:solidFill>
-                  <a:schemeClr val="tx1"/>
-                </a:solidFill>
-                <a:latin typeface="Calibri" panose="020F0502020204030204" pitchFamily="34" charset="0"/>
-                <a:ea typeface="MS PGothic" panose="020B0600070205080204" pitchFamily="34" charset="-128"/>
-              </a:defRPr>
-            </a:lvl6pPr>
-            <a:lvl7pPr marL="2971800" indent="-228600" defTabSz="457200" fontAlgn="base">
-              <a:spcBef>
-                <a:spcPct val="0"/>
-              </a:spcBef>
-              <a:spcAft>
-                <a:spcPct val="0"/>
-              </a:spcAft>
-              <a:defRPr>
-                <a:solidFill>
-                  <a:schemeClr val="tx1"/>
-                </a:solidFill>
-                <a:latin typeface="Calibri" panose="020F0502020204030204" pitchFamily="34" charset="0"/>
-                <a:ea typeface="MS PGothic" panose="020B0600070205080204" pitchFamily="34" charset="-128"/>
-              </a:defRPr>
-            </a:lvl7pPr>
-            <a:lvl8pPr marL="3429000" indent="-228600" defTabSz="457200" fontAlgn="base">
-              <a:spcBef>
-                <a:spcPct val="0"/>
-              </a:spcBef>
-              <a:spcAft>
-                <a:spcPct val="0"/>
-              </a:spcAft>
-              <a:defRPr>
-                <a:solidFill>
-                  <a:schemeClr val="tx1"/>
-                </a:solidFill>
-                <a:latin typeface="Calibri" panose="020F0502020204030204" pitchFamily="34" charset="0"/>
-                <a:ea typeface="MS PGothic" panose="020B0600070205080204" pitchFamily="34" charset="-128"/>
-              </a:defRPr>
-            </a:lvl8pPr>
-            <a:lvl9pPr marL="3886200" indent="-228600" defTabSz="457200" fontAlgn="base">
-              <a:spcBef>
-                <a:spcPct val="0"/>
-              </a:spcBef>
-              <a:spcAft>
-                <a:spcPct val="0"/>
-              </a:spcAft>
-              <a:defRPr>
-                <a:solidFill>
-                  <a:schemeClr val="tx1"/>
-                </a:solidFill>
-                <a:latin typeface="Calibri" panose="020F0502020204030204" pitchFamily="34" charset="0"/>
-                <a:ea typeface="MS PGothic" panose="020B0600070205080204" pitchFamily="34" charset="-128"/>
-              </a:defRPr>
-            </a:lvl9pPr>
-          </a:lstStyle>
-          <a:p>
-            <a:pPr>
-              <a:lnSpc>
-                <a:spcPts val="3200"/>
-              </a:lnSpc>
-            </a:pPr>
-            <a:fld id="{5BB23988-5F95-4F5E-B268-2E87EE1A952B}" type="slidenum">
-              <a:rPr lang="en-US" altLang="en-US" sz="1600" b="1">
-                <a:solidFill>
-                  <a:schemeClr val="bg1"/>
-                </a:solidFill>
-              </a:rPr>
-              <a:pPr>
-                <a:lnSpc>
-                  <a:spcPts val="3200"/>
-                </a:lnSpc>
-              </a:pPr>
-              <a:t>12</a:t>
-            </a:fld>
-            <a:r>
-              <a:rPr lang="en-US" altLang="en-US" sz="1600" b="1" dirty="0">
-                <a:solidFill>
-                  <a:schemeClr val="bg1"/>
-                </a:solidFill>
-              </a:rPr>
-              <a:t> </a:t>
-            </a:r>
-            <a:r>
-              <a:rPr lang="en-US" altLang="en-US" sz="1600" dirty="0">
-                <a:solidFill>
-                  <a:schemeClr val="bg1"/>
-                </a:solidFill>
-              </a:rPr>
-              <a:t>|</a:t>
-            </a:r>
-            <a:r>
-              <a:rPr lang="en-US" altLang="en-US" sz="1600" b="1" dirty="0">
-                <a:solidFill>
-                  <a:schemeClr val="bg1"/>
-                </a:solidFill>
-              </a:rPr>
-              <a:t> </a:t>
-            </a:r>
-            <a:r>
-              <a:rPr lang="en-US" altLang="en-US" sz="1600" i="1" dirty="0">
-                <a:solidFill>
-                  <a:schemeClr val="bg1"/>
-                </a:solidFill>
-              </a:rPr>
-              <a:t>EECS 6690</a:t>
-            </a:r>
-            <a:endParaRPr lang="en-US" sz="1600" i="1" dirty="0">
-              <a:solidFill>
-                <a:schemeClr val="bg1"/>
-              </a:solidFill>
-            </a:endParaRPr>
-          </a:p>
-        </p:txBody>
-      </p:sp>
-    </p:spTree>
-    <p:extLst>
-      <p:ext uri="{BB962C8B-B14F-4D97-AF65-F5344CB8AC3E}">
-        <p14:creationId xmlns:p14="http://schemas.microsoft.com/office/powerpoint/2010/main" val="2054765866"/>
-      </p:ext>
-    </p:extLst>
-  </p:cSld>
-  <p:clrMapOvr>
-    <a:masterClrMapping/>
-  </p:clrMapOvr>
-</p:sld>
-</file>
-
-<file path=ppt/slides/slide2.xml><?xml version="1.0" encoding="utf-8"?>
-<p:sld xmlns:a="http://schemas.openxmlformats.org/drawingml/2006/main" xmlns:r="http://schemas.openxmlformats.org/officeDocument/2006/relationships" xmlns:p="http://schemas.openxmlformats.org/presentationml/2006/main">
-  <p:cSld>
-    <p:spTree>
-      <p:nvGrpSpPr>
-        <p:cNvPr id="1" name=""/>
-        <p:cNvGrpSpPr/>
-        <p:nvPr/>
-      </p:nvGrpSpPr>
-      <p:grpSpPr>
-        <a:xfrm>
-          <a:off x="0" y="0"/>
-          <a:ext cx="0" cy="0"/>
-          <a:chOff x="0" y="0"/>
-          <a:chExt cx="0" cy="0"/>
-        </a:xfrm>
-      </p:grpSpPr>
-      <p:sp>
-        <p:nvSpPr>
-          <p:cNvPr id="7" name="Rectangle 6"/>
-          <p:cNvSpPr/>
-          <p:nvPr/>
-        </p:nvSpPr>
-        <p:spPr>
-          <a:xfrm>
-            <a:off x="0" y="0"/>
-            <a:ext cx="12192000" cy="609600"/>
-          </a:xfrm>
-          <a:prstGeom prst="rect">
-            <a:avLst/>
-          </a:prstGeom>
-          <a:solidFill>
-            <a:srgbClr val="000000"/>
-          </a:solidFill>
-          <a:ln>
-            <a:noFill/>
-          </a:ln>
-          <a:effectLst/>
-        </p:spPr>
-        <p:style>
-          <a:lnRef idx="1">
-            <a:schemeClr val="accent1"/>
-          </a:lnRef>
-          <a:fillRef idx="3">
-            <a:schemeClr val="accent1"/>
-          </a:fillRef>
-          <a:effectRef idx="2">
-            <a:schemeClr val="accent1"/>
-          </a:effectRef>
-          <a:fontRef idx="minor">
-            <a:schemeClr val="lt1"/>
-          </a:fontRef>
-        </p:style>
-        <p:txBody>
-          <a:bodyPr anchor="ctr"/>
-          <a:lstStyle/>
-          <a:p>
-            <a:pPr algn="ctr">
-              <a:defRPr/>
-            </a:pPr>
-            <a:endParaRPr lang="en-US" sz="2400" dirty="0">
-              <a:solidFill>
-                <a:schemeClr val="accent2">
-                  <a:lumMod val="40000"/>
-                  <a:lumOff val="60000"/>
-                </a:schemeClr>
-              </a:solidFill>
-            </a:endParaRPr>
-          </a:p>
-        </p:txBody>
-      </p:sp>
-      <p:sp>
-        <p:nvSpPr>
-          <p:cNvPr id="17" name="Rectangle 16"/>
-          <p:cNvSpPr/>
-          <p:nvPr/>
-        </p:nvSpPr>
-        <p:spPr>
-          <a:xfrm>
-            <a:off x="8149390" y="3189129"/>
-            <a:ext cx="5076092" cy="492443"/>
-          </a:xfrm>
-          <a:prstGeom prst="rect">
-            <a:avLst/>
-          </a:prstGeom>
-        </p:spPr>
-        <p:txBody>
-          <a:bodyPr wrap="square">
-            <a:spAutoFit/>
-          </a:bodyPr>
-          <a:lstStyle/>
-          <a:p>
-            <a:pPr>
-              <a:defRPr/>
-            </a:pPr>
-            <a:endParaRPr lang="en-US" sz="1400" dirty="0">
-              <a:solidFill>
-                <a:schemeClr val="tx1">
-                  <a:lumMod val="75000"/>
-                  <a:lumOff val="25000"/>
-                </a:schemeClr>
-              </a:solidFill>
-              <a:cs typeface="Helvetica"/>
-            </a:endParaRPr>
-          </a:p>
-          <a:p>
-            <a:pPr>
-              <a:defRPr/>
-            </a:pPr>
-            <a:endParaRPr lang="en-US" sz="1200" dirty="0">
-              <a:solidFill>
-                <a:schemeClr val="tx1">
-                  <a:lumMod val="75000"/>
-                  <a:lumOff val="25000"/>
-                </a:schemeClr>
-              </a:solidFill>
-              <a:cs typeface="Helvetica"/>
-            </a:endParaRPr>
-          </a:p>
-        </p:txBody>
-      </p:sp>
-      <p:sp>
-        <p:nvSpPr>
-          <p:cNvPr id="49156" name="Rectangle 7"/>
-          <p:cNvSpPr>
-            <a:spLocks noChangeArrowheads="1"/>
-          </p:cNvSpPr>
-          <p:nvPr/>
-        </p:nvSpPr>
-        <p:spPr bwMode="auto">
-          <a:xfrm>
-            <a:off x="406399" y="-6349"/>
-            <a:ext cx="6812085" cy="584775"/>
-          </a:xfrm>
-          <a:prstGeom prst="rect">
-            <a:avLst/>
-          </a:prstGeom>
-          <a:noFill/>
-          <a:ln>
-            <a:noFill/>
-          </a:ln>
-          <a:extLst>
-            <a:ext uri="{909E8E84-426E-40DD-AFC4-6F175D3DCCD1}">
-              <a14:hiddenFill xmlns:a14="http://schemas.microsoft.com/office/drawing/2010/main">
-                <a:solidFill>
-                  <a:srgbClr val="FFFFFF"/>
-                </a:solidFill>
-              </a14:hiddenFill>
-            </a:ext>
-            <a:ext uri="{91240B29-F687-4F45-9708-019B960494DF}">
-              <a14:hiddenLine xmlns:a14="http://schemas.microsoft.com/office/drawing/2010/main" w="9525">
-                <a:solidFill>
-                  <a:srgbClr val="000000"/>
-                </a:solidFill>
-                <a:miter lim="800000"/>
-                <a:headEnd/>
-                <a:tailEnd/>
-              </a14:hiddenLine>
-            </a:ext>
-          </a:extLst>
-        </p:spPr>
-        <p:txBody>
-          <a:bodyPr wrap="square">
-            <a:spAutoFit/>
-          </a:bodyPr>
-          <a:lstStyle>
-            <a:lvl1pPr>
-              <a:defRPr>
-                <a:solidFill>
-                  <a:schemeClr val="tx1"/>
-                </a:solidFill>
-                <a:latin typeface="Calibri" panose="020F0502020204030204" pitchFamily="34" charset="0"/>
-                <a:ea typeface="MS PGothic" panose="020B0600070205080204" pitchFamily="34" charset="-128"/>
-              </a:defRPr>
-            </a:lvl1pPr>
-            <a:lvl2pPr marL="742950" indent="-285750">
-              <a:defRPr>
-                <a:solidFill>
-                  <a:schemeClr val="tx1"/>
-                </a:solidFill>
-                <a:latin typeface="Calibri" panose="020F0502020204030204" pitchFamily="34" charset="0"/>
-                <a:ea typeface="MS PGothic" panose="020B0600070205080204" pitchFamily="34" charset="-128"/>
-              </a:defRPr>
-            </a:lvl2pPr>
-            <a:lvl3pPr marL="1143000" indent="-228600">
-              <a:defRPr>
-                <a:solidFill>
-                  <a:schemeClr val="tx1"/>
-                </a:solidFill>
-                <a:latin typeface="Calibri" panose="020F0502020204030204" pitchFamily="34" charset="0"/>
-                <a:ea typeface="MS PGothic" panose="020B0600070205080204" pitchFamily="34" charset="-128"/>
-              </a:defRPr>
-            </a:lvl3pPr>
-            <a:lvl4pPr marL="1600200" indent="-228600">
-              <a:defRPr>
-                <a:solidFill>
-                  <a:schemeClr val="tx1"/>
-                </a:solidFill>
-                <a:latin typeface="Calibri" panose="020F0502020204030204" pitchFamily="34" charset="0"/>
-                <a:ea typeface="MS PGothic" panose="020B0600070205080204" pitchFamily="34" charset="-128"/>
-              </a:defRPr>
-            </a:lvl4pPr>
-            <a:lvl5pPr marL="2057400" indent="-228600">
-              <a:defRPr>
-                <a:solidFill>
-                  <a:schemeClr val="tx1"/>
-                </a:solidFill>
-                <a:latin typeface="Calibri" panose="020F0502020204030204" pitchFamily="34" charset="0"/>
-                <a:ea typeface="MS PGothic" panose="020B0600070205080204" pitchFamily="34" charset="-128"/>
-              </a:defRPr>
-            </a:lvl5pPr>
-            <a:lvl6pPr marL="2514600" indent="-228600" defTabSz="457200" fontAlgn="base">
-              <a:spcBef>
-                <a:spcPct val="0"/>
-              </a:spcBef>
-              <a:spcAft>
-                <a:spcPct val="0"/>
-              </a:spcAft>
-              <a:defRPr>
-                <a:solidFill>
-                  <a:schemeClr val="tx1"/>
-                </a:solidFill>
-                <a:latin typeface="Calibri" panose="020F0502020204030204" pitchFamily="34" charset="0"/>
-                <a:ea typeface="MS PGothic" panose="020B0600070205080204" pitchFamily="34" charset="-128"/>
-              </a:defRPr>
-            </a:lvl6pPr>
-            <a:lvl7pPr marL="2971800" indent="-228600" defTabSz="457200" fontAlgn="base">
-              <a:spcBef>
-                <a:spcPct val="0"/>
-              </a:spcBef>
-              <a:spcAft>
-                <a:spcPct val="0"/>
-              </a:spcAft>
-              <a:defRPr>
-                <a:solidFill>
-                  <a:schemeClr val="tx1"/>
-                </a:solidFill>
-                <a:latin typeface="Calibri" panose="020F0502020204030204" pitchFamily="34" charset="0"/>
-                <a:ea typeface="MS PGothic" panose="020B0600070205080204" pitchFamily="34" charset="-128"/>
-              </a:defRPr>
-            </a:lvl7pPr>
-            <a:lvl8pPr marL="3429000" indent="-228600" defTabSz="457200" fontAlgn="base">
-              <a:spcBef>
-                <a:spcPct val="0"/>
-              </a:spcBef>
-              <a:spcAft>
-                <a:spcPct val="0"/>
-              </a:spcAft>
-              <a:defRPr>
-                <a:solidFill>
-                  <a:schemeClr val="tx1"/>
-                </a:solidFill>
-                <a:latin typeface="Calibri" panose="020F0502020204030204" pitchFamily="34" charset="0"/>
-                <a:ea typeface="MS PGothic" panose="020B0600070205080204" pitchFamily="34" charset="-128"/>
-              </a:defRPr>
-            </a:lvl8pPr>
-            <a:lvl9pPr marL="3886200" indent="-228600" defTabSz="457200" fontAlgn="base">
-              <a:spcBef>
-                <a:spcPct val="0"/>
-              </a:spcBef>
-              <a:spcAft>
-                <a:spcPct val="0"/>
-              </a:spcAft>
-              <a:defRPr>
-                <a:solidFill>
-                  <a:schemeClr val="tx1"/>
-                </a:solidFill>
-                <a:latin typeface="Calibri" panose="020F0502020204030204" pitchFamily="34" charset="0"/>
-                <a:ea typeface="MS PGothic" panose="020B0600070205080204" pitchFamily="34" charset="-128"/>
-              </a:defRPr>
-            </a:lvl9pPr>
-          </a:lstStyle>
-          <a:p>
-            <a:r>
-              <a:rPr lang="en-US" altLang="en-US" sz="3200" dirty="0">
-                <a:solidFill>
-                  <a:schemeClr val="bg1"/>
-                </a:solidFill>
-              </a:rPr>
-              <a:t>Recreation of Results</a:t>
-            </a:r>
-          </a:p>
-        </p:txBody>
-      </p:sp>
-      <p:sp>
-        <p:nvSpPr>
-          <p:cNvPr id="11" name="Rectangle 10"/>
-          <p:cNvSpPr>
-            <a:spLocks noChangeArrowheads="1"/>
-          </p:cNvSpPr>
-          <p:nvPr/>
-        </p:nvSpPr>
-        <p:spPr bwMode="auto">
-          <a:xfrm>
-            <a:off x="0" y="6248400"/>
-            <a:ext cx="12192000" cy="609600"/>
-          </a:xfrm>
-          <a:prstGeom prst="rect">
-            <a:avLst/>
-          </a:prstGeom>
-          <a:solidFill>
-            <a:srgbClr val="1A2C64"/>
-          </a:solidFill>
-          <a:ln>
-            <a:noFill/>
-          </a:ln>
-          <a:effectLst>
-            <a:outerShdw blurRad="40000" dist="23000" dir="5400000" rotWithShape="0">
-              <a:srgbClr val="808080">
-                <a:alpha val="34999"/>
-              </a:srgbClr>
-            </a:outerShdw>
-          </a:effectLst>
-          <a:extLst>
-            <a:ext uri="{91240B29-F687-4F45-9708-019B960494DF}">
-              <a14:hiddenLine xmlns:a14="http://schemas.microsoft.com/office/drawing/2010/main" w="9525">
-                <a:solidFill>
-                  <a:srgbClr val="000000"/>
-                </a:solidFill>
-                <a:miter lim="800000"/>
-                <a:headEnd/>
-                <a:tailEnd/>
-              </a14:hiddenLine>
-            </a:ext>
-          </a:extLst>
-        </p:spPr>
-        <p:txBody>
-          <a:bodyPr anchor="ctr"/>
-          <a:lstStyle/>
-          <a:p>
-            <a:pPr algn="ctr">
-              <a:defRPr/>
-            </a:pPr>
-            <a:endParaRPr lang="en-US" sz="2400">
-              <a:solidFill>
-                <a:schemeClr val="accent2">
-                  <a:lumMod val="40000"/>
-                  <a:lumOff val="60000"/>
-                </a:schemeClr>
-              </a:solidFill>
-            </a:endParaRPr>
-          </a:p>
-        </p:txBody>
-      </p:sp>
-      <p:pic>
-        <p:nvPicPr>
-          <p:cNvPr id="49159" name="Picture 11"/>
-          <p:cNvPicPr>
-            <a:picLocks noChangeAspect="1"/>
-          </p:cNvPicPr>
-          <p:nvPr/>
-        </p:nvPicPr>
-        <p:blipFill>
-          <a:blip r:embed="rId3" cstate="print">
-            <a:extLst>
-              <a:ext uri="{28A0092B-C50C-407E-A947-70E740481C1C}">
-                <a14:useLocalDpi xmlns:a14="http://schemas.microsoft.com/office/drawing/2010/main" val="0"/>
-              </a:ext>
-            </a:extLst>
-          </a:blip>
-          <a:srcRect/>
-          <a:stretch>
-            <a:fillRect/>
-          </a:stretch>
-        </p:blipFill>
-        <p:spPr bwMode="auto">
-          <a:xfrm>
-            <a:off x="9550401" y="6405034"/>
-            <a:ext cx="2436284" cy="296333"/>
-          </a:xfrm>
-          <a:prstGeom prst="rect">
-            <a:avLst/>
-          </a:prstGeom>
-          <a:noFill/>
-          <a:ln>
-            <a:noFill/>
-          </a:ln>
-          <a:extLst>
-            <a:ext uri="{909E8E84-426E-40DD-AFC4-6F175D3DCCD1}">
-              <a14:hiddenFill xmlns:a14="http://schemas.microsoft.com/office/drawing/2010/main">
-                <a:solidFill>
-                  <a:srgbClr val="FFFFFF"/>
-                </a:solidFill>
-              </a14:hiddenFill>
-            </a:ext>
-            <a:ext uri="{91240B29-F687-4F45-9708-019B960494DF}">
-              <a14:hiddenLine xmlns:a14="http://schemas.microsoft.com/office/drawing/2010/main" w="9525">
-                <a:solidFill>
-                  <a:srgbClr val="000000"/>
-                </a:solidFill>
-                <a:miter lim="800000"/>
-                <a:headEnd/>
-                <a:tailEnd/>
-              </a14:hiddenLine>
-            </a:ext>
-          </a:extLst>
-        </p:spPr>
-      </p:pic>
-      <p:sp>
-        <p:nvSpPr>
-          <p:cNvPr id="49160" name="TextBox 12"/>
-          <p:cNvSpPr txBox="1">
-            <a:spLocks noChangeArrowheads="1"/>
-          </p:cNvSpPr>
-          <p:nvPr/>
-        </p:nvSpPr>
-        <p:spPr bwMode="auto">
-          <a:xfrm>
-            <a:off x="340784" y="6261100"/>
-            <a:ext cx="9042400" cy="454227"/>
-          </a:xfrm>
-          <a:prstGeom prst="rect">
-            <a:avLst/>
-          </a:prstGeom>
-          <a:noFill/>
-          <a:ln>
-            <a:noFill/>
-          </a:ln>
-          <a:extLst>
-            <a:ext uri="{909E8E84-426E-40DD-AFC4-6F175D3DCCD1}">
-              <a14:hiddenFill xmlns:a14="http://schemas.microsoft.com/office/drawing/2010/main">
-                <a:solidFill>
-                  <a:srgbClr val="FFFFFF"/>
-                </a:solidFill>
-              </a14:hiddenFill>
-            </a:ext>
-            <a:ext uri="{91240B29-F687-4F45-9708-019B960494DF}">
-              <a14:hiddenLine xmlns:a14="http://schemas.microsoft.com/office/drawing/2010/main" w="9525">
-                <a:solidFill>
-                  <a:srgbClr val="000000"/>
-                </a:solidFill>
-                <a:miter lim="800000"/>
-                <a:headEnd/>
-                <a:tailEnd/>
-              </a14:hiddenLine>
-            </a:ext>
-          </a:extLst>
-        </p:spPr>
-        <p:txBody>
-          <a:bodyPr>
-            <a:spAutoFit/>
-          </a:bodyPr>
-          <a:lstStyle>
-            <a:lvl1pPr>
-              <a:defRPr>
-                <a:solidFill>
-                  <a:schemeClr val="tx1"/>
-                </a:solidFill>
-                <a:latin typeface="Calibri" panose="020F0502020204030204" pitchFamily="34" charset="0"/>
-                <a:ea typeface="MS PGothic" panose="020B0600070205080204" pitchFamily="34" charset="-128"/>
-              </a:defRPr>
-            </a:lvl1pPr>
-            <a:lvl2pPr marL="742950" indent="-285750">
-              <a:defRPr>
-                <a:solidFill>
-                  <a:schemeClr val="tx1"/>
-                </a:solidFill>
-                <a:latin typeface="Calibri" panose="020F0502020204030204" pitchFamily="34" charset="0"/>
-                <a:ea typeface="MS PGothic" panose="020B0600070205080204" pitchFamily="34" charset="-128"/>
-              </a:defRPr>
-            </a:lvl2pPr>
-            <a:lvl3pPr marL="1143000" indent="-228600">
-              <a:defRPr>
-                <a:solidFill>
-                  <a:schemeClr val="tx1"/>
-                </a:solidFill>
-                <a:latin typeface="Calibri" panose="020F0502020204030204" pitchFamily="34" charset="0"/>
-                <a:ea typeface="MS PGothic" panose="020B0600070205080204" pitchFamily="34" charset="-128"/>
-              </a:defRPr>
-            </a:lvl3pPr>
-            <a:lvl4pPr marL="1600200" indent="-228600">
-              <a:defRPr>
-                <a:solidFill>
-                  <a:schemeClr val="tx1"/>
-                </a:solidFill>
-                <a:latin typeface="Calibri" panose="020F0502020204030204" pitchFamily="34" charset="0"/>
-                <a:ea typeface="MS PGothic" panose="020B0600070205080204" pitchFamily="34" charset="-128"/>
-              </a:defRPr>
-            </a:lvl4pPr>
-            <a:lvl5pPr marL="2057400" indent="-228600">
-              <a:defRPr>
-                <a:solidFill>
-                  <a:schemeClr val="tx1"/>
-                </a:solidFill>
-                <a:latin typeface="Calibri" panose="020F0502020204030204" pitchFamily="34" charset="0"/>
-                <a:ea typeface="MS PGothic" panose="020B0600070205080204" pitchFamily="34" charset="-128"/>
-              </a:defRPr>
-            </a:lvl5pPr>
-            <a:lvl6pPr marL="2514600" indent="-228600" defTabSz="457200" fontAlgn="base">
-              <a:spcBef>
-                <a:spcPct val="0"/>
-              </a:spcBef>
-              <a:spcAft>
-                <a:spcPct val="0"/>
-              </a:spcAft>
-              <a:defRPr>
-                <a:solidFill>
-                  <a:schemeClr val="tx1"/>
-                </a:solidFill>
-                <a:latin typeface="Calibri" panose="020F0502020204030204" pitchFamily="34" charset="0"/>
-                <a:ea typeface="MS PGothic" panose="020B0600070205080204" pitchFamily="34" charset="-128"/>
-              </a:defRPr>
-            </a:lvl6pPr>
-            <a:lvl7pPr marL="2971800" indent="-228600" defTabSz="457200" fontAlgn="base">
-              <a:spcBef>
-                <a:spcPct val="0"/>
-              </a:spcBef>
-              <a:spcAft>
-                <a:spcPct val="0"/>
-              </a:spcAft>
-              <a:defRPr>
-                <a:solidFill>
-                  <a:schemeClr val="tx1"/>
-                </a:solidFill>
-                <a:latin typeface="Calibri" panose="020F0502020204030204" pitchFamily="34" charset="0"/>
-                <a:ea typeface="MS PGothic" panose="020B0600070205080204" pitchFamily="34" charset="-128"/>
-              </a:defRPr>
-            </a:lvl7pPr>
-            <a:lvl8pPr marL="3429000" indent="-228600" defTabSz="457200" fontAlgn="base">
-              <a:spcBef>
-                <a:spcPct val="0"/>
-              </a:spcBef>
-              <a:spcAft>
-                <a:spcPct val="0"/>
-              </a:spcAft>
-              <a:defRPr>
-                <a:solidFill>
-                  <a:schemeClr val="tx1"/>
-                </a:solidFill>
-                <a:latin typeface="Calibri" panose="020F0502020204030204" pitchFamily="34" charset="0"/>
-                <a:ea typeface="MS PGothic" panose="020B0600070205080204" pitchFamily="34" charset="-128"/>
-              </a:defRPr>
-            </a:lvl8pPr>
-            <a:lvl9pPr marL="3886200" indent="-228600" defTabSz="457200" fontAlgn="base">
-              <a:spcBef>
-                <a:spcPct val="0"/>
-              </a:spcBef>
-              <a:spcAft>
-                <a:spcPct val="0"/>
-              </a:spcAft>
-              <a:defRPr>
-                <a:solidFill>
-                  <a:schemeClr val="tx1"/>
-                </a:solidFill>
-                <a:latin typeface="Calibri" panose="020F0502020204030204" pitchFamily="34" charset="0"/>
-                <a:ea typeface="MS PGothic" panose="020B0600070205080204" pitchFamily="34" charset="-128"/>
-              </a:defRPr>
-            </a:lvl9pPr>
-          </a:lstStyle>
-          <a:p>
-            <a:pPr>
-              <a:lnSpc>
-                <a:spcPts val="3200"/>
-              </a:lnSpc>
-            </a:pPr>
-            <a:fld id="{76DDC349-5DFE-463D-B972-F98C51C102DF}" type="slidenum">
-              <a:rPr lang="en-US" altLang="en-US" sz="1600" b="1">
-                <a:solidFill>
-                  <a:schemeClr val="bg1"/>
-                </a:solidFill>
-              </a:rPr>
-              <a:pPr>
-                <a:lnSpc>
-                  <a:spcPts val="3200"/>
-                </a:lnSpc>
-              </a:pPr>
-              <a:t>2</a:t>
-            </a:fld>
-            <a:r>
-              <a:rPr lang="en-US" altLang="en-US" sz="1600" b="1" dirty="0">
-                <a:solidFill>
-                  <a:schemeClr val="bg1"/>
-                </a:solidFill>
-              </a:rPr>
-              <a:t> </a:t>
-            </a:r>
-            <a:r>
-              <a:rPr lang="en-US" altLang="en-US" sz="1600" dirty="0">
-                <a:solidFill>
-                  <a:schemeClr val="bg1"/>
-                </a:solidFill>
-              </a:rPr>
-              <a:t>| </a:t>
-            </a:r>
-            <a:r>
-              <a:rPr lang="en-US" altLang="en-US" sz="1600" i="1" dirty="0">
-                <a:solidFill>
-                  <a:schemeClr val="bg1"/>
-                </a:solidFill>
-              </a:rPr>
-              <a:t>EECS 6690</a:t>
-            </a:r>
-          </a:p>
-        </p:txBody>
-      </p:sp>
-      <p:sp>
-        <p:nvSpPr>
-          <p:cNvPr id="9" name="Rectangle 2">
-            <a:extLst>
-              <a:ext uri="{FF2B5EF4-FFF2-40B4-BE49-F238E27FC236}">
-                <a16:creationId xmlns:a16="http://schemas.microsoft.com/office/drawing/2014/main" id="{5A8BC50E-FED3-41FC-BE09-DF30409AC31A}"/>
-              </a:ext>
-            </a:extLst>
-          </p:cNvPr>
-          <p:cNvSpPr>
-            <a:spLocks noChangeArrowheads="1"/>
-          </p:cNvSpPr>
-          <p:nvPr/>
-        </p:nvSpPr>
-        <p:spPr bwMode="auto">
-          <a:xfrm>
-            <a:off x="1358299" y="951423"/>
-            <a:ext cx="9475402" cy="4955154"/>
-          </a:xfrm>
-          <a:prstGeom prst="rect">
-            <a:avLst/>
-          </a:prstGeom>
-          <a:noFill/>
-          <a:ln>
-            <a:noFill/>
-          </a:ln>
-          <a:effectLst/>
-          <a:extLst>
-            <a:ext uri="{909E8E84-426E-40DD-AFC4-6F175D3DCCD1}">
-              <a14:hiddenFill xmlns:a14="http://schemas.microsoft.com/office/drawing/2010/main">
-                <a:solidFill>
-                  <a:schemeClr val="accent1"/>
-                </a:solidFill>
-              </a14:hiddenFill>
-            </a:ext>
-            <a:ext uri="{91240B29-F687-4F45-9708-019B960494DF}">
-              <a14:hiddenLine xmlns:a14="http://schemas.microsoft.com/office/drawing/2010/main" w="9525">
-                <a:solidFill>
-                  <a:schemeClr val="tx1"/>
-                </a:solidFill>
-                <a:miter lim="800000"/>
-                <a:headEnd/>
-                <a:tailEnd/>
-              </a14:hiddenLine>
-            </a:ext>
-            <a:ext uri="{AF507438-7753-43E0-B8FC-AC1667EBCBE1}">
-              <a14:hiddenEffects xmlns:a14="http://schemas.microsoft.com/office/drawing/2010/main">
-                <a:effectLst>
-                  <a:outerShdw dist="35921" dir="2700000" algn="ctr" rotWithShape="0">
-                    <a:schemeClr val="bg2"/>
-                  </a:outerShdw>
-                </a:effectLst>
-              </a14:hiddenEffects>
-            </a:ext>
-          </a:extLst>
-        </p:spPr>
-        <p:txBody>
-          <a:bodyPr vert="horz" wrap="square" lIns="0" tIns="152352" rIns="0" bIns="0" numCol="1" anchor="ctr" anchorCtr="0" compatLnSpc="1">
-            <a:prstTxWarp prst="textNoShape">
-              <a:avLst/>
-            </a:prstTxWarp>
-            <a:spAutoFit/>
-          </a:bodyPr>
-          <a:lstStyle>
-            <a:lvl1pPr eaLnBrk="0" fontAlgn="base" hangingPunct="0">
-              <a:spcBef>
-                <a:spcPct val="0"/>
-              </a:spcBef>
-              <a:spcAft>
-                <a:spcPct val="0"/>
-              </a:spcAft>
-              <a:defRPr>
-                <a:solidFill>
-                  <a:schemeClr val="tx1"/>
-                </a:solidFill>
-                <a:latin typeface="Arial" panose="020B0604020202020204" pitchFamily="34" charset="0"/>
-              </a:defRPr>
-            </a:lvl1pPr>
-            <a:lvl2pPr eaLnBrk="0" fontAlgn="base" hangingPunct="0">
-              <a:spcBef>
-                <a:spcPct val="0"/>
-              </a:spcBef>
-              <a:spcAft>
-                <a:spcPct val="0"/>
-              </a:spcAft>
-              <a:defRPr>
-                <a:solidFill>
-                  <a:schemeClr val="tx1"/>
-                </a:solidFill>
-                <a:latin typeface="Arial" panose="020B0604020202020204" pitchFamily="34" charset="0"/>
-              </a:defRPr>
-            </a:lvl2pPr>
-            <a:lvl3pPr eaLnBrk="0" fontAlgn="base" hangingPunct="0">
-              <a:spcBef>
-                <a:spcPct val="0"/>
-              </a:spcBef>
-              <a:spcAft>
-                <a:spcPct val="0"/>
-              </a:spcAft>
-              <a:defRPr>
-                <a:solidFill>
-                  <a:schemeClr val="tx1"/>
-                </a:solidFill>
-                <a:latin typeface="Arial" panose="020B0604020202020204" pitchFamily="34" charset="0"/>
-              </a:defRPr>
-            </a:lvl3pPr>
-            <a:lvl4pPr eaLnBrk="0" fontAlgn="base" hangingPunct="0">
-              <a:spcBef>
-                <a:spcPct val="0"/>
-              </a:spcBef>
-              <a:spcAft>
-                <a:spcPct val="0"/>
-              </a:spcAft>
-              <a:defRPr>
-                <a:solidFill>
-                  <a:schemeClr val="tx1"/>
-                </a:solidFill>
-                <a:latin typeface="Arial" panose="020B0604020202020204" pitchFamily="34" charset="0"/>
-              </a:defRPr>
-            </a:lvl4pPr>
-            <a:lvl5pPr eaLnBrk="0" fontAlgn="base" hangingPunct="0">
-              <a:spcBef>
-                <a:spcPct val="0"/>
-              </a:spcBef>
-              <a:spcAft>
-                <a:spcPct val="0"/>
-              </a:spcAft>
-              <a:defRPr>
-                <a:solidFill>
-                  <a:schemeClr val="tx1"/>
-                </a:solidFill>
-                <a:latin typeface="Arial" panose="020B0604020202020204" pitchFamily="34" charset="0"/>
-              </a:defRPr>
-            </a:lvl5pPr>
-            <a:lvl6pPr eaLnBrk="0" fontAlgn="base" hangingPunct="0">
-              <a:spcBef>
-                <a:spcPct val="0"/>
-              </a:spcBef>
-              <a:spcAft>
-                <a:spcPct val="0"/>
-              </a:spcAft>
-              <a:defRPr>
-                <a:solidFill>
-                  <a:schemeClr val="tx1"/>
-                </a:solidFill>
-                <a:latin typeface="Arial" panose="020B0604020202020204" pitchFamily="34" charset="0"/>
-              </a:defRPr>
-            </a:lvl6pPr>
-            <a:lvl7pPr eaLnBrk="0" fontAlgn="base" hangingPunct="0">
-              <a:spcBef>
-                <a:spcPct val="0"/>
-              </a:spcBef>
-              <a:spcAft>
-                <a:spcPct val="0"/>
-              </a:spcAft>
-              <a:defRPr>
-                <a:solidFill>
-                  <a:schemeClr val="tx1"/>
-                </a:solidFill>
-                <a:latin typeface="Arial" panose="020B0604020202020204" pitchFamily="34" charset="0"/>
-              </a:defRPr>
-            </a:lvl7pPr>
-            <a:lvl8pPr eaLnBrk="0" fontAlgn="base" hangingPunct="0">
-              <a:spcBef>
-                <a:spcPct val="0"/>
-              </a:spcBef>
-              <a:spcAft>
-                <a:spcPct val="0"/>
-              </a:spcAft>
-              <a:defRPr>
-                <a:solidFill>
-                  <a:schemeClr val="tx1"/>
-                </a:solidFill>
-                <a:latin typeface="Arial" panose="020B0604020202020204" pitchFamily="34" charset="0"/>
-              </a:defRPr>
-            </a:lvl8pPr>
-            <a:lvl9pPr eaLnBrk="0" fontAlgn="base" hangingPunct="0">
-              <a:spcBef>
-                <a:spcPct val="0"/>
-              </a:spcBef>
-              <a:spcAft>
-                <a:spcPct val="0"/>
-              </a:spcAft>
-              <a:defRPr>
-                <a:solidFill>
-                  <a:schemeClr val="tx1"/>
-                </a:solidFill>
-                <a:latin typeface="Arial" panose="020B0604020202020204" pitchFamily="34" charset="0"/>
-              </a:defRPr>
-            </a:lvl9pPr>
-          </a:lstStyle>
-          <a:p>
-            <a:r>
-              <a:rPr lang="en-US" sz="2400" dirty="0">
-                <a:latin typeface="+mn-lt"/>
-              </a:rPr>
-              <a:t>The paper, “Genome-wide transcriptional analysis of T cell activation reveals differential gene expression associated with psoriasis” looks at T cell gene expression rates from 24 patients.  </a:t>
-            </a:r>
-          </a:p>
-          <a:p>
-            <a:pPr marL="800100" lvl="1" indent="-342900">
-              <a:buFont typeface="Arial" panose="020B0604020202020204" pitchFamily="34" charset="0"/>
-              <a:buChar char="•"/>
-            </a:pPr>
-            <a:r>
-              <a:rPr lang="en-US" sz="2400" dirty="0">
-                <a:latin typeface="+mn-lt"/>
-              </a:rPr>
-              <a:t>The data is openly available</a:t>
-            </a:r>
-          </a:p>
-          <a:p>
-            <a:pPr marL="800100" lvl="1" indent="-342900">
-              <a:buFont typeface="Arial" panose="020B0604020202020204" pitchFamily="34" charset="0"/>
-              <a:buChar char="•"/>
-            </a:pPr>
-            <a:r>
-              <a:rPr lang="en-US" sz="2400" dirty="0">
-                <a:latin typeface="+mn-lt"/>
-              </a:rPr>
-              <a:t>Psoriasis is a common autoimmune disease, where T cells target healthy skin cells</a:t>
-            </a:r>
-          </a:p>
-          <a:p>
-            <a:r>
-              <a:rPr lang="en-US" sz="2400" dirty="0">
-                <a:latin typeface="+mn-lt"/>
-              </a:rPr>
-              <a:t>The paper found the fold increase (or decrease) of patients with psoriasis compared to those who did not have it</a:t>
-            </a:r>
-          </a:p>
-          <a:p>
-            <a:pPr marL="800100" lvl="1" indent="-342900">
-              <a:buFont typeface="Arial" panose="020B0604020202020204" pitchFamily="34" charset="0"/>
-              <a:buChar char="•"/>
-            </a:pPr>
-            <a:r>
-              <a:rPr lang="en-US" sz="2400" dirty="0">
-                <a:latin typeface="+mn-lt"/>
-              </a:rPr>
-              <a:t>The paper preprocessed the data by eliminating genes which were expressed in fewer than 3 patients.  Then the algorithm of the data was found.</a:t>
-            </a:r>
-          </a:p>
-          <a:p>
-            <a:r>
-              <a:rPr lang="en-US" sz="2400" dirty="0">
-                <a:latin typeface="+mn-lt"/>
-              </a:rPr>
-              <a:t>The results were not able to be reproduced.  Nor were the fold changes that were described in the data seen.  </a:t>
-            </a:r>
-          </a:p>
-        </p:txBody>
-      </p:sp>
-    </p:spTree>
-    <p:extLst>
-      <p:ext uri="{BB962C8B-B14F-4D97-AF65-F5344CB8AC3E}">
-        <p14:creationId xmlns:p14="http://schemas.microsoft.com/office/powerpoint/2010/main" val="2604410016"/>
-      </p:ext>
-    </p:extLst>
-  </p:cSld>
-  <p:clrMapOvr>
-    <a:masterClrMapping/>
-  </p:clrMapOvr>
-</p:sld>
-</file>
-
-<file path=ppt/slides/slide3.xml><?xml version="1.0" encoding="utf-8"?>
-<p:sld xmlns:a="http://schemas.openxmlformats.org/drawingml/2006/main" xmlns:r="http://schemas.openxmlformats.org/officeDocument/2006/relationships" xmlns:p="http://schemas.openxmlformats.org/presentationml/2006/main">
-  <p:cSld>
-    <p:spTree>
-      <p:nvGrpSpPr>
-        <p:cNvPr id="1" name=""/>
-        <p:cNvGrpSpPr/>
-        <p:nvPr/>
-      </p:nvGrpSpPr>
-      <p:grpSpPr>
-        <a:xfrm>
-          <a:off x="0" y="0"/>
-          <a:ext cx="0" cy="0"/>
-          <a:chOff x="0" y="0"/>
-          <a:chExt cx="0" cy="0"/>
-        </a:xfrm>
-      </p:grpSpPr>
-      <p:sp>
-        <p:nvSpPr>
-          <p:cNvPr id="7" name="Rectangle 6"/>
-          <p:cNvSpPr/>
-          <p:nvPr/>
-        </p:nvSpPr>
-        <p:spPr>
-          <a:xfrm>
-            <a:off x="0" y="0"/>
-            <a:ext cx="12192000" cy="609600"/>
-          </a:xfrm>
-          <a:prstGeom prst="rect">
-            <a:avLst/>
-          </a:prstGeom>
-          <a:solidFill>
-            <a:srgbClr val="000000"/>
-          </a:solidFill>
-          <a:ln>
-            <a:noFill/>
-          </a:ln>
-          <a:effectLst/>
-        </p:spPr>
-        <p:style>
-          <a:lnRef idx="1">
-            <a:schemeClr val="accent1"/>
-          </a:lnRef>
-          <a:fillRef idx="3">
-            <a:schemeClr val="accent1"/>
-          </a:fillRef>
-          <a:effectRef idx="2">
-            <a:schemeClr val="accent1"/>
-          </a:effectRef>
-          <a:fontRef idx="minor">
-            <a:schemeClr val="lt1"/>
-          </a:fontRef>
-        </p:style>
-        <p:txBody>
-          <a:bodyPr anchor="ctr"/>
-          <a:lstStyle/>
-          <a:p>
-            <a:pPr algn="ctr">
-              <a:defRPr/>
-            </a:pPr>
-            <a:endParaRPr lang="en-US" sz="2400" dirty="0">
-              <a:solidFill>
-                <a:schemeClr val="accent2">
-                  <a:lumMod val="40000"/>
-                  <a:lumOff val="60000"/>
-                </a:schemeClr>
-              </a:solidFill>
-            </a:endParaRPr>
-          </a:p>
-        </p:txBody>
-      </p:sp>
-      <p:sp>
-        <p:nvSpPr>
-          <p:cNvPr id="17" name="Rectangle 16"/>
-          <p:cNvSpPr/>
-          <p:nvPr/>
-        </p:nvSpPr>
-        <p:spPr>
-          <a:xfrm>
-            <a:off x="8149390" y="3189129"/>
-            <a:ext cx="5076092" cy="492443"/>
-          </a:xfrm>
-          <a:prstGeom prst="rect">
-            <a:avLst/>
-          </a:prstGeom>
-        </p:spPr>
-        <p:txBody>
-          <a:bodyPr wrap="square">
-            <a:spAutoFit/>
-          </a:bodyPr>
-          <a:lstStyle/>
-          <a:p>
-            <a:pPr>
-              <a:defRPr/>
-            </a:pPr>
-            <a:endParaRPr lang="en-US" sz="1400" dirty="0">
-              <a:solidFill>
-                <a:schemeClr val="tx1">
-                  <a:lumMod val="75000"/>
-                  <a:lumOff val="25000"/>
-                </a:schemeClr>
-              </a:solidFill>
-              <a:cs typeface="Helvetica"/>
-            </a:endParaRPr>
-          </a:p>
-          <a:p>
-            <a:pPr>
-              <a:defRPr/>
-            </a:pPr>
-            <a:endParaRPr lang="en-US" sz="1200" dirty="0">
-              <a:solidFill>
-                <a:schemeClr val="tx1">
-                  <a:lumMod val="75000"/>
-                  <a:lumOff val="25000"/>
-                </a:schemeClr>
-              </a:solidFill>
-              <a:cs typeface="Helvetica"/>
-            </a:endParaRPr>
-          </a:p>
-        </p:txBody>
-      </p:sp>
-      <p:sp>
-        <p:nvSpPr>
-          <p:cNvPr id="49156" name="Rectangle 7"/>
-          <p:cNvSpPr>
-            <a:spLocks noChangeArrowheads="1"/>
-          </p:cNvSpPr>
-          <p:nvPr/>
-        </p:nvSpPr>
-        <p:spPr bwMode="auto">
-          <a:xfrm>
-            <a:off x="406399" y="-6349"/>
-            <a:ext cx="6812085" cy="584775"/>
-          </a:xfrm>
-          <a:prstGeom prst="rect">
-            <a:avLst/>
-          </a:prstGeom>
-          <a:noFill/>
-          <a:ln>
-            <a:noFill/>
-          </a:ln>
-          <a:extLst>
-            <a:ext uri="{909E8E84-426E-40DD-AFC4-6F175D3DCCD1}">
-              <a14:hiddenFill xmlns:a14="http://schemas.microsoft.com/office/drawing/2010/main">
-                <a:solidFill>
-                  <a:srgbClr val="FFFFFF"/>
-                </a:solidFill>
-              </a14:hiddenFill>
-            </a:ext>
-            <a:ext uri="{91240B29-F687-4F45-9708-019B960494DF}">
-              <a14:hiddenLine xmlns:a14="http://schemas.microsoft.com/office/drawing/2010/main" w="9525">
-                <a:solidFill>
-                  <a:srgbClr val="000000"/>
-                </a:solidFill>
-                <a:miter lim="800000"/>
-                <a:headEnd/>
-                <a:tailEnd/>
-              </a14:hiddenLine>
-            </a:ext>
-          </a:extLst>
-        </p:spPr>
-        <p:txBody>
-          <a:bodyPr wrap="square">
-            <a:spAutoFit/>
-          </a:bodyPr>
-          <a:lstStyle>
-            <a:lvl1pPr>
-              <a:defRPr>
-                <a:solidFill>
-                  <a:schemeClr val="tx1"/>
-                </a:solidFill>
-                <a:latin typeface="Calibri" panose="020F0502020204030204" pitchFamily="34" charset="0"/>
-                <a:ea typeface="MS PGothic" panose="020B0600070205080204" pitchFamily="34" charset="-128"/>
-              </a:defRPr>
-            </a:lvl1pPr>
-            <a:lvl2pPr marL="742950" indent="-285750">
-              <a:defRPr>
-                <a:solidFill>
-                  <a:schemeClr val="tx1"/>
-                </a:solidFill>
-                <a:latin typeface="Calibri" panose="020F0502020204030204" pitchFamily="34" charset="0"/>
-                <a:ea typeface="MS PGothic" panose="020B0600070205080204" pitchFamily="34" charset="-128"/>
-              </a:defRPr>
-            </a:lvl2pPr>
-            <a:lvl3pPr marL="1143000" indent="-228600">
-              <a:defRPr>
-                <a:solidFill>
-                  <a:schemeClr val="tx1"/>
-                </a:solidFill>
-                <a:latin typeface="Calibri" panose="020F0502020204030204" pitchFamily="34" charset="0"/>
-                <a:ea typeface="MS PGothic" panose="020B0600070205080204" pitchFamily="34" charset="-128"/>
-              </a:defRPr>
-            </a:lvl3pPr>
-            <a:lvl4pPr marL="1600200" indent="-228600">
-              <a:defRPr>
-                <a:solidFill>
-                  <a:schemeClr val="tx1"/>
-                </a:solidFill>
-                <a:latin typeface="Calibri" panose="020F0502020204030204" pitchFamily="34" charset="0"/>
-                <a:ea typeface="MS PGothic" panose="020B0600070205080204" pitchFamily="34" charset="-128"/>
-              </a:defRPr>
-            </a:lvl4pPr>
-            <a:lvl5pPr marL="2057400" indent="-228600">
-              <a:defRPr>
-                <a:solidFill>
-                  <a:schemeClr val="tx1"/>
-                </a:solidFill>
-                <a:latin typeface="Calibri" panose="020F0502020204030204" pitchFamily="34" charset="0"/>
-                <a:ea typeface="MS PGothic" panose="020B0600070205080204" pitchFamily="34" charset="-128"/>
-              </a:defRPr>
-            </a:lvl5pPr>
-            <a:lvl6pPr marL="2514600" indent="-228600" defTabSz="457200" fontAlgn="base">
-              <a:spcBef>
-                <a:spcPct val="0"/>
-              </a:spcBef>
-              <a:spcAft>
-                <a:spcPct val="0"/>
-              </a:spcAft>
-              <a:defRPr>
-                <a:solidFill>
-                  <a:schemeClr val="tx1"/>
-                </a:solidFill>
-                <a:latin typeface="Calibri" panose="020F0502020204030204" pitchFamily="34" charset="0"/>
-                <a:ea typeface="MS PGothic" panose="020B0600070205080204" pitchFamily="34" charset="-128"/>
-              </a:defRPr>
-            </a:lvl6pPr>
-            <a:lvl7pPr marL="2971800" indent="-228600" defTabSz="457200" fontAlgn="base">
-              <a:spcBef>
-                <a:spcPct val="0"/>
-              </a:spcBef>
-              <a:spcAft>
-                <a:spcPct val="0"/>
-              </a:spcAft>
-              <a:defRPr>
-                <a:solidFill>
-                  <a:schemeClr val="tx1"/>
-                </a:solidFill>
-                <a:latin typeface="Calibri" panose="020F0502020204030204" pitchFamily="34" charset="0"/>
-                <a:ea typeface="MS PGothic" panose="020B0600070205080204" pitchFamily="34" charset="-128"/>
-              </a:defRPr>
-            </a:lvl7pPr>
-            <a:lvl8pPr marL="3429000" indent="-228600" defTabSz="457200" fontAlgn="base">
-              <a:spcBef>
-                <a:spcPct val="0"/>
-              </a:spcBef>
-              <a:spcAft>
-                <a:spcPct val="0"/>
-              </a:spcAft>
-              <a:defRPr>
-                <a:solidFill>
-                  <a:schemeClr val="tx1"/>
-                </a:solidFill>
-                <a:latin typeface="Calibri" panose="020F0502020204030204" pitchFamily="34" charset="0"/>
-                <a:ea typeface="MS PGothic" panose="020B0600070205080204" pitchFamily="34" charset="-128"/>
-              </a:defRPr>
-            </a:lvl8pPr>
-            <a:lvl9pPr marL="3886200" indent="-228600" defTabSz="457200" fontAlgn="base">
-              <a:spcBef>
-                <a:spcPct val="0"/>
-              </a:spcBef>
-              <a:spcAft>
-                <a:spcPct val="0"/>
-              </a:spcAft>
-              <a:defRPr>
-                <a:solidFill>
-                  <a:schemeClr val="tx1"/>
-                </a:solidFill>
-                <a:latin typeface="Calibri" panose="020F0502020204030204" pitchFamily="34" charset="0"/>
-                <a:ea typeface="MS PGothic" panose="020B0600070205080204" pitchFamily="34" charset="-128"/>
-              </a:defRPr>
-            </a:lvl9pPr>
-          </a:lstStyle>
-          <a:p>
-            <a:r>
-              <a:rPr lang="en-US" altLang="en-US" sz="3200" dirty="0">
-                <a:solidFill>
-                  <a:schemeClr val="bg1"/>
-                </a:solidFill>
-              </a:rPr>
-              <a:t>Dimension Reduction and Regulation</a:t>
-            </a:r>
-          </a:p>
-        </p:txBody>
-      </p:sp>
-      <p:sp>
-        <p:nvSpPr>
-          <p:cNvPr id="11" name="Rectangle 10"/>
-          <p:cNvSpPr>
-            <a:spLocks noChangeArrowheads="1"/>
-          </p:cNvSpPr>
-          <p:nvPr/>
-        </p:nvSpPr>
-        <p:spPr bwMode="auto">
-          <a:xfrm>
-            <a:off x="0" y="6248400"/>
-            <a:ext cx="12192000" cy="609600"/>
-          </a:xfrm>
-          <a:prstGeom prst="rect">
-            <a:avLst/>
-          </a:prstGeom>
-          <a:solidFill>
-            <a:srgbClr val="1A2C64"/>
-          </a:solidFill>
-          <a:ln>
-            <a:noFill/>
-          </a:ln>
-          <a:effectLst>
-            <a:outerShdw blurRad="40000" dist="23000" dir="5400000" rotWithShape="0">
-              <a:srgbClr val="808080">
-                <a:alpha val="34999"/>
-              </a:srgbClr>
-            </a:outerShdw>
-          </a:effectLst>
-          <a:extLst>
-            <a:ext uri="{91240B29-F687-4F45-9708-019B960494DF}">
-              <a14:hiddenLine xmlns:a14="http://schemas.microsoft.com/office/drawing/2010/main" w="9525">
-                <a:solidFill>
-                  <a:srgbClr val="000000"/>
-                </a:solidFill>
-                <a:miter lim="800000"/>
-                <a:headEnd/>
-                <a:tailEnd/>
-              </a14:hiddenLine>
-            </a:ext>
-          </a:extLst>
-        </p:spPr>
-        <p:txBody>
-          <a:bodyPr anchor="ctr"/>
-          <a:lstStyle/>
-          <a:p>
-            <a:pPr algn="ctr">
-              <a:defRPr/>
-            </a:pPr>
-            <a:endParaRPr lang="en-US" sz="2400">
-              <a:solidFill>
-                <a:schemeClr val="accent2">
-                  <a:lumMod val="40000"/>
-                  <a:lumOff val="60000"/>
-                </a:schemeClr>
-              </a:solidFill>
-            </a:endParaRPr>
-          </a:p>
-        </p:txBody>
-      </p:sp>
-      <p:pic>
-        <p:nvPicPr>
-          <p:cNvPr id="49159" name="Picture 11"/>
-          <p:cNvPicPr>
-            <a:picLocks noChangeAspect="1"/>
-          </p:cNvPicPr>
-          <p:nvPr/>
-        </p:nvPicPr>
-        <p:blipFill>
-          <a:blip r:embed="rId3" cstate="print">
-            <a:extLst>
-              <a:ext uri="{28A0092B-C50C-407E-A947-70E740481C1C}">
-                <a14:useLocalDpi xmlns:a14="http://schemas.microsoft.com/office/drawing/2010/main" val="0"/>
-              </a:ext>
-            </a:extLst>
-          </a:blip>
-          <a:srcRect/>
-          <a:stretch>
-            <a:fillRect/>
-          </a:stretch>
-        </p:blipFill>
-        <p:spPr bwMode="auto">
-          <a:xfrm>
-            <a:off x="9550401" y="6405034"/>
-            <a:ext cx="2436284" cy="296333"/>
-          </a:xfrm>
-          <a:prstGeom prst="rect">
-            <a:avLst/>
-          </a:prstGeom>
-          <a:noFill/>
-          <a:ln>
-            <a:noFill/>
-          </a:ln>
-          <a:extLst>
-            <a:ext uri="{909E8E84-426E-40DD-AFC4-6F175D3DCCD1}">
-              <a14:hiddenFill xmlns:a14="http://schemas.microsoft.com/office/drawing/2010/main">
-                <a:solidFill>
-                  <a:srgbClr val="FFFFFF"/>
-                </a:solidFill>
-              </a14:hiddenFill>
-            </a:ext>
-            <a:ext uri="{91240B29-F687-4F45-9708-019B960494DF}">
-              <a14:hiddenLine xmlns:a14="http://schemas.microsoft.com/office/drawing/2010/main" w="9525">
-                <a:solidFill>
-                  <a:srgbClr val="000000"/>
-                </a:solidFill>
-                <a:miter lim="800000"/>
-                <a:headEnd/>
-                <a:tailEnd/>
-              </a14:hiddenLine>
-            </a:ext>
-          </a:extLst>
-        </p:spPr>
-      </p:pic>
-      <p:sp>
-        <p:nvSpPr>
-          <p:cNvPr id="49160" name="TextBox 12"/>
-          <p:cNvSpPr txBox="1">
-            <a:spLocks noChangeArrowheads="1"/>
-          </p:cNvSpPr>
-          <p:nvPr/>
-        </p:nvSpPr>
-        <p:spPr bwMode="auto">
-          <a:xfrm>
-            <a:off x="340784" y="6261100"/>
-            <a:ext cx="9042400" cy="454227"/>
-          </a:xfrm>
-          <a:prstGeom prst="rect">
-            <a:avLst/>
-          </a:prstGeom>
-          <a:noFill/>
-          <a:ln>
-            <a:noFill/>
-          </a:ln>
-          <a:extLst>
-            <a:ext uri="{909E8E84-426E-40DD-AFC4-6F175D3DCCD1}">
-              <a14:hiddenFill xmlns:a14="http://schemas.microsoft.com/office/drawing/2010/main">
-                <a:solidFill>
-                  <a:srgbClr val="FFFFFF"/>
-                </a:solidFill>
-              </a14:hiddenFill>
-            </a:ext>
-            <a:ext uri="{91240B29-F687-4F45-9708-019B960494DF}">
-              <a14:hiddenLine xmlns:a14="http://schemas.microsoft.com/office/drawing/2010/main" w="9525">
-                <a:solidFill>
-                  <a:srgbClr val="000000"/>
-                </a:solidFill>
-                <a:miter lim="800000"/>
-                <a:headEnd/>
-                <a:tailEnd/>
-              </a14:hiddenLine>
-            </a:ext>
-          </a:extLst>
-        </p:spPr>
-        <p:txBody>
-          <a:bodyPr>
-            <a:spAutoFit/>
-          </a:bodyPr>
-          <a:lstStyle>
-            <a:lvl1pPr>
-              <a:defRPr>
-                <a:solidFill>
-                  <a:schemeClr val="tx1"/>
-                </a:solidFill>
-                <a:latin typeface="Calibri" panose="020F0502020204030204" pitchFamily="34" charset="0"/>
-                <a:ea typeface="MS PGothic" panose="020B0600070205080204" pitchFamily="34" charset="-128"/>
-              </a:defRPr>
-            </a:lvl1pPr>
-            <a:lvl2pPr marL="742950" indent="-285750">
-              <a:defRPr>
-                <a:solidFill>
-                  <a:schemeClr val="tx1"/>
-                </a:solidFill>
-                <a:latin typeface="Calibri" panose="020F0502020204030204" pitchFamily="34" charset="0"/>
-                <a:ea typeface="MS PGothic" panose="020B0600070205080204" pitchFamily="34" charset="-128"/>
-              </a:defRPr>
-            </a:lvl2pPr>
-            <a:lvl3pPr marL="1143000" indent="-228600">
-              <a:defRPr>
-                <a:solidFill>
-                  <a:schemeClr val="tx1"/>
-                </a:solidFill>
-                <a:latin typeface="Calibri" panose="020F0502020204030204" pitchFamily="34" charset="0"/>
-                <a:ea typeface="MS PGothic" panose="020B0600070205080204" pitchFamily="34" charset="-128"/>
-              </a:defRPr>
-            </a:lvl3pPr>
-            <a:lvl4pPr marL="1600200" indent="-228600">
-              <a:defRPr>
-                <a:solidFill>
-                  <a:schemeClr val="tx1"/>
-                </a:solidFill>
-                <a:latin typeface="Calibri" panose="020F0502020204030204" pitchFamily="34" charset="0"/>
-                <a:ea typeface="MS PGothic" panose="020B0600070205080204" pitchFamily="34" charset="-128"/>
-              </a:defRPr>
-            </a:lvl4pPr>
-            <a:lvl5pPr marL="2057400" indent="-228600">
-              <a:defRPr>
-                <a:solidFill>
-                  <a:schemeClr val="tx1"/>
-                </a:solidFill>
-                <a:latin typeface="Calibri" panose="020F0502020204030204" pitchFamily="34" charset="0"/>
-                <a:ea typeface="MS PGothic" panose="020B0600070205080204" pitchFamily="34" charset="-128"/>
-              </a:defRPr>
-            </a:lvl5pPr>
-            <a:lvl6pPr marL="2514600" indent="-228600" defTabSz="457200" fontAlgn="base">
-              <a:spcBef>
-                <a:spcPct val="0"/>
-              </a:spcBef>
-              <a:spcAft>
-                <a:spcPct val="0"/>
-              </a:spcAft>
-              <a:defRPr>
-                <a:solidFill>
-                  <a:schemeClr val="tx1"/>
-                </a:solidFill>
-                <a:latin typeface="Calibri" panose="020F0502020204030204" pitchFamily="34" charset="0"/>
-                <a:ea typeface="MS PGothic" panose="020B0600070205080204" pitchFamily="34" charset="-128"/>
-              </a:defRPr>
-            </a:lvl6pPr>
-            <a:lvl7pPr marL="2971800" indent="-228600" defTabSz="457200" fontAlgn="base">
-              <a:spcBef>
-                <a:spcPct val="0"/>
-              </a:spcBef>
-              <a:spcAft>
-                <a:spcPct val="0"/>
-              </a:spcAft>
-              <a:defRPr>
-                <a:solidFill>
-                  <a:schemeClr val="tx1"/>
-                </a:solidFill>
-                <a:latin typeface="Calibri" panose="020F0502020204030204" pitchFamily="34" charset="0"/>
-                <a:ea typeface="MS PGothic" panose="020B0600070205080204" pitchFamily="34" charset="-128"/>
-              </a:defRPr>
-            </a:lvl7pPr>
-            <a:lvl8pPr marL="3429000" indent="-228600" defTabSz="457200" fontAlgn="base">
-              <a:spcBef>
-                <a:spcPct val="0"/>
-              </a:spcBef>
-              <a:spcAft>
-                <a:spcPct val="0"/>
-              </a:spcAft>
-              <a:defRPr>
-                <a:solidFill>
-                  <a:schemeClr val="tx1"/>
-                </a:solidFill>
-                <a:latin typeface="Calibri" panose="020F0502020204030204" pitchFamily="34" charset="0"/>
-                <a:ea typeface="MS PGothic" panose="020B0600070205080204" pitchFamily="34" charset="-128"/>
-              </a:defRPr>
-            </a:lvl8pPr>
-            <a:lvl9pPr marL="3886200" indent="-228600" defTabSz="457200" fontAlgn="base">
-              <a:spcBef>
-                <a:spcPct val="0"/>
-              </a:spcBef>
-              <a:spcAft>
-                <a:spcPct val="0"/>
-              </a:spcAft>
-              <a:defRPr>
-                <a:solidFill>
-                  <a:schemeClr val="tx1"/>
-                </a:solidFill>
-                <a:latin typeface="Calibri" panose="020F0502020204030204" pitchFamily="34" charset="0"/>
-                <a:ea typeface="MS PGothic" panose="020B0600070205080204" pitchFamily="34" charset="-128"/>
-              </a:defRPr>
-            </a:lvl9pPr>
-          </a:lstStyle>
-          <a:p>
-            <a:pPr>
-              <a:lnSpc>
-                <a:spcPts val="3200"/>
-              </a:lnSpc>
-            </a:pPr>
-            <a:fld id="{76DDC349-5DFE-463D-B972-F98C51C102DF}" type="slidenum">
-              <a:rPr lang="en-US" altLang="en-US" sz="1600" b="1">
-                <a:solidFill>
-                  <a:schemeClr val="bg1"/>
-                </a:solidFill>
-              </a:rPr>
-              <a:pPr>
-                <a:lnSpc>
-                  <a:spcPts val="3200"/>
-                </a:lnSpc>
-              </a:pPr>
-              <a:t>3</a:t>
-            </a:fld>
-            <a:r>
-              <a:rPr lang="en-US" altLang="en-US" sz="1600" b="1" dirty="0">
-                <a:solidFill>
-                  <a:schemeClr val="bg1"/>
-                </a:solidFill>
-              </a:rPr>
-              <a:t> </a:t>
-            </a:r>
-            <a:r>
-              <a:rPr lang="en-US" altLang="en-US" sz="1600" dirty="0">
-                <a:solidFill>
-                  <a:schemeClr val="bg1"/>
-                </a:solidFill>
-              </a:rPr>
-              <a:t>| </a:t>
-            </a:r>
-            <a:r>
-              <a:rPr lang="en-US" altLang="en-US" sz="1600" i="1" dirty="0">
-                <a:solidFill>
-                  <a:schemeClr val="bg1"/>
-                </a:solidFill>
-              </a:rPr>
-              <a:t>EECS 6690</a:t>
-            </a:r>
-          </a:p>
-        </p:txBody>
-      </p:sp>
-      <p:sp>
-        <p:nvSpPr>
-          <p:cNvPr id="9" name="Rectangle 2">
-            <a:extLst>
-              <a:ext uri="{FF2B5EF4-FFF2-40B4-BE49-F238E27FC236}">
-                <a16:creationId xmlns:a16="http://schemas.microsoft.com/office/drawing/2014/main" id="{5A8BC50E-FED3-41FC-BE09-DF30409AC31A}"/>
-              </a:ext>
-            </a:extLst>
-          </p:cNvPr>
-          <p:cNvSpPr>
-            <a:spLocks noChangeArrowheads="1"/>
-          </p:cNvSpPr>
-          <p:nvPr/>
-        </p:nvSpPr>
-        <p:spPr bwMode="auto">
-          <a:xfrm>
-            <a:off x="1358299" y="582091"/>
-            <a:ext cx="9475402" cy="5693818"/>
-          </a:xfrm>
-          <a:prstGeom prst="rect">
-            <a:avLst/>
-          </a:prstGeom>
-          <a:noFill/>
-          <a:ln>
-            <a:noFill/>
-          </a:ln>
-          <a:effectLst/>
-          <a:extLst>
-            <a:ext uri="{909E8E84-426E-40DD-AFC4-6F175D3DCCD1}">
-              <a14:hiddenFill xmlns:a14="http://schemas.microsoft.com/office/drawing/2010/main">
-                <a:solidFill>
-                  <a:schemeClr val="accent1"/>
-                </a:solidFill>
-              </a14:hiddenFill>
-            </a:ext>
-            <a:ext uri="{91240B29-F687-4F45-9708-019B960494DF}">
-              <a14:hiddenLine xmlns:a14="http://schemas.microsoft.com/office/drawing/2010/main" w="9525">
-                <a:solidFill>
-                  <a:schemeClr val="tx1"/>
-                </a:solidFill>
-                <a:miter lim="800000"/>
-                <a:headEnd/>
-                <a:tailEnd/>
-              </a14:hiddenLine>
-            </a:ext>
-            <a:ext uri="{AF507438-7753-43E0-B8FC-AC1667EBCBE1}">
-              <a14:hiddenEffects xmlns:a14="http://schemas.microsoft.com/office/drawing/2010/main">
-                <a:effectLst>
-                  <a:outerShdw dist="35921" dir="2700000" algn="ctr" rotWithShape="0">
-                    <a:schemeClr val="bg2"/>
-                  </a:outerShdw>
-                </a:effectLst>
-              </a14:hiddenEffects>
-            </a:ext>
-          </a:extLst>
-        </p:spPr>
-        <p:txBody>
-          <a:bodyPr vert="horz" wrap="square" lIns="0" tIns="152352" rIns="0" bIns="0" numCol="1" anchor="ctr" anchorCtr="0" compatLnSpc="1">
-            <a:prstTxWarp prst="textNoShape">
-              <a:avLst/>
-            </a:prstTxWarp>
-            <a:spAutoFit/>
-          </a:bodyPr>
-          <a:lstStyle>
-            <a:lvl1pPr eaLnBrk="0" fontAlgn="base" hangingPunct="0">
-              <a:spcBef>
-                <a:spcPct val="0"/>
-              </a:spcBef>
-              <a:spcAft>
-                <a:spcPct val="0"/>
-              </a:spcAft>
-              <a:defRPr>
-                <a:solidFill>
-                  <a:schemeClr val="tx1"/>
-                </a:solidFill>
-                <a:latin typeface="Arial" panose="020B0604020202020204" pitchFamily="34" charset="0"/>
-              </a:defRPr>
-            </a:lvl1pPr>
-            <a:lvl2pPr eaLnBrk="0" fontAlgn="base" hangingPunct="0">
-              <a:spcBef>
-                <a:spcPct val="0"/>
-              </a:spcBef>
-              <a:spcAft>
-                <a:spcPct val="0"/>
-              </a:spcAft>
-              <a:defRPr>
-                <a:solidFill>
-                  <a:schemeClr val="tx1"/>
-                </a:solidFill>
-                <a:latin typeface="Arial" panose="020B0604020202020204" pitchFamily="34" charset="0"/>
-              </a:defRPr>
-            </a:lvl2pPr>
-            <a:lvl3pPr eaLnBrk="0" fontAlgn="base" hangingPunct="0">
-              <a:spcBef>
-                <a:spcPct val="0"/>
-              </a:spcBef>
-              <a:spcAft>
-                <a:spcPct val="0"/>
-              </a:spcAft>
-              <a:defRPr>
-                <a:solidFill>
-                  <a:schemeClr val="tx1"/>
-                </a:solidFill>
-                <a:latin typeface="Arial" panose="020B0604020202020204" pitchFamily="34" charset="0"/>
-              </a:defRPr>
-            </a:lvl3pPr>
-            <a:lvl4pPr eaLnBrk="0" fontAlgn="base" hangingPunct="0">
-              <a:spcBef>
-                <a:spcPct val="0"/>
-              </a:spcBef>
-              <a:spcAft>
-                <a:spcPct val="0"/>
-              </a:spcAft>
-              <a:defRPr>
-                <a:solidFill>
-                  <a:schemeClr val="tx1"/>
-                </a:solidFill>
-                <a:latin typeface="Arial" panose="020B0604020202020204" pitchFamily="34" charset="0"/>
-              </a:defRPr>
-            </a:lvl4pPr>
-            <a:lvl5pPr eaLnBrk="0" fontAlgn="base" hangingPunct="0">
-              <a:spcBef>
-                <a:spcPct val="0"/>
-              </a:spcBef>
-              <a:spcAft>
-                <a:spcPct val="0"/>
-              </a:spcAft>
-              <a:defRPr>
-                <a:solidFill>
-                  <a:schemeClr val="tx1"/>
-                </a:solidFill>
-                <a:latin typeface="Arial" panose="020B0604020202020204" pitchFamily="34" charset="0"/>
-              </a:defRPr>
-            </a:lvl5pPr>
-            <a:lvl6pPr eaLnBrk="0" fontAlgn="base" hangingPunct="0">
-              <a:spcBef>
-                <a:spcPct val="0"/>
-              </a:spcBef>
-              <a:spcAft>
-                <a:spcPct val="0"/>
-              </a:spcAft>
-              <a:defRPr>
-                <a:solidFill>
-                  <a:schemeClr val="tx1"/>
-                </a:solidFill>
-                <a:latin typeface="Arial" panose="020B0604020202020204" pitchFamily="34" charset="0"/>
-              </a:defRPr>
-            </a:lvl6pPr>
-            <a:lvl7pPr eaLnBrk="0" fontAlgn="base" hangingPunct="0">
-              <a:spcBef>
-                <a:spcPct val="0"/>
-              </a:spcBef>
-              <a:spcAft>
-                <a:spcPct val="0"/>
-              </a:spcAft>
-              <a:defRPr>
-                <a:solidFill>
-                  <a:schemeClr val="tx1"/>
-                </a:solidFill>
-                <a:latin typeface="Arial" panose="020B0604020202020204" pitchFamily="34" charset="0"/>
-              </a:defRPr>
-            </a:lvl7pPr>
-            <a:lvl8pPr eaLnBrk="0" fontAlgn="base" hangingPunct="0">
-              <a:spcBef>
-                <a:spcPct val="0"/>
-              </a:spcBef>
-              <a:spcAft>
-                <a:spcPct val="0"/>
-              </a:spcAft>
-              <a:defRPr>
-                <a:solidFill>
-                  <a:schemeClr val="tx1"/>
-                </a:solidFill>
-                <a:latin typeface="Arial" panose="020B0604020202020204" pitchFamily="34" charset="0"/>
-              </a:defRPr>
-            </a:lvl8pPr>
-            <a:lvl9pPr eaLnBrk="0" fontAlgn="base" hangingPunct="0">
-              <a:spcBef>
-                <a:spcPct val="0"/>
-              </a:spcBef>
-              <a:spcAft>
-                <a:spcPct val="0"/>
-              </a:spcAft>
-              <a:defRPr>
-                <a:solidFill>
-                  <a:schemeClr val="tx1"/>
-                </a:solidFill>
-                <a:latin typeface="Arial" panose="020B0604020202020204" pitchFamily="34" charset="0"/>
-              </a:defRPr>
-            </a:lvl9pPr>
-          </a:lstStyle>
-          <a:p>
-            <a:r>
-              <a:rPr lang="en-US" sz="2400" dirty="0">
-                <a:latin typeface="+mn-lt"/>
-              </a:rPr>
-              <a:t>High Dimensional Model:</a:t>
-            </a:r>
-          </a:p>
-          <a:p>
-            <a:pPr marL="800100" lvl="1" indent="-342900">
-              <a:buFont typeface="Arial" panose="020B0604020202020204" pitchFamily="34" charset="0"/>
-              <a:buChar char="•"/>
-            </a:pPr>
-            <a:r>
-              <a:rPr lang="en-US" sz="2400" dirty="0">
-                <a:latin typeface="+mn-lt"/>
-              </a:rPr>
-              <a:t>Patients (N) = 24, Genes (P) = 47222, P is three orders of magnitude larger than N</a:t>
-            </a:r>
-          </a:p>
-          <a:p>
-            <a:pPr marL="800100" lvl="1" indent="-342900">
-              <a:buFont typeface="Arial" panose="020B0604020202020204" pitchFamily="34" charset="0"/>
-              <a:buChar char="•"/>
-            </a:pPr>
-            <a:r>
-              <a:rPr lang="en-US" sz="2400" dirty="0">
-                <a:latin typeface="+mn-lt"/>
-              </a:rPr>
-              <a:t>Can’t use standard regression techniques when p &gt;&gt; N</a:t>
-            </a:r>
-          </a:p>
-          <a:p>
-            <a:r>
-              <a:rPr lang="en-US" sz="2400" dirty="0">
-                <a:latin typeface="+mn-lt"/>
-              </a:rPr>
-              <a:t>“Gene Modules”</a:t>
-            </a:r>
-          </a:p>
-          <a:p>
-            <a:pPr marL="800100" lvl="1" indent="-342900">
-              <a:buFont typeface="Arial" panose="020B0604020202020204" pitchFamily="34" charset="0"/>
-              <a:buChar char="•"/>
-            </a:pPr>
-            <a:r>
-              <a:rPr lang="en-US" sz="2400" dirty="0">
-                <a:latin typeface="+mn-lt"/>
-              </a:rPr>
-              <a:t>Many genes are expressed in groups</a:t>
-            </a:r>
-          </a:p>
-          <a:p>
-            <a:pPr marL="800100" lvl="1" indent="-342900">
-              <a:buFont typeface="Arial" panose="020B0604020202020204" pitchFamily="34" charset="0"/>
-              <a:buChar char="•"/>
-            </a:pPr>
-            <a:r>
-              <a:rPr lang="en-US" sz="2400" dirty="0">
-                <a:latin typeface="+mn-lt"/>
-              </a:rPr>
-              <a:t>These groups of genes are not independent</a:t>
-            </a:r>
-          </a:p>
-          <a:p>
-            <a:r>
-              <a:rPr lang="en-US" sz="2400" dirty="0">
-                <a:latin typeface="+mn-lt"/>
-              </a:rPr>
-              <a:t>Feature reduction or shrinkage methods may be employed to reduce the model dimension</a:t>
-            </a:r>
-          </a:p>
-          <a:p>
-            <a:r>
-              <a:rPr lang="en-US" sz="2400" dirty="0">
-                <a:latin typeface="+mn-lt"/>
-              </a:rPr>
-              <a:t>Compare the features present in the reduced models to those identified in the paper as significantly up or down regulated in Psoriasis Patients</a:t>
-            </a:r>
-          </a:p>
-          <a:p>
-            <a:pPr marL="800100" lvl="1" indent="-342900">
-              <a:buFont typeface="Arial" panose="020B0604020202020204" pitchFamily="34" charset="0"/>
-              <a:buChar char="•"/>
-            </a:pPr>
-            <a:r>
-              <a:rPr lang="en-US" sz="2400" dirty="0">
-                <a:latin typeface="+mn-lt"/>
-              </a:rPr>
-              <a:t>SPATS2L</a:t>
-            </a:r>
-          </a:p>
-          <a:p>
-            <a:pPr marL="800100" lvl="1" indent="-342900">
-              <a:buFont typeface="Arial" panose="020B0604020202020204" pitchFamily="34" charset="0"/>
-              <a:buChar char="•"/>
-            </a:pPr>
-            <a:r>
-              <a:rPr lang="en-US" sz="2400" dirty="0">
-                <a:latin typeface="+mn-lt"/>
-              </a:rPr>
-              <a:t>KLF6</a:t>
-            </a:r>
-          </a:p>
-          <a:p>
-            <a:pPr marL="800100" lvl="1" indent="-342900">
-              <a:buFont typeface="Arial" panose="020B0604020202020204" pitchFamily="34" charset="0"/>
-              <a:buChar char="•"/>
-            </a:pPr>
-            <a:r>
-              <a:rPr lang="en-US" sz="2400" dirty="0">
-                <a:latin typeface="+mn-lt"/>
-              </a:rPr>
-              <a:t>SP140</a:t>
-            </a:r>
-          </a:p>
-          <a:p>
-            <a:pPr marL="800100" lvl="1" indent="-342900">
-              <a:buFont typeface="Arial" panose="020B0604020202020204" pitchFamily="34" charset="0"/>
-              <a:buChar char="•"/>
-            </a:pPr>
-            <a:r>
-              <a:rPr lang="en-US" sz="2400" dirty="0">
-                <a:latin typeface="+mn-lt"/>
-              </a:rPr>
-              <a:t>RORA</a:t>
-            </a:r>
-          </a:p>
-        </p:txBody>
-      </p:sp>
-    </p:spTree>
-    <p:extLst>
-      <p:ext uri="{BB962C8B-B14F-4D97-AF65-F5344CB8AC3E}">
-        <p14:creationId xmlns:p14="http://schemas.microsoft.com/office/powerpoint/2010/main" val="1906663589"/>
-      </p:ext>
-    </p:extLst>
-  </p:cSld>
-  <p:clrMapOvr>
-    <a:masterClrMapping/>
-  </p:clrMapOvr>
-</p:sld>
-</file>
-
-<file path=ppt/slides/slide4.xml><?xml version="1.0" encoding="utf-8"?>
-<p:sld xmlns:a="http://schemas.openxmlformats.org/drawingml/2006/main" xmlns:r="http://schemas.openxmlformats.org/officeDocument/2006/relationships" xmlns:p="http://schemas.openxmlformats.org/presentationml/2006/main">
-  <p:cSld>
-    <p:spTree>
-      <p:nvGrpSpPr>
-        <p:cNvPr id="1" name=""/>
-        <p:cNvGrpSpPr/>
-        <p:nvPr/>
-      </p:nvGrpSpPr>
-      <p:grpSpPr>
-        <a:xfrm>
-          <a:off x="0" y="0"/>
-          <a:ext cx="0" cy="0"/>
-          <a:chOff x="0" y="0"/>
-          <a:chExt cx="0" cy="0"/>
-        </a:xfrm>
-      </p:grpSpPr>
-      <p:sp>
-        <p:nvSpPr>
-          <p:cNvPr id="7" name="Rectangle 6"/>
-          <p:cNvSpPr/>
-          <p:nvPr/>
-        </p:nvSpPr>
-        <p:spPr>
-          <a:xfrm>
-            <a:off x="0" y="0"/>
-            <a:ext cx="12192000" cy="609600"/>
-          </a:xfrm>
-          <a:prstGeom prst="rect">
-            <a:avLst/>
-          </a:prstGeom>
-          <a:solidFill>
-            <a:srgbClr val="000000"/>
-          </a:solidFill>
-          <a:ln>
-            <a:noFill/>
-          </a:ln>
-          <a:effectLst/>
-        </p:spPr>
-        <p:style>
-          <a:lnRef idx="1">
-            <a:schemeClr val="accent1"/>
-          </a:lnRef>
-          <a:fillRef idx="3">
-            <a:schemeClr val="accent1"/>
-          </a:fillRef>
-          <a:effectRef idx="2">
-            <a:schemeClr val="accent1"/>
-          </a:effectRef>
-          <a:fontRef idx="minor">
-            <a:schemeClr val="lt1"/>
-          </a:fontRef>
-        </p:style>
-        <p:txBody>
-          <a:bodyPr anchor="ctr"/>
-          <a:lstStyle/>
-          <a:p>
-            <a:pPr algn="ctr">
-              <a:defRPr/>
-            </a:pPr>
-            <a:endParaRPr lang="en-US" sz="2400" dirty="0">
-              <a:solidFill>
-                <a:schemeClr val="accent2">
-                  <a:lumMod val="40000"/>
-                  <a:lumOff val="60000"/>
-                </a:schemeClr>
-              </a:solidFill>
-            </a:endParaRPr>
-          </a:p>
-        </p:txBody>
-      </p:sp>
-      <p:sp>
-        <p:nvSpPr>
-          <p:cNvPr id="17" name="Rectangle 16"/>
-          <p:cNvSpPr/>
-          <p:nvPr/>
-        </p:nvSpPr>
-        <p:spPr>
-          <a:xfrm>
-            <a:off x="8149390" y="3189129"/>
-            <a:ext cx="5076092" cy="492443"/>
-          </a:xfrm>
-          <a:prstGeom prst="rect">
-            <a:avLst/>
-          </a:prstGeom>
-        </p:spPr>
-        <p:txBody>
-          <a:bodyPr wrap="square">
-            <a:spAutoFit/>
-          </a:bodyPr>
-          <a:lstStyle/>
-          <a:p>
-            <a:pPr>
-              <a:defRPr/>
-            </a:pPr>
-            <a:endParaRPr lang="en-US" sz="1400" dirty="0">
-              <a:solidFill>
-                <a:schemeClr val="tx1">
-                  <a:lumMod val="75000"/>
-                  <a:lumOff val="25000"/>
-                </a:schemeClr>
-              </a:solidFill>
-              <a:cs typeface="Helvetica"/>
-            </a:endParaRPr>
-          </a:p>
-          <a:p>
-            <a:pPr>
-              <a:defRPr/>
-            </a:pPr>
-            <a:endParaRPr lang="en-US" sz="1200" dirty="0">
-              <a:solidFill>
-                <a:schemeClr val="tx1">
-                  <a:lumMod val="75000"/>
-                  <a:lumOff val="25000"/>
-                </a:schemeClr>
-              </a:solidFill>
-              <a:cs typeface="Helvetica"/>
-            </a:endParaRPr>
-          </a:p>
-        </p:txBody>
-      </p:sp>
-      <p:sp>
-        <p:nvSpPr>
-          <p:cNvPr id="49156" name="Rectangle 7"/>
-          <p:cNvSpPr>
-            <a:spLocks noChangeArrowheads="1"/>
-          </p:cNvSpPr>
-          <p:nvPr/>
-        </p:nvSpPr>
-        <p:spPr bwMode="auto">
-          <a:xfrm>
-            <a:off x="406399" y="-6349"/>
-            <a:ext cx="6812085" cy="584775"/>
-          </a:xfrm>
-          <a:prstGeom prst="rect">
-            <a:avLst/>
-          </a:prstGeom>
-          <a:noFill/>
-          <a:ln>
-            <a:noFill/>
-          </a:ln>
-          <a:extLst>
-            <a:ext uri="{909E8E84-426E-40DD-AFC4-6F175D3DCCD1}">
-              <a14:hiddenFill xmlns:a14="http://schemas.microsoft.com/office/drawing/2010/main">
-                <a:solidFill>
-                  <a:srgbClr val="FFFFFF"/>
-                </a:solidFill>
-              </a14:hiddenFill>
-            </a:ext>
-            <a:ext uri="{91240B29-F687-4F45-9708-019B960494DF}">
-              <a14:hiddenLine xmlns:a14="http://schemas.microsoft.com/office/drawing/2010/main" w="9525">
-                <a:solidFill>
-                  <a:srgbClr val="000000"/>
-                </a:solidFill>
-                <a:miter lim="800000"/>
-                <a:headEnd/>
-                <a:tailEnd/>
-              </a14:hiddenLine>
-            </a:ext>
-          </a:extLst>
-        </p:spPr>
-        <p:txBody>
-          <a:bodyPr wrap="square">
-            <a:spAutoFit/>
-          </a:bodyPr>
-          <a:lstStyle>
-            <a:lvl1pPr>
-              <a:defRPr>
-                <a:solidFill>
-                  <a:schemeClr val="tx1"/>
-                </a:solidFill>
-                <a:latin typeface="Calibri" panose="020F0502020204030204" pitchFamily="34" charset="0"/>
-                <a:ea typeface="MS PGothic" panose="020B0600070205080204" pitchFamily="34" charset="-128"/>
-              </a:defRPr>
-            </a:lvl1pPr>
-            <a:lvl2pPr marL="742950" indent="-285750">
-              <a:defRPr>
-                <a:solidFill>
-                  <a:schemeClr val="tx1"/>
-                </a:solidFill>
-                <a:latin typeface="Calibri" panose="020F0502020204030204" pitchFamily="34" charset="0"/>
-                <a:ea typeface="MS PGothic" panose="020B0600070205080204" pitchFamily="34" charset="-128"/>
-              </a:defRPr>
-            </a:lvl2pPr>
-            <a:lvl3pPr marL="1143000" indent="-228600">
-              <a:defRPr>
-                <a:solidFill>
-                  <a:schemeClr val="tx1"/>
-                </a:solidFill>
-                <a:latin typeface="Calibri" panose="020F0502020204030204" pitchFamily="34" charset="0"/>
-                <a:ea typeface="MS PGothic" panose="020B0600070205080204" pitchFamily="34" charset="-128"/>
-              </a:defRPr>
-            </a:lvl3pPr>
-            <a:lvl4pPr marL="1600200" indent="-228600">
-              <a:defRPr>
-                <a:solidFill>
-                  <a:schemeClr val="tx1"/>
-                </a:solidFill>
-                <a:latin typeface="Calibri" panose="020F0502020204030204" pitchFamily="34" charset="0"/>
-                <a:ea typeface="MS PGothic" panose="020B0600070205080204" pitchFamily="34" charset="-128"/>
-              </a:defRPr>
-            </a:lvl4pPr>
-            <a:lvl5pPr marL="2057400" indent="-228600">
-              <a:defRPr>
-                <a:solidFill>
-                  <a:schemeClr val="tx1"/>
-                </a:solidFill>
-                <a:latin typeface="Calibri" panose="020F0502020204030204" pitchFamily="34" charset="0"/>
-                <a:ea typeface="MS PGothic" panose="020B0600070205080204" pitchFamily="34" charset="-128"/>
-              </a:defRPr>
-            </a:lvl5pPr>
-            <a:lvl6pPr marL="2514600" indent="-228600" defTabSz="457200" fontAlgn="base">
-              <a:spcBef>
-                <a:spcPct val="0"/>
-              </a:spcBef>
-              <a:spcAft>
-                <a:spcPct val="0"/>
-              </a:spcAft>
-              <a:defRPr>
-                <a:solidFill>
-                  <a:schemeClr val="tx1"/>
-                </a:solidFill>
-                <a:latin typeface="Calibri" panose="020F0502020204030204" pitchFamily="34" charset="0"/>
-                <a:ea typeface="MS PGothic" panose="020B0600070205080204" pitchFamily="34" charset="-128"/>
-              </a:defRPr>
-            </a:lvl6pPr>
-            <a:lvl7pPr marL="2971800" indent="-228600" defTabSz="457200" fontAlgn="base">
-              <a:spcBef>
-                <a:spcPct val="0"/>
-              </a:spcBef>
-              <a:spcAft>
-                <a:spcPct val="0"/>
-              </a:spcAft>
-              <a:defRPr>
-                <a:solidFill>
-                  <a:schemeClr val="tx1"/>
-                </a:solidFill>
-                <a:latin typeface="Calibri" panose="020F0502020204030204" pitchFamily="34" charset="0"/>
-                <a:ea typeface="MS PGothic" panose="020B0600070205080204" pitchFamily="34" charset="-128"/>
-              </a:defRPr>
-            </a:lvl7pPr>
-            <a:lvl8pPr marL="3429000" indent="-228600" defTabSz="457200" fontAlgn="base">
-              <a:spcBef>
-                <a:spcPct val="0"/>
-              </a:spcBef>
-              <a:spcAft>
-                <a:spcPct val="0"/>
-              </a:spcAft>
-              <a:defRPr>
-                <a:solidFill>
-                  <a:schemeClr val="tx1"/>
-                </a:solidFill>
-                <a:latin typeface="Calibri" panose="020F0502020204030204" pitchFamily="34" charset="0"/>
-                <a:ea typeface="MS PGothic" panose="020B0600070205080204" pitchFamily="34" charset="-128"/>
-              </a:defRPr>
-            </a:lvl8pPr>
-            <a:lvl9pPr marL="3886200" indent="-228600" defTabSz="457200" fontAlgn="base">
-              <a:spcBef>
-                <a:spcPct val="0"/>
-              </a:spcBef>
-              <a:spcAft>
-                <a:spcPct val="0"/>
-              </a:spcAft>
-              <a:defRPr>
-                <a:solidFill>
-                  <a:schemeClr val="tx1"/>
-                </a:solidFill>
-                <a:latin typeface="Calibri" panose="020F0502020204030204" pitchFamily="34" charset="0"/>
-                <a:ea typeface="MS PGothic" panose="020B0600070205080204" pitchFamily="34" charset="-128"/>
-              </a:defRPr>
-            </a:lvl9pPr>
-          </a:lstStyle>
-          <a:p>
-            <a:r>
-              <a:rPr lang="en-US" altLang="en-US" sz="3200" dirty="0">
-                <a:solidFill>
-                  <a:schemeClr val="bg1"/>
-                </a:solidFill>
-              </a:rPr>
-              <a:t>Subset Methods</a:t>
-            </a:r>
-          </a:p>
-        </p:txBody>
-      </p:sp>
-      <p:sp>
-        <p:nvSpPr>
-          <p:cNvPr id="11" name="Rectangle 10"/>
-          <p:cNvSpPr>
-            <a:spLocks noChangeArrowheads="1"/>
-          </p:cNvSpPr>
-          <p:nvPr/>
-        </p:nvSpPr>
-        <p:spPr bwMode="auto">
-          <a:xfrm>
-            <a:off x="0" y="6248400"/>
-            <a:ext cx="12192000" cy="609600"/>
-          </a:xfrm>
-          <a:prstGeom prst="rect">
-            <a:avLst/>
-          </a:prstGeom>
-          <a:solidFill>
-            <a:srgbClr val="1A2C64"/>
-          </a:solidFill>
-          <a:ln>
-            <a:noFill/>
-          </a:ln>
-          <a:effectLst>
-            <a:outerShdw blurRad="40000" dist="23000" dir="5400000" rotWithShape="0">
-              <a:srgbClr val="808080">
-                <a:alpha val="34999"/>
-              </a:srgbClr>
-            </a:outerShdw>
-          </a:effectLst>
-          <a:extLst>
-            <a:ext uri="{91240B29-F687-4F45-9708-019B960494DF}">
-              <a14:hiddenLine xmlns:a14="http://schemas.microsoft.com/office/drawing/2010/main" w="9525">
-                <a:solidFill>
-                  <a:srgbClr val="000000"/>
-                </a:solidFill>
-                <a:miter lim="800000"/>
-                <a:headEnd/>
-                <a:tailEnd/>
-              </a14:hiddenLine>
-            </a:ext>
-          </a:extLst>
-        </p:spPr>
-        <p:txBody>
-          <a:bodyPr anchor="ctr"/>
-          <a:lstStyle/>
-          <a:p>
-            <a:pPr algn="ctr">
-              <a:defRPr/>
-            </a:pPr>
-            <a:endParaRPr lang="en-US" sz="2400">
-              <a:solidFill>
-                <a:schemeClr val="accent2">
-                  <a:lumMod val="40000"/>
-                  <a:lumOff val="60000"/>
-                </a:schemeClr>
-              </a:solidFill>
-            </a:endParaRPr>
-          </a:p>
-        </p:txBody>
-      </p:sp>
-      <p:pic>
-        <p:nvPicPr>
-          <p:cNvPr id="49159" name="Picture 11"/>
-          <p:cNvPicPr>
-            <a:picLocks noChangeAspect="1"/>
-          </p:cNvPicPr>
-          <p:nvPr/>
-        </p:nvPicPr>
-        <p:blipFill>
-          <a:blip r:embed="rId3" cstate="print">
-            <a:extLst>
-              <a:ext uri="{28A0092B-C50C-407E-A947-70E740481C1C}">
-                <a14:useLocalDpi xmlns:a14="http://schemas.microsoft.com/office/drawing/2010/main" val="0"/>
-              </a:ext>
-            </a:extLst>
-          </a:blip>
-          <a:srcRect/>
-          <a:stretch>
-            <a:fillRect/>
-          </a:stretch>
-        </p:blipFill>
-        <p:spPr bwMode="auto">
-          <a:xfrm>
-            <a:off x="9550401" y="6405034"/>
-            <a:ext cx="2436284" cy="296333"/>
-          </a:xfrm>
-          <a:prstGeom prst="rect">
-            <a:avLst/>
-          </a:prstGeom>
-          <a:noFill/>
-          <a:ln>
-            <a:noFill/>
-          </a:ln>
-          <a:extLst>
-            <a:ext uri="{909E8E84-426E-40DD-AFC4-6F175D3DCCD1}">
-              <a14:hiddenFill xmlns:a14="http://schemas.microsoft.com/office/drawing/2010/main">
-                <a:solidFill>
-                  <a:srgbClr val="FFFFFF"/>
-                </a:solidFill>
-              </a14:hiddenFill>
-            </a:ext>
-            <a:ext uri="{91240B29-F687-4F45-9708-019B960494DF}">
-              <a14:hiddenLine xmlns:a14="http://schemas.microsoft.com/office/drawing/2010/main" w="9525">
-                <a:solidFill>
-                  <a:srgbClr val="000000"/>
-                </a:solidFill>
-                <a:miter lim="800000"/>
-                <a:headEnd/>
-                <a:tailEnd/>
-              </a14:hiddenLine>
-            </a:ext>
-          </a:extLst>
-        </p:spPr>
-      </p:pic>
-      <p:sp>
-        <p:nvSpPr>
-          <p:cNvPr id="49160" name="TextBox 12"/>
-          <p:cNvSpPr txBox="1">
-            <a:spLocks noChangeArrowheads="1"/>
-          </p:cNvSpPr>
-          <p:nvPr/>
-        </p:nvSpPr>
-        <p:spPr bwMode="auto">
-          <a:xfrm>
-            <a:off x="340784" y="6261100"/>
-            <a:ext cx="9042400" cy="454227"/>
-          </a:xfrm>
-          <a:prstGeom prst="rect">
-            <a:avLst/>
-          </a:prstGeom>
-          <a:noFill/>
-          <a:ln>
-            <a:noFill/>
-          </a:ln>
-          <a:extLst>
-            <a:ext uri="{909E8E84-426E-40DD-AFC4-6F175D3DCCD1}">
-              <a14:hiddenFill xmlns:a14="http://schemas.microsoft.com/office/drawing/2010/main">
-                <a:solidFill>
-                  <a:srgbClr val="FFFFFF"/>
-                </a:solidFill>
-              </a14:hiddenFill>
-            </a:ext>
-            <a:ext uri="{91240B29-F687-4F45-9708-019B960494DF}">
-              <a14:hiddenLine xmlns:a14="http://schemas.microsoft.com/office/drawing/2010/main" w="9525">
-                <a:solidFill>
-                  <a:srgbClr val="000000"/>
-                </a:solidFill>
-                <a:miter lim="800000"/>
-                <a:headEnd/>
-                <a:tailEnd/>
-              </a14:hiddenLine>
-            </a:ext>
-          </a:extLst>
-        </p:spPr>
-        <p:txBody>
-          <a:bodyPr>
-            <a:spAutoFit/>
-          </a:bodyPr>
-          <a:lstStyle>
-            <a:lvl1pPr>
-              <a:defRPr>
-                <a:solidFill>
-                  <a:schemeClr val="tx1"/>
-                </a:solidFill>
-                <a:latin typeface="Calibri" panose="020F0502020204030204" pitchFamily="34" charset="0"/>
-                <a:ea typeface="MS PGothic" panose="020B0600070205080204" pitchFamily="34" charset="-128"/>
-              </a:defRPr>
-            </a:lvl1pPr>
-            <a:lvl2pPr marL="742950" indent="-285750">
-              <a:defRPr>
-                <a:solidFill>
-                  <a:schemeClr val="tx1"/>
-                </a:solidFill>
-                <a:latin typeface="Calibri" panose="020F0502020204030204" pitchFamily="34" charset="0"/>
-                <a:ea typeface="MS PGothic" panose="020B0600070205080204" pitchFamily="34" charset="-128"/>
-              </a:defRPr>
-            </a:lvl2pPr>
-            <a:lvl3pPr marL="1143000" indent="-228600">
-              <a:defRPr>
-                <a:solidFill>
-                  <a:schemeClr val="tx1"/>
-                </a:solidFill>
-                <a:latin typeface="Calibri" panose="020F0502020204030204" pitchFamily="34" charset="0"/>
-                <a:ea typeface="MS PGothic" panose="020B0600070205080204" pitchFamily="34" charset="-128"/>
-              </a:defRPr>
-            </a:lvl3pPr>
-            <a:lvl4pPr marL="1600200" indent="-228600">
-              <a:defRPr>
-                <a:solidFill>
-                  <a:schemeClr val="tx1"/>
-                </a:solidFill>
-                <a:latin typeface="Calibri" panose="020F0502020204030204" pitchFamily="34" charset="0"/>
-                <a:ea typeface="MS PGothic" panose="020B0600070205080204" pitchFamily="34" charset="-128"/>
-              </a:defRPr>
-            </a:lvl4pPr>
-            <a:lvl5pPr marL="2057400" indent="-228600">
-              <a:defRPr>
-                <a:solidFill>
-                  <a:schemeClr val="tx1"/>
-                </a:solidFill>
-                <a:latin typeface="Calibri" panose="020F0502020204030204" pitchFamily="34" charset="0"/>
-                <a:ea typeface="MS PGothic" panose="020B0600070205080204" pitchFamily="34" charset="-128"/>
-              </a:defRPr>
-            </a:lvl5pPr>
-            <a:lvl6pPr marL="2514600" indent="-228600" defTabSz="457200" fontAlgn="base">
-              <a:spcBef>
-                <a:spcPct val="0"/>
-              </a:spcBef>
-              <a:spcAft>
-                <a:spcPct val="0"/>
-              </a:spcAft>
-              <a:defRPr>
-                <a:solidFill>
-                  <a:schemeClr val="tx1"/>
-                </a:solidFill>
-                <a:latin typeface="Calibri" panose="020F0502020204030204" pitchFamily="34" charset="0"/>
-                <a:ea typeface="MS PGothic" panose="020B0600070205080204" pitchFamily="34" charset="-128"/>
-              </a:defRPr>
-            </a:lvl6pPr>
-            <a:lvl7pPr marL="2971800" indent="-228600" defTabSz="457200" fontAlgn="base">
-              <a:spcBef>
-                <a:spcPct val="0"/>
-              </a:spcBef>
-              <a:spcAft>
-                <a:spcPct val="0"/>
-              </a:spcAft>
-              <a:defRPr>
-                <a:solidFill>
-                  <a:schemeClr val="tx1"/>
-                </a:solidFill>
-                <a:latin typeface="Calibri" panose="020F0502020204030204" pitchFamily="34" charset="0"/>
-                <a:ea typeface="MS PGothic" panose="020B0600070205080204" pitchFamily="34" charset="-128"/>
-              </a:defRPr>
-            </a:lvl7pPr>
-            <a:lvl8pPr marL="3429000" indent="-228600" defTabSz="457200" fontAlgn="base">
-              <a:spcBef>
-                <a:spcPct val="0"/>
-              </a:spcBef>
-              <a:spcAft>
-                <a:spcPct val="0"/>
-              </a:spcAft>
-              <a:defRPr>
-                <a:solidFill>
-                  <a:schemeClr val="tx1"/>
-                </a:solidFill>
-                <a:latin typeface="Calibri" panose="020F0502020204030204" pitchFamily="34" charset="0"/>
-                <a:ea typeface="MS PGothic" panose="020B0600070205080204" pitchFamily="34" charset="-128"/>
-              </a:defRPr>
-            </a:lvl8pPr>
-            <a:lvl9pPr marL="3886200" indent="-228600" defTabSz="457200" fontAlgn="base">
-              <a:spcBef>
-                <a:spcPct val="0"/>
-              </a:spcBef>
-              <a:spcAft>
-                <a:spcPct val="0"/>
-              </a:spcAft>
-              <a:defRPr>
-                <a:solidFill>
-                  <a:schemeClr val="tx1"/>
-                </a:solidFill>
-                <a:latin typeface="Calibri" panose="020F0502020204030204" pitchFamily="34" charset="0"/>
-                <a:ea typeface="MS PGothic" panose="020B0600070205080204" pitchFamily="34" charset="-128"/>
-              </a:defRPr>
-            </a:lvl9pPr>
-          </a:lstStyle>
-          <a:p>
-            <a:pPr>
-              <a:lnSpc>
-                <a:spcPts val="3200"/>
-              </a:lnSpc>
-            </a:pPr>
-            <a:fld id="{76DDC349-5DFE-463D-B972-F98C51C102DF}" type="slidenum">
-              <a:rPr lang="en-US" altLang="en-US" sz="1600" b="1">
-                <a:solidFill>
-                  <a:schemeClr val="bg1"/>
-                </a:solidFill>
-              </a:rPr>
-              <a:pPr>
-                <a:lnSpc>
-                  <a:spcPts val="3200"/>
-                </a:lnSpc>
-              </a:pPr>
-              <a:t>4</a:t>
-            </a:fld>
-            <a:r>
-              <a:rPr lang="en-US" altLang="en-US" sz="1600" b="1" dirty="0">
-                <a:solidFill>
-                  <a:schemeClr val="bg1"/>
-                </a:solidFill>
-              </a:rPr>
-              <a:t> </a:t>
-            </a:r>
-            <a:r>
-              <a:rPr lang="en-US" altLang="en-US" sz="1600" dirty="0">
-                <a:solidFill>
-                  <a:schemeClr val="bg1"/>
-                </a:solidFill>
-              </a:rPr>
-              <a:t>| </a:t>
-            </a:r>
-            <a:r>
-              <a:rPr lang="en-US" altLang="en-US" sz="1600" i="1" dirty="0">
-                <a:solidFill>
-                  <a:schemeClr val="bg1"/>
-                </a:solidFill>
-              </a:rPr>
-              <a:t>EECS 6690</a:t>
-            </a:r>
-          </a:p>
-        </p:txBody>
-      </p:sp>
-      <p:sp>
-        <p:nvSpPr>
-          <p:cNvPr id="9" name="Rectangle 2">
-            <a:extLst>
-              <a:ext uri="{FF2B5EF4-FFF2-40B4-BE49-F238E27FC236}">
-                <a16:creationId xmlns:a16="http://schemas.microsoft.com/office/drawing/2014/main" id="{5A8BC50E-FED3-41FC-BE09-DF30409AC31A}"/>
-              </a:ext>
-            </a:extLst>
-          </p:cNvPr>
-          <p:cNvSpPr>
-            <a:spLocks noChangeArrowheads="1"/>
-          </p:cNvSpPr>
-          <p:nvPr/>
-        </p:nvSpPr>
-        <p:spPr bwMode="auto">
-          <a:xfrm>
-            <a:off x="1358299" y="766757"/>
-            <a:ext cx="9475402" cy="5324486"/>
-          </a:xfrm>
-          <a:prstGeom prst="rect">
-            <a:avLst/>
-          </a:prstGeom>
-          <a:noFill/>
-          <a:ln>
-            <a:noFill/>
-          </a:ln>
-          <a:effectLst/>
-          <a:extLst>
-            <a:ext uri="{909E8E84-426E-40DD-AFC4-6F175D3DCCD1}">
-              <a14:hiddenFill xmlns:a14="http://schemas.microsoft.com/office/drawing/2010/main">
-                <a:solidFill>
-                  <a:schemeClr val="accent1"/>
-                </a:solidFill>
-              </a14:hiddenFill>
-            </a:ext>
-            <a:ext uri="{91240B29-F687-4F45-9708-019B960494DF}">
-              <a14:hiddenLine xmlns:a14="http://schemas.microsoft.com/office/drawing/2010/main" w="9525">
-                <a:solidFill>
-                  <a:schemeClr val="tx1"/>
-                </a:solidFill>
-                <a:miter lim="800000"/>
-                <a:headEnd/>
-                <a:tailEnd/>
-              </a14:hiddenLine>
-            </a:ext>
-            <a:ext uri="{AF507438-7753-43E0-B8FC-AC1667EBCBE1}">
-              <a14:hiddenEffects xmlns:a14="http://schemas.microsoft.com/office/drawing/2010/main">
-                <a:effectLst>
-                  <a:outerShdw dist="35921" dir="2700000" algn="ctr" rotWithShape="0">
-                    <a:schemeClr val="bg2"/>
-                  </a:outerShdw>
-                </a:effectLst>
-              </a14:hiddenEffects>
-            </a:ext>
-          </a:extLst>
-        </p:spPr>
-        <p:txBody>
-          <a:bodyPr vert="horz" wrap="square" lIns="0" tIns="152352" rIns="0" bIns="0" numCol="1" anchor="ctr" anchorCtr="0" compatLnSpc="1">
-            <a:prstTxWarp prst="textNoShape">
-              <a:avLst/>
-            </a:prstTxWarp>
-            <a:spAutoFit/>
-          </a:bodyPr>
-          <a:lstStyle>
-            <a:lvl1pPr eaLnBrk="0" fontAlgn="base" hangingPunct="0">
-              <a:spcBef>
-                <a:spcPct val="0"/>
-              </a:spcBef>
-              <a:spcAft>
-                <a:spcPct val="0"/>
-              </a:spcAft>
-              <a:defRPr>
-                <a:solidFill>
-                  <a:schemeClr val="tx1"/>
-                </a:solidFill>
-                <a:latin typeface="Arial" panose="020B0604020202020204" pitchFamily="34" charset="0"/>
-              </a:defRPr>
-            </a:lvl1pPr>
-            <a:lvl2pPr eaLnBrk="0" fontAlgn="base" hangingPunct="0">
-              <a:spcBef>
-                <a:spcPct val="0"/>
-              </a:spcBef>
-              <a:spcAft>
-                <a:spcPct val="0"/>
-              </a:spcAft>
-              <a:defRPr>
-                <a:solidFill>
-                  <a:schemeClr val="tx1"/>
-                </a:solidFill>
-                <a:latin typeface="Arial" panose="020B0604020202020204" pitchFamily="34" charset="0"/>
-              </a:defRPr>
-            </a:lvl2pPr>
-            <a:lvl3pPr eaLnBrk="0" fontAlgn="base" hangingPunct="0">
-              <a:spcBef>
-                <a:spcPct val="0"/>
-              </a:spcBef>
-              <a:spcAft>
-                <a:spcPct val="0"/>
-              </a:spcAft>
-              <a:defRPr>
-                <a:solidFill>
-                  <a:schemeClr val="tx1"/>
-                </a:solidFill>
-                <a:latin typeface="Arial" panose="020B0604020202020204" pitchFamily="34" charset="0"/>
-              </a:defRPr>
-            </a:lvl3pPr>
-            <a:lvl4pPr eaLnBrk="0" fontAlgn="base" hangingPunct="0">
-              <a:spcBef>
-                <a:spcPct val="0"/>
-              </a:spcBef>
-              <a:spcAft>
-                <a:spcPct val="0"/>
-              </a:spcAft>
-              <a:defRPr>
-                <a:solidFill>
-                  <a:schemeClr val="tx1"/>
-                </a:solidFill>
-                <a:latin typeface="Arial" panose="020B0604020202020204" pitchFamily="34" charset="0"/>
-              </a:defRPr>
-            </a:lvl4pPr>
-            <a:lvl5pPr eaLnBrk="0" fontAlgn="base" hangingPunct="0">
-              <a:spcBef>
-                <a:spcPct val="0"/>
-              </a:spcBef>
-              <a:spcAft>
-                <a:spcPct val="0"/>
-              </a:spcAft>
-              <a:defRPr>
-                <a:solidFill>
-                  <a:schemeClr val="tx1"/>
-                </a:solidFill>
-                <a:latin typeface="Arial" panose="020B0604020202020204" pitchFamily="34" charset="0"/>
-              </a:defRPr>
-            </a:lvl5pPr>
-            <a:lvl6pPr eaLnBrk="0" fontAlgn="base" hangingPunct="0">
-              <a:spcBef>
-                <a:spcPct val="0"/>
-              </a:spcBef>
-              <a:spcAft>
-                <a:spcPct val="0"/>
-              </a:spcAft>
-              <a:defRPr>
-                <a:solidFill>
-                  <a:schemeClr val="tx1"/>
-                </a:solidFill>
-                <a:latin typeface="Arial" panose="020B0604020202020204" pitchFamily="34" charset="0"/>
-              </a:defRPr>
-            </a:lvl6pPr>
-            <a:lvl7pPr eaLnBrk="0" fontAlgn="base" hangingPunct="0">
-              <a:spcBef>
-                <a:spcPct val="0"/>
-              </a:spcBef>
-              <a:spcAft>
-                <a:spcPct val="0"/>
-              </a:spcAft>
-              <a:defRPr>
-                <a:solidFill>
-                  <a:schemeClr val="tx1"/>
-                </a:solidFill>
-                <a:latin typeface="Arial" panose="020B0604020202020204" pitchFamily="34" charset="0"/>
-              </a:defRPr>
-            </a:lvl7pPr>
-            <a:lvl8pPr eaLnBrk="0" fontAlgn="base" hangingPunct="0">
-              <a:spcBef>
-                <a:spcPct val="0"/>
-              </a:spcBef>
-              <a:spcAft>
-                <a:spcPct val="0"/>
-              </a:spcAft>
-              <a:defRPr>
-                <a:solidFill>
-                  <a:schemeClr val="tx1"/>
-                </a:solidFill>
-                <a:latin typeface="Arial" panose="020B0604020202020204" pitchFamily="34" charset="0"/>
-              </a:defRPr>
-            </a:lvl8pPr>
-            <a:lvl9pPr eaLnBrk="0" fontAlgn="base" hangingPunct="0">
-              <a:spcBef>
-                <a:spcPct val="0"/>
-              </a:spcBef>
-              <a:spcAft>
-                <a:spcPct val="0"/>
-              </a:spcAft>
-              <a:defRPr>
-                <a:solidFill>
-                  <a:schemeClr val="tx1"/>
-                </a:solidFill>
-                <a:latin typeface="Arial" panose="020B0604020202020204" pitchFamily="34" charset="0"/>
-              </a:defRPr>
-            </a:lvl9pPr>
-          </a:lstStyle>
-          <a:p>
-            <a:r>
-              <a:rPr lang="en-US" sz="2400" dirty="0">
-                <a:latin typeface="+mn-lt"/>
-              </a:rPr>
-              <a:t>Best subset is infeasible: 2</a:t>
-            </a:r>
-            <a:r>
-              <a:rPr lang="en-US" sz="2400" baseline="30000" dirty="0">
-                <a:latin typeface="+mn-lt"/>
-              </a:rPr>
-              <a:t>47222</a:t>
-            </a:r>
-            <a:r>
-              <a:rPr lang="en-US" sz="2400" dirty="0">
-                <a:latin typeface="+mn-lt"/>
-              </a:rPr>
-              <a:t> potential models is impossible to analyze</a:t>
-            </a:r>
-          </a:p>
-          <a:p>
-            <a:endParaRPr lang="en-US" sz="2400" dirty="0">
-              <a:latin typeface="+mn-lt"/>
-            </a:endParaRPr>
-          </a:p>
-          <a:p>
-            <a:r>
-              <a:rPr lang="en-US" sz="2400" dirty="0">
-                <a:latin typeface="+mn-lt"/>
-              </a:rPr>
-              <a:t>Backward stepwise</a:t>
-            </a:r>
-          </a:p>
-          <a:p>
-            <a:pPr marL="800100" lvl="1" indent="-342900">
-              <a:buFont typeface="Arial" panose="020B0604020202020204" pitchFamily="34" charset="0"/>
-              <a:buChar char="•"/>
-            </a:pPr>
-            <a:r>
-              <a:rPr lang="en-US" sz="2400" dirty="0">
-                <a:latin typeface="+mn-lt"/>
-              </a:rPr>
-              <a:t>Start with complete model</a:t>
-            </a:r>
-          </a:p>
-          <a:p>
-            <a:pPr marL="800100" lvl="1" indent="-342900">
-              <a:buFont typeface="Arial" panose="020B0604020202020204" pitchFamily="34" charset="0"/>
-              <a:buChar char="•"/>
-            </a:pPr>
-            <a:r>
-              <a:rPr lang="en-US" sz="2400" dirty="0">
-                <a:latin typeface="+mn-lt"/>
-              </a:rPr>
-              <a:t>Only can be used when P &lt; N</a:t>
-            </a:r>
-          </a:p>
-          <a:p>
-            <a:endParaRPr lang="en-US" sz="2400" dirty="0">
-              <a:latin typeface="+mn-lt"/>
-            </a:endParaRPr>
-          </a:p>
-          <a:p>
-            <a:r>
-              <a:rPr lang="en-US" sz="2400" dirty="0">
-                <a:latin typeface="+mn-lt"/>
-              </a:rPr>
-              <a:t>Forward Stepwise: O(47222 * 47222) models, large but not impossible</a:t>
-            </a:r>
-          </a:p>
-          <a:p>
-            <a:pPr marL="800100" lvl="1" indent="-342900">
-              <a:buFont typeface="Arial" panose="020B0604020202020204" pitchFamily="34" charset="0"/>
-              <a:buChar char="•"/>
-            </a:pPr>
-            <a:r>
-              <a:rPr lang="en-US" sz="2400" dirty="0">
-                <a:latin typeface="+mn-lt"/>
-              </a:rPr>
-              <a:t>Start with the NULL model (y ~ 1)</a:t>
-            </a:r>
-          </a:p>
-          <a:p>
-            <a:pPr marL="800100" lvl="1" indent="-342900">
-              <a:buFont typeface="Arial" panose="020B0604020202020204" pitchFamily="34" charset="0"/>
-              <a:buChar char="•"/>
-            </a:pPr>
-            <a:r>
-              <a:rPr lang="en-US" sz="2400" dirty="0">
-                <a:latin typeface="+mn-lt"/>
-              </a:rPr>
-              <a:t>Only Forward method (start with null model) works when P &gt; N</a:t>
-            </a:r>
-          </a:p>
-          <a:p>
-            <a:pPr marL="800100" lvl="1" indent="-342900">
-              <a:buFont typeface="Arial" panose="020B0604020202020204" pitchFamily="34" charset="0"/>
-              <a:buChar char="•"/>
-            </a:pPr>
-            <a:r>
-              <a:rPr lang="en-US" sz="2400" dirty="0">
-                <a:latin typeface="+mn-lt"/>
-              </a:rPr>
-              <a:t>May still need to pre-filter genes with very low variation across the 24 samples to execute </a:t>
-            </a:r>
-          </a:p>
-          <a:p>
-            <a:pPr marL="800100" lvl="1" indent="-342900">
-              <a:buFont typeface="Arial" panose="020B0604020202020204" pitchFamily="34" charset="0"/>
-              <a:buChar char="•"/>
-            </a:pPr>
-            <a:r>
-              <a:rPr lang="en-US" sz="2400" dirty="0">
-                <a:latin typeface="+mn-lt"/>
-              </a:rPr>
-              <a:t>Logistic regression model appropriate to classification problem</a:t>
-            </a:r>
-          </a:p>
-          <a:p>
-            <a:pPr marL="800100" lvl="1" indent="-342900">
-              <a:buFont typeface="Arial" panose="020B0604020202020204" pitchFamily="34" charset="0"/>
-              <a:buChar char="•"/>
-            </a:pPr>
-            <a:r>
-              <a:rPr lang="en-US" sz="2400" dirty="0">
-                <a:latin typeface="+mn-lt"/>
-              </a:rPr>
-              <a:t>Scoring method is AIC on the training set</a:t>
-            </a:r>
-          </a:p>
-          <a:p>
-            <a:endParaRPr lang="en-US" sz="2400" dirty="0">
-              <a:latin typeface="Calibri" panose="020F0502020204030204" pitchFamily="34" charset="0"/>
-              <a:cs typeface="Times New Roman" panose="02020603050405020304" pitchFamily="18" charset="0"/>
-            </a:endParaRPr>
-          </a:p>
-        </p:txBody>
-      </p:sp>
-    </p:spTree>
-    <p:extLst>
-      <p:ext uri="{BB962C8B-B14F-4D97-AF65-F5344CB8AC3E}">
-        <p14:creationId xmlns:p14="http://schemas.microsoft.com/office/powerpoint/2010/main" val="2744774483"/>
       </p:ext>
     </p:extLst>
   </p:cSld>
@@ -12608,7 +12594,7 @@
                   <a:schemeClr val="bg1"/>
                 </a:solidFill>
               </a:rPr>
-              <a:t>Shrinkage Methods</a:t>
+              <a:t>Dimension Reduction and Regulation</a:t>
             </a:r>
           </a:p>
         </p:txBody>
@@ -12940,8 +12926,8 @@
         </p:nvSpPr>
         <p:spPr bwMode="auto">
           <a:xfrm>
-            <a:off x="1358299" y="1690086"/>
-            <a:ext cx="9475402" cy="3477827"/>
+            <a:off x="1358299" y="582091"/>
+            <a:ext cx="9475402" cy="5693818"/>
           </a:xfrm>
           <a:prstGeom prst="rect">
             <a:avLst/>
@@ -13117,104 +13103,130 @@
           </a:lstStyle>
           <a:p>
             <a:r>
-              <a:rPr lang="en-US" sz="2400" b="1" dirty="0">
-                <a:latin typeface="Calibri" panose="020F0502020204030204" pitchFamily="34" charset="0"/>
-                <a:cs typeface="Times New Roman" panose="02020603050405020304" pitchFamily="18" charset="0"/>
+              <a:rPr lang="en-US" sz="2400" dirty="0">
+                <a:latin typeface="+mn-lt"/>
               </a:rPr>
-              <a:t>Ridge:</a:t>
-            </a:r>
-          </a:p>
-          <a:p>
-            <a:pPr lvl="2" indent="-342900">
+              <a:t>High Dimensional Model:</a:t>
+            </a:r>
+          </a:p>
+          <a:p>
+            <a:pPr marL="800100" lvl="1" indent="-342900">
               <a:buFont typeface="Arial" panose="020B0604020202020204" pitchFamily="34" charset="0"/>
               <a:buChar char="•"/>
             </a:pPr>
             <a:r>
               <a:rPr lang="en-US" sz="2400" dirty="0">
-                <a:latin typeface="Calibri" panose="020F0502020204030204" pitchFamily="34" charset="0"/>
-                <a:cs typeface="Times New Roman" panose="02020603050405020304" pitchFamily="18" charset="0"/>
+                <a:latin typeface="+mn-lt"/>
               </a:rPr>
-              <a:t>Penalty for large coefficients</a:t>
-            </a:r>
-          </a:p>
-          <a:p>
-            <a:pPr lvl="2" indent="-342900">
+              <a:t>Patients (N) = 24, Genes (P) = 47222, P is three orders of magnitude larger than N</a:t>
+            </a:r>
+          </a:p>
+          <a:p>
+            <a:pPr marL="800100" lvl="1" indent="-342900">
               <a:buFont typeface="Arial" panose="020B0604020202020204" pitchFamily="34" charset="0"/>
               <a:buChar char="•"/>
             </a:pPr>
             <a:r>
               <a:rPr lang="en-US" sz="2400" dirty="0">
-                <a:latin typeface="Calibri" panose="020F0502020204030204" pitchFamily="34" charset="0"/>
-                <a:cs typeface="Times New Roman" panose="02020603050405020304" pitchFamily="18" charset="0"/>
+                <a:latin typeface="+mn-lt"/>
               </a:rPr>
-              <a:t>Doesn’t actually reduce the model dimensions</a:t>
-            </a:r>
-          </a:p>
-          <a:p>
-            <a:endParaRPr lang="en-US" sz="2400" dirty="0">
-              <a:latin typeface="Calibri" panose="020F0502020204030204" pitchFamily="34" charset="0"/>
-              <a:cs typeface="Times New Roman" panose="02020603050405020304" pitchFamily="18" charset="0"/>
-            </a:endParaRPr>
-          </a:p>
-          <a:p>
-            <a:r>
-              <a:rPr lang="en-US" sz="2400" b="1" dirty="0">
-                <a:latin typeface="Calibri" panose="020F0502020204030204" pitchFamily="34" charset="0"/>
-                <a:cs typeface="Times New Roman" panose="02020603050405020304" pitchFamily="18" charset="0"/>
+              <a:t>Can’t use standard regression techniques when p &gt;&gt; N</a:t>
+            </a:r>
+          </a:p>
+          <a:p>
+            <a:r>
+              <a:rPr lang="en-US" sz="2400" dirty="0">
+                <a:latin typeface="+mn-lt"/>
               </a:rPr>
-              <a:t>LASSO:</a:t>
-            </a:r>
-          </a:p>
-          <a:p>
-            <a:pPr lvl="2" indent="-342900">
+              <a:t>“Gene Modules”</a:t>
+            </a:r>
+          </a:p>
+          <a:p>
+            <a:pPr marL="800100" lvl="1" indent="-342900">
               <a:buFont typeface="Arial" panose="020B0604020202020204" pitchFamily="34" charset="0"/>
               <a:buChar char="•"/>
             </a:pPr>
             <a:r>
               <a:rPr lang="en-US" sz="2400" dirty="0">
-                <a:latin typeface="Calibri" panose="020F0502020204030204" pitchFamily="34" charset="0"/>
-                <a:cs typeface="Times New Roman" panose="02020603050405020304" pitchFamily="18" charset="0"/>
+                <a:latin typeface="+mn-lt"/>
               </a:rPr>
-              <a:t>Minimizes RSS with a penalty for large/many coefficients</a:t>
-            </a:r>
-          </a:p>
-          <a:p>
-            <a:pPr lvl="2" indent="-342900">
+              <a:t>Many genes are expressed in groups</a:t>
+            </a:r>
+          </a:p>
+          <a:p>
+            <a:pPr marL="800100" lvl="1" indent="-342900">
               <a:buFont typeface="Arial" panose="020B0604020202020204" pitchFamily="34" charset="0"/>
               <a:buChar char="•"/>
             </a:pPr>
             <a:r>
               <a:rPr lang="en-US" sz="2400" dirty="0">
-                <a:latin typeface="Calibri" panose="020F0502020204030204" pitchFamily="34" charset="0"/>
-                <a:cs typeface="Times New Roman" panose="02020603050405020304" pitchFamily="18" charset="0"/>
+                <a:latin typeface="+mn-lt"/>
               </a:rPr>
-              <a:t>Will reduce many coefficients to 0 </a:t>
-            </a:r>
-          </a:p>
-          <a:p>
-            <a:pPr lvl="3" indent="-342900">
+              <a:t>These groups of genes are not independent</a:t>
+            </a:r>
+          </a:p>
+          <a:p>
+            <a:r>
+              <a:rPr lang="en-US" sz="2400" dirty="0">
+                <a:latin typeface="+mn-lt"/>
+              </a:rPr>
+              <a:t>Feature reduction or shrinkage methods may be employed to reduce the model dimension</a:t>
+            </a:r>
+          </a:p>
+          <a:p>
+            <a:r>
+              <a:rPr lang="en-US" sz="2400" dirty="0">
+                <a:latin typeface="+mn-lt"/>
+              </a:rPr>
+              <a:t>Compare the features present in the reduced models to those identified in the paper as significantly up or down regulated in Psoriasis Patients</a:t>
+            </a:r>
+          </a:p>
+          <a:p>
+            <a:pPr marL="800100" lvl="1" indent="-342900">
               <a:buFont typeface="Arial" panose="020B0604020202020204" pitchFamily="34" charset="0"/>
               <a:buChar char="•"/>
             </a:pPr>
             <a:r>
               <a:rPr lang="en-US" sz="2400" dirty="0">
-                <a:latin typeface="Calibri" panose="020F0502020204030204" pitchFamily="34" charset="0"/>
-                <a:cs typeface="Times New Roman" panose="02020603050405020304" pitchFamily="18" charset="0"/>
+                <a:latin typeface="+mn-lt"/>
               </a:rPr>
-              <a:t>These features  have no effect on the classification</a:t>
-            </a:r>
-          </a:p>
-          <a:p>
-            <a:pPr lvl="2" indent="-342900">
+              <a:t>SPATS2L</a:t>
+            </a:r>
+          </a:p>
+          <a:p>
+            <a:pPr marL="800100" lvl="1" indent="-342900">
               <a:buFont typeface="Arial" panose="020B0604020202020204" pitchFamily="34" charset="0"/>
               <a:buChar char="•"/>
             </a:pPr>
             <a:r>
               <a:rPr lang="en-US" sz="2400" dirty="0">
-                <a:latin typeface="Calibri" panose="020F0502020204030204" pitchFamily="34" charset="0"/>
-                <a:cs typeface="Times New Roman" panose="02020603050405020304" pitchFamily="18" charset="0"/>
+                <a:latin typeface="+mn-lt"/>
               </a:rPr>
-              <a:t>Dependent on the magnitude of the shrinkage factor</a:t>
+              <a:t>KLF6</a:t>
+            </a:r>
+          </a:p>
+          <a:p>
+            <a:pPr marL="800100" lvl="1" indent="-342900">
+              <a:buFont typeface="Arial" panose="020B0604020202020204" pitchFamily="34" charset="0"/>
+              <a:buChar char="•"/>
+            </a:pPr>
+            <a:r>
+              <a:rPr lang="en-US" sz="2400" dirty="0">
+                <a:latin typeface="+mn-lt"/>
+              </a:rPr>
+              <a:t>SP140</a:t>
+            </a:r>
+          </a:p>
+          <a:p>
+            <a:pPr marL="800100" lvl="1" indent="-342900">
+              <a:buFont typeface="Arial" panose="020B0604020202020204" pitchFamily="34" charset="0"/>
+              <a:buChar char="•"/>
+            </a:pPr>
+            <a:r>
+              <a:rPr lang="en-US" sz="2400" dirty="0">
+                <a:latin typeface="+mn-lt"/>
+              </a:rPr>
+              <a:t>RORA</a:t>
             </a:r>
           </a:p>
         </p:txBody>
@@ -13222,7 +13234,7 @@
     </p:spTree>
     <p:extLst>
       <p:ext uri="{BB962C8B-B14F-4D97-AF65-F5344CB8AC3E}">
-        <p14:creationId xmlns:p14="http://schemas.microsoft.com/office/powerpoint/2010/main" val="1577502152"/>
+        <p14:creationId xmlns:p14="http://schemas.microsoft.com/office/powerpoint/2010/main" val="1906663589"/>
       </p:ext>
     </p:extLst>
   </p:cSld>
@@ -13511,7 +13523,7 @@
                   <a:schemeClr val="bg1"/>
                 </a:solidFill>
               </a:rPr>
-              <a:t>Principal Components Analysis (PCA)</a:t>
+              <a:t>Subset Methods</a:t>
             </a:r>
           </a:p>
         </p:txBody>
@@ -13843,8 +13855,8 @@
         </p:nvSpPr>
         <p:spPr bwMode="auto">
           <a:xfrm>
-            <a:off x="1358299" y="2244084"/>
-            <a:ext cx="9475402" cy="2369831"/>
+            <a:off x="1358299" y="766757"/>
+            <a:ext cx="9475402" cy="5324486"/>
           </a:xfrm>
           <a:prstGeom prst="rect">
             <a:avLst/>
@@ -14021,36 +14033,131 @@
           <a:p>
             <a:r>
               <a:rPr lang="en-US" sz="2400" dirty="0">
-                <a:latin typeface="Calibri" panose="020F0502020204030204" pitchFamily="34" charset="0"/>
-                <a:cs typeface="Times New Roman" panose="02020603050405020304" pitchFamily="18" charset="0"/>
+                <a:latin typeface="+mn-lt"/>
               </a:rPr>
-              <a:t>Good for reducing high dimensional data</a:t>
-            </a:r>
-          </a:p>
-          <a:p>
-            <a:pPr lvl="2" indent="-342900">
+              <a:t>Best subset is infeasible: 2</a:t>
+            </a:r>
+            <a:r>
+              <a:rPr lang="en-US" sz="2400" baseline="30000" dirty="0">
+                <a:latin typeface="+mn-lt"/>
+              </a:rPr>
+              <a:t>47222</a:t>
+            </a:r>
+            <a:r>
+              <a:rPr lang="en-US" sz="2400" dirty="0">
+                <a:latin typeface="+mn-lt"/>
+              </a:rPr>
+              <a:t> potential models is impossible to analyze</a:t>
+            </a:r>
+          </a:p>
+          <a:p>
+            <a:endParaRPr lang="en-US" sz="2400" dirty="0">
+              <a:latin typeface="+mn-lt"/>
+            </a:endParaRPr>
+          </a:p>
+          <a:p>
+            <a:r>
+              <a:rPr lang="en-US" sz="2400" dirty="0">
+                <a:latin typeface="+mn-lt"/>
+              </a:rPr>
+              <a:t>Backward stepwise</a:t>
+            </a:r>
+          </a:p>
+          <a:p>
+            <a:pPr marL="800100" lvl="1" indent="-342900">
               <a:buFont typeface="Arial" panose="020B0604020202020204" pitchFamily="34" charset="0"/>
               <a:buChar char="•"/>
             </a:pPr>
             <a:r>
               <a:rPr lang="en-US" sz="2400" dirty="0">
-                <a:latin typeface="Calibri" panose="020F0502020204030204" pitchFamily="34" charset="0"/>
-                <a:cs typeface="Times New Roman" panose="02020603050405020304" pitchFamily="18" charset="0"/>
+                <a:latin typeface="+mn-lt"/>
               </a:rPr>
-              <a:t>Finds “directions” where the features vary the most</a:t>
-            </a:r>
-          </a:p>
-          <a:p>
-            <a:pPr lvl="3" indent="-342900">
+              <a:t>Start with complete model</a:t>
+            </a:r>
+          </a:p>
+          <a:p>
+            <a:pPr marL="800100" lvl="1" indent="-342900">
               <a:buFont typeface="Arial" panose="020B0604020202020204" pitchFamily="34" charset="0"/>
               <a:buChar char="•"/>
             </a:pPr>
             <a:r>
               <a:rPr lang="en-US" sz="2400" dirty="0">
-                <a:latin typeface="Calibri" panose="020F0502020204030204" pitchFamily="34" charset="0"/>
-                <a:cs typeface="Times New Roman" panose="02020603050405020304" pitchFamily="18" charset="0"/>
+                <a:latin typeface="+mn-lt"/>
               </a:rPr>
-              <a:t>Analyze the coefficients of each principal component to determine significant genes</a:t>
+              <a:t>Only can be used when P &lt; N</a:t>
+            </a:r>
+          </a:p>
+          <a:p>
+            <a:endParaRPr lang="en-US" sz="2400" dirty="0">
+              <a:latin typeface="+mn-lt"/>
+            </a:endParaRPr>
+          </a:p>
+          <a:p>
+            <a:r>
+              <a:rPr lang="en-US" sz="2400" dirty="0">
+                <a:latin typeface="+mn-lt"/>
+              </a:rPr>
+              <a:t>Forward Stepwise: O(47222 * 47222) models, large but not impossible</a:t>
+            </a:r>
+          </a:p>
+          <a:p>
+            <a:pPr marL="800100" lvl="1" indent="-342900">
+              <a:buFont typeface="Arial" panose="020B0604020202020204" pitchFamily="34" charset="0"/>
+              <a:buChar char="•"/>
+            </a:pPr>
+            <a:r>
+              <a:rPr lang="en-US" sz="2400" dirty="0">
+                <a:latin typeface="+mn-lt"/>
+              </a:rPr>
+              <a:t>Start with the NULL model (y ~ 1)</a:t>
+            </a:r>
+          </a:p>
+          <a:p>
+            <a:pPr marL="800100" lvl="1" indent="-342900">
+              <a:buFont typeface="Arial" panose="020B0604020202020204" pitchFamily="34" charset="0"/>
+              <a:buChar char="•"/>
+            </a:pPr>
+            <a:r>
+              <a:rPr lang="en-US" sz="2400" dirty="0">
+                <a:latin typeface="+mn-lt"/>
+              </a:rPr>
+              <a:t>Only Forward method (start with null model) works when P &gt; N</a:t>
+            </a:r>
+          </a:p>
+          <a:p>
+            <a:pPr marL="800100" lvl="1" indent="-342900">
+              <a:buFont typeface="Arial" panose="020B0604020202020204" pitchFamily="34" charset="0"/>
+              <a:buChar char="•"/>
+            </a:pPr>
+            <a:r>
+              <a:rPr lang="en-US" sz="2400" dirty="0">
+                <a:latin typeface="+mn-lt"/>
+              </a:rPr>
+              <a:t>May still need to pre-filter genes with very low variation across the 24 samples to execute </a:t>
+            </a:r>
+          </a:p>
+          <a:p>
+            <a:pPr marL="800100" lvl="1" indent="-342900">
+              <a:buFont typeface="Arial" panose="020B0604020202020204" pitchFamily="34" charset="0"/>
+              <a:buChar char="•"/>
+            </a:pPr>
+            <a:r>
+              <a:rPr lang="en-US" sz="2400" dirty="0">
+                <a:latin typeface="+mn-lt"/>
+              </a:rPr>
+              <a:t>Logistic regression model appropriate to classification problem</a:t>
+            </a:r>
+          </a:p>
+          <a:p>
+            <a:pPr marL="800100" lvl="1" indent="-342900">
+              <a:buFont typeface="Arial" panose="020B0604020202020204" pitchFamily="34" charset="0"/>
+              <a:buChar char="•"/>
+            </a:pPr>
+            <a:r>
+              <a:rPr lang="en-US" sz="2400" dirty="0">
+                <a:latin typeface="+mn-lt"/>
+              </a:rPr>
+              <a:t>Scoring method is AIC on the training set</a:t>
             </a:r>
           </a:p>
           <a:p>
@@ -14058,22 +14165,13 @@
               <a:latin typeface="Calibri" panose="020F0502020204030204" pitchFamily="34" charset="0"/>
               <a:cs typeface="Times New Roman" panose="02020603050405020304" pitchFamily="18" charset="0"/>
             </a:endParaRPr>
-          </a:p>
-          <a:p>
-            <a:r>
-              <a:rPr lang="en-US" sz="2400" dirty="0">
-                <a:latin typeface="Calibri" panose="020F0502020204030204" pitchFamily="34" charset="0"/>
-                <a:cs typeface="Times New Roman" panose="02020603050405020304" pitchFamily="18" charset="0"/>
-              </a:rPr>
-              <a:t>PVE calculation can be used to assess the “goodness” of the reduced model</a:t>
-            </a:r>
           </a:p>
         </p:txBody>
       </p:sp>
     </p:spTree>
     <p:extLst>
       <p:ext uri="{BB962C8B-B14F-4D97-AF65-F5344CB8AC3E}">
-        <p14:creationId xmlns:p14="http://schemas.microsoft.com/office/powerpoint/2010/main" val="3573668800"/>
+        <p14:creationId xmlns:p14="http://schemas.microsoft.com/office/powerpoint/2010/main" val="2744774483"/>
       </p:ext>
     </p:extLst>
   </p:cSld>
@@ -14362,7 +14460,7 @@
                   <a:schemeClr val="bg1"/>
                 </a:solidFill>
               </a:rPr>
-              <a:t>Support Vector Machine (SVM)</a:t>
+              <a:t>Shrinkage Methods</a:t>
             </a:r>
           </a:p>
         </p:txBody>
@@ -14694,8 +14792,8 @@
         </p:nvSpPr>
         <p:spPr bwMode="auto">
           <a:xfrm>
-            <a:off x="1358299" y="1320755"/>
-            <a:ext cx="9475402" cy="4216490"/>
+            <a:off x="1358299" y="1690086"/>
+            <a:ext cx="9475402" cy="3477827"/>
           </a:xfrm>
           <a:prstGeom prst="rect">
             <a:avLst/>
@@ -14871,11 +14969,11 @@
           </a:lstStyle>
           <a:p>
             <a:r>
-              <a:rPr lang="en-US" sz="2400" dirty="0">
+              <a:rPr lang="en-US" sz="2400" b="1" dirty="0">
                 <a:latin typeface="Calibri" panose="020F0502020204030204" pitchFamily="34" charset="0"/>
                 <a:cs typeface="Times New Roman" panose="02020603050405020304" pitchFamily="18" charset="0"/>
               </a:rPr>
-              <a:t>Good for classifying data into categories</a:t>
+              <a:t>Ridge:</a:t>
             </a:r>
           </a:p>
           <a:p>
@@ -14888,7 +14986,20 @@
                 <a:latin typeface="Calibri" panose="020F0502020204030204" pitchFamily="34" charset="0"/>
                 <a:cs typeface="Times New Roman" panose="02020603050405020304" pitchFamily="18" charset="0"/>
               </a:rPr>
-              <a:t>A line is created which has the greatest margin.  Meaning it separates points with the greatest amount of separation</a:t>
+              <a:t>Penalty for large coefficients</a:t>
+            </a:r>
+          </a:p>
+          <a:p>
+            <a:pPr lvl="2" indent="-342900">
+              <a:buFont typeface="Arial" panose="020B0604020202020204" pitchFamily="34" charset="0"/>
+              <a:buChar char="•"/>
+            </a:pPr>
+            <a:r>
+              <a:rPr lang="en-US" sz="2400" dirty="0">
+                <a:latin typeface="Calibri" panose="020F0502020204030204" pitchFamily="34" charset="0"/>
+                <a:cs typeface="Times New Roman" panose="02020603050405020304" pitchFamily="18" charset="0"/>
+              </a:rPr>
+              <a:t>Doesn’t actually reduce the model dimensions</a:t>
             </a:r>
           </a:p>
           <a:p>
@@ -14899,11 +15010,11 @@
           </a:p>
           <a:p>
             <a:r>
-              <a:rPr lang="en-US" sz="2400" dirty="0">
+              <a:rPr lang="en-US" sz="2400" b="1" dirty="0">
                 <a:latin typeface="Calibri" panose="020F0502020204030204" pitchFamily="34" charset="0"/>
                 <a:cs typeface="Times New Roman" panose="02020603050405020304" pitchFamily="18" charset="0"/>
               </a:rPr>
-              <a:t>Here data was found to be linearly separable</a:t>
+              <a:t>LASSO:</a:t>
             </a:r>
           </a:p>
           <a:p>
@@ -14916,7 +15027,7 @@
                 <a:latin typeface="Calibri" panose="020F0502020204030204" pitchFamily="34" charset="0"/>
                 <a:cs typeface="Times New Roman" panose="02020603050405020304" pitchFamily="18" charset="0"/>
               </a:rPr>
-              <a:t>Not surprising given the number of columns was far greater than the number of rows (many more components than data points)</a:t>
+              <a:t>Minimizes RSS with a penalty for large/many coefficients</a:t>
             </a:r>
           </a:p>
           <a:p>
@@ -14929,22 +15040,33 @@
                 <a:latin typeface="Calibri" panose="020F0502020204030204" pitchFamily="34" charset="0"/>
                 <a:cs typeface="Times New Roman" panose="02020603050405020304" pitchFamily="18" charset="0"/>
               </a:rPr>
-              <a:t>Classified patients by whether they carried the disease</a:t>
-            </a:r>
-          </a:p>
-          <a:p>
-            <a:endParaRPr lang="en-US" sz="2400" dirty="0">
-              <a:latin typeface="Calibri" panose="020F0502020204030204" pitchFamily="34" charset="0"/>
-              <a:cs typeface="Times New Roman" panose="02020603050405020304" pitchFamily="18" charset="0"/>
-            </a:endParaRPr>
-          </a:p>
-          <a:p>
+              <a:t>Will reduce many coefficients to 0 </a:t>
+            </a:r>
+          </a:p>
+          <a:p>
+            <a:pPr lvl="3" indent="-342900">
+              <a:buFont typeface="Arial" panose="020B0604020202020204" pitchFamily="34" charset="0"/>
+              <a:buChar char="•"/>
+            </a:pPr>
             <a:r>
               <a:rPr lang="en-US" sz="2400" dirty="0">
                 <a:latin typeface="Calibri" panose="020F0502020204030204" pitchFamily="34" charset="0"/>
                 <a:cs typeface="Times New Roman" panose="02020603050405020304" pitchFamily="18" charset="0"/>
               </a:rPr>
-              <a:t>Using a grid search and 10 fold cross validation optimal values were found for the SVM</a:t>
+              <a:t>These features  have no effect on the classification</a:t>
+            </a:r>
+          </a:p>
+          <a:p>
+            <a:pPr lvl="2" indent="-342900">
+              <a:buFont typeface="Arial" panose="020B0604020202020204" pitchFamily="34" charset="0"/>
+              <a:buChar char="•"/>
+            </a:pPr>
+            <a:r>
+              <a:rPr lang="en-US" sz="2400" dirty="0">
+                <a:latin typeface="Calibri" panose="020F0502020204030204" pitchFamily="34" charset="0"/>
+                <a:cs typeface="Times New Roman" panose="02020603050405020304" pitchFamily="18" charset="0"/>
+              </a:rPr>
+              <a:t>Dependent on the magnitude of the shrinkage factor</a:t>
             </a:r>
           </a:p>
         </p:txBody>
@@ -14952,7 +15074,7 @@
     </p:spTree>
     <p:extLst>
       <p:ext uri="{BB962C8B-B14F-4D97-AF65-F5344CB8AC3E}">
-        <p14:creationId xmlns:p14="http://schemas.microsoft.com/office/powerpoint/2010/main" val="2892623184"/>
+        <p14:creationId xmlns:p14="http://schemas.microsoft.com/office/powerpoint/2010/main" val="1577502152"/>
       </p:ext>
     </p:extLst>
   </p:cSld>
@@ -15093,8 +15215,8 @@
         </p:nvSpPr>
         <p:spPr bwMode="auto">
           <a:xfrm>
-            <a:off x="406400" y="-6349"/>
-            <a:ext cx="3556000" cy="584775"/>
+            <a:off x="406399" y="-6349"/>
+            <a:ext cx="6812085" cy="584775"/>
           </a:xfrm>
           <a:prstGeom prst="rect">
             <a:avLst/>
@@ -15124,7 +15246,7 @@
           </a:extLst>
         </p:spPr>
         <p:txBody>
-          <a:bodyPr>
+          <a:bodyPr wrap="square">
             <a:spAutoFit/>
           </a:bodyPr>
           <a:lstStyle>
@@ -15241,7 +15363,7 @@
                   <a:schemeClr val="bg1"/>
                 </a:solidFill>
               </a:rPr>
-              <a:t>K Means Clustering</a:t>
+              <a:t>Principal Components Analysis (PCA)</a:t>
             </a:r>
           </a:p>
         </p:txBody>
@@ -15573,8 +15695,8 @@
         </p:nvSpPr>
         <p:spPr bwMode="auto">
           <a:xfrm>
-            <a:off x="1358299" y="600226"/>
-            <a:ext cx="9475402" cy="5970817"/>
+            <a:off x="1358299" y="2244084"/>
+            <a:ext cx="9475402" cy="2369831"/>
           </a:xfrm>
           <a:prstGeom prst="rect">
             <a:avLst/>
@@ -15750,22 +15872,15 @@
           </a:lstStyle>
           <a:p>
             <a:r>
-              <a:rPr lang="en-US" sz="2400" dirty="0" err="1">
+              <a:rPr lang="en-US" sz="2400" dirty="0">
                 <a:latin typeface="Calibri" panose="020F0502020204030204" pitchFamily="34" charset="0"/>
                 <a:cs typeface="Times New Roman" panose="02020603050405020304" pitchFamily="18" charset="0"/>
               </a:rPr>
-              <a:t>Kmeans</a:t>
-            </a:r>
-            <a:r>
-              <a:rPr lang="en-US" sz="2400" dirty="0">
-                <a:latin typeface="Calibri" panose="020F0502020204030204" pitchFamily="34" charset="0"/>
-                <a:cs typeface="Times New Roman" panose="02020603050405020304" pitchFamily="18" charset="0"/>
-              </a:rPr>
-              <a:t> clustering is a very common example of Unsupervised learning</a:t>
-            </a:r>
-          </a:p>
-          <a:p>
-            <a:pPr marL="800100" lvl="1" indent="-342900">
+              <a:t>Good for reducing high dimensional data</a:t>
+            </a:r>
+          </a:p>
+          <a:p>
+            <a:pPr lvl="2" indent="-342900">
               <a:buFont typeface="Arial" panose="020B0604020202020204" pitchFamily="34" charset="0"/>
               <a:buChar char="•"/>
             </a:pPr>
@@ -15774,40 +15889,20 @@
                 <a:latin typeface="Calibri" panose="020F0502020204030204" pitchFamily="34" charset="0"/>
                 <a:cs typeface="Times New Roman" panose="02020603050405020304" pitchFamily="18" charset="0"/>
               </a:rPr>
-              <a:t>In unsupervised learning data labels are not considered (often not available)</a:t>
-            </a:r>
-          </a:p>
-          <a:p>
-            <a:pPr marL="800100" lvl="1" indent="-342900">
+              <a:t>Finds “directions” where the features vary the most</a:t>
+            </a:r>
+          </a:p>
+          <a:p>
+            <a:pPr lvl="3" indent="-342900">
               <a:buFont typeface="Arial" panose="020B0604020202020204" pitchFamily="34" charset="0"/>
               <a:buChar char="•"/>
             </a:pPr>
             <a:r>
-              <a:rPr lang="en-US" sz="2400" dirty="0" err="1">
+              <a:rPr lang="en-US" sz="2400" dirty="0">
                 <a:latin typeface="Calibri" panose="020F0502020204030204" pitchFamily="34" charset="0"/>
                 <a:cs typeface="Times New Roman" panose="02020603050405020304" pitchFamily="18" charset="0"/>
               </a:rPr>
-              <a:t>Kmeans</a:t>
-            </a:r>
-            <a:r>
-              <a:rPr lang="en-US" sz="2400" dirty="0">
-                <a:latin typeface="Calibri" panose="020F0502020204030204" pitchFamily="34" charset="0"/>
-                <a:cs typeface="Times New Roman" panose="02020603050405020304" pitchFamily="18" charset="0"/>
-              </a:rPr>
-              <a:t> attempts to group data into K groups by finding best means and the points closest to them</a:t>
-            </a:r>
-          </a:p>
-          <a:p>
-            <a:pPr marL="800100" lvl="1" indent="-342900">
-              <a:buFont typeface="Arial" panose="020B0604020202020204" pitchFamily="34" charset="0"/>
-              <a:buChar char="•"/>
-            </a:pPr>
-            <a:r>
-              <a:rPr lang="en-US" sz="2400" dirty="0">
-                <a:latin typeface="Calibri" panose="020F0502020204030204" pitchFamily="34" charset="0"/>
-                <a:cs typeface="Times New Roman" panose="02020603050405020304" pitchFamily="18" charset="0"/>
-              </a:rPr>
-              <a:t>How distance is calculated is therefore very important.  Both Manhattan and Euclidean distance were examined, however Euclidean was used.</a:t>
+              <a:t>Analyze the coefficients of each principal component to determine significant genes</a:t>
             </a:r>
           </a:p>
           <a:p>
@@ -15822,71 +15917,15 @@
                 <a:latin typeface="Calibri" panose="020F0502020204030204" pitchFamily="34" charset="0"/>
                 <a:cs typeface="Times New Roman" panose="02020603050405020304" pitchFamily="18" charset="0"/>
               </a:rPr>
-              <a:t>Here data the clusters did not revolve around the presence of the disease.</a:t>
-            </a:r>
-          </a:p>
-          <a:p>
-            <a:pPr marL="800100" lvl="1" indent="-342900">
-              <a:buFont typeface="Arial" panose="020B0604020202020204" pitchFamily="34" charset="0"/>
-              <a:buChar char="•"/>
-            </a:pPr>
-            <a:r>
-              <a:rPr lang="en-US" sz="2400" dirty="0">
-                <a:latin typeface="Calibri" panose="020F0502020204030204" pitchFamily="34" charset="0"/>
-                <a:cs typeface="Times New Roman" panose="02020603050405020304" pitchFamily="18" charset="0"/>
-              </a:rPr>
-              <a:t>At first </a:t>
-            </a:r>
-            <a:r>
-              <a:rPr lang="en-US" sz="2400" dirty="0" err="1">
-                <a:latin typeface="Calibri" panose="020F0502020204030204" pitchFamily="34" charset="0"/>
-                <a:cs typeface="Times New Roman" panose="02020603050405020304" pitchFamily="18" charset="0"/>
-              </a:rPr>
-              <a:t>Kmeans</a:t>
-            </a:r>
-            <a:r>
-              <a:rPr lang="en-US" sz="2400" dirty="0">
-                <a:latin typeface="Calibri" panose="020F0502020204030204" pitchFamily="34" charset="0"/>
-                <a:cs typeface="Times New Roman" panose="02020603050405020304" pitchFamily="18" charset="0"/>
-              </a:rPr>
-              <a:t> was attempted with 2 clusters, but then more clusters were tried.  Whether a given patient had psoriasis did not contribute to the algorithm clustering the data one way or another</a:t>
-            </a:r>
-          </a:p>
-          <a:p>
-            <a:pPr marL="800100" lvl="1" indent="-342900">
-              <a:buFont typeface="Arial" panose="020B0604020202020204" pitchFamily="34" charset="0"/>
-              <a:buChar char="•"/>
-            </a:pPr>
-            <a:r>
-              <a:rPr lang="en-US" sz="2400" dirty="0">
-                <a:latin typeface="Calibri" panose="020F0502020204030204" pitchFamily="34" charset="0"/>
-                <a:cs typeface="Times New Roman" panose="02020603050405020304" pitchFamily="18" charset="0"/>
-              </a:rPr>
-              <a:t>At larger number of clusters, there was a slight correlation, but not drastic</a:t>
-            </a:r>
-          </a:p>
-          <a:p>
-            <a:pPr marL="342900" indent="-342900">
-              <a:buFont typeface="Arial" panose="020B0604020202020204" pitchFamily="34" charset="0"/>
-              <a:buChar char="•"/>
-            </a:pPr>
-            <a:endParaRPr kumimoji="0" lang="en-US" altLang="en-US" sz="1800" b="0" i="0" u="none" strike="noStrike" cap="none" normalizeH="0" baseline="0" dirty="0">
-              <a:ln>
-                <a:noFill/>
-              </a:ln>
-              <a:solidFill>
-                <a:schemeClr val="tx1"/>
-              </a:solidFill>
-              <a:effectLst/>
-              <a:latin typeface="Arial" panose="020B0604020202020204" pitchFamily="34" charset="0"/>
-            </a:endParaRPr>
+              <a:t>PVE calculation can be used to assess the “goodness” of the reduced model</a:t>
+            </a:r>
           </a:p>
         </p:txBody>
       </p:sp>
     </p:spTree>
     <p:extLst>
       <p:ext uri="{BB962C8B-B14F-4D97-AF65-F5344CB8AC3E}">
-        <p14:creationId xmlns:p14="http://schemas.microsoft.com/office/powerpoint/2010/main" val="3327376099"/>
+        <p14:creationId xmlns:p14="http://schemas.microsoft.com/office/powerpoint/2010/main" val="3573668800"/>
       </p:ext>
     </p:extLst>
   </p:cSld>
@@ -16027,8 +16066,8 @@
         </p:nvSpPr>
         <p:spPr bwMode="auto">
           <a:xfrm>
-            <a:off x="406400" y="-6349"/>
-            <a:ext cx="3556000" cy="584775"/>
+            <a:off x="406399" y="-6349"/>
+            <a:ext cx="6812085" cy="584775"/>
           </a:xfrm>
           <a:prstGeom prst="rect">
             <a:avLst/>
@@ -16058,7 +16097,7 @@
           </a:extLst>
         </p:spPr>
         <p:txBody>
-          <a:bodyPr>
+          <a:bodyPr wrap="square">
             <a:spAutoFit/>
           </a:bodyPr>
           <a:lstStyle>
@@ -16175,7 +16214,7 @@
                   <a:schemeClr val="bg1"/>
                 </a:solidFill>
               </a:rPr>
-              <a:t>Random Forests</a:t>
+              <a:t>Support Vector Machine (SVM)</a:t>
             </a:r>
           </a:p>
         </p:txBody>
@@ -16507,8 +16546,8 @@
         </p:nvSpPr>
         <p:spPr bwMode="auto">
           <a:xfrm>
-            <a:off x="340784" y="1188605"/>
-            <a:ext cx="5444719" cy="4493489"/>
+            <a:off x="1358299" y="1320755"/>
+            <a:ext cx="9475402" cy="4216490"/>
           </a:xfrm>
           <a:prstGeom prst="rect">
             <a:avLst/>
@@ -16684,15 +16723,15 @@
           </a:lstStyle>
           <a:p>
             <a:r>
-              <a:rPr lang="en-US" sz="2400" b="1" dirty="0">
+              <a:rPr lang="en-US" sz="2400" dirty="0">
                 <a:latin typeface="Calibri" panose="020F0502020204030204" pitchFamily="34" charset="0"/>
                 <a:cs typeface="Times New Roman" panose="02020603050405020304" pitchFamily="18" charset="0"/>
               </a:rPr>
-              <a:t>Implementation:</a:t>
-            </a:r>
-          </a:p>
-          <a:p>
-            <a:pPr marL="342900" indent="-342900">
+              <a:t>Good for classifying data into categories</a:t>
+            </a:r>
+          </a:p>
+          <a:p>
+            <a:pPr lvl="2" indent="-342900">
               <a:buFont typeface="Arial" panose="020B0604020202020204" pitchFamily="34" charset="0"/>
               <a:buChar char="•"/>
             </a:pPr>
@@ -16701,11 +16740,26 @@
                 <a:latin typeface="Calibri" panose="020F0502020204030204" pitchFamily="34" charset="0"/>
                 <a:cs typeface="Times New Roman" panose="02020603050405020304" pitchFamily="18" charset="0"/>
               </a:rPr>
-              <a:t>Computationally intensive – initial development required several hours to run</a:t>
-            </a:r>
-          </a:p>
-          <a:p>
-            <a:pPr marL="342900" indent="-342900">
+              <a:t>A line is created which has the greatest margin.  Meaning it separates points with the greatest amount of separation</a:t>
+            </a:r>
+          </a:p>
+          <a:p>
+            <a:endParaRPr lang="en-US" sz="2400" dirty="0">
+              <a:latin typeface="Calibri" panose="020F0502020204030204" pitchFamily="34" charset="0"/>
+              <a:cs typeface="Times New Roman" panose="02020603050405020304" pitchFamily="18" charset="0"/>
+            </a:endParaRPr>
+          </a:p>
+          <a:p>
+            <a:r>
+              <a:rPr lang="en-US" sz="2400" dirty="0">
+                <a:latin typeface="Calibri" panose="020F0502020204030204" pitchFamily="34" charset="0"/>
+                <a:cs typeface="Times New Roman" panose="02020603050405020304" pitchFamily="18" charset="0"/>
+              </a:rPr>
+              <a:t>Here data was found to be linearly separable</a:t>
+            </a:r>
+          </a:p>
+          <a:p>
+            <a:pPr lvl="2" indent="-342900">
               <a:buFont typeface="Arial" panose="020B0604020202020204" pitchFamily="34" charset="0"/>
               <a:buChar char="•"/>
             </a:pPr>
@@ -16714,11 +16768,11 @@
                 <a:latin typeface="Calibri" panose="020F0502020204030204" pitchFamily="34" charset="0"/>
                 <a:cs typeface="Times New Roman" panose="02020603050405020304" pitchFamily="18" charset="0"/>
               </a:rPr>
-              <a:t>Large number of factors (more than 48000) requires factor reduction (not reducing factors crashes RStudio)</a:t>
-            </a:r>
-          </a:p>
-          <a:p>
-            <a:pPr marL="342900" indent="-342900">
+              <a:t>Not surprising given the number of columns was far greater than the number of rows (many more components than data points)</a:t>
+            </a:r>
+          </a:p>
+          <a:p>
+            <a:pPr lvl="2" indent="-342900">
               <a:buFont typeface="Arial" panose="020B0604020202020204" pitchFamily="34" charset="0"/>
               <a:buChar char="•"/>
             </a:pPr>
@@ -16727,56 +16781,30 @@
                 <a:latin typeface="Calibri" panose="020F0502020204030204" pitchFamily="34" charset="0"/>
                 <a:cs typeface="Times New Roman" panose="02020603050405020304" pitchFamily="18" charset="0"/>
               </a:rPr>
-              <a:t>We subdivided the factors into “factor subsets” to identify “more important” factors that then competed to “most important factors”</a:t>
-            </a:r>
-          </a:p>
-          <a:p>
-            <a:pPr lvl="0"/>
-            <a:endParaRPr kumimoji="0" lang="en-US" altLang="en-US" sz="1800" b="0" i="0" u="none" strike="noStrike" cap="none" normalizeH="0" baseline="0" dirty="0">
-              <a:ln>
-                <a:noFill/>
-              </a:ln>
-              <a:solidFill>
-                <a:schemeClr val="tx1"/>
-              </a:solidFill>
-              <a:effectLst/>
-              <a:latin typeface="Arial" panose="020B0604020202020204" pitchFamily="34" charset="0"/>
+              <a:t>Classified patients by whether they carried the disease</a:t>
+            </a:r>
+          </a:p>
+          <a:p>
+            <a:endParaRPr lang="en-US" sz="2400" dirty="0">
+              <a:latin typeface="Calibri" panose="020F0502020204030204" pitchFamily="34" charset="0"/>
+              <a:cs typeface="Times New Roman" panose="02020603050405020304" pitchFamily="18" charset="0"/>
             </a:endParaRPr>
+          </a:p>
+          <a:p>
+            <a:r>
+              <a:rPr lang="en-US" sz="2400" dirty="0">
+                <a:latin typeface="Calibri" panose="020F0502020204030204" pitchFamily="34" charset="0"/>
+                <a:cs typeface="Times New Roman" panose="02020603050405020304" pitchFamily="18" charset="0"/>
+              </a:rPr>
+              <a:t>Using a grid search and 10 fold cross validation optimal values were found for the SVM</a:t>
+            </a:r>
           </a:p>
         </p:txBody>
       </p:sp>
-      <p:pic>
-        <p:nvPicPr>
-          <p:cNvPr id="10" name="Picture 9">
-            <a:extLst>
-              <a:ext uri="{FF2B5EF4-FFF2-40B4-BE49-F238E27FC236}">
-                <a16:creationId xmlns:a16="http://schemas.microsoft.com/office/drawing/2014/main" id="{85121255-2911-4FDB-8583-C8462AC4CD42}"/>
-              </a:ext>
-            </a:extLst>
-          </p:cNvPr>
-          <p:cNvPicPr/>
-          <p:nvPr/>
-        </p:nvPicPr>
-        <p:blipFill>
-          <a:blip r:embed="rId4"/>
-          <a:stretch>
-            <a:fillRect/>
-          </a:stretch>
-        </p:blipFill>
-        <p:spPr>
-          <a:xfrm>
-            <a:off x="5654465" y="1205706"/>
-            <a:ext cx="6332220" cy="3966845"/>
-          </a:xfrm>
-          <a:prstGeom prst="rect">
-            <a:avLst/>
-          </a:prstGeom>
-        </p:spPr>
-      </p:pic>
     </p:spTree>
     <p:extLst>
       <p:ext uri="{BB962C8B-B14F-4D97-AF65-F5344CB8AC3E}">
-        <p14:creationId xmlns:p14="http://schemas.microsoft.com/office/powerpoint/2010/main" val="2632042058"/>
+        <p14:creationId xmlns:p14="http://schemas.microsoft.com/office/powerpoint/2010/main" val="2892623184"/>
       </p:ext>
     </p:extLst>
   </p:cSld>
